--- a/figures/systems/figures.pptx
+++ b/figures/systems/figures.pptx
@@ -7,6 +7,7 @@
   <p:sldIdLst>
     <p:sldId id="256" r:id="rId2"/>
     <p:sldId id="257" r:id="rId3"/>
+    <p:sldId id="258" r:id="rId4"/>
   </p:sldIdLst>
   <p:sldSz cx="12192000" cy="6858000"/>
   <p:notesSz cx="6858000" cy="9144000"/>
@@ -260,7 +261,7 @@
           <a:p>
             <a:fld id="{C091804C-7AA3-4BB5-802B-0386E2681DFE}" type="datetimeFigureOut">
               <a:rPr lang="en-US" smtClean="0"/>
-              <a:t>6/2/2024</a:t>
+              <a:t>1/9/2026</a:t>
             </a:fld>
             <a:endParaRPr lang="en-US"/>
           </a:p>
@@ -458,7 +459,7 @@
           <a:p>
             <a:fld id="{C091804C-7AA3-4BB5-802B-0386E2681DFE}" type="datetimeFigureOut">
               <a:rPr lang="en-US" smtClean="0"/>
-              <a:t>6/2/2024</a:t>
+              <a:t>1/9/2026</a:t>
             </a:fld>
             <a:endParaRPr lang="en-US"/>
           </a:p>
@@ -666,7 +667,7 @@
           <a:p>
             <a:fld id="{C091804C-7AA3-4BB5-802B-0386E2681DFE}" type="datetimeFigureOut">
               <a:rPr lang="en-US" smtClean="0"/>
-              <a:t>6/2/2024</a:t>
+              <a:t>1/9/2026</a:t>
             </a:fld>
             <a:endParaRPr lang="en-US"/>
           </a:p>
@@ -864,7 +865,7 @@
           <a:p>
             <a:fld id="{C091804C-7AA3-4BB5-802B-0386E2681DFE}" type="datetimeFigureOut">
               <a:rPr lang="en-US" smtClean="0"/>
-              <a:t>6/2/2024</a:t>
+              <a:t>1/9/2026</a:t>
             </a:fld>
             <a:endParaRPr lang="en-US"/>
           </a:p>
@@ -1139,7 +1140,7 @@
           <a:p>
             <a:fld id="{C091804C-7AA3-4BB5-802B-0386E2681DFE}" type="datetimeFigureOut">
               <a:rPr lang="en-US" smtClean="0"/>
-              <a:t>6/2/2024</a:t>
+              <a:t>1/9/2026</a:t>
             </a:fld>
             <a:endParaRPr lang="en-US"/>
           </a:p>
@@ -1404,7 +1405,7 @@
           <a:p>
             <a:fld id="{C091804C-7AA3-4BB5-802B-0386E2681DFE}" type="datetimeFigureOut">
               <a:rPr lang="en-US" smtClean="0"/>
-              <a:t>6/2/2024</a:t>
+              <a:t>1/9/2026</a:t>
             </a:fld>
             <a:endParaRPr lang="en-US"/>
           </a:p>
@@ -1816,7 +1817,7 @@
           <a:p>
             <a:fld id="{C091804C-7AA3-4BB5-802B-0386E2681DFE}" type="datetimeFigureOut">
               <a:rPr lang="en-US" smtClean="0"/>
-              <a:t>6/2/2024</a:t>
+              <a:t>1/9/2026</a:t>
             </a:fld>
             <a:endParaRPr lang="en-US"/>
           </a:p>
@@ -1957,7 +1958,7 @@
           <a:p>
             <a:fld id="{C091804C-7AA3-4BB5-802B-0386E2681DFE}" type="datetimeFigureOut">
               <a:rPr lang="en-US" smtClean="0"/>
-              <a:t>6/2/2024</a:t>
+              <a:t>1/9/2026</a:t>
             </a:fld>
             <a:endParaRPr lang="en-US"/>
           </a:p>
@@ -2070,7 +2071,7 @@
           <a:p>
             <a:fld id="{C091804C-7AA3-4BB5-802B-0386E2681DFE}" type="datetimeFigureOut">
               <a:rPr lang="en-US" smtClean="0"/>
-              <a:t>6/2/2024</a:t>
+              <a:t>1/9/2026</a:t>
             </a:fld>
             <a:endParaRPr lang="en-US"/>
           </a:p>
@@ -2381,7 +2382,7 @@
           <a:p>
             <a:fld id="{C091804C-7AA3-4BB5-802B-0386E2681DFE}" type="datetimeFigureOut">
               <a:rPr lang="en-US" smtClean="0"/>
-              <a:t>6/2/2024</a:t>
+              <a:t>1/9/2026</a:t>
             </a:fld>
             <a:endParaRPr lang="en-US"/>
           </a:p>
@@ -2669,7 +2670,7 @@
           <a:p>
             <a:fld id="{C091804C-7AA3-4BB5-802B-0386E2681DFE}" type="datetimeFigureOut">
               <a:rPr lang="en-US" smtClean="0"/>
-              <a:t>6/2/2024</a:t>
+              <a:t>1/9/2026</a:t>
             </a:fld>
             <a:endParaRPr lang="en-US"/>
           </a:p>
@@ -2910,7 +2911,7 @@
           <a:p>
             <a:fld id="{C091804C-7AA3-4BB5-802B-0386E2681DFE}" type="datetimeFigureOut">
               <a:rPr lang="en-US" smtClean="0"/>
-              <a:t>6/2/2024</a:t>
+              <a:t>1/9/2026</a:t>
             </a:fld>
             <a:endParaRPr lang="en-US"/>
           </a:p>
@@ -7859,6 +7860,8644 @@
 </p:sld>
 </file>
 
+<file path=ppt/slides/slide3.xml><?xml version="1.0" encoding="utf-8"?>
+<p:sld xmlns:a="http://schemas.openxmlformats.org/drawingml/2006/main" xmlns:r="http://schemas.openxmlformats.org/officeDocument/2006/relationships" xmlns:p="http://schemas.openxmlformats.org/presentationml/2006/main">
+  <p:cSld>
+    <p:spTree>
+      <p:nvGrpSpPr>
+        <p:cNvPr id="1" name=""/>
+        <p:cNvGrpSpPr/>
+        <p:nvPr/>
+      </p:nvGrpSpPr>
+      <p:grpSpPr>
+        <a:xfrm>
+          <a:off x="0" y="0"/>
+          <a:ext cx="0" cy="0"/>
+          <a:chOff x="0" y="0"/>
+          <a:chExt cx="0" cy="0"/>
+        </a:xfrm>
+      </p:grpSpPr>
+      <p:grpSp>
+        <p:nvGrpSpPr>
+          <p:cNvPr id="67" name="Group 66">
+            <a:extLst>
+              <a:ext uri="{FF2B5EF4-FFF2-40B4-BE49-F238E27FC236}">
+                <a16:creationId xmlns:a16="http://schemas.microsoft.com/office/drawing/2014/main" id="{20124096-C606-009F-73C5-0E6CC6E2AEE8}"/>
+              </a:ext>
+            </a:extLst>
+          </p:cNvPr>
+          <p:cNvGrpSpPr/>
+          <p:nvPr/>
+        </p:nvGrpSpPr>
+        <p:grpSpPr>
+          <a:xfrm>
+            <a:off x="3369842" y="537684"/>
+            <a:ext cx="3132870" cy="1891965"/>
+            <a:chOff x="5055285" y="537683"/>
+            <a:chExt cx="4198916" cy="2535759"/>
+          </a:xfrm>
+        </p:grpSpPr>
+        <p:sp>
+          <p:nvSpPr>
+            <p:cNvPr id="2" name="Freeform: Shape 1">
+              <a:extLst>
+                <a:ext uri="{FF2B5EF4-FFF2-40B4-BE49-F238E27FC236}">
+                  <a16:creationId xmlns:a16="http://schemas.microsoft.com/office/drawing/2014/main" id="{C75A0748-08DE-1E1B-E2B4-9CDC832CD9DC}"/>
+                </a:ext>
+              </a:extLst>
+            </p:cNvPr>
+            <p:cNvSpPr/>
+            <p:nvPr/>
+          </p:nvSpPr>
+          <p:spPr>
+            <a:xfrm>
+              <a:off x="5086548" y="1031014"/>
+              <a:ext cx="3678382" cy="1959302"/>
+            </a:xfrm>
+            <a:custGeom>
+              <a:avLst/>
+              <a:gdLst>
+                <a:gd name="csX0" fmla="*/ 0 w 3678382"/>
+                <a:gd name="csY0" fmla="*/ 1943151 h 2111162"/>
+                <a:gd name="csX1" fmla="*/ 280554 w 3678382"/>
+                <a:gd name="csY1" fmla="*/ 1932760 h 2111162"/>
+                <a:gd name="csX2" fmla="*/ 368877 w 3678382"/>
+                <a:gd name="csY2" fmla="*/ 114351 h 2111162"/>
+                <a:gd name="csX3" fmla="*/ 472786 w 3678382"/>
+                <a:gd name="csY3" fmla="*/ 1698964 h 2111162"/>
+                <a:gd name="csX4" fmla="*/ 722168 w 3678382"/>
+                <a:gd name="csY4" fmla="*/ 1828851 h 2111162"/>
+                <a:gd name="csX5" fmla="*/ 779318 w 3678382"/>
+                <a:gd name="csY5" fmla="*/ 649483 h 2111162"/>
+                <a:gd name="csX6" fmla="*/ 852054 w 3678382"/>
+                <a:gd name="csY6" fmla="*/ 1750919 h 2111162"/>
+                <a:gd name="csX7" fmla="*/ 1589809 w 3678382"/>
+                <a:gd name="csY7" fmla="*/ 1854828 h 2111162"/>
+                <a:gd name="csX8" fmla="*/ 1771650 w 3678382"/>
+                <a:gd name="csY8" fmla="*/ 31223 h 2111162"/>
+                <a:gd name="csX9" fmla="*/ 1854777 w 3678382"/>
+                <a:gd name="csY9" fmla="*/ 1771701 h 2111162"/>
+                <a:gd name="csX10" fmla="*/ 2748395 w 3678382"/>
+                <a:gd name="csY10" fmla="*/ 1865219 h 2111162"/>
+                <a:gd name="csX11" fmla="*/ 2852304 w 3678382"/>
+                <a:gd name="csY11" fmla="*/ 51 h 2111162"/>
+                <a:gd name="csX12" fmla="*/ 2961409 w 3678382"/>
+                <a:gd name="csY12" fmla="*/ 1927564 h 2111162"/>
+                <a:gd name="csX13" fmla="*/ 3678382 w 3678382"/>
+                <a:gd name="csY13" fmla="*/ 1865219 h 2111162"/>
+                <a:gd name="csX0" fmla="*/ 0 w 3678382"/>
+                <a:gd name="csY0" fmla="*/ 1943527 h 2111538"/>
+                <a:gd name="csX1" fmla="*/ 280554 w 3678382"/>
+                <a:gd name="csY1" fmla="*/ 1933136 h 2111538"/>
+                <a:gd name="csX2" fmla="*/ 368877 w 3678382"/>
+                <a:gd name="csY2" fmla="*/ 114727 h 2111538"/>
+                <a:gd name="csX3" fmla="*/ 472786 w 3678382"/>
+                <a:gd name="csY3" fmla="*/ 1699340 h 2111538"/>
+                <a:gd name="csX4" fmla="*/ 722168 w 3678382"/>
+                <a:gd name="csY4" fmla="*/ 1829227 h 2111538"/>
+                <a:gd name="csX5" fmla="*/ 779318 w 3678382"/>
+                <a:gd name="csY5" fmla="*/ 649859 h 2111538"/>
+                <a:gd name="csX6" fmla="*/ 852054 w 3678382"/>
+                <a:gd name="csY6" fmla="*/ 1751295 h 2111538"/>
+                <a:gd name="csX7" fmla="*/ 1589809 w 3678382"/>
+                <a:gd name="csY7" fmla="*/ 1855204 h 2111538"/>
+                <a:gd name="csX8" fmla="*/ 1771650 w 3678382"/>
+                <a:gd name="csY8" fmla="*/ 31599 h 2111538"/>
+                <a:gd name="csX9" fmla="*/ 1854777 w 3678382"/>
+                <a:gd name="csY9" fmla="*/ 1772077 h 2111538"/>
+                <a:gd name="csX10" fmla="*/ 2748395 w 3678382"/>
+                <a:gd name="csY10" fmla="*/ 1865595 h 2111538"/>
+                <a:gd name="csX11" fmla="*/ 2852304 w 3678382"/>
+                <a:gd name="csY11" fmla="*/ 427 h 2111538"/>
+                <a:gd name="csX12" fmla="*/ 2961409 w 3678382"/>
+                <a:gd name="csY12" fmla="*/ 1694145 h 2111538"/>
+                <a:gd name="csX13" fmla="*/ 3678382 w 3678382"/>
+                <a:gd name="csY13" fmla="*/ 1865595 h 2111538"/>
+                <a:gd name="csX0" fmla="*/ 0 w 3678382"/>
+                <a:gd name="csY0" fmla="*/ 1943115 h 2111126"/>
+                <a:gd name="csX1" fmla="*/ 280554 w 3678382"/>
+                <a:gd name="csY1" fmla="*/ 1932724 h 2111126"/>
+                <a:gd name="csX2" fmla="*/ 368877 w 3678382"/>
+                <a:gd name="csY2" fmla="*/ 114315 h 2111126"/>
+                <a:gd name="csX3" fmla="*/ 472786 w 3678382"/>
+                <a:gd name="csY3" fmla="*/ 1698928 h 2111126"/>
+                <a:gd name="csX4" fmla="*/ 722168 w 3678382"/>
+                <a:gd name="csY4" fmla="*/ 1828815 h 2111126"/>
+                <a:gd name="csX5" fmla="*/ 779318 w 3678382"/>
+                <a:gd name="csY5" fmla="*/ 649447 h 2111126"/>
+                <a:gd name="csX6" fmla="*/ 852054 w 3678382"/>
+                <a:gd name="csY6" fmla="*/ 1750883 h 2111126"/>
+                <a:gd name="csX7" fmla="*/ 1589809 w 3678382"/>
+                <a:gd name="csY7" fmla="*/ 1854792 h 2111126"/>
+                <a:gd name="csX8" fmla="*/ 1771650 w 3678382"/>
+                <a:gd name="csY8" fmla="*/ 31187 h 2111126"/>
+                <a:gd name="csX9" fmla="*/ 1854777 w 3678382"/>
+                <a:gd name="csY9" fmla="*/ 1771665 h 2111126"/>
+                <a:gd name="csX10" fmla="*/ 2738004 w 3678382"/>
+                <a:gd name="csY10" fmla="*/ 1662560 h 2111126"/>
+                <a:gd name="csX11" fmla="*/ 2852304 w 3678382"/>
+                <a:gd name="csY11" fmla="*/ 15 h 2111126"/>
+                <a:gd name="csX12" fmla="*/ 2961409 w 3678382"/>
+                <a:gd name="csY12" fmla="*/ 1693733 h 2111126"/>
+                <a:gd name="csX13" fmla="*/ 3678382 w 3678382"/>
+                <a:gd name="csY13" fmla="*/ 1865183 h 2111126"/>
+                <a:gd name="csX0" fmla="*/ 0 w 3678382"/>
+                <a:gd name="csY0" fmla="*/ 1943115 h 2111126"/>
+                <a:gd name="csX1" fmla="*/ 280554 w 3678382"/>
+                <a:gd name="csY1" fmla="*/ 1932724 h 2111126"/>
+                <a:gd name="csX2" fmla="*/ 368877 w 3678382"/>
+                <a:gd name="csY2" fmla="*/ 114315 h 2111126"/>
+                <a:gd name="csX3" fmla="*/ 472786 w 3678382"/>
+                <a:gd name="csY3" fmla="*/ 1698928 h 2111126"/>
+                <a:gd name="csX4" fmla="*/ 722168 w 3678382"/>
+                <a:gd name="csY4" fmla="*/ 1828815 h 2111126"/>
+                <a:gd name="csX5" fmla="*/ 779318 w 3678382"/>
+                <a:gd name="csY5" fmla="*/ 649447 h 2111126"/>
+                <a:gd name="csX6" fmla="*/ 852054 w 3678382"/>
+                <a:gd name="csY6" fmla="*/ 1750883 h 2111126"/>
+                <a:gd name="csX7" fmla="*/ 1620982 w 3678382"/>
+                <a:gd name="csY7" fmla="*/ 1719711 h 2111126"/>
+                <a:gd name="csX8" fmla="*/ 1771650 w 3678382"/>
+                <a:gd name="csY8" fmla="*/ 31187 h 2111126"/>
+                <a:gd name="csX9" fmla="*/ 1854777 w 3678382"/>
+                <a:gd name="csY9" fmla="*/ 1771665 h 2111126"/>
+                <a:gd name="csX10" fmla="*/ 2738004 w 3678382"/>
+                <a:gd name="csY10" fmla="*/ 1662560 h 2111126"/>
+                <a:gd name="csX11" fmla="*/ 2852304 w 3678382"/>
+                <a:gd name="csY11" fmla="*/ 15 h 2111126"/>
+                <a:gd name="csX12" fmla="*/ 2961409 w 3678382"/>
+                <a:gd name="csY12" fmla="*/ 1693733 h 2111126"/>
+                <a:gd name="csX13" fmla="*/ 3678382 w 3678382"/>
+                <a:gd name="csY13" fmla="*/ 1865183 h 2111126"/>
+                <a:gd name="csX0" fmla="*/ 0 w 3678382"/>
+                <a:gd name="csY0" fmla="*/ 1943115 h 2035967"/>
+                <a:gd name="csX1" fmla="*/ 311727 w 3678382"/>
+                <a:gd name="csY1" fmla="*/ 1776860 h 2035967"/>
+                <a:gd name="csX2" fmla="*/ 368877 w 3678382"/>
+                <a:gd name="csY2" fmla="*/ 114315 h 2035967"/>
+                <a:gd name="csX3" fmla="*/ 472786 w 3678382"/>
+                <a:gd name="csY3" fmla="*/ 1698928 h 2035967"/>
+                <a:gd name="csX4" fmla="*/ 722168 w 3678382"/>
+                <a:gd name="csY4" fmla="*/ 1828815 h 2035967"/>
+                <a:gd name="csX5" fmla="*/ 779318 w 3678382"/>
+                <a:gd name="csY5" fmla="*/ 649447 h 2035967"/>
+                <a:gd name="csX6" fmla="*/ 852054 w 3678382"/>
+                <a:gd name="csY6" fmla="*/ 1750883 h 2035967"/>
+                <a:gd name="csX7" fmla="*/ 1620982 w 3678382"/>
+                <a:gd name="csY7" fmla="*/ 1719711 h 2035967"/>
+                <a:gd name="csX8" fmla="*/ 1771650 w 3678382"/>
+                <a:gd name="csY8" fmla="*/ 31187 h 2035967"/>
+                <a:gd name="csX9" fmla="*/ 1854777 w 3678382"/>
+                <a:gd name="csY9" fmla="*/ 1771665 h 2035967"/>
+                <a:gd name="csX10" fmla="*/ 2738004 w 3678382"/>
+                <a:gd name="csY10" fmla="*/ 1662560 h 2035967"/>
+                <a:gd name="csX11" fmla="*/ 2852304 w 3678382"/>
+                <a:gd name="csY11" fmla="*/ 15 h 2035967"/>
+                <a:gd name="csX12" fmla="*/ 2961409 w 3678382"/>
+                <a:gd name="csY12" fmla="*/ 1693733 h 2035967"/>
+                <a:gd name="csX13" fmla="*/ 3678382 w 3678382"/>
+                <a:gd name="csY13" fmla="*/ 1865183 h 2035967"/>
+                <a:gd name="csX0" fmla="*/ 0 w 3678382"/>
+                <a:gd name="csY0" fmla="*/ 1943115 h 1979321"/>
+                <a:gd name="csX1" fmla="*/ 311727 w 3678382"/>
+                <a:gd name="csY1" fmla="*/ 1776860 h 1979321"/>
+                <a:gd name="csX2" fmla="*/ 368877 w 3678382"/>
+                <a:gd name="csY2" fmla="*/ 114315 h 1979321"/>
+                <a:gd name="csX3" fmla="*/ 472786 w 3678382"/>
+                <a:gd name="csY3" fmla="*/ 1698928 h 1979321"/>
+                <a:gd name="csX4" fmla="*/ 722168 w 3678382"/>
+                <a:gd name="csY4" fmla="*/ 1828815 h 1979321"/>
+                <a:gd name="csX5" fmla="*/ 779318 w 3678382"/>
+                <a:gd name="csY5" fmla="*/ 649447 h 1979321"/>
+                <a:gd name="csX6" fmla="*/ 852054 w 3678382"/>
+                <a:gd name="csY6" fmla="*/ 1750883 h 1979321"/>
+                <a:gd name="csX7" fmla="*/ 1620982 w 3678382"/>
+                <a:gd name="csY7" fmla="*/ 1719711 h 1979321"/>
+                <a:gd name="csX8" fmla="*/ 1771650 w 3678382"/>
+                <a:gd name="csY8" fmla="*/ 31187 h 1979321"/>
+                <a:gd name="csX9" fmla="*/ 1854777 w 3678382"/>
+                <a:gd name="csY9" fmla="*/ 1771665 h 1979321"/>
+                <a:gd name="csX10" fmla="*/ 2738004 w 3678382"/>
+                <a:gd name="csY10" fmla="*/ 1662560 h 1979321"/>
+                <a:gd name="csX11" fmla="*/ 2852304 w 3678382"/>
+                <a:gd name="csY11" fmla="*/ 15 h 1979321"/>
+                <a:gd name="csX12" fmla="*/ 2961409 w 3678382"/>
+                <a:gd name="csY12" fmla="*/ 1693733 h 1979321"/>
+                <a:gd name="csX13" fmla="*/ 3678382 w 3678382"/>
+                <a:gd name="csY13" fmla="*/ 1865183 h 1979321"/>
+                <a:gd name="csX0" fmla="*/ 0 w 3678382"/>
+                <a:gd name="csY0" fmla="*/ 1943115 h 1979321"/>
+                <a:gd name="csX1" fmla="*/ 311727 w 3678382"/>
+                <a:gd name="csY1" fmla="*/ 1776860 h 1979321"/>
+                <a:gd name="csX2" fmla="*/ 368877 w 3678382"/>
+                <a:gd name="csY2" fmla="*/ 114315 h 1979321"/>
+                <a:gd name="csX3" fmla="*/ 472786 w 3678382"/>
+                <a:gd name="csY3" fmla="*/ 1698928 h 1979321"/>
+                <a:gd name="csX4" fmla="*/ 722168 w 3678382"/>
+                <a:gd name="csY4" fmla="*/ 1828815 h 1979321"/>
+                <a:gd name="csX5" fmla="*/ 779318 w 3678382"/>
+                <a:gd name="csY5" fmla="*/ 649447 h 1979321"/>
+                <a:gd name="csX6" fmla="*/ 852054 w 3678382"/>
+                <a:gd name="csY6" fmla="*/ 1750883 h 1979321"/>
+                <a:gd name="csX7" fmla="*/ 1620982 w 3678382"/>
+                <a:gd name="csY7" fmla="*/ 1719711 h 1979321"/>
+                <a:gd name="csX8" fmla="*/ 1771650 w 3678382"/>
+                <a:gd name="csY8" fmla="*/ 31187 h 1979321"/>
+                <a:gd name="csX9" fmla="*/ 1854777 w 3678382"/>
+                <a:gd name="csY9" fmla="*/ 1771665 h 1979321"/>
+                <a:gd name="csX10" fmla="*/ 2738004 w 3678382"/>
+                <a:gd name="csY10" fmla="*/ 1662560 h 1979321"/>
+                <a:gd name="csX11" fmla="*/ 2852304 w 3678382"/>
+                <a:gd name="csY11" fmla="*/ 15 h 1979321"/>
+                <a:gd name="csX12" fmla="*/ 2961409 w 3678382"/>
+                <a:gd name="csY12" fmla="*/ 1693733 h 1979321"/>
+                <a:gd name="csX13" fmla="*/ 3678382 w 3678382"/>
+                <a:gd name="csY13" fmla="*/ 1865183 h 1979321"/>
+                <a:gd name="csX0" fmla="*/ 0 w 3678382"/>
+                <a:gd name="csY0" fmla="*/ 1943115 h 1979321"/>
+                <a:gd name="csX1" fmla="*/ 311727 w 3678382"/>
+                <a:gd name="csY1" fmla="*/ 1776860 h 1979321"/>
+                <a:gd name="csX2" fmla="*/ 368877 w 3678382"/>
+                <a:gd name="csY2" fmla="*/ 114315 h 1979321"/>
+                <a:gd name="csX3" fmla="*/ 472786 w 3678382"/>
+                <a:gd name="csY3" fmla="*/ 1698928 h 1979321"/>
+                <a:gd name="csX4" fmla="*/ 722168 w 3678382"/>
+                <a:gd name="csY4" fmla="*/ 1828815 h 1979321"/>
+                <a:gd name="csX5" fmla="*/ 779318 w 3678382"/>
+                <a:gd name="csY5" fmla="*/ 649447 h 1979321"/>
+                <a:gd name="csX6" fmla="*/ 852054 w 3678382"/>
+                <a:gd name="csY6" fmla="*/ 1750883 h 1979321"/>
+                <a:gd name="csX7" fmla="*/ 1620982 w 3678382"/>
+                <a:gd name="csY7" fmla="*/ 1719711 h 1979321"/>
+                <a:gd name="csX8" fmla="*/ 1771650 w 3678382"/>
+                <a:gd name="csY8" fmla="*/ 31187 h 1979321"/>
+                <a:gd name="csX9" fmla="*/ 1854777 w 3678382"/>
+                <a:gd name="csY9" fmla="*/ 1771665 h 1979321"/>
+                <a:gd name="csX10" fmla="*/ 2738004 w 3678382"/>
+                <a:gd name="csY10" fmla="*/ 1662560 h 1979321"/>
+                <a:gd name="csX11" fmla="*/ 2852304 w 3678382"/>
+                <a:gd name="csY11" fmla="*/ 15 h 1979321"/>
+                <a:gd name="csX12" fmla="*/ 2961409 w 3678382"/>
+                <a:gd name="csY12" fmla="*/ 1693733 h 1979321"/>
+                <a:gd name="csX13" fmla="*/ 3678382 w 3678382"/>
+                <a:gd name="csY13" fmla="*/ 1865183 h 1979321"/>
+                <a:gd name="csX0" fmla="*/ 0 w 3678382"/>
+                <a:gd name="csY0" fmla="*/ 1943115 h 1979321"/>
+                <a:gd name="csX1" fmla="*/ 311727 w 3678382"/>
+                <a:gd name="csY1" fmla="*/ 1776860 h 1979321"/>
+                <a:gd name="csX2" fmla="*/ 368877 w 3678382"/>
+                <a:gd name="csY2" fmla="*/ 114315 h 1979321"/>
+                <a:gd name="csX3" fmla="*/ 472786 w 3678382"/>
+                <a:gd name="csY3" fmla="*/ 1698928 h 1979321"/>
+                <a:gd name="csX4" fmla="*/ 722168 w 3678382"/>
+                <a:gd name="csY4" fmla="*/ 1828815 h 1979321"/>
+                <a:gd name="csX5" fmla="*/ 779318 w 3678382"/>
+                <a:gd name="csY5" fmla="*/ 649447 h 1979321"/>
+                <a:gd name="csX6" fmla="*/ 852054 w 3678382"/>
+                <a:gd name="csY6" fmla="*/ 1750883 h 1979321"/>
+                <a:gd name="csX7" fmla="*/ 1620982 w 3678382"/>
+                <a:gd name="csY7" fmla="*/ 1719711 h 1979321"/>
+                <a:gd name="csX8" fmla="*/ 1771650 w 3678382"/>
+                <a:gd name="csY8" fmla="*/ 31187 h 1979321"/>
+                <a:gd name="csX9" fmla="*/ 1854777 w 3678382"/>
+                <a:gd name="csY9" fmla="*/ 1771665 h 1979321"/>
+                <a:gd name="csX10" fmla="*/ 2738004 w 3678382"/>
+                <a:gd name="csY10" fmla="*/ 1662560 h 1979321"/>
+                <a:gd name="csX11" fmla="*/ 2852304 w 3678382"/>
+                <a:gd name="csY11" fmla="*/ 15 h 1979321"/>
+                <a:gd name="csX12" fmla="*/ 2961409 w 3678382"/>
+                <a:gd name="csY12" fmla="*/ 1693733 h 1979321"/>
+                <a:gd name="csX13" fmla="*/ 3678382 w 3678382"/>
+                <a:gd name="csY13" fmla="*/ 1865183 h 1979321"/>
+                <a:gd name="csX0" fmla="*/ 0 w 3678382"/>
+                <a:gd name="csY0" fmla="*/ 1943115 h 1979321"/>
+                <a:gd name="csX1" fmla="*/ 311727 w 3678382"/>
+                <a:gd name="csY1" fmla="*/ 1776860 h 1979321"/>
+                <a:gd name="csX2" fmla="*/ 368877 w 3678382"/>
+                <a:gd name="csY2" fmla="*/ 114315 h 1979321"/>
+                <a:gd name="csX3" fmla="*/ 472786 w 3678382"/>
+                <a:gd name="csY3" fmla="*/ 1698928 h 1979321"/>
+                <a:gd name="csX4" fmla="*/ 722168 w 3678382"/>
+                <a:gd name="csY4" fmla="*/ 1828815 h 1979321"/>
+                <a:gd name="csX5" fmla="*/ 779318 w 3678382"/>
+                <a:gd name="csY5" fmla="*/ 649447 h 1979321"/>
+                <a:gd name="csX6" fmla="*/ 852054 w 3678382"/>
+                <a:gd name="csY6" fmla="*/ 1750883 h 1979321"/>
+                <a:gd name="csX7" fmla="*/ 1620982 w 3678382"/>
+                <a:gd name="csY7" fmla="*/ 1719711 h 1979321"/>
+                <a:gd name="csX8" fmla="*/ 1771650 w 3678382"/>
+                <a:gd name="csY8" fmla="*/ 31187 h 1979321"/>
+                <a:gd name="csX9" fmla="*/ 1854777 w 3678382"/>
+                <a:gd name="csY9" fmla="*/ 1771665 h 1979321"/>
+                <a:gd name="csX10" fmla="*/ 2738004 w 3678382"/>
+                <a:gd name="csY10" fmla="*/ 1662560 h 1979321"/>
+                <a:gd name="csX11" fmla="*/ 2852304 w 3678382"/>
+                <a:gd name="csY11" fmla="*/ 15 h 1979321"/>
+                <a:gd name="csX12" fmla="*/ 2961409 w 3678382"/>
+                <a:gd name="csY12" fmla="*/ 1693733 h 1979321"/>
+                <a:gd name="csX13" fmla="*/ 3678382 w 3678382"/>
+                <a:gd name="csY13" fmla="*/ 1865183 h 1979321"/>
+                <a:gd name="csX0" fmla="*/ 0 w 3678382"/>
+                <a:gd name="csY0" fmla="*/ 1943558 h 2040156"/>
+                <a:gd name="csX1" fmla="*/ 311727 w 3678382"/>
+                <a:gd name="csY1" fmla="*/ 1777303 h 2040156"/>
+                <a:gd name="csX2" fmla="*/ 368877 w 3678382"/>
+                <a:gd name="csY2" fmla="*/ 114758 h 2040156"/>
+                <a:gd name="csX3" fmla="*/ 472786 w 3678382"/>
+                <a:gd name="csY3" fmla="*/ 1699371 h 2040156"/>
+                <a:gd name="csX4" fmla="*/ 722168 w 3678382"/>
+                <a:gd name="csY4" fmla="*/ 1829258 h 2040156"/>
+                <a:gd name="csX5" fmla="*/ 779318 w 3678382"/>
+                <a:gd name="csY5" fmla="*/ 649890 h 2040156"/>
+                <a:gd name="csX6" fmla="*/ 852054 w 3678382"/>
+                <a:gd name="csY6" fmla="*/ 1751326 h 2040156"/>
+                <a:gd name="csX7" fmla="*/ 1620982 w 3678382"/>
+                <a:gd name="csY7" fmla="*/ 1720154 h 2040156"/>
+                <a:gd name="csX8" fmla="*/ 1771650 w 3678382"/>
+                <a:gd name="csY8" fmla="*/ 31630 h 2040156"/>
+                <a:gd name="csX9" fmla="*/ 1854777 w 3678382"/>
+                <a:gd name="csY9" fmla="*/ 1772108 h 2040156"/>
+                <a:gd name="csX10" fmla="*/ 2738004 w 3678382"/>
+                <a:gd name="csY10" fmla="*/ 1663003 h 2040156"/>
+                <a:gd name="csX11" fmla="*/ 2852304 w 3678382"/>
+                <a:gd name="csY11" fmla="*/ 458 h 2040156"/>
+                <a:gd name="csX12" fmla="*/ 3070514 w 3678382"/>
+                <a:gd name="csY12" fmla="*/ 1839649 h 2040156"/>
+                <a:gd name="csX13" fmla="*/ 3678382 w 3678382"/>
+                <a:gd name="csY13" fmla="*/ 1865626 h 2040156"/>
+                <a:gd name="csX0" fmla="*/ 0 w 3678382"/>
+                <a:gd name="csY0" fmla="*/ 1943558 h 1979764"/>
+                <a:gd name="csX1" fmla="*/ 311727 w 3678382"/>
+                <a:gd name="csY1" fmla="*/ 1777303 h 1979764"/>
+                <a:gd name="csX2" fmla="*/ 368877 w 3678382"/>
+                <a:gd name="csY2" fmla="*/ 114758 h 1979764"/>
+                <a:gd name="csX3" fmla="*/ 472786 w 3678382"/>
+                <a:gd name="csY3" fmla="*/ 1699371 h 1979764"/>
+                <a:gd name="csX4" fmla="*/ 722168 w 3678382"/>
+                <a:gd name="csY4" fmla="*/ 1829258 h 1979764"/>
+                <a:gd name="csX5" fmla="*/ 779318 w 3678382"/>
+                <a:gd name="csY5" fmla="*/ 649890 h 1979764"/>
+                <a:gd name="csX6" fmla="*/ 852054 w 3678382"/>
+                <a:gd name="csY6" fmla="*/ 1751326 h 1979764"/>
+                <a:gd name="csX7" fmla="*/ 1620982 w 3678382"/>
+                <a:gd name="csY7" fmla="*/ 1720154 h 1979764"/>
+                <a:gd name="csX8" fmla="*/ 1771650 w 3678382"/>
+                <a:gd name="csY8" fmla="*/ 31630 h 1979764"/>
+                <a:gd name="csX9" fmla="*/ 1854777 w 3678382"/>
+                <a:gd name="csY9" fmla="*/ 1772108 h 1979764"/>
+                <a:gd name="csX10" fmla="*/ 2738004 w 3678382"/>
+                <a:gd name="csY10" fmla="*/ 1663003 h 1979764"/>
+                <a:gd name="csX11" fmla="*/ 2852304 w 3678382"/>
+                <a:gd name="csY11" fmla="*/ 458 h 1979764"/>
+                <a:gd name="csX12" fmla="*/ 3070514 w 3678382"/>
+                <a:gd name="csY12" fmla="*/ 1839649 h 1979764"/>
+                <a:gd name="csX13" fmla="*/ 3678382 w 3678382"/>
+                <a:gd name="csY13" fmla="*/ 1865626 h 1979764"/>
+                <a:gd name="csX0" fmla="*/ 0 w 3678382"/>
+                <a:gd name="csY0" fmla="*/ 1943558 h 1979764"/>
+                <a:gd name="csX1" fmla="*/ 311727 w 3678382"/>
+                <a:gd name="csY1" fmla="*/ 1777303 h 1979764"/>
+                <a:gd name="csX2" fmla="*/ 368877 w 3678382"/>
+                <a:gd name="csY2" fmla="*/ 114758 h 1979764"/>
+                <a:gd name="csX3" fmla="*/ 472786 w 3678382"/>
+                <a:gd name="csY3" fmla="*/ 1699371 h 1979764"/>
+                <a:gd name="csX4" fmla="*/ 722168 w 3678382"/>
+                <a:gd name="csY4" fmla="*/ 1829258 h 1979764"/>
+                <a:gd name="csX5" fmla="*/ 779318 w 3678382"/>
+                <a:gd name="csY5" fmla="*/ 649890 h 1979764"/>
+                <a:gd name="csX6" fmla="*/ 852054 w 3678382"/>
+                <a:gd name="csY6" fmla="*/ 1751326 h 1979764"/>
+                <a:gd name="csX7" fmla="*/ 1620982 w 3678382"/>
+                <a:gd name="csY7" fmla="*/ 1720154 h 1979764"/>
+                <a:gd name="csX8" fmla="*/ 1771650 w 3678382"/>
+                <a:gd name="csY8" fmla="*/ 31630 h 1979764"/>
+                <a:gd name="csX9" fmla="*/ 1854777 w 3678382"/>
+                <a:gd name="csY9" fmla="*/ 1772108 h 1979764"/>
+                <a:gd name="csX10" fmla="*/ 2738004 w 3678382"/>
+                <a:gd name="csY10" fmla="*/ 1663003 h 1979764"/>
+                <a:gd name="csX11" fmla="*/ 2852304 w 3678382"/>
+                <a:gd name="csY11" fmla="*/ 458 h 1979764"/>
+                <a:gd name="csX12" fmla="*/ 3070514 w 3678382"/>
+                <a:gd name="csY12" fmla="*/ 1839649 h 1979764"/>
+                <a:gd name="csX13" fmla="*/ 3678382 w 3678382"/>
+                <a:gd name="csY13" fmla="*/ 1865626 h 1979764"/>
+                <a:gd name="csX0" fmla="*/ 0 w 3678382"/>
+                <a:gd name="csY0" fmla="*/ 1943102 h 2025202"/>
+                <a:gd name="csX1" fmla="*/ 311727 w 3678382"/>
+                <a:gd name="csY1" fmla="*/ 1776847 h 2025202"/>
+                <a:gd name="csX2" fmla="*/ 368877 w 3678382"/>
+                <a:gd name="csY2" fmla="*/ 114302 h 2025202"/>
+                <a:gd name="csX3" fmla="*/ 472786 w 3678382"/>
+                <a:gd name="csY3" fmla="*/ 1698915 h 2025202"/>
+                <a:gd name="csX4" fmla="*/ 722168 w 3678382"/>
+                <a:gd name="csY4" fmla="*/ 1828802 h 2025202"/>
+                <a:gd name="csX5" fmla="*/ 779318 w 3678382"/>
+                <a:gd name="csY5" fmla="*/ 649434 h 2025202"/>
+                <a:gd name="csX6" fmla="*/ 852054 w 3678382"/>
+                <a:gd name="csY6" fmla="*/ 1750870 h 2025202"/>
+                <a:gd name="csX7" fmla="*/ 1620982 w 3678382"/>
+                <a:gd name="csY7" fmla="*/ 1719698 h 2025202"/>
+                <a:gd name="csX8" fmla="*/ 1771650 w 3678382"/>
+                <a:gd name="csY8" fmla="*/ 31174 h 2025202"/>
+                <a:gd name="csX9" fmla="*/ 1854777 w 3678382"/>
+                <a:gd name="csY9" fmla="*/ 1771652 h 2025202"/>
+                <a:gd name="csX10" fmla="*/ 2753590 w 3678382"/>
+                <a:gd name="csY10" fmla="*/ 1828802 h 2025202"/>
+                <a:gd name="csX11" fmla="*/ 2852304 w 3678382"/>
+                <a:gd name="csY11" fmla="*/ 2 h 2025202"/>
+                <a:gd name="csX12" fmla="*/ 3070514 w 3678382"/>
+                <a:gd name="csY12" fmla="*/ 1839193 h 2025202"/>
+                <a:gd name="csX13" fmla="*/ 3678382 w 3678382"/>
+                <a:gd name="csY13" fmla="*/ 1865170 h 2025202"/>
+                <a:gd name="csX0" fmla="*/ 0 w 3678382"/>
+                <a:gd name="csY0" fmla="*/ 1943102 h 2025202"/>
+                <a:gd name="csX1" fmla="*/ 311727 w 3678382"/>
+                <a:gd name="csY1" fmla="*/ 1776847 h 2025202"/>
+                <a:gd name="csX2" fmla="*/ 368877 w 3678382"/>
+                <a:gd name="csY2" fmla="*/ 114302 h 2025202"/>
+                <a:gd name="csX3" fmla="*/ 472786 w 3678382"/>
+                <a:gd name="csY3" fmla="*/ 1698915 h 2025202"/>
+                <a:gd name="csX4" fmla="*/ 722168 w 3678382"/>
+                <a:gd name="csY4" fmla="*/ 1828802 h 2025202"/>
+                <a:gd name="csX5" fmla="*/ 779318 w 3678382"/>
+                <a:gd name="csY5" fmla="*/ 649434 h 2025202"/>
+                <a:gd name="csX6" fmla="*/ 852054 w 3678382"/>
+                <a:gd name="csY6" fmla="*/ 1750870 h 2025202"/>
+                <a:gd name="csX7" fmla="*/ 1620982 w 3678382"/>
+                <a:gd name="csY7" fmla="*/ 1719698 h 2025202"/>
+                <a:gd name="csX8" fmla="*/ 1771650 w 3678382"/>
+                <a:gd name="csY8" fmla="*/ 31174 h 2025202"/>
+                <a:gd name="csX9" fmla="*/ 1854777 w 3678382"/>
+                <a:gd name="csY9" fmla="*/ 1771652 h 2025202"/>
+                <a:gd name="csX10" fmla="*/ 2753590 w 3678382"/>
+                <a:gd name="csY10" fmla="*/ 1828802 h 2025202"/>
+                <a:gd name="csX11" fmla="*/ 2852304 w 3678382"/>
+                <a:gd name="csY11" fmla="*/ 2 h 2025202"/>
+                <a:gd name="csX12" fmla="*/ 3070514 w 3678382"/>
+                <a:gd name="csY12" fmla="*/ 1839193 h 2025202"/>
+                <a:gd name="csX13" fmla="*/ 3678382 w 3678382"/>
+                <a:gd name="csY13" fmla="*/ 1865170 h 2025202"/>
+                <a:gd name="csX0" fmla="*/ 0 w 3678382"/>
+                <a:gd name="csY0" fmla="*/ 1943102 h 1979308"/>
+                <a:gd name="csX1" fmla="*/ 311727 w 3678382"/>
+                <a:gd name="csY1" fmla="*/ 1776847 h 1979308"/>
+                <a:gd name="csX2" fmla="*/ 368877 w 3678382"/>
+                <a:gd name="csY2" fmla="*/ 114302 h 1979308"/>
+                <a:gd name="csX3" fmla="*/ 472786 w 3678382"/>
+                <a:gd name="csY3" fmla="*/ 1698915 h 1979308"/>
+                <a:gd name="csX4" fmla="*/ 722168 w 3678382"/>
+                <a:gd name="csY4" fmla="*/ 1828802 h 1979308"/>
+                <a:gd name="csX5" fmla="*/ 779318 w 3678382"/>
+                <a:gd name="csY5" fmla="*/ 649434 h 1979308"/>
+                <a:gd name="csX6" fmla="*/ 852054 w 3678382"/>
+                <a:gd name="csY6" fmla="*/ 1750870 h 1979308"/>
+                <a:gd name="csX7" fmla="*/ 1620982 w 3678382"/>
+                <a:gd name="csY7" fmla="*/ 1719698 h 1979308"/>
+                <a:gd name="csX8" fmla="*/ 1771650 w 3678382"/>
+                <a:gd name="csY8" fmla="*/ 31174 h 1979308"/>
+                <a:gd name="csX9" fmla="*/ 1854777 w 3678382"/>
+                <a:gd name="csY9" fmla="*/ 1771652 h 1979308"/>
+                <a:gd name="csX10" fmla="*/ 2753590 w 3678382"/>
+                <a:gd name="csY10" fmla="*/ 1828802 h 1979308"/>
+                <a:gd name="csX11" fmla="*/ 2852304 w 3678382"/>
+                <a:gd name="csY11" fmla="*/ 2 h 1979308"/>
+                <a:gd name="csX12" fmla="*/ 3070514 w 3678382"/>
+                <a:gd name="csY12" fmla="*/ 1839193 h 1979308"/>
+                <a:gd name="csX13" fmla="*/ 3678382 w 3678382"/>
+                <a:gd name="csY13" fmla="*/ 1865170 h 1979308"/>
+                <a:gd name="csX0" fmla="*/ 0 w 3678382"/>
+                <a:gd name="csY0" fmla="*/ 1943102 h 2025202"/>
+                <a:gd name="csX1" fmla="*/ 311727 w 3678382"/>
+                <a:gd name="csY1" fmla="*/ 1776847 h 2025202"/>
+                <a:gd name="csX2" fmla="*/ 368877 w 3678382"/>
+                <a:gd name="csY2" fmla="*/ 114302 h 2025202"/>
+                <a:gd name="csX3" fmla="*/ 472786 w 3678382"/>
+                <a:gd name="csY3" fmla="*/ 1698915 h 2025202"/>
+                <a:gd name="csX4" fmla="*/ 722168 w 3678382"/>
+                <a:gd name="csY4" fmla="*/ 1828802 h 2025202"/>
+                <a:gd name="csX5" fmla="*/ 779318 w 3678382"/>
+                <a:gd name="csY5" fmla="*/ 649434 h 2025202"/>
+                <a:gd name="csX6" fmla="*/ 852054 w 3678382"/>
+                <a:gd name="csY6" fmla="*/ 1750870 h 2025202"/>
+                <a:gd name="csX7" fmla="*/ 1620982 w 3678382"/>
+                <a:gd name="csY7" fmla="*/ 1719698 h 2025202"/>
+                <a:gd name="csX8" fmla="*/ 1771650 w 3678382"/>
+                <a:gd name="csY8" fmla="*/ 31174 h 2025202"/>
+                <a:gd name="csX9" fmla="*/ 1828800 w 3678382"/>
+                <a:gd name="csY9" fmla="*/ 1771652 h 2025202"/>
+                <a:gd name="csX10" fmla="*/ 2753590 w 3678382"/>
+                <a:gd name="csY10" fmla="*/ 1828802 h 2025202"/>
+                <a:gd name="csX11" fmla="*/ 2852304 w 3678382"/>
+                <a:gd name="csY11" fmla="*/ 2 h 2025202"/>
+                <a:gd name="csX12" fmla="*/ 3070514 w 3678382"/>
+                <a:gd name="csY12" fmla="*/ 1839193 h 2025202"/>
+                <a:gd name="csX13" fmla="*/ 3678382 w 3678382"/>
+                <a:gd name="csY13" fmla="*/ 1865170 h 2025202"/>
+                <a:gd name="csX0" fmla="*/ 0 w 3678382"/>
+                <a:gd name="csY0" fmla="*/ 1943102 h 2025202"/>
+                <a:gd name="csX1" fmla="*/ 311727 w 3678382"/>
+                <a:gd name="csY1" fmla="*/ 1776847 h 2025202"/>
+                <a:gd name="csX2" fmla="*/ 368877 w 3678382"/>
+                <a:gd name="csY2" fmla="*/ 114302 h 2025202"/>
+                <a:gd name="csX3" fmla="*/ 472786 w 3678382"/>
+                <a:gd name="csY3" fmla="*/ 1698915 h 2025202"/>
+                <a:gd name="csX4" fmla="*/ 722168 w 3678382"/>
+                <a:gd name="csY4" fmla="*/ 1828802 h 2025202"/>
+                <a:gd name="csX5" fmla="*/ 779318 w 3678382"/>
+                <a:gd name="csY5" fmla="*/ 649434 h 2025202"/>
+                <a:gd name="csX6" fmla="*/ 852054 w 3678382"/>
+                <a:gd name="csY6" fmla="*/ 1750870 h 2025202"/>
+                <a:gd name="csX7" fmla="*/ 1620982 w 3678382"/>
+                <a:gd name="csY7" fmla="*/ 1719698 h 2025202"/>
+                <a:gd name="csX8" fmla="*/ 1771650 w 3678382"/>
+                <a:gd name="csY8" fmla="*/ 31174 h 2025202"/>
+                <a:gd name="csX9" fmla="*/ 1828800 w 3678382"/>
+                <a:gd name="csY9" fmla="*/ 1771652 h 2025202"/>
+                <a:gd name="csX10" fmla="*/ 2753590 w 3678382"/>
+                <a:gd name="csY10" fmla="*/ 1828802 h 2025202"/>
+                <a:gd name="csX11" fmla="*/ 2852304 w 3678382"/>
+                <a:gd name="csY11" fmla="*/ 2 h 2025202"/>
+                <a:gd name="csX12" fmla="*/ 3070514 w 3678382"/>
+                <a:gd name="csY12" fmla="*/ 1839193 h 2025202"/>
+                <a:gd name="csX13" fmla="*/ 3678382 w 3678382"/>
+                <a:gd name="csY13" fmla="*/ 1865170 h 2025202"/>
+                <a:gd name="csX0" fmla="*/ 0 w 3678382"/>
+                <a:gd name="csY0" fmla="*/ 1943102 h 1979308"/>
+                <a:gd name="csX1" fmla="*/ 311727 w 3678382"/>
+                <a:gd name="csY1" fmla="*/ 1776847 h 1979308"/>
+                <a:gd name="csX2" fmla="*/ 368877 w 3678382"/>
+                <a:gd name="csY2" fmla="*/ 114302 h 1979308"/>
+                <a:gd name="csX3" fmla="*/ 472786 w 3678382"/>
+                <a:gd name="csY3" fmla="*/ 1698915 h 1979308"/>
+                <a:gd name="csX4" fmla="*/ 722168 w 3678382"/>
+                <a:gd name="csY4" fmla="*/ 1828802 h 1979308"/>
+                <a:gd name="csX5" fmla="*/ 779318 w 3678382"/>
+                <a:gd name="csY5" fmla="*/ 649434 h 1979308"/>
+                <a:gd name="csX6" fmla="*/ 852054 w 3678382"/>
+                <a:gd name="csY6" fmla="*/ 1750870 h 1979308"/>
+                <a:gd name="csX7" fmla="*/ 1620982 w 3678382"/>
+                <a:gd name="csY7" fmla="*/ 1719698 h 1979308"/>
+                <a:gd name="csX8" fmla="*/ 1771650 w 3678382"/>
+                <a:gd name="csY8" fmla="*/ 31174 h 1979308"/>
+                <a:gd name="csX9" fmla="*/ 1828800 w 3678382"/>
+                <a:gd name="csY9" fmla="*/ 1771652 h 1979308"/>
+                <a:gd name="csX10" fmla="*/ 2753590 w 3678382"/>
+                <a:gd name="csY10" fmla="*/ 1828802 h 1979308"/>
+                <a:gd name="csX11" fmla="*/ 2852304 w 3678382"/>
+                <a:gd name="csY11" fmla="*/ 2 h 1979308"/>
+                <a:gd name="csX12" fmla="*/ 3070514 w 3678382"/>
+                <a:gd name="csY12" fmla="*/ 1839193 h 1979308"/>
+                <a:gd name="csX13" fmla="*/ 3678382 w 3678382"/>
+                <a:gd name="csY13" fmla="*/ 1865170 h 1979308"/>
+                <a:gd name="csX0" fmla="*/ 0 w 3678382"/>
+                <a:gd name="csY0" fmla="*/ 1943102 h 1979308"/>
+                <a:gd name="csX1" fmla="*/ 311727 w 3678382"/>
+                <a:gd name="csY1" fmla="*/ 1776847 h 1979308"/>
+                <a:gd name="csX2" fmla="*/ 368877 w 3678382"/>
+                <a:gd name="csY2" fmla="*/ 114302 h 1979308"/>
+                <a:gd name="csX3" fmla="*/ 472786 w 3678382"/>
+                <a:gd name="csY3" fmla="*/ 1698915 h 1979308"/>
+                <a:gd name="csX4" fmla="*/ 722168 w 3678382"/>
+                <a:gd name="csY4" fmla="*/ 1828802 h 1979308"/>
+                <a:gd name="csX5" fmla="*/ 779318 w 3678382"/>
+                <a:gd name="csY5" fmla="*/ 649434 h 1979308"/>
+                <a:gd name="csX6" fmla="*/ 852054 w 3678382"/>
+                <a:gd name="csY6" fmla="*/ 1750870 h 1979308"/>
+                <a:gd name="csX7" fmla="*/ 1620982 w 3678382"/>
+                <a:gd name="csY7" fmla="*/ 1719698 h 1979308"/>
+                <a:gd name="csX8" fmla="*/ 1771650 w 3678382"/>
+                <a:gd name="csY8" fmla="*/ 31174 h 1979308"/>
+                <a:gd name="csX9" fmla="*/ 1963882 w 3678382"/>
+                <a:gd name="csY9" fmla="*/ 1724893 h 1979308"/>
+                <a:gd name="csX10" fmla="*/ 2753590 w 3678382"/>
+                <a:gd name="csY10" fmla="*/ 1828802 h 1979308"/>
+                <a:gd name="csX11" fmla="*/ 2852304 w 3678382"/>
+                <a:gd name="csY11" fmla="*/ 2 h 1979308"/>
+                <a:gd name="csX12" fmla="*/ 3070514 w 3678382"/>
+                <a:gd name="csY12" fmla="*/ 1839193 h 1979308"/>
+                <a:gd name="csX13" fmla="*/ 3678382 w 3678382"/>
+                <a:gd name="csY13" fmla="*/ 1865170 h 1979308"/>
+                <a:gd name="csX0" fmla="*/ 0 w 3678382"/>
+                <a:gd name="csY0" fmla="*/ 1943137 h 1979343"/>
+                <a:gd name="csX1" fmla="*/ 311727 w 3678382"/>
+                <a:gd name="csY1" fmla="*/ 1776882 h 1979343"/>
+                <a:gd name="csX2" fmla="*/ 368877 w 3678382"/>
+                <a:gd name="csY2" fmla="*/ 114337 h 1979343"/>
+                <a:gd name="csX3" fmla="*/ 472786 w 3678382"/>
+                <a:gd name="csY3" fmla="*/ 1698950 h 1979343"/>
+                <a:gd name="csX4" fmla="*/ 722168 w 3678382"/>
+                <a:gd name="csY4" fmla="*/ 1828837 h 1979343"/>
+                <a:gd name="csX5" fmla="*/ 779318 w 3678382"/>
+                <a:gd name="csY5" fmla="*/ 649469 h 1979343"/>
+                <a:gd name="csX6" fmla="*/ 852054 w 3678382"/>
+                <a:gd name="csY6" fmla="*/ 1750905 h 1979343"/>
+                <a:gd name="csX7" fmla="*/ 1620982 w 3678382"/>
+                <a:gd name="csY7" fmla="*/ 1719733 h 1979343"/>
+                <a:gd name="csX8" fmla="*/ 1771650 w 3678382"/>
+                <a:gd name="csY8" fmla="*/ 31209 h 1979343"/>
+                <a:gd name="csX9" fmla="*/ 1963882 w 3678382"/>
+                <a:gd name="csY9" fmla="*/ 1724928 h 1979343"/>
+                <a:gd name="csX10" fmla="*/ 2732809 w 3678382"/>
+                <a:gd name="csY10" fmla="*/ 1787273 h 1979343"/>
+                <a:gd name="csX11" fmla="*/ 2852304 w 3678382"/>
+                <a:gd name="csY11" fmla="*/ 37 h 1979343"/>
+                <a:gd name="csX12" fmla="*/ 3070514 w 3678382"/>
+                <a:gd name="csY12" fmla="*/ 1839228 h 1979343"/>
+                <a:gd name="csX13" fmla="*/ 3678382 w 3678382"/>
+                <a:gd name="csY13" fmla="*/ 1865205 h 1979343"/>
+                <a:gd name="csX0" fmla="*/ 0 w 3678382"/>
+                <a:gd name="csY0" fmla="*/ 1943137 h 1979343"/>
+                <a:gd name="csX1" fmla="*/ 311727 w 3678382"/>
+                <a:gd name="csY1" fmla="*/ 1776882 h 1979343"/>
+                <a:gd name="csX2" fmla="*/ 368877 w 3678382"/>
+                <a:gd name="csY2" fmla="*/ 114337 h 1979343"/>
+                <a:gd name="csX3" fmla="*/ 472786 w 3678382"/>
+                <a:gd name="csY3" fmla="*/ 1698950 h 1979343"/>
+                <a:gd name="csX4" fmla="*/ 722168 w 3678382"/>
+                <a:gd name="csY4" fmla="*/ 1828837 h 1979343"/>
+                <a:gd name="csX5" fmla="*/ 779318 w 3678382"/>
+                <a:gd name="csY5" fmla="*/ 649469 h 1979343"/>
+                <a:gd name="csX6" fmla="*/ 852054 w 3678382"/>
+                <a:gd name="csY6" fmla="*/ 1750905 h 1979343"/>
+                <a:gd name="csX7" fmla="*/ 1620982 w 3678382"/>
+                <a:gd name="csY7" fmla="*/ 1719733 h 1979343"/>
+                <a:gd name="csX8" fmla="*/ 1771650 w 3678382"/>
+                <a:gd name="csY8" fmla="*/ 31209 h 1979343"/>
+                <a:gd name="csX9" fmla="*/ 1963882 w 3678382"/>
+                <a:gd name="csY9" fmla="*/ 1724928 h 1979343"/>
+                <a:gd name="csX10" fmla="*/ 2732809 w 3678382"/>
+                <a:gd name="csY10" fmla="*/ 1787273 h 1979343"/>
+                <a:gd name="csX11" fmla="*/ 2852304 w 3678382"/>
+                <a:gd name="csY11" fmla="*/ 37 h 1979343"/>
+                <a:gd name="csX12" fmla="*/ 3070514 w 3678382"/>
+                <a:gd name="csY12" fmla="*/ 1839228 h 1979343"/>
+                <a:gd name="csX13" fmla="*/ 3678382 w 3678382"/>
+                <a:gd name="csY13" fmla="*/ 1865205 h 1979343"/>
+                <a:gd name="csX0" fmla="*/ 0 w 3678382"/>
+                <a:gd name="csY0" fmla="*/ 1943136 h 1979342"/>
+                <a:gd name="csX1" fmla="*/ 311727 w 3678382"/>
+                <a:gd name="csY1" fmla="*/ 1776881 h 1979342"/>
+                <a:gd name="csX2" fmla="*/ 368877 w 3678382"/>
+                <a:gd name="csY2" fmla="*/ 114336 h 1979342"/>
+                <a:gd name="csX3" fmla="*/ 472786 w 3678382"/>
+                <a:gd name="csY3" fmla="*/ 1698949 h 1979342"/>
+                <a:gd name="csX4" fmla="*/ 722168 w 3678382"/>
+                <a:gd name="csY4" fmla="*/ 1828836 h 1979342"/>
+                <a:gd name="csX5" fmla="*/ 779318 w 3678382"/>
+                <a:gd name="csY5" fmla="*/ 649468 h 1979342"/>
+                <a:gd name="csX6" fmla="*/ 852054 w 3678382"/>
+                <a:gd name="csY6" fmla="*/ 1750904 h 1979342"/>
+                <a:gd name="csX7" fmla="*/ 1620982 w 3678382"/>
+                <a:gd name="csY7" fmla="*/ 1719732 h 1979342"/>
+                <a:gd name="csX8" fmla="*/ 1771650 w 3678382"/>
+                <a:gd name="csY8" fmla="*/ 31208 h 1979342"/>
+                <a:gd name="csX9" fmla="*/ 1963882 w 3678382"/>
+                <a:gd name="csY9" fmla="*/ 1724927 h 1979342"/>
+                <a:gd name="csX10" fmla="*/ 2732809 w 3678382"/>
+                <a:gd name="csY10" fmla="*/ 1787272 h 1979342"/>
+                <a:gd name="csX11" fmla="*/ 2852304 w 3678382"/>
+                <a:gd name="csY11" fmla="*/ 36 h 1979342"/>
+                <a:gd name="csX12" fmla="*/ 3070514 w 3678382"/>
+                <a:gd name="csY12" fmla="*/ 1839227 h 1979342"/>
+                <a:gd name="csX13" fmla="*/ 3678382 w 3678382"/>
+                <a:gd name="csY13" fmla="*/ 1865204 h 1979342"/>
+                <a:gd name="csX0" fmla="*/ 0 w 3678382"/>
+                <a:gd name="csY0" fmla="*/ 1943133 h 1979339"/>
+                <a:gd name="csX1" fmla="*/ 311727 w 3678382"/>
+                <a:gd name="csY1" fmla="*/ 1776878 h 1979339"/>
+                <a:gd name="csX2" fmla="*/ 368877 w 3678382"/>
+                <a:gd name="csY2" fmla="*/ 114333 h 1979339"/>
+                <a:gd name="csX3" fmla="*/ 472786 w 3678382"/>
+                <a:gd name="csY3" fmla="*/ 1698946 h 1979339"/>
+                <a:gd name="csX4" fmla="*/ 722168 w 3678382"/>
+                <a:gd name="csY4" fmla="*/ 1828833 h 1979339"/>
+                <a:gd name="csX5" fmla="*/ 779318 w 3678382"/>
+                <a:gd name="csY5" fmla="*/ 649465 h 1979339"/>
+                <a:gd name="csX6" fmla="*/ 852054 w 3678382"/>
+                <a:gd name="csY6" fmla="*/ 1750901 h 1979339"/>
+                <a:gd name="csX7" fmla="*/ 1620982 w 3678382"/>
+                <a:gd name="csY7" fmla="*/ 1719729 h 1979339"/>
+                <a:gd name="csX8" fmla="*/ 1771650 w 3678382"/>
+                <a:gd name="csY8" fmla="*/ 31205 h 1979339"/>
+                <a:gd name="csX9" fmla="*/ 1963882 w 3678382"/>
+                <a:gd name="csY9" fmla="*/ 1724924 h 1979339"/>
+                <a:gd name="csX10" fmla="*/ 2732809 w 3678382"/>
+                <a:gd name="csY10" fmla="*/ 1787269 h 1979339"/>
+                <a:gd name="csX11" fmla="*/ 2852304 w 3678382"/>
+                <a:gd name="csY11" fmla="*/ 33 h 1979339"/>
+                <a:gd name="csX12" fmla="*/ 3070514 w 3678382"/>
+                <a:gd name="csY12" fmla="*/ 1839224 h 1979339"/>
+                <a:gd name="csX13" fmla="*/ 3678382 w 3678382"/>
+                <a:gd name="csY13" fmla="*/ 1865201 h 1979339"/>
+                <a:gd name="csX0" fmla="*/ 0 w 3678382"/>
+                <a:gd name="csY0" fmla="*/ 1943133 h 1979339"/>
+                <a:gd name="csX1" fmla="*/ 311727 w 3678382"/>
+                <a:gd name="csY1" fmla="*/ 1776878 h 1979339"/>
+                <a:gd name="csX2" fmla="*/ 368877 w 3678382"/>
+                <a:gd name="csY2" fmla="*/ 114333 h 1979339"/>
+                <a:gd name="csX3" fmla="*/ 472786 w 3678382"/>
+                <a:gd name="csY3" fmla="*/ 1698946 h 1979339"/>
+                <a:gd name="csX4" fmla="*/ 722168 w 3678382"/>
+                <a:gd name="csY4" fmla="*/ 1828833 h 1979339"/>
+                <a:gd name="csX5" fmla="*/ 779318 w 3678382"/>
+                <a:gd name="csY5" fmla="*/ 649465 h 1979339"/>
+                <a:gd name="csX6" fmla="*/ 852054 w 3678382"/>
+                <a:gd name="csY6" fmla="*/ 1750901 h 1979339"/>
+                <a:gd name="csX7" fmla="*/ 1620982 w 3678382"/>
+                <a:gd name="csY7" fmla="*/ 1719729 h 1979339"/>
+                <a:gd name="csX8" fmla="*/ 1771650 w 3678382"/>
+                <a:gd name="csY8" fmla="*/ 31205 h 1979339"/>
+                <a:gd name="csX9" fmla="*/ 1963882 w 3678382"/>
+                <a:gd name="csY9" fmla="*/ 1724924 h 1979339"/>
+                <a:gd name="csX10" fmla="*/ 2732809 w 3678382"/>
+                <a:gd name="csY10" fmla="*/ 1787269 h 1979339"/>
+                <a:gd name="csX11" fmla="*/ 2852304 w 3678382"/>
+                <a:gd name="csY11" fmla="*/ 33 h 1979339"/>
+                <a:gd name="csX12" fmla="*/ 3070514 w 3678382"/>
+                <a:gd name="csY12" fmla="*/ 1839224 h 1979339"/>
+                <a:gd name="csX13" fmla="*/ 3678382 w 3678382"/>
+                <a:gd name="csY13" fmla="*/ 1865201 h 1979339"/>
+                <a:gd name="csX0" fmla="*/ 0 w 3678382"/>
+                <a:gd name="csY0" fmla="*/ 1943133 h 1979339"/>
+                <a:gd name="csX1" fmla="*/ 311727 w 3678382"/>
+                <a:gd name="csY1" fmla="*/ 1776878 h 1979339"/>
+                <a:gd name="csX2" fmla="*/ 368877 w 3678382"/>
+                <a:gd name="csY2" fmla="*/ 114333 h 1979339"/>
+                <a:gd name="csX3" fmla="*/ 472786 w 3678382"/>
+                <a:gd name="csY3" fmla="*/ 1698946 h 1979339"/>
+                <a:gd name="csX4" fmla="*/ 722168 w 3678382"/>
+                <a:gd name="csY4" fmla="*/ 1828833 h 1979339"/>
+                <a:gd name="csX5" fmla="*/ 779318 w 3678382"/>
+                <a:gd name="csY5" fmla="*/ 649465 h 1979339"/>
+                <a:gd name="csX6" fmla="*/ 852054 w 3678382"/>
+                <a:gd name="csY6" fmla="*/ 1750901 h 1979339"/>
+                <a:gd name="csX7" fmla="*/ 1620982 w 3678382"/>
+                <a:gd name="csY7" fmla="*/ 1719729 h 1979339"/>
+                <a:gd name="csX8" fmla="*/ 1771650 w 3678382"/>
+                <a:gd name="csY8" fmla="*/ 31205 h 1979339"/>
+                <a:gd name="csX9" fmla="*/ 1963882 w 3678382"/>
+                <a:gd name="csY9" fmla="*/ 1724924 h 1979339"/>
+                <a:gd name="csX10" fmla="*/ 2732809 w 3678382"/>
+                <a:gd name="csY10" fmla="*/ 1787269 h 1979339"/>
+                <a:gd name="csX11" fmla="*/ 2852304 w 3678382"/>
+                <a:gd name="csY11" fmla="*/ 33 h 1979339"/>
+                <a:gd name="csX12" fmla="*/ 3070514 w 3678382"/>
+                <a:gd name="csY12" fmla="*/ 1839224 h 1979339"/>
+                <a:gd name="csX13" fmla="*/ 3678382 w 3678382"/>
+                <a:gd name="csY13" fmla="*/ 1865201 h 1979339"/>
+                <a:gd name="csX0" fmla="*/ 0 w 3678382"/>
+                <a:gd name="csY0" fmla="*/ 1943133 h 1979339"/>
+                <a:gd name="csX1" fmla="*/ 311727 w 3678382"/>
+                <a:gd name="csY1" fmla="*/ 1776878 h 1979339"/>
+                <a:gd name="csX2" fmla="*/ 368877 w 3678382"/>
+                <a:gd name="csY2" fmla="*/ 114333 h 1979339"/>
+                <a:gd name="csX3" fmla="*/ 472786 w 3678382"/>
+                <a:gd name="csY3" fmla="*/ 1698946 h 1979339"/>
+                <a:gd name="csX4" fmla="*/ 722168 w 3678382"/>
+                <a:gd name="csY4" fmla="*/ 1828833 h 1979339"/>
+                <a:gd name="csX5" fmla="*/ 779318 w 3678382"/>
+                <a:gd name="csY5" fmla="*/ 649465 h 1979339"/>
+                <a:gd name="csX6" fmla="*/ 852054 w 3678382"/>
+                <a:gd name="csY6" fmla="*/ 1750901 h 1979339"/>
+                <a:gd name="csX7" fmla="*/ 1620982 w 3678382"/>
+                <a:gd name="csY7" fmla="*/ 1719729 h 1979339"/>
+                <a:gd name="csX8" fmla="*/ 1771650 w 3678382"/>
+                <a:gd name="csY8" fmla="*/ 31205 h 1979339"/>
+                <a:gd name="csX9" fmla="*/ 1963882 w 3678382"/>
+                <a:gd name="csY9" fmla="*/ 1724924 h 1979339"/>
+                <a:gd name="csX10" fmla="*/ 2732809 w 3678382"/>
+                <a:gd name="csY10" fmla="*/ 1787269 h 1979339"/>
+                <a:gd name="csX11" fmla="*/ 2852304 w 3678382"/>
+                <a:gd name="csY11" fmla="*/ 33 h 1979339"/>
+                <a:gd name="csX12" fmla="*/ 3070514 w 3678382"/>
+                <a:gd name="csY12" fmla="*/ 1839224 h 1979339"/>
+                <a:gd name="csX13" fmla="*/ 3678382 w 3678382"/>
+                <a:gd name="csY13" fmla="*/ 1865201 h 1979339"/>
+                <a:gd name="csX0" fmla="*/ 0 w 3678382"/>
+                <a:gd name="csY0" fmla="*/ 1943133 h 1979339"/>
+                <a:gd name="csX1" fmla="*/ 311727 w 3678382"/>
+                <a:gd name="csY1" fmla="*/ 1776878 h 1979339"/>
+                <a:gd name="csX2" fmla="*/ 368877 w 3678382"/>
+                <a:gd name="csY2" fmla="*/ 114333 h 1979339"/>
+                <a:gd name="csX3" fmla="*/ 472786 w 3678382"/>
+                <a:gd name="csY3" fmla="*/ 1698946 h 1979339"/>
+                <a:gd name="csX4" fmla="*/ 722168 w 3678382"/>
+                <a:gd name="csY4" fmla="*/ 1828833 h 1979339"/>
+                <a:gd name="csX5" fmla="*/ 779318 w 3678382"/>
+                <a:gd name="csY5" fmla="*/ 649465 h 1979339"/>
+                <a:gd name="csX6" fmla="*/ 852054 w 3678382"/>
+                <a:gd name="csY6" fmla="*/ 1750901 h 1979339"/>
+                <a:gd name="csX7" fmla="*/ 1620982 w 3678382"/>
+                <a:gd name="csY7" fmla="*/ 1719729 h 1979339"/>
+                <a:gd name="csX8" fmla="*/ 1771650 w 3678382"/>
+                <a:gd name="csY8" fmla="*/ 31205 h 1979339"/>
+                <a:gd name="csX9" fmla="*/ 1963882 w 3678382"/>
+                <a:gd name="csY9" fmla="*/ 1724924 h 1979339"/>
+                <a:gd name="csX10" fmla="*/ 2732809 w 3678382"/>
+                <a:gd name="csY10" fmla="*/ 1787269 h 1979339"/>
+                <a:gd name="csX11" fmla="*/ 2852304 w 3678382"/>
+                <a:gd name="csY11" fmla="*/ 33 h 1979339"/>
+                <a:gd name="csX12" fmla="*/ 3070514 w 3678382"/>
+                <a:gd name="csY12" fmla="*/ 1839224 h 1979339"/>
+                <a:gd name="csX13" fmla="*/ 3678382 w 3678382"/>
+                <a:gd name="csY13" fmla="*/ 1865201 h 1979339"/>
+                <a:gd name="csX0" fmla="*/ 0 w 3678382"/>
+                <a:gd name="csY0" fmla="*/ 1943121 h 1979327"/>
+                <a:gd name="csX1" fmla="*/ 311727 w 3678382"/>
+                <a:gd name="csY1" fmla="*/ 1776866 h 1979327"/>
+                <a:gd name="csX2" fmla="*/ 368877 w 3678382"/>
+                <a:gd name="csY2" fmla="*/ 114321 h 1979327"/>
+                <a:gd name="csX3" fmla="*/ 472786 w 3678382"/>
+                <a:gd name="csY3" fmla="*/ 1698934 h 1979327"/>
+                <a:gd name="csX4" fmla="*/ 722168 w 3678382"/>
+                <a:gd name="csY4" fmla="*/ 1828821 h 1979327"/>
+                <a:gd name="csX5" fmla="*/ 779318 w 3678382"/>
+                <a:gd name="csY5" fmla="*/ 649453 h 1979327"/>
+                <a:gd name="csX6" fmla="*/ 852054 w 3678382"/>
+                <a:gd name="csY6" fmla="*/ 1750889 h 1979327"/>
+                <a:gd name="csX7" fmla="*/ 1620982 w 3678382"/>
+                <a:gd name="csY7" fmla="*/ 1719717 h 1979327"/>
+                <a:gd name="csX8" fmla="*/ 1771650 w 3678382"/>
+                <a:gd name="csY8" fmla="*/ 31193 h 1979327"/>
+                <a:gd name="csX9" fmla="*/ 1963882 w 3678382"/>
+                <a:gd name="csY9" fmla="*/ 1724912 h 1979327"/>
+                <a:gd name="csX10" fmla="*/ 2732809 w 3678382"/>
+                <a:gd name="csY10" fmla="*/ 1787257 h 1979327"/>
+                <a:gd name="csX11" fmla="*/ 2852304 w 3678382"/>
+                <a:gd name="csY11" fmla="*/ 21 h 1979327"/>
+                <a:gd name="csX12" fmla="*/ 3070514 w 3678382"/>
+                <a:gd name="csY12" fmla="*/ 1839212 h 1979327"/>
+                <a:gd name="csX13" fmla="*/ 3678382 w 3678382"/>
+                <a:gd name="csY13" fmla="*/ 1865189 h 1979327"/>
+                <a:gd name="csX0" fmla="*/ 0 w 3678382"/>
+                <a:gd name="csY0" fmla="*/ 1943121 h 1979327"/>
+                <a:gd name="csX1" fmla="*/ 311727 w 3678382"/>
+                <a:gd name="csY1" fmla="*/ 1776866 h 1979327"/>
+                <a:gd name="csX2" fmla="*/ 368877 w 3678382"/>
+                <a:gd name="csY2" fmla="*/ 114321 h 1979327"/>
+                <a:gd name="csX3" fmla="*/ 472786 w 3678382"/>
+                <a:gd name="csY3" fmla="*/ 1698934 h 1979327"/>
+                <a:gd name="csX4" fmla="*/ 722168 w 3678382"/>
+                <a:gd name="csY4" fmla="*/ 1828821 h 1979327"/>
+                <a:gd name="csX5" fmla="*/ 779318 w 3678382"/>
+                <a:gd name="csY5" fmla="*/ 649453 h 1979327"/>
+                <a:gd name="csX6" fmla="*/ 888422 w 3678382"/>
+                <a:gd name="csY6" fmla="*/ 1745693 h 1979327"/>
+                <a:gd name="csX7" fmla="*/ 1620982 w 3678382"/>
+                <a:gd name="csY7" fmla="*/ 1719717 h 1979327"/>
+                <a:gd name="csX8" fmla="*/ 1771650 w 3678382"/>
+                <a:gd name="csY8" fmla="*/ 31193 h 1979327"/>
+                <a:gd name="csX9" fmla="*/ 1963882 w 3678382"/>
+                <a:gd name="csY9" fmla="*/ 1724912 h 1979327"/>
+                <a:gd name="csX10" fmla="*/ 2732809 w 3678382"/>
+                <a:gd name="csY10" fmla="*/ 1787257 h 1979327"/>
+                <a:gd name="csX11" fmla="*/ 2852304 w 3678382"/>
+                <a:gd name="csY11" fmla="*/ 21 h 1979327"/>
+                <a:gd name="csX12" fmla="*/ 3070514 w 3678382"/>
+                <a:gd name="csY12" fmla="*/ 1839212 h 1979327"/>
+                <a:gd name="csX13" fmla="*/ 3678382 w 3678382"/>
+                <a:gd name="csY13" fmla="*/ 1865189 h 1979327"/>
+                <a:gd name="csX0" fmla="*/ 0 w 3678382"/>
+                <a:gd name="csY0" fmla="*/ 1943121 h 1979327"/>
+                <a:gd name="csX1" fmla="*/ 311727 w 3678382"/>
+                <a:gd name="csY1" fmla="*/ 1776866 h 1979327"/>
+                <a:gd name="csX2" fmla="*/ 368877 w 3678382"/>
+                <a:gd name="csY2" fmla="*/ 114321 h 1979327"/>
+                <a:gd name="csX3" fmla="*/ 472786 w 3678382"/>
+                <a:gd name="csY3" fmla="*/ 1698934 h 1979327"/>
+                <a:gd name="csX4" fmla="*/ 722168 w 3678382"/>
+                <a:gd name="csY4" fmla="*/ 1828821 h 1979327"/>
+                <a:gd name="csX5" fmla="*/ 779318 w 3678382"/>
+                <a:gd name="csY5" fmla="*/ 649453 h 1979327"/>
+                <a:gd name="csX6" fmla="*/ 888422 w 3678382"/>
+                <a:gd name="csY6" fmla="*/ 1745693 h 1979327"/>
+                <a:gd name="csX7" fmla="*/ 1620982 w 3678382"/>
+                <a:gd name="csY7" fmla="*/ 1719717 h 1979327"/>
+                <a:gd name="csX8" fmla="*/ 1771650 w 3678382"/>
+                <a:gd name="csY8" fmla="*/ 31193 h 1979327"/>
+                <a:gd name="csX9" fmla="*/ 1963882 w 3678382"/>
+                <a:gd name="csY9" fmla="*/ 1724912 h 1979327"/>
+                <a:gd name="csX10" fmla="*/ 2732809 w 3678382"/>
+                <a:gd name="csY10" fmla="*/ 1787257 h 1979327"/>
+                <a:gd name="csX11" fmla="*/ 2852304 w 3678382"/>
+                <a:gd name="csY11" fmla="*/ 21 h 1979327"/>
+                <a:gd name="csX12" fmla="*/ 3070514 w 3678382"/>
+                <a:gd name="csY12" fmla="*/ 1839212 h 1979327"/>
+                <a:gd name="csX13" fmla="*/ 3678382 w 3678382"/>
+                <a:gd name="csY13" fmla="*/ 1865189 h 1979327"/>
+                <a:gd name="csX0" fmla="*/ 0 w 3678382"/>
+                <a:gd name="csY0" fmla="*/ 1943121 h 1979327"/>
+                <a:gd name="csX1" fmla="*/ 311727 w 3678382"/>
+                <a:gd name="csY1" fmla="*/ 1776866 h 1979327"/>
+                <a:gd name="csX2" fmla="*/ 368877 w 3678382"/>
+                <a:gd name="csY2" fmla="*/ 114321 h 1979327"/>
+                <a:gd name="csX3" fmla="*/ 472786 w 3678382"/>
+                <a:gd name="csY3" fmla="*/ 1698934 h 1979327"/>
+                <a:gd name="csX4" fmla="*/ 722168 w 3678382"/>
+                <a:gd name="csY4" fmla="*/ 1828821 h 1979327"/>
+                <a:gd name="csX5" fmla="*/ 779318 w 3678382"/>
+                <a:gd name="csY5" fmla="*/ 649453 h 1979327"/>
+                <a:gd name="csX6" fmla="*/ 888422 w 3678382"/>
+                <a:gd name="csY6" fmla="*/ 1745693 h 1979327"/>
+                <a:gd name="csX7" fmla="*/ 1620982 w 3678382"/>
+                <a:gd name="csY7" fmla="*/ 1719717 h 1979327"/>
+                <a:gd name="csX8" fmla="*/ 1771650 w 3678382"/>
+                <a:gd name="csY8" fmla="*/ 31193 h 1979327"/>
+                <a:gd name="csX9" fmla="*/ 1963882 w 3678382"/>
+                <a:gd name="csY9" fmla="*/ 1724912 h 1979327"/>
+                <a:gd name="csX10" fmla="*/ 2732809 w 3678382"/>
+                <a:gd name="csY10" fmla="*/ 1787257 h 1979327"/>
+                <a:gd name="csX11" fmla="*/ 2852304 w 3678382"/>
+                <a:gd name="csY11" fmla="*/ 21 h 1979327"/>
+                <a:gd name="csX12" fmla="*/ 3070514 w 3678382"/>
+                <a:gd name="csY12" fmla="*/ 1839212 h 1979327"/>
+                <a:gd name="csX13" fmla="*/ 3678382 w 3678382"/>
+                <a:gd name="csY13" fmla="*/ 1865189 h 1979327"/>
+                <a:gd name="csX0" fmla="*/ 0 w 3678382"/>
+                <a:gd name="csY0" fmla="*/ 1943121 h 1979327"/>
+                <a:gd name="csX1" fmla="*/ 311727 w 3678382"/>
+                <a:gd name="csY1" fmla="*/ 1776866 h 1979327"/>
+                <a:gd name="csX2" fmla="*/ 368877 w 3678382"/>
+                <a:gd name="csY2" fmla="*/ 114321 h 1979327"/>
+                <a:gd name="csX3" fmla="*/ 472786 w 3678382"/>
+                <a:gd name="csY3" fmla="*/ 1698934 h 1979327"/>
+                <a:gd name="csX4" fmla="*/ 722168 w 3678382"/>
+                <a:gd name="csY4" fmla="*/ 1828821 h 1979327"/>
+                <a:gd name="csX5" fmla="*/ 779318 w 3678382"/>
+                <a:gd name="csY5" fmla="*/ 649453 h 1979327"/>
+                <a:gd name="csX6" fmla="*/ 888422 w 3678382"/>
+                <a:gd name="csY6" fmla="*/ 1745693 h 1979327"/>
+                <a:gd name="csX7" fmla="*/ 1620982 w 3678382"/>
+                <a:gd name="csY7" fmla="*/ 1719717 h 1979327"/>
+                <a:gd name="csX8" fmla="*/ 1771650 w 3678382"/>
+                <a:gd name="csY8" fmla="*/ 31193 h 1979327"/>
+                <a:gd name="csX9" fmla="*/ 1963882 w 3678382"/>
+                <a:gd name="csY9" fmla="*/ 1724912 h 1979327"/>
+                <a:gd name="csX10" fmla="*/ 2732809 w 3678382"/>
+                <a:gd name="csY10" fmla="*/ 1787257 h 1979327"/>
+                <a:gd name="csX11" fmla="*/ 2852304 w 3678382"/>
+                <a:gd name="csY11" fmla="*/ 21 h 1979327"/>
+                <a:gd name="csX12" fmla="*/ 3070514 w 3678382"/>
+                <a:gd name="csY12" fmla="*/ 1839212 h 1979327"/>
+                <a:gd name="csX13" fmla="*/ 3678382 w 3678382"/>
+                <a:gd name="csY13" fmla="*/ 1865189 h 1979327"/>
+                <a:gd name="csX0" fmla="*/ 0 w 3678382"/>
+                <a:gd name="csY0" fmla="*/ 1943121 h 1979327"/>
+                <a:gd name="csX1" fmla="*/ 311727 w 3678382"/>
+                <a:gd name="csY1" fmla="*/ 1776866 h 1979327"/>
+                <a:gd name="csX2" fmla="*/ 368877 w 3678382"/>
+                <a:gd name="csY2" fmla="*/ 114321 h 1979327"/>
+                <a:gd name="csX3" fmla="*/ 472786 w 3678382"/>
+                <a:gd name="csY3" fmla="*/ 1698934 h 1979327"/>
+                <a:gd name="csX4" fmla="*/ 722168 w 3678382"/>
+                <a:gd name="csY4" fmla="*/ 1828821 h 1979327"/>
+                <a:gd name="csX5" fmla="*/ 779318 w 3678382"/>
+                <a:gd name="csY5" fmla="*/ 649453 h 1979327"/>
+                <a:gd name="csX6" fmla="*/ 888422 w 3678382"/>
+                <a:gd name="csY6" fmla="*/ 1745693 h 1979327"/>
+                <a:gd name="csX7" fmla="*/ 1620982 w 3678382"/>
+                <a:gd name="csY7" fmla="*/ 1719717 h 1979327"/>
+                <a:gd name="csX8" fmla="*/ 1771650 w 3678382"/>
+                <a:gd name="csY8" fmla="*/ 31193 h 1979327"/>
+                <a:gd name="csX9" fmla="*/ 1963882 w 3678382"/>
+                <a:gd name="csY9" fmla="*/ 1724912 h 1979327"/>
+                <a:gd name="csX10" fmla="*/ 2732809 w 3678382"/>
+                <a:gd name="csY10" fmla="*/ 1787257 h 1979327"/>
+                <a:gd name="csX11" fmla="*/ 2852304 w 3678382"/>
+                <a:gd name="csY11" fmla="*/ 21 h 1979327"/>
+                <a:gd name="csX12" fmla="*/ 3070514 w 3678382"/>
+                <a:gd name="csY12" fmla="*/ 1839212 h 1979327"/>
+                <a:gd name="csX13" fmla="*/ 3678382 w 3678382"/>
+                <a:gd name="csY13" fmla="*/ 1865189 h 1979327"/>
+                <a:gd name="csX0" fmla="*/ 0 w 3678382"/>
+                <a:gd name="csY0" fmla="*/ 1943121 h 1979327"/>
+                <a:gd name="csX1" fmla="*/ 311727 w 3678382"/>
+                <a:gd name="csY1" fmla="*/ 1776866 h 1979327"/>
+                <a:gd name="csX2" fmla="*/ 368877 w 3678382"/>
+                <a:gd name="csY2" fmla="*/ 114321 h 1979327"/>
+                <a:gd name="csX3" fmla="*/ 472786 w 3678382"/>
+                <a:gd name="csY3" fmla="*/ 1698934 h 1979327"/>
+                <a:gd name="csX4" fmla="*/ 722168 w 3678382"/>
+                <a:gd name="csY4" fmla="*/ 1828821 h 1979327"/>
+                <a:gd name="csX5" fmla="*/ 779318 w 3678382"/>
+                <a:gd name="csY5" fmla="*/ 649453 h 1979327"/>
+                <a:gd name="csX6" fmla="*/ 888422 w 3678382"/>
+                <a:gd name="csY6" fmla="*/ 1745693 h 1979327"/>
+                <a:gd name="csX7" fmla="*/ 1620982 w 3678382"/>
+                <a:gd name="csY7" fmla="*/ 1719717 h 1979327"/>
+                <a:gd name="csX8" fmla="*/ 1771650 w 3678382"/>
+                <a:gd name="csY8" fmla="*/ 31193 h 1979327"/>
+                <a:gd name="csX9" fmla="*/ 1963882 w 3678382"/>
+                <a:gd name="csY9" fmla="*/ 1724912 h 1979327"/>
+                <a:gd name="csX10" fmla="*/ 2732809 w 3678382"/>
+                <a:gd name="csY10" fmla="*/ 1787257 h 1979327"/>
+                <a:gd name="csX11" fmla="*/ 2852304 w 3678382"/>
+                <a:gd name="csY11" fmla="*/ 21 h 1979327"/>
+                <a:gd name="csX12" fmla="*/ 3070514 w 3678382"/>
+                <a:gd name="csY12" fmla="*/ 1839212 h 1979327"/>
+                <a:gd name="csX13" fmla="*/ 3678382 w 3678382"/>
+                <a:gd name="csY13" fmla="*/ 1865189 h 1979327"/>
+                <a:gd name="csX0" fmla="*/ 0 w 3678382"/>
+                <a:gd name="csY0" fmla="*/ 1943121 h 1959302"/>
+                <a:gd name="csX1" fmla="*/ 311727 w 3678382"/>
+                <a:gd name="csY1" fmla="*/ 1776866 h 1959302"/>
+                <a:gd name="csX2" fmla="*/ 368877 w 3678382"/>
+                <a:gd name="csY2" fmla="*/ 114321 h 1959302"/>
+                <a:gd name="csX3" fmla="*/ 472786 w 3678382"/>
+                <a:gd name="csY3" fmla="*/ 1698934 h 1959302"/>
+                <a:gd name="csX4" fmla="*/ 722168 w 3678382"/>
+                <a:gd name="csY4" fmla="*/ 1828821 h 1959302"/>
+                <a:gd name="csX5" fmla="*/ 779318 w 3678382"/>
+                <a:gd name="csY5" fmla="*/ 649453 h 1959302"/>
+                <a:gd name="csX6" fmla="*/ 888422 w 3678382"/>
+                <a:gd name="csY6" fmla="*/ 1745693 h 1959302"/>
+                <a:gd name="csX7" fmla="*/ 1620982 w 3678382"/>
+                <a:gd name="csY7" fmla="*/ 1719717 h 1959302"/>
+                <a:gd name="csX8" fmla="*/ 1771650 w 3678382"/>
+                <a:gd name="csY8" fmla="*/ 31193 h 1959302"/>
+                <a:gd name="csX9" fmla="*/ 1963882 w 3678382"/>
+                <a:gd name="csY9" fmla="*/ 1724912 h 1959302"/>
+                <a:gd name="csX10" fmla="*/ 2732809 w 3678382"/>
+                <a:gd name="csY10" fmla="*/ 1787257 h 1959302"/>
+                <a:gd name="csX11" fmla="*/ 2852304 w 3678382"/>
+                <a:gd name="csY11" fmla="*/ 21 h 1959302"/>
+                <a:gd name="csX12" fmla="*/ 3070514 w 3678382"/>
+                <a:gd name="csY12" fmla="*/ 1839212 h 1959302"/>
+                <a:gd name="csX13" fmla="*/ 3678382 w 3678382"/>
+                <a:gd name="csY13" fmla="*/ 1865189 h 1959302"/>
+              </a:gdLst>
+              <a:ahLst/>
+              <a:cxnLst>
+                <a:cxn ang="0">
+                  <a:pos x="csX0" y="csY0"/>
+                </a:cxn>
+                <a:cxn ang="0">
+                  <a:pos x="csX1" y="csY1"/>
+                </a:cxn>
+                <a:cxn ang="0">
+                  <a:pos x="csX2" y="csY2"/>
+                </a:cxn>
+                <a:cxn ang="0">
+                  <a:pos x="csX3" y="csY3"/>
+                </a:cxn>
+                <a:cxn ang="0">
+                  <a:pos x="csX4" y="csY4"/>
+                </a:cxn>
+                <a:cxn ang="0">
+                  <a:pos x="csX5" y="csY5"/>
+                </a:cxn>
+                <a:cxn ang="0">
+                  <a:pos x="csX6" y="csY6"/>
+                </a:cxn>
+                <a:cxn ang="0">
+                  <a:pos x="csX7" y="csY7"/>
+                </a:cxn>
+                <a:cxn ang="0">
+                  <a:pos x="csX8" y="csY8"/>
+                </a:cxn>
+                <a:cxn ang="0">
+                  <a:pos x="csX9" y="csY9"/>
+                </a:cxn>
+                <a:cxn ang="0">
+                  <a:pos x="csX10" y="csY10"/>
+                </a:cxn>
+                <a:cxn ang="0">
+                  <a:pos x="csX11" y="csY11"/>
+                </a:cxn>
+                <a:cxn ang="0">
+                  <a:pos x="csX12" y="csY12"/>
+                </a:cxn>
+                <a:cxn ang="0">
+                  <a:pos x="csX13" y="csY13"/>
+                </a:cxn>
+              </a:cxnLst>
+              <a:rect l="l" t="t" r="r" b="b"/>
+              <a:pathLst>
+                <a:path w="3678382" h="1959302">
+                  <a:moveTo>
+                    <a:pt x="0" y="1943121"/>
+                  </a:moveTo>
+                  <a:cubicBezTo>
+                    <a:pt x="171883" y="1955243"/>
+                    <a:pt x="297006" y="1951779"/>
+                    <a:pt x="311727" y="1776866"/>
+                  </a:cubicBezTo>
+                  <a:cubicBezTo>
+                    <a:pt x="337804" y="1467023"/>
+                    <a:pt x="238125" y="85746"/>
+                    <a:pt x="368877" y="114321"/>
+                  </a:cubicBezTo>
+                  <a:cubicBezTo>
+                    <a:pt x="499629" y="142896"/>
+                    <a:pt x="413904" y="1413184"/>
+                    <a:pt x="472786" y="1698934"/>
+                  </a:cubicBezTo>
+                  <a:cubicBezTo>
+                    <a:pt x="531668" y="1984684"/>
+                    <a:pt x="671079" y="2003734"/>
+                    <a:pt x="722168" y="1828821"/>
+                  </a:cubicBezTo>
+                  <a:cubicBezTo>
+                    <a:pt x="773257" y="1653908"/>
+                    <a:pt x="748347" y="648733"/>
+                    <a:pt x="779318" y="649453"/>
+                  </a:cubicBezTo>
+                  <a:cubicBezTo>
+                    <a:pt x="853786" y="651184"/>
+                    <a:pt x="800100" y="1614075"/>
+                    <a:pt x="888422" y="1745693"/>
+                  </a:cubicBezTo>
+                  <a:cubicBezTo>
+                    <a:pt x="976744" y="1877311"/>
+                    <a:pt x="1473777" y="2005467"/>
+                    <a:pt x="1620982" y="1719717"/>
+                  </a:cubicBezTo>
+                  <a:cubicBezTo>
+                    <a:pt x="1768187" y="1433967"/>
+                    <a:pt x="1652155" y="19936"/>
+                    <a:pt x="1771650" y="31193"/>
+                  </a:cubicBezTo>
+                  <a:cubicBezTo>
+                    <a:pt x="1891145" y="42450"/>
+                    <a:pt x="1814080" y="1624467"/>
+                    <a:pt x="1963882" y="1724912"/>
+                  </a:cubicBezTo>
+                  <a:cubicBezTo>
+                    <a:pt x="2199464" y="1882874"/>
+                    <a:pt x="2582946" y="1907652"/>
+                    <a:pt x="2732809" y="1787257"/>
+                  </a:cubicBezTo>
+                  <a:cubicBezTo>
+                    <a:pt x="2839962" y="1701174"/>
+                    <a:pt x="2754456" y="6949"/>
+                    <a:pt x="2852304" y="21"/>
+                  </a:cubicBezTo>
+                  <a:cubicBezTo>
+                    <a:pt x="2950152" y="-6907"/>
+                    <a:pt x="2938030" y="1762146"/>
+                    <a:pt x="3070514" y="1839212"/>
+                  </a:cubicBezTo>
+                  <a:cubicBezTo>
+                    <a:pt x="3202998" y="1916278"/>
+                    <a:pt x="3388735" y="2051792"/>
+                    <a:pt x="3678382" y="1865189"/>
+                  </a:cubicBezTo>
+                </a:path>
+              </a:pathLst>
+            </a:custGeom>
+            <a:noFill/>
+            <a:ln w="12700">
+              <a:solidFill>
+                <a:srgbClr val="0070C0"/>
+              </a:solidFill>
+              <a:prstDash val="dash"/>
+            </a:ln>
+          </p:spPr>
+          <p:style>
+            <a:lnRef idx="2">
+              <a:schemeClr val="accent1">
+                <a:shade val="15000"/>
+              </a:schemeClr>
+            </a:lnRef>
+            <a:fillRef idx="1">
+              <a:schemeClr val="accent1"/>
+            </a:fillRef>
+            <a:effectRef idx="0">
+              <a:schemeClr val="accent1"/>
+            </a:effectRef>
+            <a:fontRef idx="minor">
+              <a:schemeClr val="lt1"/>
+            </a:fontRef>
+          </p:style>
+          <p:txBody>
+            <a:bodyPr rtlCol="0" anchor="ctr"/>
+            <a:lstStyle/>
+            <a:p>
+              <a:pPr algn="ctr"/>
+              <a:endParaRPr lang="en-US" sz="1400"/>
+            </a:p>
+          </p:txBody>
+        </p:sp>
+        <p:cxnSp>
+          <p:nvCxnSpPr>
+            <p:cNvPr id="3" name="Straight Arrow Connector 2">
+              <a:extLst>
+                <a:ext uri="{FF2B5EF4-FFF2-40B4-BE49-F238E27FC236}">
+                  <a16:creationId xmlns:a16="http://schemas.microsoft.com/office/drawing/2014/main" id="{6898F4EE-1714-B99A-9604-6316F41A603E}"/>
+                </a:ext>
+              </a:extLst>
+            </p:cNvPr>
+            <p:cNvCxnSpPr/>
+            <p:nvPr/>
+          </p:nvCxnSpPr>
+          <p:spPr>
+            <a:xfrm flipV="1">
+              <a:off x="5070674" y="826077"/>
+              <a:ext cx="0" cy="2171700"/>
+            </a:xfrm>
+            <a:prstGeom prst="straightConnector1">
+              <a:avLst/>
+            </a:prstGeom>
+            <a:ln>
+              <a:solidFill>
+                <a:schemeClr val="tx1"/>
+              </a:solidFill>
+              <a:tailEnd type="triangle"/>
+            </a:ln>
+          </p:spPr>
+          <p:style>
+            <a:lnRef idx="2">
+              <a:schemeClr val="accent1"/>
+            </a:lnRef>
+            <a:fillRef idx="0">
+              <a:schemeClr val="accent1"/>
+            </a:fillRef>
+            <a:effectRef idx="1">
+              <a:schemeClr val="accent1"/>
+            </a:effectRef>
+            <a:fontRef idx="minor">
+              <a:schemeClr val="tx1"/>
+            </a:fontRef>
+          </p:style>
+        </p:cxnSp>
+        <p:cxnSp>
+          <p:nvCxnSpPr>
+            <p:cNvPr id="5" name="Straight Connector 4">
+              <a:extLst>
+                <a:ext uri="{FF2B5EF4-FFF2-40B4-BE49-F238E27FC236}">
+                  <a16:creationId xmlns:a16="http://schemas.microsoft.com/office/drawing/2014/main" id="{C9E14065-61D3-BC61-9422-A7662783689B}"/>
+                </a:ext>
+              </a:extLst>
+            </p:cNvPr>
+            <p:cNvCxnSpPr/>
+            <p:nvPr/>
+          </p:nvCxnSpPr>
+          <p:spPr>
+            <a:xfrm>
+              <a:off x="5055285" y="2997777"/>
+              <a:ext cx="3704162" cy="0"/>
+            </a:xfrm>
+            <a:prstGeom prst="line">
+              <a:avLst/>
+            </a:prstGeom>
+            <a:ln>
+              <a:solidFill>
+                <a:schemeClr val="tx1"/>
+              </a:solidFill>
+            </a:ln>
+          </p:spPr>
+          <p:style>
+            <a:lnRef idx="2">
+              <a:schemeClr val="accent1"/>
+            </a:lnRef>
+            <a:fillRef idx="0">
+              <a:schemeClr val="accent1"/>
+            </a:fillRef>
+            <a:effectRef idx="1">
+              <a:schemeClr val="accent1"/>
+            </a:effectRef>
+            <a:fontRef idx="minor">
+              <a:schemeClr val="tx1"/>
+            </a:fontRef>
+          </p:style>
+        </p:cxnSp>
+        <p:cxnSp>
+          <p:nvCxnSpPr>
+            <p:cNvPr id="16" name="Straight Connector 15">
+              <a:extLst>
+                <a:ext uri="{FF2B5EF4-FFF2-40B4-BE49-F238E27FC236}">
+                  <a16:creationId xmlns:a16="http://schemas.microsoft.com/office/drawing/2014/main" id="{F80D9CCD-BC8B-93BF-C162-F3606EE63D73}"/>
+                </a:ext>
+              </a:extLst>
+            </p:cNvPr>
+            <p:cNvCxnSpPr>
+              <a:cxnSpLocks/>
+            </p:cNvCxnSpPr>
+            <p:nvPr/>
+          </p:nvCxnSpPr>
+          <p:spPr>
+            <a:xfrm>
+              <a:off x="6265629" y="2930236"/>
+              <a:ext cx="0" cy="124691"/>
+            </a:xfrm>
+            <a:prstGeom prst="line">
+              <a:avLst/>
+            </a:prstGeom>
+            <a:ln>
+              <a:solidFill>
+                <a:schemeClr val="tx1"/>
+              </a:solidFill>
+            </a:ln>
+          </p:spPr>
+          <p:style>
+            <a:lnRef idx="2">
+              <a:schemeClr val="accent1"/>
+            </a:lnRef>
+            <a:fillRef idx="0">
+              <a:schemeClr val="accent1"/>
+            </a:fillRef>
+            <a:effectRef idx="1">
+              <a:schemeClr val="accent1"/>
+            </a:effectRef>
+            <a:fontRef idx="minor">
+              <a:schemeClr val="tx1"/>
+            </a:fontRef>
+          </p:style>
+        </p:cxnSp>
+        <p:cxnSp>
+          <p:nvCxnSpPr>
+            <p:cNvPr id="18" name="Straight Connector 17">
+              <a:extLst>
+                <a:ext uri="{FF2B5EF4-FFF2-40B4-BE49-F238E27FC236}">
+                  <a16:creationId xmlns:a16="http://schemas.microsoft.com/office/drawing/2014/main" id="{846D7F46-3259-D5B5-14C3-7A362FC0D86C}"/>
+                </a:ext>
+              </a:extLst>
+            </p:cNvPr>
+            <p:cNvCxnSpPr>
+              <a:cxnSpLocks/>
+            </p:cNvCxnSpPr>
+            <p:nvPr/>
+          </p:nvCxnSpPr>
+          <p:spPr>
+            <a:xfrm>
+              <a:off x="7569688" y="2930236"/>
+              <a:ext cx="0" cy="124691"/>
+            </a:xfrm>
+            <a:prstGeom prst="line">
+              <a:avLst/>
+            </a:prstGeom>
+            <a:ln>
+              <a:solidFill>
+                <a:schemeClr val="tx1"/>
+              </a:solidFill>
+            </a:ln>
+          </p:spPr>
+          <p:style>
+            <a:lnRef idx="2">
+              <a:schemeClr val="accent1"/>
+            </a:lnRef>
+            <a:fillRef idx="0">
+              <a:schemeClr val="accent1"/>
+            </a:fillRef>
+            <a:effectRef idx="1">
+              <a:schemeClr val="accent1"/>
+            </a:effectRef>
+            <a:fontRef idx="minor">
+              <a:schemeClr val="tx1"/>
+            </a:fontRef>
+          </p:style>
+        </p:cxnSp>
+        <p:cxnSp>
+          <p:nvCxnSpPr>
+            <p:cNvPr id="20" name="Straight Connector 19">
+              <a:extLst>
+                <a:ext uri="{FF2B5EF4-FFF2-40B4-BE49-F238E27FC236}">
+                  <a16:creationId xmlns:a16="http://schemas.microsoft.com/office/drawing/2014/main" id="{64EEFBDC-24F5-8CDF-0428-7A49F5506D82}"/>
+                </a:ext>
+              </a:extLst>
+            </p:cNvPr>
+            <p:cNvCxnSpPr>
+              <a:cxnSpLocks/>
+            </p:cNvCxnSpPr>
+            <p:nvPr/>
+          </p:nvCxnSpPr>
+          <p:spPr>
+            <a:xfrm>
+              <a:off x="8759447" y="2930236"/>
+              <a:ext cx="0" cy="124691"/>
+            </a:xfrm>
+            <a:prstGeom prst="line">
+              <a:avLst/>
+            </a:prstGeom>
+            <a:ln>
+              <a:solidFill>
+                <a:schemeClr val="tx1"/>
+              </a:solidFill>
+            </a:ln>
+          </p:spPr>
+          <p:style>
+            <a:lnRef idx="2">
+              <a:schemeClr val="accent1"/>
+            </a:lnRef>
+            <a:fillRef idx="0">
+              <a:schemeClr val="accent1"/>
+            </a:fillRef>
+            <a:effectRef idx="1">
+              <a:schemeClr val="accent1"/>
+            </a:effectRef>
+            <a:fontRef idx="minor">
+              <a:schemeClr val="tx1"/>
+            </a:fontRef>
+          </p:style>
+        </p:cxnSp>
+        <p:sp>
+          <p:nvSpPr>
+            <p:cNvPr id="24" name="Freeform: Shape 23">
+              <a:extLst>
+                <a:ext uri="{FF2B5EF4-FFF2-40B4-BE49-F238E27FC236}">
+                  <a16:creationId xmlns:a16="http://schemas.microsoft.com/office/drawing/2014/main" id="{0A55D7EB-214D-C75F-990B-17D74E02F4FA}"/>
+                </a:ext>
+              </a:extLst>
+            </p:cNvPr>
+            <p:cNvSpPr/>
+            <p:nvPr/>
+          </p:nvSpPr>
+          <p:spPr>
+            <a:xfrm>
+              <a:off x="5086548" y="923866"/>
+              <a:ext cx="3636818" cy="1684251"/>
+            </a:xfrm>
+            <a:custGeom>
+              <a:avLst/>
+              <a:gdLst>
+                <a:gd name="csX0" fmla="*/ 0 w 3636818"/>
+                <a:gd name="csY0" fmla="*/ 1675981 h 1675981"/>
+                <a:gd name="csX1" fmla="*/ 1137804 w 3636818"/>
+                <a:gd name="csY1" fmla="*/ 1514922 h 1675981"/>
+                <a:gd name="csX2" fmla="*/ 1413163 w 3636818"/>
+                <a:gd name="csY2" fmla="*/ 761581 h 1675981"/>
+                <a:gd name="csX3" fmla="*/ 2436668 w 3636818"/>
+                <a:gd name="csY3" fmla="*/ 673258 h 1675981"/>
+                <a:gd name="csX4" fmla="*/ 3091295 w 3636818"/>
+                <a:gd name="csY4" fmla="*/ 101758 h 1675981"/>
+                <a:gd name="csX5" fmla="*/ 3636818 w 3636818"/>
+                <a:gd name="csY5" fmla="*/ 3044 h 1675981"/>
+                <a:gd name="csX0" fmla="*/ 0 w 3636818"/>
+                <a:gd name="csY0" fmla="*/ 1676802 h 1676802"/>
+                <a:gd name="csX1" fmla="*/ 1137804 w 3636818"/>
+                <a:gd name="csY1" fmla="*/ 1515743 h 1676802"/>
+                <a:gd name="csX2" fmla="*/ 1413163 w 3636818"/>
+                <a:gd name="csY2" fmla="*/ 762402 h 1676802"/>
+                <a:gd name="csX3" fmla="*/ 2436668 w 3636818"/>
+                <a:gd name="csY3" fmla="*/ 674079 h 1676802"/>
+                <a:gd name="csX4" fmla="*/ 2836717 w 3636818"/>
+                <a:gd name="csY4" fmla="*/ 97384 h 1676802"/>
+                <a:gd name="csX5" fmla="*/ 3636818 w 3636818"/>
+                <a:gd name="csY5" fmla="*/ 3865 h 1676802"/>
+                <a:gd name="csX0" fmla="*/ 0 w 3636818"/>
+                <a:gd name="csY0" fmla="*/ 1684251 h 1684251"/>
+                <a:gd name="csX1" fmla="*/ 1137804 w 3636818"/>
+                <a:gd name="csY1" fmla="*/ 1523192 h 1684251"/>
+                <a:gd name="csX2" fmla="*/ 1413163 w 3636818"/>
+                <a:gd name="csY2" fmla="*/ 769851 h 1684251"/>
+                <a:gd name="csX3" fmla="*/ 2436668 w 3636818"/>
+                <a:gd name="csY3" fmla="*/ 681528 h 1684251"/>
+                <a:gd name="csX4" fmla="*/ 2763980 w 3636818"/>
+                <a:gd name="csY4" fmla="*/ 78855 h 1684251"/>
+                <a:gd name="csX5" fmla="*/ 3636818 w 3636818"/>
+                <a:gd name="csY5" fmla="*/ 11314 h 1684251"/>
+              </a:gdLst>
+              <a:ahLst/>
+              <a:cxnLst>
+                <a:cxn ang="0">
+                  <a:pos x="csX0" y="csY0"/>
+                </a:cxn>
+                <a:cxn ang="0">
+                  <a:pos x="csX1" y="csY1"/>
+                </a:cxn>
+                <a:cxn ang="0">
+                  <a:pos x="csX2" y="csY2"/>
+                </a:cxn>
+                <a:cxn ang="0">
+                  <a:pos x="csX3" y="csY3"/>
+                </a:cxn>
+                <a:cxn ang="0">
+                  <a:pos x="csX4" y="csY4"/>
+                </a:cxn>
+                <a:cxn ang="0">
+                  <a:pos x="csX5" y="csY5"/>
+                </a:cxn>
+              </a:cxnLst>
+              <a:rect l="l" t="t" r="r" b="b"/>
+              <a:pathLst>
+                <a:path w="3636818" h="1684251">
+                  <a:moveTo>
+                    <a:pt x="0" y="1684251"/>
+                  </a:moveTo>
+                  <a:cubicBezTo>
+                    <a:pt x="451138" y="1679921"/>
+                    <a:pt x="902277" y="1675592"/>
+                    <a:pt x="1137804" y="1523192"/>
+                  </a:cubicBezTo>
+                  <a:cubicBezTo>
+                    <a:pt x="1373331" y="1370792"/>
+                    <a:pt x="1196686" y="910128"/>
+                    <a:pt x="1413163" y="769851"/>
+                  </a:cubicBezTo>
+                  <a:cubicBezTo>
+                    <a:pt x="1629640" y="629574"/>
+                    <a:pt x="2211532" y="796694"/>
+                    <a:pt x="2436668" y="681528"/>
+                  </a:cubicBezTo>
+                  <a:cubicBezTo>
+                    <a:pt x="2661804" y="566362"/>
+                    <a:pt x="2563955" y="190557"/>
+                    <a:pt x="2763980" y="78855"/>
+                  </a:cubicBezTo>
+                  <a:cubicBezTo>
+                    <a:pt x="2964005" y="-32847"/>
+                    <a:pt x="3464069" y="4820"/>
+                    <a:pt x="3636818" y="11314"/>
+                  </a:cubicBezTo>
+                </a:path>
+              </a:pathLst>
+            </a:custGeom>
+            <a:noFill/>
+            <a:ln w="12700">
+              <a:solidFill>
+                <a:srgbClr val="FF0000"/>
+              </a:solidFill>
+              <a:prstDash val="dash"/>
+            </a:ln>
+          </p:spPr>
+          <p:style>
+            <a:lnRef idx="2">
+              <a:schemeClr val="accent1">
+                <a:shade val="15000"/>
+              </a:schemeClr>
+            </a:lnRef>
+            <a:fillRef idx="1">
+              <a:schemeClr val="accent1"/>
+            </a:fillRef>
+            <a:effectRef idx="0">
+              <a:schemeClr val="accent1"/>
+            </a:effectRef>
+            <a:fontRef idx="minor">
+              <a:schemeClr val="lt1"/>
+            </a:fontRef>
+          </p:style>
+          <p:txBody>
+            <a:bodyPr rtlCol="0" anchor="ctr"/>
+            <a:lstStyle/>
+            <a:p>
+              <a:pPr algn="ctr"/>
+              <a:endParaRPr lang="en-US" sz="1400"/>
+            </a:p>
+          </p:txBody>
+        </p:sp>
+        <p:sp>
+          <p:nvSpPr>
+            <p:cNvPr id="25" name="TextBox 24">
+              <a:extLst>
+                <a:ext uri="{FF2B5EF4-FFF2-40B4-BE49-F238E27FC236}">
+                  <a16:creationId xmlns:a16="http://schemas.microsoft.com/office/drawing/2014/main" id="{33D111E8-CDDC-1917-5757-7A1C62BB1FA2}"/>
+                </a:ext>
+              </a:extLst>
+            </p:cNvPr>
+            <p:cNvSpPr txBox="1"/>
+            <p:nvPr/>
+          </p:nvSpPr>
+          <p:spPr>
+            <a:xfrm>
+              <a:off x="7942120" y="581020"/>
+              <a:ext cx="1312081" cy="312225"/>
+            </a:xfrm>
+            <a:prstGeom prst="rect">
+              <a:avLst/>
+            </a:prstGeom>
+            <a:noFill/>
+          </p:spPr>
+          <p:txBody>
+            <a:bodyPr wrap="square" rtlCol="0">
+              <a:spAutoFit/>
+            </a:bodyPr>
+            <a:lstStyle/>
+            <a:p>
+              <a:pPr algn="ctr"/>
+              <a:r>
+                <a:rPr lang="en-US" sz="1100" dirty="0">
+                  <a:solidFill>
+                    <a:srgbClr val="FF0000"/>
+                  </a:solidFill>
+                  <a:latin typeface="Times New Roman" panose="02020603050405020304" pitchFamily="18" charset="0"/>
+                  <a:cs typeface="Times New Roman" panose="02020603050405020304" pitchFamily="18" charset="0"/>
+                </a:rPr>
+                <a:t>B</a:t>
+              </a:r>
+            </a:p>
+          </p:txBody>
+        </p:sp>
+        <p:cxnSp>
+          <p:nvCxnSpPr>
+            <p:cNvPr id="29" name="Straight Connector 28">
+              <a:extLst>
+                <a:ext uri="{FF2B5EF4-FFF2-40B4-BE49-F238E27FC236}">
+                  <a16:creationId xmlns:a16="http://schemas.microsoft.com/office/drawing/2014/main" id="{1C12AA98-87C7-C5DA-4334-F4EE21710873}"/>
+                </a:ext>
+              </a:extLst>
+            </p:cNvPr>
+            <p:cNvCxnSpPr/>
+            <p:nvPr/>
+          </p:nvCxnSpPr>
+          <p:spPr>
+            <a:xfrm>
+              <a:off x="5086548" y="1407967"/>
+              <a:ext cx="3662793" cy="0"/>
+            </a:xfrm>
+            <a:prstGeom prst="line">
+              <a:avLst/>
+            </a:prstGeom>
+            <a:noFill/>
+            <a:ln w="38100">
+              <a:solidFill>
+                <a:srgbClr val="00B050"/>
+              </a:solidFill>
+            </a:ln>
+          </p:spPr>
+          <p:style>
+            <a:lnRef idx="2">
+              <a:schemeClr val="accent1">
+                <a:shade val="15000"/>
+              </a:schemeClr>
+            </a:lnRef>
+            <a:fillRef idx="1">
+              <a:schemeClr val="accent1"/>
+            </a:fillRef>
+            <a:effectRef idx="0">
+              <a:schemeClr val="accent1"/>
+            </a:effectRef>
+            <a:fontRef idx="minor">
+              <a:schemeClr val="lt1"/>
+            </a:fontRef>
+          </p:style>
+        </p:cxnSp>
+        <p:sp>
+          <p:nvSpPr>
+            <p:cNvPr id="30" name="TextBox 29">
+              <a:extLst>
+                <a:ext uri="{FF2B5EF4-FFF2-40B4-BE49-F238E27FC236}">
+                  <a16:creationId xmlns:a16="http://schemas.microsoft.com/office/drawing/2014/main" id="{3BABBD40-0816-4B08-8AD2-17D6B14D82F2}"/>
+                </a:ext>
+              </a:extLst>
+            </p:cNvPr>
+            <p:cNvSpPr txBox="1"/>
+            <p:nvPr/>
+          </p:nvSpPr>
+          <p:spPr>
+            <a:xfrm>
+              <a:off x="7942120" y="1394587"/>
+              <a:ext cx="1312081" cy="312225"/>
+            </a:xfrm>
+            <a:prstGeom prst="rect">
+              <a:avLst/>
+            </a:prstGeom>
+            <a:noFill/>
+          </p:spPr>
+          <p:txBody>
+            <a:bodyPr wrap="square" rtlCol="0">
+              <a:spAutoFit/>
+            </a:bodyPr>
+            <a:lstStyle/>
+            <a:p>
+              <a:pPr algn="ctr"/>
+              <a:r>
+                <a:rPr lang="en-US" sz="1100" dirty="0">
+                  <a:solidFill>
+                    <a:srgbClr val="00B050"/>
+                  </a:solidFill>
+                  <a:latin typeface="Times New Roman" panose="02020603050405020304" pitchFamily="18" charset="0"/>
+                  <a:cs typeface="Times New Roman" panose="02020603050405020304" pitchFamily="18" charset="0"/>
+                </a:rPr>
+                <a:t>A</a:t>
+              </a:r>
+            </a:p>
+          </p:txBody>
+        </p:sp>
+        <p:sp>
+          <p:nvSpPr>
+            <p:cNvPr id="31" name="TextBox 30">
+              <a:extLst>
+                <a:ext uri="{FF2B5EF4-FFF2-40B4-BE49-F238E27FC236}">
+                  <a16:creationId xmlns:a16="http://schemas.microsoft.com/office/drawing/2014/main" id="{41E68409-6084-97DF-52A4-470B170701AB}"/>
+                </a:ext>
+              </a:extLst>
+            </p:cNvPr>
+            <p:cNvSpPr txBox="1"/>
+            <p:nvPr/>
+          </p:nvSpPr>
+          <p:spPr>
+            <a:xfrm>
+              <a:off x="7942120" y="2600034"/>
+              <a:ext cx="1312081" cy="312225"/>
+            </a:xfrm>
+            <a:prstGeom prst="rect">
+              <a:avLst/>
+            </a:prstGeom>
+            <a:noFill/>
+          </p:spPr>
+          <p:txBody>
+            <a:bodyPr wrap="square" rtlCol="0">
+              <a:spAutoFit/>
+            </a:bodyPr>
+            <a:lstStyle/>
+            <a:p>
+              <a:pPr algn="ctr"/>
+              <a:r>
+                <a:rPr lang="en-US" sz="1100" dirty="0">
+                  <a:solidFill>
+                    <a:srgbClr val="0070C0"/>
+                  </a:solidFill>
+                  <a:latin typeface="Times New Roman" panose="02020603050405020304" pitchFamily="18" charset="0"/>
+                  <a:cs typeface="Times New Roman" panose="02020603050405020304" pitchFamily="18" charset="0"/>
+                </a:rPr>
+                <a:t>C</a:t>
+              </a:r>
+            </a:p>
+          </p:txBody>
+        </p:sp>
+        <p:sp>
+          <p:nvSpPr>
+            <p:cNvPr id="32" name="Oval 31">
+              <a:extLst>
+                <a:ext uri="{FF2B5EF4-FFF2-40B4-BE49-F238E27FC236}">
+                  <a16:creationId xmlns:a16="http://schemas.microsoft.com/office/drawing/2014/main" id="{E028101C-4445-170D-7726-7D1346ACECC0}"/>
+                </a:ext>
+              </a:extLst>
+            </p:cNvPr>
+            <p:cNvSpPr/>
+            <p:nvPr/>
+          </p:nvSpPr>
+          <p:spPr>
+            <a:xfrm>
+              <a:off x="5083895" y="2948752"/>
+              <a:ext cx="124690" cy="124690"/>
+            </a:xfrm>
+            <a:prstGeom prst="ellipse">
+              <a:avLst/>
+            </a:prstGeom>
+          </p:spPr>
+          <p:style>
+            <a:lnRef idx="2">
+              <a:schemeClr val="dk1">
+                <a:shade val="15000"/>
+              </a:schemeClr>
+            </a:lnRef>
+            <a:fillRef idx="1">
+              <a:schemeClr val="dk1"/>
+            </a:fillRef>
+            <a:effectRef idx="0">
+              <a:schemeClr val="dk1"/>
+            </a:effectRef>
+            <a:fontRef idx="minor">
+              <a:schemeClr val="lt1"/>
+            </a:fontRef>
+          </p:style>
+          <p:txBody>
+            <a:bodyPr rtlCol="0" anchor="ctr"/>
+            <a:lstStyle/>
+            <a:p>
+              <a:pPr algn="ctr"/>
+              <a:endParaRPr lang="en-US" sz="1400"/>
+            </a:p>
+          </p:txBody>
+        </p:sp>
+        <p:sp>
+          <p:nvSpPr>
+            <p:cNvPr id="33" name="Oval 32">
+              <a:extLst>
+                <a:ext uri="{FF2B5EF4-FFF2-40B4-BE49-F238E27FC236}">
+                  <a16:creationId xmlns:a16="http://schemas.microsoft.com/office/drawing/2014/main" id="{20923984-31F9-26D1-D296-6C45F5B47D75}"/>
+                </a:ext>
+              </a:extLst>
+            </p:cNvPr>
+            <p:cNvSpPr/>
+            <p:nvPr/>
+          </p:nvSpPr>
+          <p:spPr>
+            <a:xfrm>
+              <a:off x="5294167" y="2948752"/>
+              <a:ext cx="124690" cy="124690"/>
+            </a:xfrm>
+            <a:prstGeom prst="ellipse">
+              <a:avLst/>
+            </a:prstGeom>
+          </p:spPr>
+          <p:style>
+            <a:lnRef idx="2">
+              <a:schemeClr val="dk1">
+                <a:shade val="15000"/>
+              </a:schemeClr>
+            </a:lnRef>
+            <a:fillRef idx="1">
+              <a:schemeClr val="dk1"/>
+            </a:fillRef>
+            <a:effectRef idx="0">
+              <a:schemeClr val="dk1"/>
+            </a:effectRef>
+            <a:fontRef idx="minor">
+              <a:schemeClr val="lt1"/>
+            </a:fontRef>
+          </p:style>
+          <p:txBody>
+            <a:bodyPr rtlCol="0" anchor="ctr"/>
+            <a:lstStyle/>
+            <a:p>
+              <a:pPr algn="ctr"/>
+              <a:endParaRPr lang="en-US" sz="1400"/>
+            </a:p>
+          </p:txBody>
+        </p:sp>
+        <p:sp>
+          <p:nvSpPr>
+            <p:cNvPr id="34" name="Oval 33">
+              <a:extLst>
+                <a:ext uri="{FF2B5EF4-FFF2-40B4-BE49-F238E27FC236}">
+                  <a16:creationId xmlns:a16="http://schemas.microsoft.com/office/drawing/2014/main" id="{7F21AB47-DAC1-A02B-D72F-0A77B1B0F1C5}"/>
+                </a:ext>
+              </a:extLst>
+            </p:cNvPr>
+            <p:cNvSpPr/>
+            <p:nvPr/>
+          </p:nvSpPr>
+          <p:spPr>
+            <a:xfrm>
+              <a:off x="5498432" y="2948752"/>
+              <a:ext cx="124690" cy="124690"/>
+            </a:xfrm>
+            <a:prstGeom prst="ellipse">
+              <a:avLst/>
+            </a:prstGeom>
+          </p:spPr>
+          <p:style>
+            <a:lnRef idx="2">
+              <a:schemeClr val="dk1">
+                <a:shade val="15000"/>
+              </a:schemeClr>
+            </a:lnRef>
+            <a:fillRef idx="1">
+              <a:schemeClr val="dk1"/>
+            </a:fillRef>
+            <a:effectRef idx="0">
+              <a:schemeClr val="dk1"/>
+            </a:effectRef>
+            <a:fontRef idx="minor">
+              <a:schemeClr val="lt1"/>
+            </a:fontRef>
+          </p:style>
+          <p:txBody>
+            <a:bodyPr rtlCol="0" anchor="ctr"/>
+            <a:lstStyle/>
+            <a:p>
+              <a:pPr algn="ctr"/>
+              <a:endParaRPr lang="en-US" sz="1400"/>
+            </a:p>
+          </p:txBody>
+        </p:sp>
+        <p:sp>
+          <p:nvSpPr>
+            <p:cNvPr id="35" name="Oval 34">
+              <a:extLst>
+                <a:ext uri="{FF2B5EF4-FFF2-40B4-BE49-F238E27FC236}">
+                  <a16:creationId xmlns:a16="http://schemas.microsoft.com/office/drawing/2014/main" id="{E00A3161-FF31-99C1-4C27-3F3FBEFC1DB3}"/>
+                </a:ext>
+              </a:extLst>
+            </p:cNvPr>
+            <p:cNvSpPr/>
+            <p:nvPr/>
+          </p:nvSpPr>
+          <p:spPr>
+            <a:xfrm>
+              <a:off x="5694635" y="2948752"/>
+              <a:ext cx="124690" cy="124690"/>
+            </a:xfrm>
+            <a:prstGeom prst="ellipse">
+              <a:avLst/>
+            </a:prstGeom>
+          </p:spPr>
+          <p:style>
+            <a:lnRef idx="2">
+              <a:schemeClr val="dk1">
+                <a:shade val="15000"/>
+              </a:schemeClr>
+            </a:lnRef>
+            <a:fillRef idx="1">
+              <a:schemeClr val="dk1"/>
+            </a:fillRef>
+            <a:effectRef idx="0">
+              <a:schemeClr val="dk1"/>
+            </a:effectRef>
+            <a:fontRef idx="minor">
+              <a:schemeClr val="lt1"/>
+            </a:fontRef>
+          </p:style>
+          <p:txBody>
+            <a:bodyPr rtlCol="0" anchor="ctr"/>
+            <a:lstStyle/>
+            <a:p>
+              <a:pPr algn="ctr"/>
+              <a:endParaRPr lang="en-US" sz="1400"/>
+            </a:p>
+          </p:txBody>
+        </p:sp>
+        <p:sp>
+          <p:nvSpPr>
+            <p:cNvPr id="36" name="Oval 35">
+              <a:extLst>
+                <a:ext uri="{FF2B5EF4-FFF2-40B4-BE49-F238E27FC236}">
+                  <a16:creationId xmlns:a16="http://schemas.microsoft.com/office/drawing/2014/main" id="{633B1C94-A02E-D3AB-4834-984B3705EA8D}"/>
+                </a:ext>
+              </a:extLst>
+            </p:cNvPr>
+            <p:cNvSpPr/>
+            <p:nvPr/>
+          </p:nvSpPr>
+          <p:spPr>
+            <a:xfrm>
+              <a:off x="5904907" y="2948752"/>
+              <a:ext cx="124690" cy="124690"/>
+            </a:xfrm>
+            <a:prstGeom prst="ellipse">
+              <a:avLst/>
+            </a:prstGeom>
+          </p:spPr>
+          <p:style>
+            <a:lnRef idx="2">
+              <a:schemeClr val="dk1">
+                <a:shade val="15000"/>
+              </a:schemeClr>
+            </a:lnRef>
+            <a:fillRef idx="1">
+              <a:schemeClr val="dk1"/>
+            </a:fillRef>
+            <a:effectRef idx="0">
+              <a:schemeClr val="dk1"/>
+            </a:effectRef>
+            <a:fontRef idx="minor">
+              <a:schemeClr val="lt1"/>
+            </a:fontRef>
+          </p:style>
+          <p:txBody>
+            <a:bodyPr rtlCol="0" anchor="ctr"/>
+            <a:lstStyle/>
+            <a:p>
+              <a:pPr algn="ctr"/>
+              <a:endParaRPr lang="en-US" sz="1400"/>
+            </a:p>
+          </p:txBody>
+        </p:sp>
+        <p:sp>
+          <p:nvSpPr>
+            <p:cNvPr id="37" name="Oval 36">
+              <a:extLst>
+                <a:ext uri="{FF2B5EF4-FFF2-40B4-BE49-F238E27FC236}">
+                  <a16:creationId xmlns:a16="http://schemas.microsoft.com/office/drawing/2014/main" id="{24BD9065-F53B-D399-2091-96F1ABBF52C7}"/>
+                </a:ext>
+              </a:extLst>
+            </p:cNvPr>
+            <p:cNvSpPr/>
+            <p:nvPr/>
+          </p:nvSpPr>
+          <p:spPr>
+            <a:xfrm>
+              <a:off x="6109172" y="2948752"/>
+              <a:ext cx="124690" cy="124690"/>
+            </a:xfrm>
+            <a:prstGeom prst="ellipse">
+              <a:avLst/>
+            </a:prstGeom>
+          </p:spPr>
+          <p:style>
+            <a:lnRef idx="2">
+              <a:schemeClr val="dk1">
+                <a:shade val="15000"/>
+              </a:schemeClr>
+            </a:lnRef>
+            <a:fillRef idx="1">
+              <a:schemeClr val="dk1"/>
+            </a:fillRef>
+            <a:effectRef idx="0">
+              <a:schemeClr val="dk1"/>
+            </a:effectRef>
+            <a:fontRef idx="minor">
+              <a:schemeClr val="lt1"/>
+            </a:fontRef>
+          </p:style>
+          <p:txBody>
+            <a:bodyPr rtlCol="0" anchor="ctr"/>
+            <a:lstStyle/>
+            <a:p>
+              <a:pPr algn="ctr"/>
+              <a:endParaRPr lang="en-US" sz="1400"/>
+            </a:p>
+          </p:txBody>
+        </p:sp>
+        <p:sp>
+          <p:nvSpPr>
+            <p:cNvPr id="38" name="Oval 37">
+              <a:extLst>
+                <a:ext uri="{FF2B5EF4-FFF2-40B4-BE49-F238E27FC236}">
+                  <a16:creationId xmlns:a16="http://schemas.microsoft.com/office/drawing/2014/main" id="{DED08791-F4BB-D866-3EB5-DCA87E5FDCE6}"/>
+                </a:ext>
+              </a:extLst>
+            </p:cNvPr>
+            <p:cNvSpPr/>
+            <p:nvPr/>
+          </p:nvSpPr>
+          <p:spPr>
+            <a:xfrm>
+              <a:off x="6318768" y="2948752"/>
+              <a:ext cx="124690" cy="124690"/>
+            </a:xfrm>
+            <a:prstGeom prst="ellipse">
+              <a:avLst/>
+            </a:prstGeom>
+          </p:spPr>
+          <p:style>
+            <a:lnRef idx="2">
+              <a:schemeClr val="dk1">
+                <a:shade val="15000"/>
+              </a:schemeClr>
+            </a:lnRef>
+            <a:fillRef idx="1">
+              <a:schemeClr val="dk1"/>
+            </a:fillRef>
+            <a:effectRef idx="0">
+              <a:schemeClr val="dk1"/>
+            </a:effectRef>
+            <a:fontRef idx="minor">
+              <a:schemeClr val="lt1"/>
+            </a:fontRef>
+          </p:style>
+          <p:txBody>
+            <a:bodyPr rtlCol="0" anchor="ctr"/>
+            <a:lstStyle/>
+            <a:p>
+              <a:pPr algn="ctr"/>
+              <a:endParaRPr lang="en-US" sz="1400"/>
+            </a:p>
+          </p:txBody>
+        </p:sp>
+        <p:sp>
+          <p:nvSpPr>
+            <p:cNvPr id="39" name="Oval 38">
+              <a:extLst>
+                <a:ext uri="{FF2B5EF4-FFF2-40B4-BE49-F238E27FC236}">
+                  <a16:creationId xmlns:a16="http://schemas.microsoft.com/office/drawing/2014/main" id="{BF32ACBE-1C50-0307-626D-B8FE376C6308}"/>
+                </a:ext>
+              </a:extLst>
+            </p:cNvPr>
+            <p:cNvSpPr/>
+            <p:nvPr/>
+          </p:nvSpPr>
+          <p:spPr>
+            <a:xfrm>
+              <a:off x="6529040" y="2948752"/>
+              <a:ext cx="124690" cy="124690"/>
+            </a:xfrm>
+            <a:prstGeom prst="ellipse">
+              <a:avLst/>
+            </a:prstGeom>
+          </p:spPr>
+          <p:style>
+            <a:lnRef idx="2">
+              <a:schemeClr val="dk1">
+                <a:shade val="15000"/>
+              </a:schemeClr>
+            </a:lnRef>
+            <a:fillRef idx="1">
+              <a:schemeClr val="dk1"/>
+            </a:fillRef>
+            <a:effectRef idx="0">
+              <a:schemeClr val="dk1"/>
+            </a:effectRef>
+            <a:fontRef idx="minor">
+              <a:schemeClr val="lt1"/>
+            </a:fontRef>
+          </p:style>
+          <p:txBody>
+            <a:bodyPr rtlCol="0" anchor="ctr"/>
+            <a:lstStyle/>
+            <a:p>
+              <a:pPr algn="ctr"/>
+              <a:endParaRPr lang="en-US" sz="1400"/>
+            </a:p>
+          </p:txBody>
+        </p:sp>
+        <p:sp>
+          <p:nvSpPr>
+            <p:cNvPr id="40" name="Oval 39">
+              <a:extLst>
+                <a:ext uri="{FF2B5EF4-FFF2-40B4-BE49-F238E27FC236}">
+                  <a16:creationId xmlns:a16="http://schemas.microsoft.com/office/drawing/2014/main" id="{B1D45A39-B999-0493-76F5-A75AB44F5AA0}"/>
+                </a:ext>
+              </a:extLst>
+            </p:cNvPr>
+            <p:cNvSpPr/>
+            <p:nvPr/>
+          </p:nvSpPr>
+          <p:spPr>
+            <a:xfrm>
+              <a:off x="6733305" y="2948752"/>
+              <a:ext cx="124690" cy="124690"/>
+            </a:xfrm>
+            <a:prstGeom prst="ellipse">
+              <a:avLst/>
+            </a:prstGeom>
+          </p:spPr>
+          <p:style>
+            <a:lnRef idx="2">
+              <a:schemeClr val="dk1">
+                <a:shade val="15000"/>
+              </a:schemeClr>
+            </a:lnRef>
+            <a:fillRef idx="1">
+              <a:schemeClr val="dk1"/>
+            </a:fillRef>
+            <a:effectRef idx="0">
+              <a:schemeClr val="dk1"/>
+            </a:effectRef>
+            <a:fontRef idx="minor">
+              <a:schemeClr val="lt1"/>
+            </a:fontRef>
+          </p:style>
+          <p:txBody>
+            <a:bodyPr rtlCol="0" anchor="ctr"/>
+            <a:lstStyle/>
+            <a:p>
+              <a:pPr algn="ctr"/>
+              <a:endParaRPr lang="en-US" sz="1400"/>
+            </a:p>
+          </p:txBody>
+        </p:sp>
+        <p:sp>
+          <p:nvSpPr>
+            <p:cNvPr id="41" name="Oval 40">
+              <a:extLst>
+                <a:ext uri="{FF2B5EF4-FFF2-40B4-BE49-F238E27FC236}">
+                  <a16:creationId xmlns:a16="http://schemas.microsoft.com/office/drawing/2014/main" id="{6669C01D-FAD9-C7D3-9818-BC927FDC5D05}"/>
+                </a:ext>
+              </a:extLst>
+            </p:cNvPr>
+            <p:cNvSpPr/>
+            <p:nvPr/>
+          </p:nvSpPr>
+          <p:spPr>
+            <a:xfrm>
+              <a:off x="6929508" y="2948752"/>
+              <a:ext cx="124690" cy="124690"/>
+            </a:xfrm>
+            <a:prstGeom prst="ellipse">
+              <a:avLst/>
+            </a:prstGeom>
+          </p:spPr>
+          <p:style>
+            <a:lnRef idx="2">
+              <a:schemeClr val="dk1">
+                <a:shade val="15000"/>
+              </a:schemeClr>
+            </a:lnRef>
+            <a:fillRef idx="1">
+              <a:schemeClr val="dk1"/>
+            </a:fillRef>
+            <a:effectRef idx="0">
+              <a:schemeClr val="dk1"/>
+            </a:effectRef>
+            <a:fontRef idx="minor">
+              <a:schemeClr val="lt1"/>
+            </a:fontRef>
+          </p:style>
+          <p:txBody>
+            <a:bodyPr rtlCol="0" anchor="ctr"/>
+            <a:lstStyle/>
+            <a:p>
+              <a:pPr algn="ctr"/>
+              <a:endParaRPr lang="en-US" sz="1400"/>
+            </a:p>
+          </p:txBody>
+        </p:sp>
+        <p:sp>
+          <p:nvSpPr>
+            <p:cNvPr id="42" name="Oval 41">
+              <a:extLst>
+                <a:ext uri="{FF2B5EF4-FFF2-40B4-BE49-F238E27FC236}">
+                  <a16:creationId xmlns:a16="http://schemas.microsoft.com/office/drawing/2014/main" id="{6C72A446-CFC2-84CB-4A7E-251A338569A7}"/>
+                </a:ext>
+              </a:extLst>
+            </p:cNvPr>
+            <p:cNvSpPr/>
+            <p:nvPr/>
+          </p:nvSpPr>
+          <p:spPr>
+            <a:xfrm>
+              <a:off x="7139780" y="2948752"/>
+              <a:ext cx="124690" cy="124690"/>
+            </a:xfrm>
+            <a:prstGeom prst="ellipse">
+              <a:avLst/>
+            </a:prstGeom>
+          </p:spPr>
+          <p:style>
+            <a:lnRef idx="2">
+              <a:schemeClr val="dk1">
+                <a:shade val="15000"/>
+              </a:schemeClr>
+            </a:lnRef>
+            <a:fillRef idx="1">
+              <a:schemeClr val="dk1"/>
+            </a:fillRef>
+            <a:effectRef idx="0">
+              <a:schemeClr val="dk1"/>
+            </a:effectRef>
+            <a:fontRef idx="minor">
+              <a:schemeClr val="lt1"/>
+            </a:fontRef>
+          </p:style>
+          <p:txBody>
+            <a:bodyPr rtlCol="0" anchor="ctr"/>
+            <a:lstStyle/>
+            <a:p>
+              <a:pPr algn="ctr"/>
+              <a:endParaRPr lang="en-US" sz="1400"/>
+            </a:p>
+          </p:txBody>
+        </p:sp>
+        <p:sp>
+          <p:nvSpPr>
+            <p:cNvPr id="43" name="Oval 42">
+              <a:extLst>
+                <a:ext uri="{FF2B5EF4-FFF2-40B4-BE49-F238E27FC236}">
+                  <a16:creationId xmlns:a16="http://schemas.microsoft.com/office/drawing/2014/main" id="{8AB6ABF5-BF54-9CBA-643D-9BFFD0B35B13}"/>
+                </a:ext>
+              </a:extLst>
+            </p:cNvPr>
+            <p:cNvSpPr/>
+            <p:nvPr/>
+          </p:nvSpPr>
+          <p:spPr>
+            <a:xfrm>
+              <a:off x="7344045" y="2948752"/>
+              <a:ext cx="124690" cy="124690"/>
+            </a:xfrm>
+            <a:prstGeom prst="ellipse">
+              <a:avLst/>
+            </a:prstGeom>
+          </p:spPr>
+          <p:style>
+            <a:lnRef idx="2">
+              <a:schemeClr val="dk1">
+                <a:shade val="15000"/>
+              </a:schemeClr>
+            </a:lnRef>
+            <a:fillRef idx="1">
+              <a:schemeClr val="dk1"/>
+            </a:fillRef>
+            <a:effectRef idx="0">
+              <a:schemeClr val="dk1"/>
+            </a:effectRef>
+            <a:fontRef idx="minor">
+              <a:schemeClr val="lt1"/>
+            </a:fontRef>
+          </p:style>
+          <p:txBody>
+            <a:bodyPr rtlCol="0" anchor="ctr"/>
+            <a:lstStyle/>
+            <a:p>
+              <a:pPr algn="ctr"/>
+              <a:endParaRPr lang="en-US" sz="1400"/>
+            </a:p>
+          </p:txBody>
+        </p:sp>
+        <p:sp>
+          <p:nvSpPr>
+            <p:cNvPr id="44" name="Oval 43">
+              <a:extLst>
+                <a:ext uri="{FF2B5EF4-FFF2-40B4-BE49-F238E27FC236}">
+                  <a16:creationId xmlns:a16="http://schemas.microsoft.com/office/drawing/2014/main" id="{78615CA8-9709-5FEC-B09A-B4416CC4D9E2}"/>
+                </a:ext>
+              </a:extLst>
+            </p:cNvPr>
+            <p:cNvSpPr/>
+            <p:nvPr/>
+          </p:nvSpPr>
+          <p:spPr>
+            <a:xfrm>
+              <a:off x="7543627" y="2948752"/>
+              <a:ext cx="124690" cy="124690"/>
+            </a:xfrm>
+            <a:prstGeom prst="ellipse">
+              <a:avLst/>
+            </a:prstGeom>
+          </p:spPr>
+          <p:style>
+            <a:lnRef idx="2">
+              <a:schemeClr val="dk1">
+                <a:shade val="15000"/>
+              </a:schemeClr>
+            </a:lnRef>
+            <a:fillRef idx="1">
+              <a:schemeClr val="dk1"/>
+            </a:fillRef>
+            <a:effectRef idx="0">
+              <a:schemeClr val="dk1"/>
+            </a:effectRef>
+            <a:fontRef idx="minor">
+              <a:schemeClr val="lt1"/>
+            </a:fontRef>
+          </p:style>
+          <p:txBody>
+            <a:bodyPr rtlCol="0" anchor="ctr"/>
+            <a:lstStyle/>
+            <a:p>
+              <a:pPr algn="ctr"/>
+              <a:endParaRPr lang="en-US" sz="1400"/>
+            </a:p>
+          </p:txBody>
+        </p:sp>
+        <p:sp>
+          <p:nvSpPr>
+            <p:cNvPr id="45" name="Oval 44">
+              <a:extLst>
+                <a:ext uri="{FF2B5EF4-FFF2-40B4-BE49-F238E27FC236}">
+                  <a16:creationId xmlns:a16="http://schemas.microsoft.com/office/drawing/2014/main" id="{8DADD335-71AF-FF4B-CCF4-E4F124D48947}"/>
+                </a:ext>
+              </a:extLst>
+            </p:cNvPr>
+            <p:cNvSpPr/>
+            <p:nvPr/>
+          </p:nvSpPr>
+          <p:spPr>
+            <a:xfrm>
+              <a:off x="7753899" y="2948752"/>
+              <a:ext cx="124690" cy="124690"/>
+            </a:xfrm>
+            <a:prstGeom prst="ellipse">
+              <a:avLst/>
+            </a:prstGeom>
+          </p:spPr>
+          <p:style>
+            <a:lnRef idx="2">
+              <a:schemeClr val="dk1">
+                <a:shade val="15000"/>
+              </a:schemeClr>
+            </a:lnRef>
+            <a:fillRef idx="1">
+              <a:schemeClr val="dk1"/>
+            </a:fillRef>
+            <a:effectRef idx="0">
+              <a:schemeClr val="dk1"/>
+            </a:effectRef>
+            <a:fontRef idx="minor">
+              <a:schemeClr val="lt1"/>
+            </a:fontRef>
+          </p:style>
+          <p:txBody>
+            <a:bodyPr rtlCol="0" anchor="ctr"/>
+            <a:lstStyle/>
+            <a:p>
+              <a:pPr algn="ctr"/>
+              <a:endParaRPr lang="en-US" sz="1400"/>
+            </a:p>
+          </p:txBody>
+        </p:sp>
+        <p:sp>
+          <p:nvSpPr>
+            <p:cNvPr id="46" name="Oval 45">
+              <a:extLst>
+                <a:ext uri="{FF2B5EF4-FFF2-40B4-BE49-F238E27FC236}">
+                  <a16:creationId xmlns:a16="http://schemas.microsoft.com/office/drawing/2014/main" id="{F639536E-1449-E8E7-A036-5D0F33D41ABA}"/>
+                </a:ext>
+              </a:extLst>
+            </p:cNvPr>
+            <p:cNvSpPr/>
+            <p:nvPr/>
+          </p:nvSpPr>
+          <p:spPr>
+            <a:xfrm>
+              <a:off x="7958164" y="2948752"/>
+              <a:ext cx="124690" cy="124690"/>
+            </a:xfrm>
+            <a:prstGeom prst="ellipse">
+              <a:avLst/>
+            </a:prstGeom>
+          </p:spPr>
+          <p:style>
+            <a:lnRef idx="2">
+              <a:schemeClr val="dk1">
+                <a:shade val="15000"/>
+              </a:schemeClr>
+            </a:lnRef>
+            <a:fillRef idx="1">
+              <a:schemeClr val="dk1"/>
+            </a:fillRef>
+            <a:effectRef idx="0">
+              <a:schemeClr val="dk1"/>
+            </a:effectRef>
+            <a:fontRef idx="minor">
+              <a:schemeClr val="lt1"/>
+            </a:fontRef>
+          </p:style>
+          <p:txBody>
+            <a:bodyPr rtlCol="0" anchor="ctr"/>
+            <a:lstStyle/>
+            <a:p>
+              <a:pPr algn="ctr"/>
+              <a:endParaRPr lang="en-US" sz="1400"/>
+            </a:p>
+          </p:txBody>
+        </p:sp>
+        <p:sp>
+          <p:nvSpPr>
+            <p:cNvPr id="47" name="Oval 46">
+              <a:extLst>
+                <a:ext uri="{FF2B5EF4-FFF2-40B4-BE49-F238E27FC236}">
+                  <a16:creationId xmlns:a16="http://schemas.microsoft.com/office/drawing/2014/main" id="{8255E3F4-62E7-5139-F6D8-D808681B83B6}"/>
+                </a:ext>
+              </a:extLst>
+            </p:cNvPr>
+            <p:cNvSpPr/>
+            <p:nvPr/>
+          </p:nvSpPr>
+          <p:spPr>
+            <a:xfrm>
+              <a:off x="8154367" y="2948752"/>
+              <a:ext cx="124690" cy="124690"/>
+            </a:xfrm>
+            <a:prstGeom prst="ellipse">
+              <a:avLst/>
+            </a:prstGeom>
+          </p:spPr>
+          <p:style>
+            <a:lnRef idx="2">
+              <a:schemeClr val="dk1">
+                <a:shade val="15000"/>
+              </a:schemeClr>
+            </a:lnRef>
+            <a:fillRef idx="1">
+              <a:schemeClr val="dk1"/>
+            </a:fillRef>
+            <a:effectRef idx="0">
+              <a:schemeClr val="dk1"/>
+            </a:effectRef>
+            <a:fontRef idx="minor">
+              <a:schemeClr val="lt1"/>
+            </a:fontRef>
+          </p:style>
+          <p:txBody>
+            <a:bodyPr rtlCol="0" anchor="ctr"/>
+            <a:lstStyle/>
+            <a:p>
+              <a:pPr algn="ctr"/>
+              <a:endParaRPr lang="en-US" sz="1400"/>
+            </a:p>
+          </p:txBody>
+        </p:sp>
+        <p:sp>
+          <p:nvSpPr>
+            <p:cNvPr id="48" name="Oval 47">
+              <a:extLst>
+                <a:ext uri="{FF2B5EF4-FFF2-40B4-BE49-F238E27FC236}">
+                  <a16:creationId xmlns:a16="http://schemas.microsoft.com/office/drawing/2014/main" id="{1834B3A2-D840-0711-D5B8-A9EFEB0677E5}"/>
+                </a:ext>
+              </a:extLst>
+            </p:cNvPr>
+            <p:cNvSpPr/>
+            <p:nvPr/>
+          </p:nvSpPr>
+          <p:spPr>
+            <a:xfrm>
+              <a:off x="8364639" y="2948752"/>
+              <a:ext cx="124690" cy="124690"/>
+            </a:xfrm>
+            <a:prstGeom prst="ellipse">
+              <a:avLst/>
+            </a:prstGeom>
+          </p:spPr>
+          <p:style>
+            <a:lnRef idx="2">
+              <a:schemeClr val="dk1">
+                <a:shade val="15000"/>
+              </a:schemeClr>
+            </a:lnRef>
+            <a:fillRef idx="1">
+              <a:schemeClr val="dk1"/>
+            </a:fillRef>
+            <a:effectRef idx="0">
+              <a:schemeClr val="dk1"/>
+            </a:effectRef>
+            <a:fontRef idx="minor">
+              <a:schemeClr val="lt1"/>
+            </a:fontRef>
+          </p:style>
+          <p:txBody>
+            <a:bodyPr rtlCol="0" anchor="ctr"/>
+            <a:lstStyle/>
+            <a:p>
+              <a:pPr algn="ctr"/>
+              <a:endParaRPr lang="en-US" sz="1400"/>
+            </a:p>
+          </p:txBody>
+        </p:sp>
+        <p:sp>
+          <p:nvSpPr>
+            <p:cNvPr id="49" name="Oval 48">
+              <a:extLst>
+                <a:ext uri="{FF2B5EF4-FFF2-40B4-BE49-F238E27FC236}">
+                  <a16:creationId xmlns:a16="http://schemas.microsoft.com/office/drawing/2014/main" id="{6428A6DE-C37F-45FE-5C38-9FAEED2E1A21}"/>
+                </a:ext>
+              </a:extLst>
+            </p:cNvPr>
+            <p:cNvSpPr/>
+            <p:nvPr/>
+          </p:nvSpPr>
+          <p:spPr>
+            <a:xfrm>
+              <a:off x="8568904" y="2948752"/>
+              <a:ext cx="124690" cy="124690"/>
+            </a:xfrm>
+            <a:prstGeom prst="ellipse">
+              <a:avLst/>
+            </a:prstGeom>
+          </p:spPr>
+          <p:style>
+            <a:lnRef idx="2">
+              <a:schemeClr val="dk1">
+                <a:shade val="15000"/>
+              </a:schemeClr>
+            </a:lnRef>
+            <a:fillRef idx="1">
+              <a:schemeClr val="dk1"/>
+            </a:fillRef>
+            <a:effectRef idx="0">
+              <a:schemeClr val="dk1"/>
+            </a:effectRef>
+            <a:fontRef idx="minor">
+              <a:schemeClr val="lt1"/>
+            </a:fontRef>
+          </p:style>
+          <p:txBody>
+            <a:bodyPr rtlCol="0" anchor="ctr"/>
+            <a:lstStyle/>
+            <a:p>
+              <a:pPr algn="ctr"/>
+              <a:endParaRPr lang="en-US" sz="1400"/>
+            </a:p>
+          </p:txBody>
+        </p:sp>
+        <p:sp>
+          <p:nvSpPr>
+            <p:cNvPr id="50" name="TextBox 49">
+              <a:extLst>
+                <a:ext uri="{FF2B5EF4-FFF2-40B4-BE49-F238E27FC236}">
+                  <a16:creationId xmlns:a16="http://schemas.microsoft.com/office/drawing/2014/main" id="{5DC39DD2-3B85-457B-DE03-CAA0E60F70D5}"/>
+                </a:ext>
+              </a:extLst>
+            </p:cNvPr>
+            <p:cNvSpPr txBox="1"/>
+            <p:nvPr/>
+          </p:nvSpPr>
+          <p:spPr>
+            <a:xfrm>
+              <a:off x="8171860" y="1393152"/>
+              <a:ext cx="426356" cy="338554"/>
+            </a:xfrm>
+            <a:prstGeom prst="rect">
+              <a:avLst/>
+            </a:prstGeom>
+            <a:noFill/>
+          </p:spPr>
+          <p:txBody>
+            <a:bodyPr wrap="square" rtlCol="0">
+              <a:spAutoFit/>
+            </a:bodyPr>
+            <a:lstStyle/>
+            <a:p>
+              <a:pPr algn="ctr"/>
+              <a:r>
+                <a:rPr lang="en-US" sz="1600" dirty="0">
+                  <a:latin typeface="Times New Roman" panose="02020603050405020304" pitchFamily="18" charset="0"/>
+                  <a:cs typeface="Times New Roman" panose="02020603050405020304" pitchFamily="18" charset="0"/>
+                </a:rPr>
+                <a:t>✔</a:t>
+              </a:r>
+              <a:endParaRPr lang="en-US" sz="1600" dirty="0">
+                <a:solidFill>
+                  <a:srgbClr val="00B050"/>
+                </a:solidFill>
+                <a:latin typeface="Times New Roman" panose="02020603050405020304" pitchFamily="18" charset="0"/>
+                <a:cs typeface="Times New Roman" panose="02020603050405020304" pitchFamily="18" charset="0"/>
+              </a:endParaRPr>
+            </a:p>
+          </p:txBody>
+        </p:sp>
+        <p:sp>
+          <p:nvSpPr>
+            <p:cNvPr id="51" name="TextBox 50">
+              <a:extLst>
+                <a:ext uri="{FF2B5EF4-FFF2-40B4-BE49-F238E27FC236}">
+                  <a16:creationId xmlns:a16="http://schemas.microsoft.com/office/drawing/2014/main" id="{52A97C45-6476-7AB6-1A26-D3FEEA304E82}"/>
+                </a:ext>
+              </a:extLst>
+            </p:cNvPr>
+            <p:cNvSpPr txBox="1"/>
+            <p:nvPr/>
+          </p:nvSpPr>
+          <p:spPr>
+            <a:xfrm>
+              <a:off x="5802603" y="537683"/>
+              <a:ext cx="2209525" cy="276999"/>
+            </a:xfrm>
+            <a:prstGeom prst="rect">
+              <a:avLst/>
+            </a:prstGeom>
+            <a:noFill/>
+          </p:spPr>
+          <p:txBody>
+            <a:bodyPr wrap="square" rtlCol="0">
+              <a:spAutoFit/>
+            </a:bodyPr>
+            <a:lstStyle/>
+            <a:p>
+              <a:pPr algn="ctr"/>
+              <a:r>
+                <a:rPr lang="en-US" sz="1200" b="1" dirty="0">
+                  <a:latin typeface="Times New Roman" panose="02020603050405020304" pitchFamily="18" charset="0"/>
+                  <a:cs typeface="Times New Roman" panose="02020603050405020304" pitchFamily="18" charset="0"/>
+                </a:rPr>
+                <a:t>Balanced distribution</a:t>
+              </a:r>
+            </a:p>
+          </p:txBody>
+        </p:sp>
+      </p:grpSp>
+      <p:grpSp>
+        <p:nvGrpSpPr>
+          <p:cNvPr id="71" name="Group 70">
+            <a:extLst>
+              <a:ext uri="{FF2B5EF4-FFF2-40B4-BE49-F238E27FC236}">
+                <a16:creationId xmlns:a16="http://schemas.microsoft.com/office/drawing/2014/main" id="{4B85B506-0299-864F-9130-7B8B64905DFF}"/>
+              </a:ext>
+            </a:extLst>
+          </p:cNvPr>
+          <p:cNvGrpSpPr/>
+          <p:nvPr/>
+        </p:nvGrpSpPr>
+        <p:grpSpPr>
+          <a:xfrm>
+            <a:off x="9383995" y="537684"/>
+            <a:ext cx="3132870" cy="1891965"/>
+            <a:chOff x="5055285" y="3410391"/>
+            <a:chExt cx="4198916" cy="2535759"/>
+          </a:xfrm>
+        </p:grpSpPr>
+        <p:cxnSp>
+          <p:nvCxnSpPr>
+            <p:cNvPr id="89" name="Straight Connector 88">
+              <a:extLst>
+                <a:ext uri="{FF2B5EF4-FFF2-40B4-BE49-F238E27FC236}">
+                  <a16:creationId xmlns:a16="http://schemas.microsoft.com/office/drawing/2014/main" id="{09F515B7-CB68-2052-418F-68DB69209E40}"/>
+                </a:ext>
+              </a:extLst>
+            </p:cNvPr>
+            <p:cNvCxnSpPr/>
+            <p:nvPr/>
+          </p:nvCxnSpPr>
+          <p:spPr>
+            <a:xfrm>
+              <a:off x="5055285" y="5870485"/>
+              <a:ext cx="3704162" cy="0"/>
+            </a:xfrm>
+            <a:prstGeom prst="line">
+              <a:avLst/>
+            </a:prstGeom>
+            <a:ln>
+              <a:solidFill>
+                <a:schemeClr val="tx1"/>
+              </a:solidFill>
+            </a:ln>
+          </p:spPr>
+          <p:style>
+            <a:lnRef idx="2">
+              <a:schemeClr val="accent1"/>
+            </a:lnRef>
+            <a:fillRef idx="0">
+              <a:schemeClr val="accent1"/>
+            </a:fillRef>
+            <a:effectRef idx="1">
+              <a:schemeClr val="accent1"/>
+            </a:effectRef>
+            <a:fontRef idx="minor">
+              <a:schemeClr val="tx1"/>
+            </a:fontRef>
+          </p:style>
+        </p:cxnSp>
+        <p:cxnSp>
+          <p:nvCxnSpPr>
+            <p:cNvPr id="93" name="Straight Connector 92">
+              <a:extLst>
+                <a:ext uri="{FF2B5EF4-FFF2-40B4-BE49-F238E27FC236}">
+                  <a16:creationId xmlns:a16="http://schemas.microsoft.com/office/drawing/2014/main" id="{C7A69AE6-8E8A-9565-D866-727D7C1C6388}"/>
+                </a:ext>
+              </a:extLst>
+            </p:cNvPr>
+            <p:cNvCxnSpPr>
+              <a:cxnSpLocks/>
+            </p:cNvCxnSpPr>
+            <p:nvPr/>
+          </p:nvCxnSpPr>
+          <p:spPr>
+            <a:xfrm>
+              <a:off x="6265629" y="5802944"/>
+              <a:ext cx="0" cy="124691"/>
+            </a:xfrm>
+            <a:prstGeom prst="line">
+              <a:avLst/>
+            </a:prstGeom>
+            <a:ln>
+              <a:solidFill>
+                <a:schemeClr val="tx1"/>
+              </a:solidFill>
+            </a:ln>
+          </p:spPr>
+          <p:style>
+            <a:lnRef idx="2">
+              <a:schemeClr val="accent1"/>
+            </a:lnRef>
+            <a:fillRef idx="0">
+              <a:schemeClr val="accent1"/>
+            </a:fillRef>
+            <a:effectRef idx="1">
+              <a:schemeClr val="accent1"/>
+            </a:effectRef>
+            <a:fontRef idx="minor">
+              <a:schemeClr val="tx1"/>
+            </a:fontRef>
+          </p:style>
+        </p:cxnSp>
+        <p:cxnSp>
+          <p:nvCxnSpPr>
+            <p:cNvPr id="94" name="Straight Connector 93">
+              <a:extLst>
+                <a:ext uri="{FF2B5EF4-FFF2-40B4-BE49-F238E27FC236}">
+                  <a16:creationId xmlns:a16="http://schemas.microsoft.com/office/drawing/2014/main" id="{C7CBB9DA-97BC-1F1E-8FC6-B8CD6264F7A3}"/>
+                </a:ext>
+              </a:extLst>
+            </p:cNvPr>
+            <p:cNvCxnSpPr>
+              <a:cxnSpLocks/>
+            </p:cNvCxnSpPr>
+            <p:nvPr/>
+          </p:nvCxnSpPr>
+          <p:spPr>
+            <a:xfrm>
+              <a:off x="7569688" y="5802944"/>
+              <a:ext cx="0" cy="124691"/>
+            </a:xfrm>
+            <a:prstGeom prst="line">
+              <a:avLst/>
+            </a:prstGeom>
+            <a:ln>
+              <a:solidFill>
+                <a:schemeClr val="tx1"/>
+              </a:solidFill>
+            </a:ln>
+          </p:spPr>
+          <p:style>
+            <a:lnRef idx="2">
+              <a:schemeClr val="accent1"/>
+            </a:lnRef>
+            <a:fillRef idx="0">
+              <a:schemeClr val="accent1"/>
+            </a:fillRef>
+            <a:effectRef idx="1">
+              <a:schemeClr val="accent1"/>
+            </a:effectRef>
+            <a:fontRef idx="minor">
+              <a:schemeClr val="tx1"/>
+            </a:fontRef>
+          </p:style>
+        </p:cxnSp>
+        <p:cxnSp>
+          <p:nvCxnSpPr>
+            <p:cNvPr id="95" name="Straight Connector 94">
+              <a:extLst>
+                <a:ext uri="{FF2B5EF4-FFF2-40B4-BE49-F238E27FC236}">
+                  <a16:creationId xmlns:a16="http://schemas.microsoft.com/office/drawing/2014/main" id="{49EA5485-4BCA-EAE3-45C7-676AA3F8A85B}"/>
+                </a:ext>
+              </a:extLst>
+            </p:cNvPr>
+            <p:cNvCxnSpPr>
+              <a:cxnSpLocks/>
+            </p:cNvCxnSpPr>
+            <p:nvPr/>
+          </p:nvCxnSpPr>
+          <p:spPr>
+            <a:xfrm>
+              <a:off x="8759447" y="5802944"/>
+              <a:ext cx="0" cy="124691"/>
+            </a:xfrm>
+            <a:prstGeom prst="line">
+              <a:avLst/>
+            </a:prstGeom>
+            <a:ln>
+              <a:solidFill>
+                <a:schemeClr val="tx1"/>
+              </a:solidFill>
+            </a:ln>
+          </p:spPr>
+          <p:style>
+            <a:lnRef idx="2">
+              <a:schemeClr val="accent1"/>
+            </a:lnRef>
+            <a:fillRef idx="0">
+              <a:schemeClr val="accent1"/>
+            </a:fillRef>
+            <a:effectRef idx="1">
+              <a:schemeClr val="accent1"/>
+            </a:effectRef>
+            <a:fontRef idx="minor">
+              <a:schemeClr val="tx1"/>
+            </a:fontRef>
+          </p:style>
+        </p:cxnSp>
+        <p:sp>
+          <p:nvSpPr>
+            <p:cNvPr id="96" name="Freeform: Shape 95">
+              <a:extLst>
+                <a:ext uri="{FF2B5EF4-FFF2-40B4-BE49-F238E27FC236}">
+                  <a16:creationId xmlns:a16="http://schemas.microsoft.com/office/drawing/2014/main" id="{3F00C82A-B026-356F-ABE6-B4D84B1A5225}"/>
+                </a:ext>
+              </a:extLst>
+            </p:cNvPr>
+            <p:cNvSpPr/>
+            <p:nvPr/>
+          </p:nvSpPr>
+          <p:spPr>
+            <a:xfrm>
+              <a:off x="5086548" y="3796574"/>
+              <a:ext cx="3636818" cy="1684251"/>
+            </a:xfrm>
+            <a:custGeom>
+              <a:avLst/>
+              <a:gdLst>
+                <a:gd name="csX0" fmla="*/ 0 w 3636818"/>
+                <a:gd name="csY0" fmla="*/ 1675981 h 1675981"/>
+                <a:gd name="csX1" fmla="*/ 1137804 w 3636818"/>
+                <a:gd name="csY1" fmla="*/ 1514922 h 1675981"/>
+                <a:gd name="csX2" fmla="*/ 1413163 w 3636818"/>
+                <a:gd name="csY2" fmla="*/ 761581 h 1675981"/>
+                <a:gd name="csX3" fmla="*/ 2436668 w 3636818"/>
+                <a:gd name="csY3" fmla="*/ 673258 h 1675981"/>
+                <a:gd name="csX4" fmla="*/ 3091295 w 3636818"/>
+                <a:gd name="csY4" fmla="*/ 101758 h 1675981"/>
+                <a:gd name="csX5" fmla="*/ 3636818 w 3636818"/>
+                <a:gd name="csY5" fmla="*/ 3044 h 1675981"/>
+                <a:gd name="csX0" fmla="*/ 0 w 3636818"/>
+                <a:gd name="csY0" fmla="*/ 1676802 h 1676802"/>
+                <a:gd name="csX1" fmla="*/ 1137804 w 3636818"/>
+                <a:gd name="csY1" fmla="*/ 1515743 h 1676802"/>
+                <a:gd name="csX2" fmla="*/ 1413163 w 3636818"/>
+                <a:gd name="csY2" fmla="*/ 762402 h 1676802"/>
+                <a:gd name="csX3" fmla="*/ 2436668 w 3636818"/>
+                <a:gd name="csY3" fmla="*/ 674079 h 1676802"/>
+                <a:gd name="csX4" fmla="*/ 2836717 w 3636818"/>
+                <a:gd name="csY4" fmla="*/ 97384 h 1676802"/>
+                <a:gd name="csX5" fmla="*/ 3636818 w 3636818"/>
+                <a:gd name="csY5" fmla="*/ 3865 h 1676802"/>
+                <a:gd name="csX0" fmla="*/ 0 w 3636818"/>
+                <a:gd name="csY0" fmla="*/ 1684251 h 1684251"/>
+                <a:gd name="csX1" fmla="*/ 1137804 w 3636818"/>
+                <a:gd name="csY1" fmla="*/ 1523192 h 1684251"/>
+                <a:gd name="csX2" fmla="*/ 1413163 w 3636818"/>
+                <a:gd name="csY2" fmla="*/ 769851 h 1684251"/>
+                <a:gd name="csX3" fmla="*/ 2436668 w 3636818"/>
+                <a:gd name="csY3" fmla="*/ 681528 h 1684251"/>
+                <a:gd name="csX4" fmla="*/ 2763980 w 3636818"/>
+                <a:gd name="csY4" fmla="*/ 78855 h 1684251"/>
+                <a:gd name="csX5" fmla="*/ 3636818 w 3636818"/>
+                <a:gd name="csY5" fmla="*/ 11314 h 1684251"/>
+              </a:gdLst>
+              <a:ahLst/>
+              <a:cxnLst>
+                <a:cxn ang="0">
+                  <a:pos x="csX0" y="csY0"/>
+                </a:cxn>
+                <a:cxn ang="0">
+                  <a:pos x="csX1" y="csY1"/>
+                </a:cxn>
+                <a:cxn ang="0">
+                  <a:pos x="csX2" y="csY2"/>
+                </a:cxn>
+                <a:cxn ang="0">
+                  <a:pos x="csX3" y="csY3"/>
+                </a:cxn>
+                <a:cxn ang="0">
+                  <a:pos x="csX4" y="csY4"/>
+                </a:cxn>
+                <a:cxn ang="0">
+                  <a:pos x="csX5" y="csY5"/>
+                </a:cxn>
+              </a:cxnLst>
+              <a:rect l="l" t="t" r="r" b="b"/>
+              <a:pathLst>
+                <a:path w="3636818" h="1684251">
+                  <a:moveTo>
+                    <a:pt x="0" y="1684251"/>
+                  </a:moveTo>
+                  <a:cubicBezTo>
+                    <a:pt x="451138" y="1679921"/>
+                    <a:pt x="902277" y="1675592"/>
+                    <a:pt x="1137804" y="1523192"/>
+                  </a:cubicBezTo>
+                  <a:cubicBezTo>
+                    <a:pt x="1373331" y="1370792"/>
+                    <a:pt x="1196686" y="910128"/>
+                    <a:pt x="1413163" y="769851"/>
+                  </a:cubicBezTo>
+                  <a:cubicBezTo>
+                    <a:pt x="1629640" y="629574"/>
+                    <a:pt x="2211532" y="796694"/>
+                    <a:pt x="2436668" y="681528"/>
+                  </a:cubicBezTo>
+                  <a:cubicBezTo>
+                    <a:pt x="2661804" y="566362"/>
+                    <a:pt x="2563955" y="190557"/>
+                    <a:pt x="2763980" y="78855"/>
+                  </a:cubicBezTo>
+                  <a:cubicBezTo>
+                    <a:pt x="2964005" y="-32847"/>
+                    <a:pt x="3464069" y="4820"/>
+                    <a:pt x="3636818" y="11314"/>
+                  </a:cubicBezTo>
+                </a:path>
+              </a:pathLst>
+            </a:custGeom>
+            <a:noFill/>
+            <a:ln w="12700">
+              <a:solidFill>
+                <a:srgbClr val="FF0000"/>
+              </a:solidFill>
+              <a:prstDash val="dash"/>
+            </a:ln>
+          </p:spPr>
+          <p:style>
+            <a:lnRef idx="2">
+              <a:schemeClr val="accent1">
+                <a:shade val="15000"/>
+              </a:schemeClr>
+            </a:lnRef>
+            <a:fillRef idx="1">
+              <a:schemeClr val="accent1"/>
+            </a:fillRef>
+            <a:effectRef idx="0">
+              <a:schemeClr val="accent1"/>
+            </a:effectRef>
+            <a:fontRef idx="minor">
+              <a:schemeClr val="lt1"/>
+            </a:fontRef>
+          </p:style>
+          <p:txBody>
+            <a:bodyPr rtlCol="0" anchor="ctr"/>
+            <a:lstStyle/>
+            <a:p>
+              <a:pPr algn="ctr"/>
+              <a:endParaRPr lang="en-US" sz="1400"/>
+            </a:p>
+          </p:txBody>
+        </p:sp>
+        <p:sp>
+          <p:nvSpPr>
+            <p:cNvPr id="97" name="TextBox 96">
+              <a:extLst>
+                <a:ext uri="{FF2B5EF4-FFF2-40B4-BE49-F238E27FC236}">
+                  <a16:creationId xmlns:a16="http://schemas.microsoft.com/office/drawing/2014/main" id="{D15141AC-1C79-3594-882A-3D7356A0CFC9}"/>
+                </a:ext>
+              </a:extLst>
+            </p:cNvPr>
+            <p:cNvSpPr txBox="1"/>
+            <p:nvPr/>
+          </p:nvSpPr>
+          <p:spPr>
+            <a:xfrm>
+              <a:off x="7942120" y="3453728"/>
+              <a:ext cx="1312081" cy="312225"/>
+            </a:xfrm>
+            <a:prstGeom prst="rect">
+              <a:avLst/>
+            </a:prstGeom>
+            <a:noFill/>
+          </p:spPr>
+          <p:txBody>
+            <a:bodyPr wrap="square" rtlCol="0">
+              <a:spAutoFit/>
+            </a:bodyPr>
+            <a:lstStyle/>
+            <a:p>
+              <a:pPr algn="ctr"/>
+              <a:r>
+                <a:rPr lang="en-US" sz="1100" dirty="0">
+                  <a:solidFill>
+                    <a:srgbClr val="FF0000"/>
+                  </a:solidFill>
+                  <a:latin typeface="Times New Roman" panose="02020603050405020304" pitchFamily="18" charset="0"/>
+                  <a:cs typeface="Times New Roman" panose="02020603050405020304" pitchFamily="18" charset="0"/>
+                </a:rPr>
+                <a:t>B</a:t>
+              </a:r>
+            </a:p>
+          </p:txBody>
+        </p:sp>
+        <p:cxnSp>
+          <p:nvCxnSpPr>
+            <p:cNvPr id="98" name="Straight Connector 97">
+              <a:extLst>
+                <a:ext uri="{FF2B5EF4-FFF2-40B4-BE49-F238E27FC236}">
+                  <a16:creationId xmlns:a16="http://schemas.microsoft.com/office/drawing/2014/main" id="{54703DB3-7A51-EEA9-02C0-1E5A8CB704AF}"/>
+                </a:ext>
+              </a:extLst>
+            </p:cNvPr>
+            <p:cNvCxnSpPr/>
+            <p:nvPr/>
+          </p:nvCxnSpPr>
+          <p:spPr>
+            <a:xfrm>
+              <a:off x="5086548" y="4280675"/>
+              <a:ext cx="3662793" cy="0"/>
+            </a:xfrm>
+            <a:prstGeom prst="line">
+              <a:avLst/>
+            </a:prstGeom>
+            <a:noFill/>
+            <a:ln w="12700">
+              <a:solidFill>
+                <a:srgbClr val="00B050"/>
+              </a:solidFill>
+              <a:prstDash val="dash"/>
+            </a:ln>
+          </p:spPr>
+          <p:style>
+            <a:lnRef idx="2">
+              <a:schemeClr val="accent1">
+                <a:shade val="15000"/>
+              </a:schemeClr>
+            </a:lnRef>
+            <a:fillRef idx="1">
+              <a:schemeClr val="accent1"/>
+            </a:fillRef>
+            <a:effectRef idx="0">
+              <a:schemeClr val="accent1"/>
+            </a:effectRef>
+            <a:fontRef idx="minor">
+              <a:schemeClr val="lt1"/>
+            </a:fontRef>
+          </p:style>
+        </p:cxnSp>
+        <p:sp>
+          <p:nvSpPr>
+            <p:cNvPr id="99" name="TextBox 98">
+              <a:extLst>
+                <a:ext uri="{FF2B5EF4-FFF2-40B4-BE49-F238E27FC236}">
+                  <a16:creationId xmlns:a16="http://schemas.microsoft.com/office/drawing/2014/main" id="{8F5D205E-1FB6-3DC1-613C-1656827430CC}"/>
+                </a:ext>
+              </a:extLst>
+            </p:cNvPr>
+            <p:cNvSpPr txBox="1"/>
+            <p:nvPr/>
+          </p:nvSpPr>
+          <p:spPr>
+            <a:xfrm>
+              <a:off x="7942120" y="4267295"/>
+              <a:ext cx="1312081" cy="312225"/>
+            </a:xfrm>
+            <a:prstGeom prst="rect">
+              <a:avLst/>
+            </a:prstGeom>
+            <a:noFill/>
+          </p:spPr>
+          <p:txBody>
+            <a:bodyPr wrap="square" rtlCol="0">
+              <a:spAutoFit/>
+            </a:bodyPr>
+            <a:lstStyle/>
+            <a:p>
+              <a:pPr algn="ctr"/>
+              <a:r>
+                <a:rPr lang="en-US" sz="1100" dirty="0">
+                  <a:solidFill>
+                    <a:srgbClr val="00B050"/>
+                  </a:solidFill>
+                  <a:latin typeface="Times New Roman" panose="02020603050405020304" pitchFamily="18" charset="0"/>
+                  <a:cs typeface="Times New Roman" panose="02020603050405020304" pitchFamily="18" charset="0"/>
+                </a:rPr>
+                <a:t>A</a:t>
+              </a:r>
+            </a:p>
+          </p:txBody>
+        </p:sp>
+        <p:sp>
+          <p:nvSpPr>
+            <p:cNvPr id="100" name="TextBox 99">
+              <a:extLst>
+                <a:ext uri="{FF2B5EF4-FFF2-40B4-BE49-F238E27FC236}">
+                  <a16:creationId xmlns:a16="http://schemas.microsoft.com/office/drawing/2014/main" id="{A0ED90A6-EC9D-B898-9A1B-258EC07FFD46}"/>
+                </a:ext>
+              </a:extLst>
+            </p:cNvPr>
+            <p:cNvSpPr txBox="1"/>
+            <p:nvPr/>
+          </p:nvSpPr>
+          <p:spPr>
+            <a:xfrm>
+              <a:off x="7942120" y="5472742"/>
+              <a:ext cx="1312081" cy="312225"/>
+            </a:xfrm>
+            <a:prstGeom prst="rect">
+              <a:avLst/>
+            </a:prstGeom>
+            <a:noFill/>
+          </p:spPr>
+          <p:txBody>
+            <a:bodyPr wrap="square" rtlCol="0">
+              <a:spAutoFit/>
+            </a:bodyPr>
+            <a:lstStyle/>
+            <a:p>
+              <a:pPr algn="ctr"/>
+              <a:r>
+                <a:rPr lang="en-US" sz="1100" dirty="0">
+                  <a:solidFill>
+                    <a:srgbClr val="0070C0"/>
+                  </a:solidFill>
+                  <a:latin typeface="Times New Roman" panose="02020603050405020304" pitchFamily="18" charset="0"/>
+                  <a:cs typeface="Times New Roman" panose="02020603050405020304" pitchFamily="18" charset="0"/>
+                </a:rPr>
+                <a:t>C</a:t>
+              </a:r>
+            </a:p>
+          </p:txBody>
+        </p:sp>
+        <p:sp>
+          <p:nvSpPr>
+            <p:cNvPr id="103" name="Oval 102">
+              <a:extLst>
+                <a:ext uri="{FF2B5EF4-FFF2-40B4-BE49-F238E27FC236}">
+                  <a16:creationId xmlns:a16="http://schemas.microsoft.com/office/drawing/2014/main" id="{B0AA136D-96E0-5FF4-5DDE-E6BC32B3F7EC}"/>
+                </a:ext>
+              </a:extLst>
+            </p:cNvPr>
+            <p:cNvSpPr/>
+            <p:nvPr/>
+          </p:nvSpPr>
+          <p:spPr>
+            <a:xfrm>
+              <a:off x="5410108" y="5821460"/>
+              <a:ext cx="124690" cy="124690"/>
+            </a:xfrm>
+            <a:prstGeom prst="ellipse">
+              <a:avLst/>
+            </a:prstGeom>
+          </p:spPr>
+          <p:style>
+            <a:lnRef idx="2">
+              <a:schemeClr val="dk1">
+                <a:shade val="15000"/>
+              </a:schemeClr>
+            </a:lnRef>
+            <a:fillRef idx="1">
+              <a:schemeClr val="dk1"/>
+            </a:fillRef>
+            <a:effectRef idx="0">
+              <a:schemeClr val="dk1"/>
+            </a:effectRef>
+            <a:fontRef idx="minor">
+              <a:schemeClr val="lt1"/>
+            </a:fontRef>
+          </p:style>
+          <p:txBody>
+            <a:bodyPr rtlCol="0" anchor="ctr"/>
+            <a:lstStyle/>
+            <a:p>
+              <a:pPr algn="ctr"/>
+              <a:endParaRPr lang="en-US" sz="1400"/>
+            </a:p>
+          </p:txBody>
+        </p:sp>
+        <p:sp>
+          <p:nvSpPr>
+            <p:cNvPr id="105" name="Oval 104">
+              <a:extLst>
+                <a:ext uri="{FF2B5EF4-FFF2-40B4-BE49-F238E27FC236}">
+                  <a16:creationId xmlns:a16="http://schemas.microsoft.com/office/drawing/2014/main" id="{BA3F93EC-9951-B158-ACD8-0221A5C3BA7C}"/>
+                </a:ext>
+              </a:extLst>
+            </p:cNvPr>
+            <p:cNvSpPr/>
+            <p:nvPr/>
+          </p:nvSpPr>
+          <p:spPr>
+            <a:xfrm>
+              <a:off x="5819325" y="5821460"/>
+              <a:ext cx="124690" cy="124690"/>
+            </a:xfrm>
+            <a:prstGeom prst="ellipse">
+              <a:avLst/>
+            </a:prstGeom>
+          </p:spPr>
+          <p:style>
+            <a:lnRef idx="2">
+              <a:schemeClr val="dk1">
+                <a:shade val="15000"/>
+              </a:schemeClr>
+            </a:lnRef>
+            <a:fillRef idx="1">
+              <a:schemeClr val="dk1"/>
+            </a:fillRef>
+            <a:effectRef idx="0">
+              <a:schemeClr val="dk1"/>
+            </a:effectRef>
+            <a:fontRef idx="minor">
+              <a:schemeClr val="lt1"/>
+            </a:fontRef>
+          </p:style>
+          <p:txBody>
+            <a:bodyPr rtlCol="0" anchor="ctr"/>
+            <a:lstStyle/>
+            <a:p>
+              <a:pPr algn="ctr"/>
+              <a:endParaRPr lang="en-US" sz="1400"/>
+            </a:p>
+          </p:txBody>
+        </p:sp>
+        <p:sp>
+          <p:nvSpPr>
+            <p:cNvPr id="109" name="Oval 108">
+              <a:extLst>
+                <a:ext uri="{FF2B5EF4-FFF2-40B4-BE49-F238E27FC236}">
+                  <a16:creationId xmlns:a16="http://schemas.microsoft.com/office/drawing/2014/main" id="{61462177-79D9-B60C-C4A0-A63B4879CF2B}"/>
+                </a:ext>
+              </a:extLst>
+            </p:cNvPr>
+            <p:cNvSpPr/>
+            <p:nvPr/>
+          </p:nvSpPr>
+          <p:spPr>
+            <a:xfrm>
+              <a:off x="6763567" y="5821460"/>
+              <a:ext cx="124690" cy="124690"/>
+            </a:xfrm>
+            <a:prstGeom prst="ellipse">
+              <a:avLst/>
+            </a:prstGeom>
+          </p:spPr>
+          <p:style>
+            <a:lnRef idx="2">
+              <a:schemeClr val="dk1">
+                <a:shade val="15000"/>
+              </a:schemeClr>
+            </a:lnRef>
+            <a:fillRef idx="1">
+              <a:schemeClr val="dk1"/>
+            </a:fillRef>
+            <a:effectRef idx="0">
+              <a:schemeClr val="dk1"/>
+            </a:effectRef>
+            <a:fontRef idx="minor">
+              <a:schemeClr val="lt1"/>
+            </a:fontRef>
+          </p:style>
+          <p:txBody>
+            <a:bodyPr rtlCol="0" anchor="ctr"/>
+            <a:lstStyle/>
+            <a:p>
+              <a:pPr algn="ctr"/>
+              <a:endParaRPr lang="en-US" sz="1400"/>
+            </a:p>
+          </p:txBody>
+        </p:sp>
+        <p:sp>
+          <p:nvSpPr>
+            <p:cNvPr id="115" name="Oval 114">
+              <a:extLst>
+                <a:ext uri="{FF2B5EF4-FFF2-40B4-BE49-F238E27FC236}">
+                  <a16:creationId xmlns:a16="http://schemas.microsoft.com/office/drawing/2014/main" id="{B67C76BA-26AD-84AA-9794-E8AFADE96971}"/>
+                </a:ext>
+              </a:extLst>
+            </p:cNvPr>
+            <p:cNvSpPr/>
+            <p:nvPr/>
+          </p:nvSpPr>
+          <p:spPr>
+            <a:xfrm>
+              <a:off x="7895819" y="5821460"/>
+              <a:ext cx="124690" cy="124690"/>
+            </a:xfrm>
+            <a:prstGeom prst="ellipse">
+              <a:avLst/>
+            </a:prstGeom>
+          </p:spPr>
+          <p:style>
+            <a:lnRef idx="2">
+              <a:schemeClr val="dk1">
+                <a:shade val="15000"/>
+              </a:schemeClr>
+            </a:lnRef>
+            <a:fillRef idx="1">
+              <a:schemeClr val="dk1"/>
+            </a:fillRef>
+            <a:effectRef idx="0">
+              <a:schemeClr val="dk1"/>
+            </a:effectRef>
+            <a:fontRef idx="minor">
+              <a:schemeClr val="lt1"/>
+            </a:fontRef>
+          </p:style>
+          <p:txBody>
+            <a:bodyPr rtlCol="0" anchor="ctr"/>
+            <a:lstStyle/>
+            <a:p>
+              <a:pPr algn="ctr"/>
+              <a:endParaRPr lang="en-US" sz="1400"/>
+            </a:p>
+          </p:txBody>
+        </p:sp>
+        <p:sp>
+          <p:nvSpPr>
+            <p:cNvPr id="119" name="TextBox 118">
+              <a:extLst>
+                <a:ext uri="{FF2B5EF4-FFF2-40B4-BE49-F238E27FC236}">
+                  <a16:creationId xmlns:a16="http://schemas.microsoft.com/office/drawing/2014/main" id="{14B7D238-BDFE-7B54-9F45-F15198C59BFA}"/>
+                </a:ext>
+              </a:extLst>
+            </p:cNvPr>
+            <p:cNvSpPr txBox="1"/>
+            <p:nvPr/>
+          </p:nvSpPr>
+          <p:spPr>
+            <a:xfrm>
+              <a:off x="5802603" y="3410391"/>
+              <a:ext cx="2209525" cy="276999"/>
+            </a:xfrm>
+            <a:prstGeom prst="rect">
+              <a:avLst/>
+            </a:prstGeom>
+            <a:noFill/>
+          </p:spPr>
+          <p:txBody>
+            <a:bodyPr wrap="square" rtlCol="0">
+              <a:spAutoFit/>
+            </a:bodyPr>
+            <a:lstStyle/>
+            <a:p>
+              <a:pPr algn="ctr"/>
+              <a:r>
+                <a:rPr lang="en-US" sz="1200" b="1" dirty="0">
+                  <a:latin typeface="Times New Roman" panose="02020603050405020304" pitchFamily="18" charset="0"/>
+                  <a:cs typeface="Times New Roman" panose="02020603050405020304" pitchFamily="18" charset="0"/>
+                </a:rPr>
+                <a:t>Cherry-picking</a:t>
+              </a:r>
+            </a:p>
+          </p:txBody>
+        </p:sp>
+        <p:sp>
+          <p:nvSpPr>
+            <p:cNvPr id="121" name="TextBox 120">
+              <a:extLst>
+                <a:ext uri="{FF2B5EF4-FFF2-40B4-BE49-F238E27FC236}">
+                  <a16:creationId xmlns:a16="http://schemas.microsoft.com/office/drawing/2014/main" id="{8A4E05F9-0B4E-69C5-E5E6-145F65669358}"/>
+                </a:ext>
+              </a:extLst>
+            </p:cNvPr>
+            <p:cNvSpPr txBox="1"/>
+            <p:nvPr/>
+          </p:nvSpPr>
+          <p:spPr>
+            <a:xfrm>
+              <a:off x="8177618" y="5391127"/>
+              <a:ext cx="426356" cy="338554"/>
+            </a:xfrm>
+            <a:prstGeom prst="rect">
+              <a:avLst/>
+            </a:prstGeom>
+            <a:noFill/>
+          </p:spPr>
+          <p:txBody>
+            <a:bodyPr wrap="square" rtlCol="0">
+              <a:spAutoFit/>
+            </a:bodyPr>
+            <a:lstStyle/>
+            <a:p>
+              <a:pPr algn="ctr"/>
+              <a:r>
+                <a:rPr lang="en-US" sz="1600" dirty="0">
+                  <a:latin typeface="Times New Roman" panose="02020603050405020304" pitchFamily="18" charset="0"/>
+                  <a:cs typeface="Times New Roman" panose="02020603050405020304" pitchFamily="18" charset="0"/>
+                </a:rPr>
+                <a:t>✔</a:t>
+              </a:r>
+              <a:endParaRPr lang="en-US" sz="1600" dirty="0">
+                <a:solidFill>
+                  <a:srgbClr val="00B050"/>
+                </a:solidFill>
+                <a:latin typeface="Times New Roman" panose="02020603050405020304" pitchFamily="18" charset="0"/>
+                <a:cs typeface="Times New Roman" panose="02020603050405020304" pitchFamily="18" charset="0"/>
+              </a:endParaRPr>
+            </a:p>
+          </p:txBody>
+        </p:sp>
+        <p:sp>
+          <p:nvSpPr>
+            <p:cNvPr id="86" name="Freeform: Shape 85">
+              <a:extLst>
+                <a:ext uri="{FF2B5EF4-FFF2-40B4-BE49-F238E27FC236}">
+                  <a16:creationId xmlns:a16="http://schemas.microsoft.com/office/drawing/2014/main" id="{8BD25AA1-DFB5-96EB-20D9-A6ED227CE5E4}"/>
+                </a:ext>
+              </a:extLst>
+            </p:cNvPr>
+            <p:cNvSpPr/>
+            <p:nvPr/>
+          </p:nvSpPr>
+          <p:spPr>
+            <a:xfrm>
+              <a:off x="5086548" y="3903722"/>
+              <a:ext cx="3678382" cy="1959302"/>
+            </a:xfrm>
+            <a:custGeom>
+              <a:avLst/>
+              <a:gdLst>
+                <a:gd name="csX0" fmla="*/ 0 w 3678382"/>
+                <a:gd name="csY0" fmla="*/ 1943151 h 2111162"/>
+                <a:gd name="csX1" fmla="*/ 280554 w 3678382"/>
+                <a:gd name="csY1" fmla="*/ 1932760 h 2111162"/>
+                <a:gd name="csX2" fmla="*/ 368877 w 3678382"/>
+                <a:gd name="csY2" fmla="*/ 114351 h 2111162"/>
+                <a:gd name="csX3" fmla="*/ 472786 w 3678382"/>
+                <a:gd name="csY3" fmla="*/ 1698964 h 2111162"/>
+                <a:gd name="csX4" fmla="*/ 722168 w 3678382"/>
+                <a:gd name="csY4" fmla="*/ 1828851 h 2111162"/>
+                <a:gd name="csX5" fmla="*/ 779318 w 3678382"/>
+                <a:gd name="csY5" fmla="*/ 649483 h 2111162"/>
+                <a:gd name="csX6" fmla="*/ 852054 w 3678382"/>
+                <a:gd name="csY6" fmla="*/ 1750919 h 2111162"/>
+                <a:gd name="csX7" fmla="*/ 1589809 w 3678382"/>
+                <a:gd name="csY7" fmla="*/ 1854828 h 2111162"/>
+                <a:gd name="csX8" fmla="*/ 1771650 w 3678382"/>
+                <a:gd name="csY8" fmla="*/ 31223 h 2111162"/>
+                <a:gd name="csX9" fmla="*/ 1854777 w 3678382"/>
+                <a:gd name="csY9" fmla="*/ 1771701 h 2111162"/>
+                <a:gd name="csX10" fmla="*/ 2748395 w 3678382"/>
+                <a:gd name="csY10" fmla="*/ 1865219 h 2111162"/>
+                <a:gd name="csX11" fmla="*/ 2852304 w 3678382"/>
+                <a:gd name="csY11" fmla="*/ 51 h 2111162"/>
+                <a:gd name="csX12" fmla="*/ 2961409 w 3678382"/>
+                <a:gd name="csY12" fmla="*/ 1927564 h 2111162"/>
+                <a:gd name="csX13" fmla="*/ 3678382 w 3678382"/>
+                <a:gd name="csY13" fmla="*/ 1865219 h 2111162"/>
+                <a:gd name="csX0" fmla="*/ 0 w 3678382"/>
+                <a:gd name="csY0" fmla="*/ 1943527 h 2111538"/>
+                <a:gd name="csX1" fmla="*/ 280554 w 3678382"/>
+                <a:gd name="csY1" fmla="*/ 1933136 h 2111538"/>
+                <a:gd name="csX2" fmla="*/ 368877 w 3678382"/>
+                <a:gd name="csY2" fmla="*/ 114727 h 2111538"/>
+                <a:gd name="csX3" fmla="*/ 472786 w 3678382"/>
+                <a:gd name="csY3" fmla="*/ 1699340 h 2111538"/>
+                <a:gd name="csX4" fmla="*/ 722168 w 3678382"/>
+                <a:gd name="csY4" fmla="*/ 1829227 h 2111538"/>
+                <a:gd name="csX5" fmla="*/ 779318 w 3678382"/>
+                <a:gd name="csY5" fmla="*/ 649859 h 2111538"/>
+                <a:gd name="csX6" fmla="*/ 852054 w 3678382"/>
+                <a:gd name="csY6" fmla="*/ 1751295 h 2111538"/>
+                <a:gd name="csX7" fmla="*/ 1589809 w 3678382"/>
+                <a:gd name="csY7" fmla="*/ 1855204 h 2111538"/>
+                <a:gd name="csX8" fmla="*/ 1771650 w 3678382"/>
+                <a:gd name="csY8" fmla="*/ 31599 h 2111538"/>
+                <a:gd name="csX9" fmla="*/ 1854777 w 3678382"/>
+                <a:gd name="csY9" fmla="*/ 1772077 h 2111538"/>
+                <a:gd name="csX10" fmla="*/ 2748395 w 3678382"/>
+                <a:gd name="csY10" fmla="*/ 1865595 h 2111538"/>
+                <a:gd name="csX11" fmla="*/ 2852304 w 3678382"/>
+                <a:gd name="csY11" fmla="*/ 427 h 2111538"/>
+                <a:gd name="csX12" fmla="*/ 2961409 w 3678382"/>
+                <a:gd name="csY12" fmla="*/ 1694145 h 2111538"/>
+                <a:gd name="csX13" fmla="*/ 3678382 w 3678382"/>
+                <a:gd name="csY13" fmla="*/ 1865595 h 2111538"/>
+                <a:gd name="csX0" fmla="*/ 0 w 3678382"/>
+                <a:gd name="csY0" fmla="*/ 1943115 h 2111126"/>
+                <a:gd name="csX1" fmla="*/ 280554 w 3678382"/>
+                <a:gd name="csY1" fmla="*/ 1932724 h 2111126"/>
+                <a:gd name="csX2" fmla="*/ 368877 w 3678382"/>
+                <a:gd name="csY2" fmla="*/ 114315 h 2111126"/>
+                <a:gd name="csX3" fmla="*/ 472786 w 3678382"/>
+                <a:gd name="csY3" fmla="*/ 1698928 h 2111126"/>
+                <a:gd name="csX4" fmla="*/ 722168 w 3678382"/>
+                <a:gd name="csY4" fmla="*/ 1828815 h 2111126"/>
+                <a:gd name="csX5" fmla="*/ 779318 w 3678382"/>
+                <a:gd name="csY5" fmla="*/ 649447 h 2111126"/>
+                <a:gd name="csX6" fmla="*/ 852054 w 3678382"/>
+                <a:gd name="csY6" fmla="*/ 1750883 h 2111126"/>
+                <a:gd name="csX7" fmla="*/ 1589809 w 3678382"/>
+                <a:gd name="csY7" fmla="*/ 1854792 h 2111126"/>
+                <a:gd name="csX8" fmla="*/ 1771650 w 3678382"/>
+                <a:gd name="csY8" fmla="*/ 31187 h 2111126"/>
+                <a:gd name="csX9" fmla="*/ 1854777 w 3678382"/>
+                <a:gd name="csY9" fmla="*/ 1771665 h 2111126"/>
+                <a:gd name="csX10" fmla="*/ 2738004 w 3678382"/>
+                <a:gd name="csY10" fmla="*/ 1662560 h 2111126"/>
+                <a:gd name="csX11" fmla="*/ 2852304 w 3678382"/>
+                <a:gd name="csY11" fmla="*/ 15 h 2111126"/>
+                <a:gd name="csX12" fmla="*/ 2961409 w 3678382"/>
+                <a:gd name="csY12" fmla="*/ 1693733 h 2111126"/>
+                <a:gd name="csX13" fmla="*/ 3678382 w 3678382"/>
+                <a:gd name="csY13" fmla="*/ 1865183 h 2111126"/>
+                <a:gd name="csX0" fmla="*/ 0 w 3678382"/>
+                <a:gd name="csY0" fmla="*/ 1943115 h 2111126"/>
+                <a:gd name="csX1" fmla="*/ 280554 w 3678382"/>
+                <a:gd name="csY1" fmla="*/ 1932724 h 2111126"/>
+                <a:gd name="csX2" fmla="*/ 368877 w 3678382"/>
+                <a:gd name="csY2" fmla="*/ 114315 h 2111126"/>
+                <a:gd name="csX3" fmla="*/ 472786 w 3678382"/>
+                <a:gd name="csY3" fmla="*/ 1698928 h 2111126"/>
+                <a:gd name="csX4" fmla="*/ 722168 w 3678382"/>
+                <a:gd name="csY4" fmla="*/ 1828815 h 2111126"/>
+                <a:gd name="csX5" fmla="*/ 779318 w 3678382"/>
+                <a:gd name="csY5" fmla="*/ 649447 h 2111126"/>
+                <a:gd name="csX6" fmla="*/ 852054 w 3678382"/>
+                <a:gd name="csY6" fmla="*/ 1750883 h 2111126"/>
+                <a:gd name="csX7" fmla="*/ 1620982 w 3678382"/>
+                <a:gd name="csY7" fmla="*/ 1719711 h 2111126"/>
+                <a:gd name="csX8" fmla="*/ 1771650 w 3678382"/>
+                <a:gd name="csY8" fmla="*/ 31187 h 2111126"/>
+                <a:gd name="csX9" fmla="*/ 1854777 w 3678382"/>
+                <a:gd name="csY9" fmla="*/ 1771665 h 2111126"/>
+                <a:gd name="csX10" fmla="*/ 2738004 w 3678382"/>
+                <a:gd name="csY10" fmla="*/ 1662560 h 2111126"/>
+                <a:gd name="csX11" fmla="*/ 2852304 w 3678382"/>
+                <a:gd name="csY11" fmla="*/ 15 h 2111126"/>
+                <a:gd name="csX12" fmla="*/ 2961409 w 3678382"/>
+                <a:gd name="csY12" fmla="*/ 1693733 h 2111126"/>
+                <a:gd name="csX13" fmla="*/ 3678382 w 3678382"/>
+                <a:gd name="csY13" fmla="*/ 1865183 h 2111126"/>
+                <a:gd name="csX0" fmla="*/ 0 w 3678382"/>
+                <a:gd name="csY0" fmla="*/ 1943115 h 2035967"/>
+                <a:gd name="csX1" fmla="*/ 311727 w 3678382"/>
+                <a:gd name="csY1" fmla="*/ 1776860 h 2035967"/>
+                <a:gd name="csX2" fmla="*/ 368877 w 3678382"/>
+                <a:gd name="csY2" fmla="*/ 114315 h 2035967"/>
+                <a:gd name="csX3" fmla="*/ 472786 w 3678382"/>
+                <a:gd name="csY3" fmla="*/ 1698928 h 2035967"/>
+                <a:gd name="csX4" fmla="*/ 722168 w 3678382"/>
+                <a:gd name="csY4" fmla="*/ 1828815 h 2035967"/>
+                <a:gd name="csX5" fmla="*/ 779318 w 3678382"/>
+                <a:gd name="csY5" fmla="*/ 649447 h 2035967"/>
+                <a:gd name="csX6" fmla="*/ 852054 w 3678382"/>
+                <a:gd name="csY6" fmla="*/ 1750883 h 2035967"/>
+                <a:gd name="csX7" fmla="*/ 1620982 w 3678382"/>
+                <a:gd name="csY7" fmla="*/ 1719711 h 2035967"/>
+                <a:gd name="csX8" fmla="*/ 1771650 w 3678382"/>
+                <a:gd name="csY8" fmla="*/ 31187 h 2035967"/>
+                <a:gd name="csX9" fmla="*/ 1854777 w 3678382"/>
+                <a:gd name="csY9" fmla="*/ 1771665 h 2035967"/>
+                <a:gd name="csX10" fmla="*/ 2738004 w 3678382"/>
+                <a:gd name="csY10" fmla="*/ 1662560 h 2035967"/>
+                <a:gd name="csX11" fmla="*/ 2852304 w 3678382"/>
+                <a:gd name="csY11" fmla="*/ 15 h 2035967"/>
+                <a:gd name="csX12" fmla="*/ 2961409 w 3678382"/>
+                <a:gd name="csY12" fmla="*/ 1693733 h 2035967"/>
+                <a:gd name="csX13" fmla="*/ 3678382 w 3678382"/>
+                <a:gd name="csY13" fmla="*/ 1865183 h 2035967"/>
+                <a:gd name="csX0" fmla="*/ 0 w 3678382"/>
+                <a:gd name="csY0" fmla="*/ 1943115 h 1979321"/>
+                <a:gd name="csX1" fmla="*/ 311727 w 3678382"/>
+                <a:gd name="csY1" fmla="*/ 1776860 h 1979321"/>
+                <a:gd name="csX2" fmla="*/ 368877 w 3678382"/>
+                <a:gd name="csY2" fmla="*/ 114315 h 1979321"/>
+                <a:gd name="csX3" fmla="*/ 472786 w 3678382"/>
+                <a:gd name="csY3" fmla="*/ 1698928 h 1979321"/>
+                <a:gd name="csX4" fmla="*/ 722168 w 3678382"/>
+                <a:gd name="csY4" fmla="*/ 1828815 h 1979321"/>
+                <a:gd name="csX5" fmla="*/ 779318 w 3678382"/>
+                <a:gd name="csY5" fmla="*/ 649447 h 1979321"/>
+                <a:gd name="csX6" fmla="*/ 852054 w 3678382"/>
+                <a:gd name="csY6" fmla="*/ 1750883 h 1979321"/>
+                <a:gd name="csX7" fmla="*/ 1620982 w 3678382"/>
+                <a:gd name="csY7" fmla="*/ 1719711 h 1979321"/>
+                <a:gd name="csX8" fmla="*/ 1771650 w 3678382"/>
+                <a:gd name="csY8" fmla="*/ 31187 h 1979321"/>
+                <a:gd name="csX9" fmla="*/ 1854777 w 3678382"/>
+                <a:gd name="csY9" fmla="*/ 1771665 h 1979321"/>
+                <a:gd name="csX10" fmla="*/ 2738004 w 3678382"/>
+                <a:gd name="csY10" fmla="*/ 1662560 h 1979321"/>
+                <a:gd name="csX11" fmla="*/ 2852304 w 3678382"/>
+                <a:gd name="csY11" fmla="*/ 15 h 1979321"/>
+                <a:gd name="csX12" fmla="*/ 2961409 w 3678382"/>
+                <a:gd name="csY12" fmla="*/ 1693733 h 1979321"/>
+                <a:gd name="csX13" fmla="*/ 3678382 w 3678382"/>
+                <a:gd name="csY13" fmla="*/ 1865183 h 1979321"/>
+                <a:gd name="csX0" fmla="*/ 0 w 3678382"/>
+                <a:gd name="csY0" fmla="*/ 1943115 h 1979321"/>
+                <a:gd name="csX1" fmla="*/ 311727 w 3678382"/>
+                <a:gd name="csY1" fmla="*/ 1776860 h 1979321"/>
+                <a:gd name="csX2" fmla="*/ 368877 w 3678382"/>
+                <a:gd name="csY2" fmla="*/ 114315 h 1979321"/>
+                <a:gd name="csX3" fmla="*/ 472786 w 3678382"/>
+                <a:gd name="csY3" fmla="*/ 1698928 h 1979321"/>
+                <a:gd name="csX4" fmla="*/ 722168 w 3678382"/>
+                <a:gd name="csY4" fmla="*/ 1828815 h 1979321"/>
+                <a:gd name="csX5" fmla="*/ 779318 w 3678382"/>
+                <a:gd name="csY5" fmla="*/ 649447 h 1979321"/>
+                <a:gd name="csX6" fmla="*/ 852054 w 3678382"/>
+                <a:gd name="csY6" fmla="*/ 1750883 h 1979321"/>
+                <a:gd name="csX7" fmla="*/ 1620982 w 3678382"/>
+                <a:gd name="csY7" fmla="*/ 1719711 h 1979321"/>
+                <a:gd name="csX8" fmla="*/ 1771650 w 3678382"/>
+                <a:gd name="csY8" fmla="*/ 31187 h 1979321"/>
+                <a:gd name="csX9" fmla="*/ 1854777 w 3678382"/>
+                <a:gd name="csY9" fmla="*/ 1771665 h 1979321"/>
+                <a:gd name="csX10" fmla="*/ 2738004 w 3678382"/>
+                <a:gd name="csY10" fmla="*/ 1662560 h 1979321"/>
+                <a:gd name="csX11" fmla="*/ 2852304 w 3678382"/>
+                <a:gd name="csY11" fmla="*/ 15 h 1979321"/>
+                <a:gd name="csX12" fmla="*/ 2961409 w 3678382"/>
+                <a:gd name="csY12" fmla="*/ 1693733 h 1979321"/>
+                <a:gd name="csX13" fmla="*/ 3678382 w 3678382"/>
+                <a:gd name="csY13" fmla="*/ 1865183 h 1979321"/>
+                <a:gd name="csX0" fmla="*/ 0 w 3678382"/>
+                <a:gd name="csY0" fmla="*/ 1943115 h 1979321"/>
+                <a:gd name="csX1" fmla="*/ 311727 w 3678382"/>
+                <a:gd name="csY1" fmla="*/ 1776860 h 1979321"/>
+                <a:gd name="csX2" fmla="*/ 368877 w 3678382"/>
+                <a:gd name="csY2" fmla="*/ 114315 h 1979321"/>
+                <a:gd name="csX3" fmla="*/ 472786 w 3678382"/>
+                <a:gd name="csY3" fmla="*/ 1698928 h 1979321"/>
+                <a:gd name="csX4" fmla="*/ 722168 w 3678382"/>
+                <a:gd name="csY4" fmla="*/ 1828815 h 1979321"/>
+                <a:gd name="csX5" fmla="*/ 779318 w 3678382"/>
+                <a:gd name="csY5" fmla="*/ 649447 h 1979321"/>
+                <a:gd name="csX6" fmla="*/ 852054 w 3678382"/>
+                <a:gd name="csY6" fmla="*/ 1750883 h 1979321"/>
+                <a:gd name="csX7" fmla="*/ 1620982 w 3678382"/>
+                <a:gd name="csY7" fmla="*/ 1719711 h 1979321"/>
+                <a:gd name="csX8" fmla="*/ 1771650 w 3678382"/>
+                <a:gd name="csY8" fmla="*/ 31187 h 1979321"/>
+                <a:gd name="csX9" fmla="*/ 1854777 w 3678382"/>
+                <a:gd name="csY9" fmla="*/ 1771665 h 1979321"/>
+                <a:gd name="csX10" fmla="*/ 2738004 w 3678382"/>
+                <a:gd name="csY10" fmla="*/ 1662560 h 1979321"/>
+                <a:gd name="csX11" fmla="*/ 2852304 w 3678382"/>
+                <a:gd name="csY11" fmla="*/ 15 h 1979321"/>
+                <a:gd name="csX12" fmla="*/ 2961409 w 3678382"/>
+                <a:gd name="csY12" fmla="*/ 1693733 h 1979321"/>
+                <a:gd name="csX13" fmla="*/ 3678382 w 3678382"/>
+                <a:gd name="csY13" fmla="*/ 1865183 h 1979321"/>
+                <a:gd name="csX0" fmla="*/ 0 w 3678382"/>
+                <a:gd name="csY0" fmla="*/ 1943115 h 1979321"/>
+                <a:gd name="csX1" fmla="*/ 311727 w 3678382"/>
+                <a:gd name="csY1" fmla="*/ 1776860 h 1979321"/>
+                <a:gd name="csX2" fmla="*/ 368877 w 3678382"/>
+                <a:gd name="csY2" fmla="*/ 114315 h 1979321"/>
+                <a:gd name="csX3" fmla="*/ 472786 w 3678382"/>
+                <a:gd name="csY3" fmla="*/ 1698928 h 1979321"/>
+                <a:gd name="csX4" fmla="*/ 722168 w 3678382"/>
+                <a:gd name="csY4" fmla="*/ 1828815 h 1979321"/>
+                <a:gd name="csX5" fmla="*/ 779318 w 3678382"/>
+                <a:gd name="csY5" fmla="*/ 649447 h 1979321"/>
+                <a:gd name="csX6" fmla="*/ 852054 w 3678382"/>
+                <a:gd name="csY6" fmla="*/ 1750883 h 1979321"/>
+                <a:gd name="csX7" fmla="*/ 1620982 w 3678382"/>
+                <a:gd name="csY7" fmla="*/ 1719711 h 1979321"/>
+                <a:gd name="csX8" fmla="*/ 1771650 w 3678382"/>
+                <a:gd name="csY8" fmla="*/ 31187 h 1979321"/>
+                <a:gd name="csX9" fmla="*/ 1854777 w 3678382"/>
+                <a:gd name="csY9" fmla="*/ 1771665 h 1979321"/>
+                <a:gd name="csX10" fmla="*/ 2738004 w 3678382"/>
+                <a:gd name="csY10" fmla="*/ 1662560 h 1979321"/>
+                <a:gd name="csX11" fmla="*/ 2852304 w 3678382"/>
+                <a:gd name="csY11" fmla="*/ 15 h 1979321"/>
+                <a:gd name="csX12" fmla="*/ 2961409 w 3678382"/>
+                <a:gd name="csY12" fmla="*/ 1693733 h 1979321"/>
+                <a:gd name="csX13" fmla="*/ 3678382 w 3678382"/>
+                <a:gd name="csY13" fmla="*/ 1865183 h 1979321"/>
+                <a:gd name="csX0" fmla="*/ 0 w 3678382"/>
+                <a:gd name="csY0" fmla="*/ 1943115 h 1979321"/>
+                <a:gd name="csX1" fmla="*/ 311727 w 3678382"/>
+                <a:gd name="csY1" fmla="*/ 1776860 h 1979321"/>
+                <a:gd name="csX2" fmla="*/ 368877 w 3678382"/>
+                <a:gd name="csY2" fmla="*/ 114315 h 1979321"/>
+                <a:gd name="csX3" fmla="*/ 472786 w 3678382"/>
+                <a:gd name="csY3" fmla="*/ 1698928 h 1979321"/>
+                <a:gd name="csX4" fmla="*/ 722168 w 3678382"/>
+                <a:gd name="csY4" fmla="*/ 1828815 h 1979321"/>
+                <a:gd name="csX5" fmla="*/ 779318 w 3678382"/>
+                <a:gd name="csY5" fmla="*/ 649447 h 1979321"/>
+                <a:gd name="csX6" fmla="*/ 852054 w 3678382"/>
+                <a:gd name="csY6" fmla="*/ 1750883 h 1979321"/>
+                <a:gd name="csX7" fmla="*/ 1620982 w 3678382"/>
+                <a:gd name="csY7" fmla="*/ 1719711 h 1979321"/>
+                <a:gd name="csX8" fmla="*/ 1771650 w 3678382"/>
+                <a:gd name="csY8" fmla="*/ 31187 h 1979321"/>
+                <a:gd name="csX9" fmla="*/ 1854777 w 3678382"/>
+                <a:gd name="csY9" fmla="*/ 1771665 h 1979321"/>
+                <a:gd name="csX10" fmla="*/ 2738004 w 3678382"/>
+                <a:gd name="csY10" fmla="*/ 1662560 h 1979321"/>
+                <a:gd name="csX11" fmla="*/ 2852304 w 3678382"/>
+                <a:gd name="csY11" fmla="*/ 15 h 1979321"/>
+                <a:gd name="csX12" fmla="*/ 2961409 w 3678382"/>
+                <a:gd name="csY12" fmla="*/ 1693733 h 1979321"/>
+                <a:gd name="csX13" fmla="*/ 3678382 w 3678382"/>
+                <a:gd name="csY13" fmla="*/ 1865183 h 1979321"/>
+                <a:gd name="csX0" fmla="*/ 0 w 3678382"/>
+                <a:gd name="csY0" fmla="*/ 1943558 h 2040156"/>
+                <a:gd name="csX1" fmla="*/ 311727 w 3678382"/>
+                <a:gd name="csY1" fmla="*/ 1777303 h 2040156"/>
+                <a:gd name="csX2" fmla="*/ 368877 w 3678382"/>
+                <a:gd name="csY2" fmla="*/ 114758 h 2040156"/>
+                <a:gd name="csX3" fmla="*/ 472786 w 3678382"/>
+                <a:gd name="csY3" fmla="*/ 1699371 h 2040156"/>
+                <a:gd name="csX4" fmla="*/ 722168 w 3678382"/>
+                <a:gd name="csY4" fmla="*/ 1829258 h 2040156"/>
+                <a:gd name="csX5" fmla="*/ 779318 w 3678382"/>
+                <a:gd name="csY5" fmla="*/ 649890 h 2040156"/>
+                <a:gd name="csX6" fmla="*/ 852054 w 3678382"/>
+                <a:gd name="csY6" fmla="*/ 1751326 h 2040156"/>
+                <a:gd name="csX7" fmla="*/ 1620982 w 3678382"/>
+                <a:gd name="csY7" fmla="*/ 1720154 h 2040156"/>
+                <a:gd name="csX8" fmla="*/ 1771650 w 3678382"/>
+                <a:gd name="csY8" fmla="*/ 31630 h 2040156"/>
+                <a:gd name="csX9" fmla="*/ 1854777 w 3678382"/>
+                <a:gd name="csY9" fmla="*/ 1772108 h 2040156"/>
+                <a:gd name="csX10" fmla="*/ 2738004 w 3678382"/>
+                <a:gd name="csY10" fmla="*/ 1663003 h 2040156"/>
+                <a:gd name="csX11" fmla="*/ 2852304 w 3678382"/>
+                <a:gd name="csY11" fmla="*/ 458 h 2040156"/>
+                <a:gd name="csX12" fmla="*/ 3070514 w 3678382"/>
+                <a:gd name="csY12" fmla="*/ 1839649 h 2040156"/>
+                <a:gd name="csX13" fmla="*/ 3678382 w 3678382"/>
+                <a:gd name="csY13" fmla="*/ 1865626 h 2040156"/>
+                <a:gd name="csX0" fmla="*/ 0 w 3678382"/>
+                <a:gd name="csY0" fmla="*/ 1943558 h 1979764"/>
+                <a:gd name="csX1" fmla="*/ 311727 w 3678382"/>
+                <a:gd name="csY1" fmla="*/ 1777303 h 1979764"/>
+                <a:gd name="csX2" fmla="*/ 368877 w 3678382"/>
+                <a:gd name="csY2" fmla="*/ 114758 h 1979764"/>
+                <a:gd name="csX3" fmla="*/ 472786 w 3678382"/>
+                <a:gd name="csY3" fmla="*/ 1699371 h 1979764"/>
+                <a:gd name="csX4" fmla="*/ 722168 w 3678382"/>
+                <a:gd name="csY4" fmla="*/ 1829258 h 1979764"/>
+                <a:gd name="csX5" fmla="*/ 779318 w 3678382"/>
+                <a:gd name="csY5" fmla="*/ 649890 h 1979764"/>
+                <a:gd name="csX6" fmla="*/ 852054 w 3678382"/>
+                <a:gd name="csY6" fmla="*/ 1751326 h 1979764"/>
+                <a:gd name="csX7" fmla="*/ 1620982 w 3678382"/>
+                <a:gd name="csY7" fmla="*/ 1720154 h 1979764"/>
+                <a:gd name="csX8" fmla="*/ 1771650 w 3678382"/>
+                <a:gd name="csY8" fmla="*/ 31630 h 1979764"/>
+                <a:gd name="csX9" fmla="*/ 1854777 w 3678382"/>
+                <a:gd name="csY9" fmla="*/ 1772108 h 1979764"/>
+                <a:gd name="csX10" fmla="*/ 2738004 w 3678382"/>
+                <a:gd name="csY10" fmla="*/ 1663003 h 1979764"/>
+                <a:gd name="csX11" fmla="*/ 2852304 w 3678382"/>
+                <a:gd name="csY11" fmla="*/ 458 h 1979764"/>
+                <a:gd name="csX12" fmla="*/ 3070514 w 3678382"/>
+                <a:gd name="csY12" fmla="*/ 1839649 h 1979764"/>
+                <a:gd name="csX13" fmla="*/ 3678382 w 3678382"/>
+                <a:gd name="csY13" fmla="*/ 1865626 h 1979764"/>
+                <a:gd name="csX0" fmla="*/ 0 w 3678382"/>
+                <a:gd name="csY0" fmla="*/ 1943558 h 1979764"/>
+                <a:gd name="csX1" fmla="*/ 311727 w 3678382"/>
+                <a:gd name="csY1" fmla="*/ 1777303 h 1979764"/>
+                <a:gd name="csX2" fmla="*/ 368877 w 3678382"/>
+                <a:gd name="csY2" fmla="*/ 114758 h 1979764"/>
+                <a:gd name="csX3" fmla="*/ 472786 w 3678382"/>
+                <a:gd name="csY3" fmla="*/ 1699371 h 1979764"/>
+                <a:gd name="csX4" fmla="*/ 722168 w 3678382"/>
+                <a:gd name="csY4" fmla="*/ 1829258 h 1979764"/>
+                <a:gd name="csX5" fmla="*/ 779318 w 3678382"/>
+                <a:gd name="csY5" fmla="*/ 649890 h 1979764"/>
+                <a:gd name="csX6" fmla="*/ 852054 w 3678382"/>
+                <a:gd name="csY6" fmla="*/ 1751326 h 1979764"/>
+                <a:gd name="csX7" fmla="*/ 1620982 w 3678382"/>
+                <a:gd name="csY7" fmla="*/ 1720154 h 1979764"/>
+                <a:gd name="csX8" fmla="*/ 1771650 w 3678382"/>
+                <a:gd name="csY8" fmla="*/ 31630 h 1979764"/>
+                <a:gd name="csX9" fmla="*/ 1854777 w 3678382"/>
+                <a:gd name="csY9" fmla="*/ 1772108 h 1979764"/>
+                <a:gd name="csX10" fmla="*/ 2738004 w 3678382"/>
+                <a:gd name="csY10" fmla="*/ 1663003 h 1979764"/>
+                <a:gd name="csX11" fmla="*/ 2852304 w 3678382"/>
+                <a:gd name="csY11" fmla="*/ 458 h 1979764"/>
+                <a:gd name="csX12" fmla="*/ 3070514 w 3678382"/>
+                <a:gd name="csY12" fmla="*/ 1839649 h 1979764"/>
+                <a:gd name="csX13" fmla="*/ 3678382 w 3678382"/>
+                <a:gd name="csY13" fmla="*/ 1865626 h 1979764"/>
+                <a:gd name="csX0" fmla="*/ 0 w 3678382"/>
+                <a:gd name="csY0" fmla="*/ 1943102 h 2025202"/>
+                <a:gd name="csX1" fmla="*/ 311727 w 3678382"/>
+                <a:gd name="csY1" fmla="*/ 1776847 h 2025202"/>
+                <a:gd name="csX2" fmla="*/ 368877 w 3678382"/>
+                <a:gd name="csY2" fmla="*/ 114302 h 2025202"/>
+                <a:gd name="csX3" fmla="*/ 472786 w 3678382"/>
+                <a:gd name="csY3" fmla="*/ 1698915 h 2025202"/>
+                <a:gd name="csX4" fmla="*/ 722168 w 3678382"/>
+                <a:gd name="csY4" fmla="*/ 1828802 h 2025202"/>
+                <a:gd name="csX5" fmla="*/ 779318 w 3678382"/>
+                <a:gd name="csY5" fmla="*/ 649434 h 2025202"/>
+                <a:gd name="csX6" fmla="*/ 852054 w 3678382"/>
+                <a:gd name="csY6" fmla="*/ 1750870 h 2025202"/>
+                <a:gd name="csX7" fmla="*/ 1620982 w 3678382"/>
+                <a:gd name="csY7" fmla="*/ 1719698 h 2025202"/>
+                <a:gd name="csX8" fmla="*/ 1771650 w 3678382"/>
+                <a:gd name="csY8" fmla="*/ 31174 h 2025202"/>
+                <a:gd name="csX9" fmla="*/ 1854777 w 3678382"/>
+                <a:gd name="csY9" fmla="*/ 1771652 h 2025202"/>
+                <a:gd name="csX10" fmla="*/ 2753590 w 3678382"/>
+                <a:gd name="csY10" fmla="*/ 1828802 h 2025202"/>
+                <a:gd name="csX11" fmla="*/ 2852304 w 3678382"/>
+                <a:gd name="csY11" fmla="*/ 2 h 2025202"/>
+                <a:gd name="csX12" fmla="*/ 3070514 w 3678382"/>
+                <a:gd name="csY12" fmla="*/ 1839193 h 2025202"/>
+                <a:gd name="csX13" fmla="*/ 3678382 w 3678382"/>
+                <a:gd name="csY13" fmla="*/ 1865170 h 2025202"/>
+                <a:gd name="csX0" fmla="*/ 0 w 3678382"/>
+                <a:gd name="csY0" fmla="*/ 1943102 h 2025202"/>
+                <a:gd name="csX1" fmla="*/ 311727 w 3678382"/>
+                <a:gd name="csY1" fmla="*/ 1776847 h 2025202"/>
+                <a:gd name="csX2" fmla="*/ 368877 w 3678382"/>
+                <a:gd name="csY2" fmla="*/ 114302 h 2025202"/>
+                <a:gd name="csX3" fmla="*/ 472786 w 3678382"/>
+                <a:gd name="csY3" fmla="*/ 1698915 h 2025202"/>
+                <a:gd name="csX4" fmla="*/ 722168 w 3678382"/>
+                <a:gd name="csY4" fmla="*/ 1828802 h 2025202"/>
+                <a:gd name="csX5" fmla="*/ 779318 w 3678382"/>
+                <a:gd name="csY5" fmla="*/ 649434 h 2025202"/>
+                <a:gd name="csX6" fmla="*/ 852054 w 3678382"/>
+                <a:gd name="csY6" fmla="*/ 1750870 h 2025202"/>
+                <a:gd name="csX7" fmla="*/ 1620982 w 3678382"/>
+                <a:gd name="csY7" fmla="*/ 1719698 h 2025202"/>
+                <a:gd name="csX8" fmla="*/ 1771650 w 3678382"/>
+                <a:gd name="csY8" fmla="*/ 31174 h 2025202"/>
+                <a:gd name="csX9" fmla="*/ 1854777 w 3678382"/>
+                <a:gd name="csY9" fmla="*/ 1771652 h 2025202"/>
+                <a:gd name="csX10" fmla="*/ 2753590 w 3678382"/>
+                <a:gd name="csY10" fmla="*/ 1828802 h 2025202"/>
+                <a:gd name="csX11" fmla="*/ 2852304 w 3678382"/>
+                <a:gd name="csY11" fmla="*/ 2 h 2025202"/>
+                <a:gd name="csX12" fmla="*/ 3070514 w 3678382"/>
+                <a:gd name="csY12" fmla="*/ 1839193 h 2025202"/>
+                <a:gd name="csX13" fmla="*/ 3678382 w 3678382"/>
+                <a:gd name="csY13" fmla="*/ 1865170 h 2025202"/>
+                <a:gd name="csX0" fmla="*/ 0 w 3678382"/>
+                <a:gd name="csY0" fmla="*/ 1943102 h 1979308"/>
+                <a:gd name="csX1" fmla="*/ 311727 w 3678382"/>
+                <a:gd name="csY1" fmla="*/ 1776847 h 1979308"/>
+                <a:gd name="csX2" fmla="*/ 368877 w 3678382"/>
+                <a:gd name="csY2" fmla="*/ 114302 h 1979308"/>
+                <a:gd name="csX3" fmla="*/ 472786 w 3678382"/>
+                <a:gd name="csY3" fmla="*/ 1698915 h 1979308"/>
+                <a:gd name="csX4" fmla="*/ 722168 w 3678382"/>
+                <a:gd name="csY4" fmla="*/ 1828802 h 1979308"/>
+                <a:gd name="csX5" fmla="*/ 779318 w 3678382"/>
+                <a:gd name="csY5" fmla="*/ 649434 h 1979308"/>
+                <a:gd name="csX6" fmla="*/ 852054 w 3678382"/>
+                <a:gd name="csY6" fmla="*/ 1750870 h 1979308"/>
+                <a:gd name="csX7" fmla="*/ 1620982 w 3678382"/>
+                <a:gd name="csY7" fmla="*/ 1719698 h 1979308"/>
+                <a:gd name="csX8" fmla="*/ 1771650 w 3678382"/>
+                <a:gd name="csY8" fmla="*/ 31174 h 1979308"/>
+                <a:gd name="csX9" fmla="*/ 1854777 w 3678382"/>
+                <a:gd name="csY9" fmla="*/ 1771652 h 1979308"/>
+                <a:gd name="csX10" fmla="*/ 2753590 w 3678382"/>
+                <a:gd name="csY10" fmla="*/ 1828802 h 1979308"/>
+                <a:gd name="csX11" fmla="*/ 2852304 w 3678382"/>
+                <a:gd name="csY11" fmla="*/ 2 h 1979308"/>
+                <a:gd name="csX12" fmla="*/ 3070514 w 3678382"/>
+                <a:gd name="csY12" fmla="*/ 1839193 h 1979308"/>
+                <a:gd name="csX13" fmla="*/ 3678382 w 3678382"/>
+                <a:gd name="csY13" fmla="*/ 1865170 h 1979308"/>
+                <a:gd name="csX0" fmla="*/ 0 w 3678382"/>
+                <a:gd name="csY0" fmla="*/ 1943102 h 2025202"/>
+                <a:gd name="csX1" fmla="*/ 311727 w 3678382"/>
+                <a:gd name="csY1" fmla="*/ 1776847 h 2025202"/>
+                <a:gd name="csX2" fmla="*/ 368877 w 3678382"/>
+                <a:gd name="csY2" fmla="*/ 114302 h 2025202"/>
+                <a:gd name="csX3" fmla="*/ 472786 w 3678382"/>
+                <a:gd name="csY3" fmla="*/ 1698915 h 2025202"/>
+                <a:gd name="csX4" fmla="*/ 722168 w 3678382"/>
+                <a:gd name="csY4" fmla="*/ 1828802 h 2025202"/>
+                <a:gd name="csX5" fmla="*/ 779318 w 3678382"/>
+                <a:gd name="csY5" fmla="*/ 649434 h 2025202"/>
+                <a:gd name="csX6" fmla="*/ 852054 w 3678382"/>
+                <a:gd name="csY6" fmla="*/ 1750870 h 2025202"/>
+                <a:gd name="csX7" fmla="*/ 1620982 w 3678382"/>
+                <a:gd name="csY7" fmla="*/ 1719698 h 2025202"/>
+                <a:gd name="csX8" fmla="*/ 1771650 w 3678382"/>
+                <a:gd name="csY8" fmla="*/ 31174 h 2025202"/>
+                <a:gd name="csX9" fmla="*/ 1828800 w 3678382"/>
+                <a:gd name="csY9" fmla="*/ 1771652 h 2025202"/>
+                <a:gd name="csX10" fmla="*/ 2753590 w 3678382"/>
+                <a:gd name="csY10" fmla="*/ 1828802 h 2025202"/>
+                <a:gd name="csX11" fmla="*/ 2852304 w 3678382"/>
+                <a:gd name="csY11" fmla="*/ 2 h 2025202"/>
+                <a:gd name="csX12" fmla="*/ 3070514 w 3678382"/>
+                <a:gd name="csY12" fmla="*/ 1839193 h 2025202"/>
+                <a:gd name="csX13" fmla="*/ 3678382 w 3678382"/>
+                <a:gd name="csY13" fmla="*/ 1865170 h 2025202"/>
+                <a:gd name="csX0" fmla="*/ 0 w 3678382"/>
+                <a:gd name="csY0" fmla="*/ 1943102 h 2025202"/>
+                <a:gd name="csX1" fmla="*/ 311727 w 3678382"/>
+                <a:gd name="csY1" fmla="*/ 1776847 h 2025202"/>
+                <a:gd name="csX2" fmla="*/ 368877 w 3678382"/>
+                <a:gd name="csY2" fmla="*/ 114302 h 2025202"/>
+                <a:gd name="csX3" fmla="*/ 472786 w 3678382"/>
+                <a:gd name="csY3" fmla="*/ 1698915 h 2025202"/>
+                <a:gd name="csX4" fmla="*/ 722168 w 3678382"/>
+                <a:gd name="csY4" fmla="*/ 1828802 h 2025202"/>
+                <a:gd name="csX5" fmla="*/ 779318 w 3678382"/>
+                <a:gd name="csY5" fmla="*/ 649434 h 2025202"/>
+                <a:gd name="csX6" fmla="*/ 852054 w 3678382"/>
+                <a:gd name="csY6" fmla="*/ 1750870 h 2025202"/>
+                <a:gd name="csX7" fmla="*/ 1620982 w 3678382"/>
+                <a:gd name="csY7" fmla="*/ 1719698 h 2025202"/>
+                <a:gd name="csX8" fmla="*/ 1771650 w 3678382"/>
+                <a:gd name="csY8" fmla="*/ 31174 h 2025202"/>
+                <a:gd name="csX9" fmla="*/ 1828800 w 3678382"/>
+                <a:gd name="csY9" fmla="*/ 1771652 h 2025202"/>
+                <a:gd name="csX10" fmla="*/ 2753590 w 3678382"/>
+                <a:gd name="csY10" fmla="*/ 1828802 h 2025202"/>
+                <a:gd name="csX11" fmla="*/ 2852304 w 3678382"/>
+                <a:gd name="csY11" fmla="*/ 2 h 2025202"/>
+                <a:gd name="csX12" fmla="*/ 3070514 w 3678382"/>
+                <a:gd name="csY12" fmla="*/ 1839193 h 2025202"/>
+                <a:gd name="csX13" fmla="*/ 3678382 w 3678382"/>
+                <a:gd name="csY13" fmla="*/ 1865170 h 2025202"/>
+                <a:gd name="csX0" fmla="*/ 0 w 3678382"/>
+                <a:gd name="csY0" fmla="*/ 1943102 h 1979308"/>
+                <a:gd name="csX1" fmla="*/ 311727 w 3678382"/>
+                <a:gd name="csY1" fmla="*/ 1776847 h 1979308"/>
+                <a:gd name="csX2" fmla="*/ 368877 w 3678382"/>
+                <a:gd name="csY2" fmla="*/ 114302 h 1979308"/>
+                <a:gd name="csX3" fmla="*/ 472786 w 3678382"/>
+                <a:gd name="csY3" fmla="*/ 1698915 h 1979308"/>
+                <a:gd name="csX4" fmla="*/ 722168 w 3678382"/>
+                <a:gd name="csY4" fmla="*/ 1828802 h 1979308"/>
+                <a:gd name="csX5" fmla="*/ 779318 w 3678382"/>
+                <a:gd name="csY5" fmla="*/ 649434 h 1979308"/>
+                <a:gd name="csX6" fmla="*/ 852054 w 3678382"/>
+                <a:gd name="csY6" fmla="*/ 1750870 h 1979308"/>
+                <a:gd name="csX7" fmla="*/ 1620982 w 3678382"/>
+                <a:gd name="csY7" fmla="*/ 1719698 h 1979308"/>
+                <a:gd name="csX8" fmla="*/ 1771650 w 3678382"/>
+                <a:gd name="csY8" fmla="*/ 31174 h 1979308"/>
+                <a:gd name="csX9" fmla="*/ 1828800 w 3678382"/>
+                <a:gd name="csY9" fmla="*/ 1771652 h 1979308"/>
+                <a:gd name="csX10" fmla="*/ 2753590 w 3678382"/>
+                <a:gd name="csY10" fmla="*/ 1828802 h 1979308"/>
+                <a:gd name="csX11" fmla="*/ 2852304 w 3678382"/>
+                <a:gd name="csY11" fmla="*/ 2 h 1979308"/>
+                <a:gd name="csX12" fmla="*/ 3070514 w 3678382"/>
+                <a:gd name="csY12" fmla="*/ 1839193 h 1979308"/>
+                <a:gd name="csX13" fmla="*/ 3678382 w 3678382"/>
+                <a:gd name="csY13" fmla="*/ 1865170 h 1979308"/>
+                <a:gd name="csX0" fmla="*/ 0 w 3678382"/>
+                <a:gd name="csY0" fmla="*/ 1943102 h 1979308"/>
+                <a:gd name="csX1" fmla="*/ 311727 w 3678382"/>
+                <a:gd name="csY1" fmla="*/ 1776847 h 1979308"/>
+                <a:gd name="csX2" fmla="*/ 368877 w 3678382"/>
+                <a:gd name="csY2" fmla="*/ 114302 h 1979308"/>
+                <a:gd name="csX3" fmla="*/ 472786 w 3678382"/>
+                <a:gd name="csY3" fmla="*/ 1698915 h 1979308"/>
+                <a:gd name="csX4" fmla="*/ 722168 w 3678382"/>
+                <a:gd name="csY4" fmla="*/ 1828802 h 1979308"/>
+                <a:gd name="csX5" fmla="*/ 779318 w 3678382"/>
+                <a:gd name="csY5" fmla="*/ 649434 h 1979308"/>
+                <a:gd name="csX6" fmla="*/ 852054 w 3678382"/>
+                <a:gd name="csY6" fmla="*/ 1750870 h 1979308"/>
+                <a:gd name="csX7" fmla="*/ 1620982 w 3678382"/>
+                <a:gd name="csY7" fmla="*/ 1719698 h 1979308"/>
+                <a:gd name="csX8" fmla="*/ 1771650 w 3678382"/>
+                <a:gd name="csY8" fmla="*/ 31174 h 1979308"/>
+                <a:gd name="csX9" fmla="*/ 1963882 w 3678382"/>
+                <a:gd name="csY9" fmla="*/ 1724893 h 1979308"/>
+                <a:gd name="csX10" fmla="*/ 2753590 w 3678382"/>
+                <a:gd name="csY10" fmla="*/ 1828802 h 1979308"/>
+                <a:gd name="csX11" fmla="*/ 2852304 w 3678382"/>
+                <a:gd name="csY11" fmla="*/ 2 h 1979308"/>
+                <a:gd name="csX12" fmla="*/ 3070514 w 3678382"/>
+                <a:gd name="csY12" fmla="*/ 1839193 h 1979308"/>
+                <a:gd name="csX13" fmla="*/ 3678382 w 3678382"/>
+                <a:gd name="csY13" fmla="*/ 1865170 h 1979308"/>
+                <a:gd name="csX0" fmla="*/ 0 w 3678382"/>
+                <a:gd name="csY0" fmla="*/ 1943137 h 1979343"/>
+                <a:gd name="csX1" fmla="*/ 311727 w 3678382"/>
+                <a:gd name="csY1" fmla="*/ 1776882 h 1979343"/>
+                <a:gd name="csX2" fmla="*/ 368877 w 3678382"/>
+                <a:gd name="csY2" fmla="*/ 114337 h 1979343"/>
+                <a:gd name="csX3" fmla="*/ 472786 w 3678382"/>
+                <a:gd name="csY3" fmla="*/ 1698950 h 1979343"/>
+                <a:gd name="csX4" fmla="*/ 722168 w 3678382"/>
+                <a:gd name="csY4" fmla="*/ 1828837 h 1979343"/>
+                <a:gd name="csX5" fmla="*/ 779318 w 3678382"/>
+                <a:gd name="csY5" fmla="*/ 649469 h 1979343"/>
+                <a:gd name="csX6" fmla="*/ 852054 w 3678382"/>
+                <a:gd name="csY6" fmla="*/ 1750905 h 1979343"/>
+                <a:gd name="csX7" fmla="*/ 1620982 w 3678382"/>
+                <a:gd name="csY7" fmla="*/ 1719733 h 1979343"/>
+                <a:gd name="csX8" fmla="*/ 1771650 w 3678382"/>
+                <a:gd name="csY8" fmla="*/ 31209 h 1979343"/>
+                <a:gd name="csX9" fmla="*/ 1963882 w 3678382"/>
+                <a:gd name="csY9" fmla="*/ 1724928 h 1979343"/>
+                <a:gd name="csX10" fmla="*/ 2732809 w 3678382"/>
+                <a:gd name="csY10" fmla="*/ 1787273 h 1979343"/>
+                <a:gd name="csX11" fmla="*/ 2852304 w 3678382"/>
+                <a:gd name="csY11" fmla="*/ 37 h 1979343"/>
+                <a:gd name="csX12" fmla="*/ 3070514 w 3678382"/>
+                <a:gd name="csY12" fmla="*/ 1839228 h 1979343"/>
+                <a:gd name="csX13" fmla="*/ 3678382 w 3678382"/>
+                <a:gd name="csY13" fmla="*/ 1865205 h 1979343"/>
+                <a:gd name="csX0" fmla="*/ 0 w 3678382"/>
+                <a:gd name="csY0" fmla="*/ 1943137 h 1979343"/>
+                <a:gd name="csX1" fmla="*/ 311727 w 3678382"/>
+                <a:gd name="csY1" fmla="*/ 1776882 h 1979343"/>
+                <a:gd name="csX2" fmla="*/ 368877 w 3678382"/>
+                <a:gd name="csY2" fmla="*/ 114337 h 1979343"/>
+                <a:gd name="csX3" fmla="*/ 472786 w 3678382"/>
+                <a:gd name="csY3" fmla="*/ 1698950 h 1979343"/>
+                <a:gd name="csX4" fmla="*/ 722168 w 3678382"/>
+                <a:gd name="csY4" fmla="*/ 1828837 h 1979343"/>
+                <a:gd name="csX5" fmla="*/ 779318 w 3678382"/>
+                <a:gd name="csY5" fmla="*/ 649469 h 1979343"/>
+                <a:gd name="csX6" fmla="*/ 852054 w 3678382"/>
+                <a:gd name="csY6" fmla="*/ 1750905 h 1979343"/>
+                <a:gd name="csX7" fmla="*/ 1620982 w 3678382"/>
+                <a:gd name="csY7" fmla="*/ 1719733 h 1979343"/>
+                <a:gd name="csX8" fmla="*/ 1771650 w 3678382"/>
+                <a:gd name="csY8" fmla="*/ 31209 h 1979343"/>
+                <a:gd name="csX9" fmla="*/ 1963882 w 3678382"/>
+                <a:gd name="csY9" fmla="*/ 1724928 h 1979343"/>
+                <a:gd name="csX10" fmla="*/ 2732809 w 3678382"/>
+                <a:gd name="csY10" fmla="*/ 1787273 h 1979343"/>
+                <a:gd name="csX11" fmla="*/ 2852304 w 3678382"/>
+                <a:gd name="csY11" fmla="*/ 37 h 1979343"/>
+                <a:gd name="csX12" fmla="*/ 3070514 w 3678382"/>
+                <a:gd name="csY12" fmla="*/ 1839228 h 1979343"/>
+                <a:gd name="csX13" fmla="*/ 3678382 w 3678382"/>
+                <a:gd name="csY13" fmla="*/ 1865205 h 1979343"/>
+                <a:gd name="csX0" fmla="*/ 0 w 3678382"/>
+                <a:gd name="csY0" fmla="*/ 1943136 h 1979342"/>
+                <a:gd name="csX1" fmla="*/ 311727 w 3678382"/>
+                <a:gd name="csY1" fmla="*/ 1776881 h 1979342"/>
+                <a:gd name="csX2" fmla="*/ 368877 w 3678382"/>
+                <a:gd name="csY2" fmla="*/ 114336 h 1979342"/>
+                <a:gd name="csX3" fmla="*/ 472786 w 3678382"/>
+                <a:gd name="csY3" fmla="*/ 1698949 h 1979342"/>
+                <a:gd name="csX4" fmla="*/ 722168 w 3678382"/>
+                <a:gd name="csY4" fmla="*/ 1828836 h 1979342"/>
+                <a:gd name="csX5" fmla="*/ 779318 w 3678382"/>
+                <a:gd name="csY5" fmla="*/ 649468 h 1979342"/>
+                <a:gd name="csX6" fmla="*/ 852054 w 3678382"/>
+                <a:gd name="csY6" fmla="*/ 1750904 h 1979342"/>
+                <a:gd name="csX7" fmla="*/ 1620982 w 3678382"/>
+                <a:gd name="csY7" fmla="*/ 1719732 h 1979342"/>
+                <a:gd name="csX8" fmla="*/ 1771650 w 3678382"/>
+                <a:gd name="csY8" fmla="*/ 31208 h 1979342"/>
+                <a:gd name="csX9" fmla="*/ 1963882 w 3678382"/>
+                <a:gd name="csY9" fmla="*/ 1724927 h 1979342"/>
+                <a:gd name="csX10" fmla="*/ 2732809 w 3678382"/>
+                <a:gd name="csY10" fmla="*/ 1787272 h 1979342"/>
+                <a:gd name="csX11" fmla="*/ 2852304 w 3678382"/>
+                <a:gd name="csY11" fmla="*/ 36 h 1979342"/>
+                <a:gd name="csX12" fmla="*/ 3070514 w 3678382"/>
+                <a:gd name="csY12" fmla="*/ 1839227 h 1979342"/>
+                <a:gd name="csX13" fmla="*/ 3678382 w 3678382"/>
+                <a:gd name="csY13" fmla="*/ 1865204 h 1979342"/>
+                <a:gd name="csX0" fmla="*/ 0 w 3678382"/>
+                <a:gd name="csY0" fmla="*/ 1943133 h 1979339"/>
+                <a:gd name="csX1" fmla="*/ 311727 w 3678382"/>
+                <a:gd name="csY1" fmla="*/ 1776878 h 1979339"/>
+                <a:gd name="csX2" fmla="*/ 368877 w 3678382"/>
+                <a:gd name="csY2" fmla="*/ 114333 h 1979339"/>
+                <a:gd name="csX3" fmla="*/ 472786 w 3678382"/>
+                <a:gd name="csY3" fmla="*/ 1698946 h 1979339"/>
+                <a:gd name="csX4" fmla="*/ 722168 w 3678382"/>
+                <a:gd name="csY4" fmla="*/ 1828833 h 1979339"/>
+                <a:gd name="csX5" fmla="*/ 779318 w 3678382"/>
+                <a:gd name="csY5" fmla="*/ 649465 h 1979339"/>
+                <a:gd name="csX6" fmla="*/ 852054 w 3678382"/>
+                <a:gd name="csY6" fmla="*/ 1750901 h 1979339"/>
+                <a:gd name="csX7" fmla="*/ 1620982 w 3678382"/>
+                <a:gd name="csY7" fmla="*/ 1719729 h 1979339"/>
+                <a:gd name="csX8" fmla="*/ 1771650 w 3678382"/>
+                <a:gd name="csY8" fmla="*/ 31205 h 1979339"/>
+                <a:gd name="csX9" fmla="*/ 1963882 w 3678382"/>
+                <a:gd name="csY9" fmla="*/ 1724924 h 1979339"/>
+                <a:gd name="csX10" fmla="*/ 2732809 w 3678382"/>
+                <a:gd name="csY10" fmla="*/ 1787269 h 1979339"/>
+                <a:gd name="csX11" fmla="*/ 2852304 w 3678382"/>
+                <a:gd name="csY11" fmla="*/ 33 h 1979339"/>
+                <a:gd name="csX12" fmla="*/ 3070514 w 3678382"/>
+                <a:gd name="csY12" fmla="*/ 1839224 h 1979339"/>
+                <a:gd name="csX13" fmla="*/ 3678382 w 3678382"/>
+                <a:gd name="csY13" fmla="*/ 1865201 h 1979339"/>
+                <a:gd name="csX0" fmla="*/ 0 w 3678382"/>
+                <a:gd name="csY0" fmla="*/ 1943133 h 1979339"/>
+                <a:gd name="csX1" fmla="*/ 311727 w 3678382"/>
+                <a:gd name="csY1" fmla="*/ 1776878 h 1979339"/>
+                <a:gd name="csX2" fmla="*/ 368877 w 3678382"/>
+                <a:gd name="csY2" fmla="*/ 114333 h 1979339"/>
+                <a:gd name="csX3" fmla="*/ 472786 w 3678382"/>
+                <a:gd name="csY3" fmla="*/ 1698946 h 1979339"/>
+                <a:gd name="csX4" fmla="*/ 722168 w 3678382"/>
+                <a:gd name="csY4" fmla="*/ 1828833 h 1979339"/>
+                <a:gd name="csX5" fmla="*/ 779318 w 3678382"/>
+                <a:gd name="csY5" fmla="*/ 649465 h 1979339"/>
+                <a:gd name="csX6" fmla="*/ 852054 w 3678382"/>
+                <a:gd name="csY6" fmla="*/ 1750901 h 1979339"/>
+                <a:gd name="csX7" fmla="*/ 1620982 w 3678382"/>
+                <a:gd name="csY7" fmla="*/ 1719729 h 1979339"/>
+                <a:gd name="csX8" fmla="*/ 1771650 w 3678382"/>
+                <a:gd name="csY8" fmla="*/ 31205 h 1979339"/>
+                <a:gd name="csX9" fmla="*/ 1963882 w 3678382"/>
+                <a:gd name="csY9" fmla="*/ 1724924 h 1979339"/>
+                <a:gd name="csX10" fmla="*/ 2732809 w 3678382"/>
+                <a:gd name="csY10" fmla="*/ 1787269 h 1979339"/>
+                <a:gd name="csX11" fmla="*/ 2852304 w 3678382"/>
+                <a:gd name="csY11" fmla="*/ 33 h 1979339"/>
+                <a:gd name="csX12" fmla="*/ 3070514 w 3678382"/>
+                <a:gd name="csY12" fmla="*/ 1839224 h 1979339"/>
+                <a:gd name="csX13" fmla="*/ 3678382 w 3678382"/>
+                <a:gd name="csY13" fmla="*/ 1865201 h 1979339"/>
+                <a:gd name="csX0" fmla="*/ 0 w 3678382"/>
+                <a:gd name="csY0" fmla="*/ 1943133 h 1979339"/>
+                <a:gd name="csX1" fmla="*/ 311727 w 3678382"/>
+                <a:gd name="csY1" fmla="*/ 1776878 h 1979339"/>
+                <a:gd name="csX2" fmla="*/ 368877 w 3678382"/>
+                <a:gd name="csY2" fmla="*/ 114333 h 1979339"/>
+                <a:gd name="csX3" fmla="*/ 472786 w 3678382"/>
+                <a:gd name="csY3" fmla="*/ 1698946 h 1979339"/>
+                <a:gd name="csX4" fmla="*/ 722168 w 3678382"/>
+                <a:gd name="csY4" fmla="*/ 1828833 h 1979339"/>
+                <a:gd name="csX5" fmla="*/ 779318 w 3678382"/>
+                <a:gd name="csY5" fmla="*/ 649465 h 1979339"/>
+                <a:gd name="csX6" fmla="*/ 852054 w 3678382"/>
+                <a:gd name="csY6" fmla="*/ 1750901 h 1979339"/>
+                <a:gd name="csX7" fmla="*/ 1620982 w 3678382"/>
+                <a:gd name="csY7" fmla="*/ 1719729 h 1979339"/>
+                <a:gd name="csX8" fmla="*/ 1771650 w 3678382"/>
+                <a:gd name="csY8" fmla="*/ 31205 h 1979339"/>
+                <a:gd name="csX9" fmla="*/ 1963882 w 3678382"/>
+                <a:gd name="csY9" fmla="*/ 1724924 h 1979339"/>
+                <a:gd name="csX10" fmla="*/ 2732809 w 3678382"/>
+                <a:gd name="csY10" fmla="*/ 1787269 h 1979339"/>
+                <a:gd name="csX11" fmla="*/ 2852304 w 3678382"/>
+                <a:gd name="csY11" fmla="*/ 33 h 1979339"/>
+                <a:gd name="csX12" fmla="*/ 3070514 w 3678382"/>
+                <a:gd name="csY12" fmla="*/ 1839224 h 1979339"/>
+                <a:gd name="csX13" fmla="*/ 3678382 w 3678382"/>
+                <a:gd name="csY13" fmla="*/ 1865201 h 1979339"/>
+                <a:gd name="csX0" fmla="*/ 0 w 3678382"/>
+                <a:gd name="csY0" fmla="*/ 1943133 h 1979339"/>
+                <a:gd name="csX1" fmla="*/ 311727 w 3678382"/>
+                <a:gd name="csY1" fmla="*/ 1776878 h 1979339"/>
+                <a:gd name="csX2" fmla="*/ 368877 w 3678382"/>
+                <a:gd name="csY2" fmla="*/ 114333 h 1979339"/>
+                <a:gd name="csX3" fmla="*/ 472786 w 3678382"/>
+                <a:gd name="csY3" fmla="*/ 1698946 h 1979339"/>
+                <a:gd name="csX4" fmla="*/ 722168 w 3678382"/>
+                <a:gd name="csY4" fmla="*/ 1828833 h 1979339"/>
+                <a:gd name="csX5" fmla="*/ 779318 w 3678382"/>
+                <a:gd name="csY5" fmla="*/ 649465 h 1979339"/>
+                <a:gd name="csX6" fmla="*/ 852054 w 3678382"/>
+                <a:gd name="csY6" fmla="*/ 1750901 h 1979339"/>
+                <a:gd name="csX7" fmla="*/ 1620982 w 3678382"/>
+                <a:gd name="csY7" fmla="*/ 1719729 h 1979339"/>
+                <a:gd name="csX8" fmla="*/ 1771650 w 3678382"/>
+                <a:gd name="csY8" fmla="*/ 31205 h 1979339"/>
+                <a:gd name="csX9" fmla="*/ 1963882 w 3678382"/>
+                <a:gd name="csY9" fmla="*/ 1724924 h 1979339"/>
+                <a:gd name="csX10" fmla="*/ 2732809 w 3678382"/>
+                <a:gd name="csY10" fmla="*/ 1787269 h 1979339"/>
+                <a:gd name="csX11" fmla="*/ 2852304 w 3678382"/>
+                <a:gd name="csY11" fmla="*/ 33 h 1979339"/>
+                <a:gd name="csX12" fmla="*/ 3070514 w 3678382"/>
+                <a:gd name="csY12" fmla="*/ 1839224 h 1979339"/>
+                <a:gd name="csX13" fmla="*/ 3678382 w 3678382"/>
+                <a:gd name="csY13" fmla="*/ 1865201 h 1979339"/>
+                <a:gd name="csX0" fmla="*/ 0 w 3678382"/>
+                <a:gd name="csY0" fmla="*/ 1943133 h 1979339"/>
+                <a:gd name="csX1" fmla="*/ 311727 w 3678382"/>
+                <a:gd name="csY1" fmla="*/ 1776878 h 1979339"/>
+                <a:gd name="csX2" fmla="*/ 368877 w 3678382"/>
+                <a:gd name="csY2" fmla="*/ 114333 h 1979339"/>
+                <a:gd name="csX3" fmla="*/ 472786 w 3678382"/>
+                <a:gd name="csY3" fmla="*/ 1698946 h 1979339"/>
+                <a:gd name="csX4" fmla="*/ 722168 w 3678382"/>
+                <a:gd name="csY4" fmla="*/ 1828833 h 1979339"/>
+                <a:gd name="csX5" fmla="*/ 779318 w 3678382"/>
+                <a:gd name="csY5" fmla="*/ 649465 h 1979339"/>
+                <a:gd name="csX6" fmla="*/ 852054 w 3678382"/>
+                <a:gd name="csY6" fmla="*/ 1750901 h 1979339"/>
+                <a:gd name="csX7" fmla="*/ 1620982 w 3678382"/>
+                <a:gd name="csY7" fmla="*/ 1719729 h 1979339"/>
+                <a:gd name="csX8" fmla="*/ 1771650 w 3678382"/>
+                <a:gd name="csY8" fmla="*/ 31205 h 1979339"/>
+                <a:gd name="csX9" fmla="*/ 1963882 w 3678382"/>
+                <a:gd name="csY9" fmla="*/ 1724924 h 1979339"/>
+                <a:gd name="csX10" fmla="*/ 2732809 w 3678382"/>
+                <a:gd name="csY10" fmla="*/ 1787269 h 1979339"/>
+                <a:gd name="csX11" fmla="*/ 2852304 w 3678382"/>
+                <a:gd name="csY11" fmla="*/ 33 h 1979339"/>
+                <a:gd name="csX12" fmla="*/ 3070514 w 3678382"/>
+                <a:gd name="csY12" fmla="*/ 1839224 h 1979339"/>
+                <a:gd name="csX13" fmla="*/ 3678382 w 3678382"/>
+                <a:gd name="csY13" fmla="*/ 1865201 h 1979339"/>
+                <a:gd name="csX0" fmla="*/ 0 w 3678382"/>
+                <a:gd name="csY0" fmla="*/ 1943121 h 1979327"/>
+                <a:gd name="csX1" fmla="*/ 311727 w 3678382"/>
+                <a:gd name="csY1" fmla="*/ 1776866 h 1979327"/>
+                <a:gd name="csX2" fmla="*/ 368877 w 3678382"/>
+                <a:gd name="csY2" fmla="*/ 114321 h 1979327"/>
+                <a:gd name="csX3" fmla="*/ 472786 w 3678382"/>
+                <a:gd name="csY3" fmla="*/ 1698934 h 1979327"/>
+                <a:gd name="csX4" fmla="*/ 722168 w 3678382"/>
+                <a:gd name="csY4" fmla="*/ 1828821 h 1979327"/>
+                <a:gd name="csX5" fmla="*/ 779318 w 3678382"/>
+                <a:gd name="csY5" fmla="*/ 649453 h 1979327"/>
+                <a:gd name="csX6" fmla="*/ 852054 w 3678382"/>
+                <a:gd name="csY6" fmla="*/ 1750889 h 1979327"/>
+                <a:gd name="csX7" fmla="*/ 1620982 w 3678382"/>
+                <a:gd name="csY7" fmla="*/ 1719717 h 1979327"/>
+                <a:gd name="csX8" fmla="*/ 1771650 w 3678382"/>
+                <a:gd name="csY8" fmla="*/ 31193 h 1979327"/>
+                <a:gd name="csX9" fmla="*/ 1963882 w 3678382"/>
+                <a:gd name="csY9" fmla="*/ 1724912 h 1979327"/>
+                <a:gd name="csX10" fmla="*/ 2732809 w 3678382"/>
+                <a:gd name="csY10" fmla="*/ 1787257 h 1979327"/>
+                <a:gd name="csX11" fmla="*/ 2852304 w 3678382"/>
+                <a:gd name="csY11" fmla="*/ 21 h 1979327"/>
+                <a:gd name="csX12" fmla="*/ 3070514 w 3678382"/>
+                <a:gd name="csY12" fmla="*/ 1839212 h 1979327"/>
+                <a:gd name="csX13" fmla="*/ 3678382 w 3678382"/>
+                <a:gd name="csY13" fmla="*/ 1865189 h 1979327"/>
+                <a:gd name="csX0" fmla="*/ 0 w 3678382"/>
+                <a:gd name="csY0" fmla="*/ 1943121 h 1979327"/>
+                <a:gd name="csX1" fmla="*/ 311727 w 3678382"/>
+                <a:gd name="csY1" fmla="*/ 1776866 h 1979327"/>
+                <a:gd name="csX2" fmla="*/ 368877 w 3678382"/>
+                <a:gd name="csY2" fmla="*/ 114321 h 1979327"/>
+                <a:gd name="csX3" fmla="*/ 472786 w 3678382"/>
+                <a:gd name="csY3" fmla="*/ 1698934 h 1979327"/>
+                <a:gd name="csX4" fmla="*/ 722168 w 3678382"/>
+                <a:gd name="csY4" fmla="*/ 1828821 h 1979327"/>
+                <a:gd name="csX5" fmla="*/ 779318 w 3678382"/>
+                <a:gd name="csY5" fmla="*/ 649453 h 1979327"/>
+                <a:gd name="csX6" fmla="*/ 888422 w 3678382"/>
+                <a:gd name="csY6" fmla="*/ 1745693 h 1979327"/>
+                <a:gd name="csX7" fmla="*/ 1620982 w 3678382"/>
+                <a:gd name="csY7" fmla="*/ 1719717 h 1979327"/>
+                <a:gd name="csX8" fmla="*/ 1771650 w 3678382"/>
+                <a:gd name="csY8" fmla="*/ 31193 h 1979327"/>
+                <a:gd name="csX9" fmla="*/ 1963882 w 3678382"/>
+                <a:gd name="csY9" fmla="*/ 1724912 h 1979327"/>
+                <a:gd name="csX10" fmla="*/ 2732809 w 3678382"/>
+                <a:gd name="csY10" fmla="*/ 1787257 h 1979327"/>
+                <a:gd name="csX11" fmla="*/ 2852304 w 3678382"/>
+                <a:gd name="csY11" fmla="*/ 21 h 1979327"/>
+                <a:gd name="csX12" fmla="*/ 3070514 w 3678382"/>
+                <a:gd name="csY12" fmla="*/ 1839212 h 1979327"/>
+                <a:gd name="csX13" fmla="*/ 3678382 w 3678382"/>
+                <a:gd name="csY13" fmla="*/ 1865189 h 1979327"/>
+                <a:gd name="csX0" fmla="*/ 0 w 3678382"/>
+                <a:gd name="csY0" fmla="*/ 1943121 h 1979327"/>
+                <a:gd name="csX1" fmla="*/ 311727 w 3678382"/>
+                <a:gd name="csY1" fmla="*/ 1776866 h 1979327"/>
+                <a:gd name="csX2" fmla="*/ 368877 w 3678382"/>
+                <a:gd name="csY2" fmla="*/ 114321 h 1979327"/>
+                <a:gd name="csX3" fmla="*/ 472786 w 3678382"/>
+                <a:gd name="csY3" fmla="*/ 1698934 h 1979327"/>
+                <a:gd name="csX4" fmla="*/ 722168 w 3678382"/>
+                <a:gd name="csY4" fmla="*/ 1828821 h 1979327"/>
+                <a:gd name="csX5" fmla="*/ 779318 w 3678382"/>
+                <a:gd name="csY5" fmla="*/ 649453 h 1979327"/>
+                <a:gd name="csX6" fmla="*/ 888422 w 3678382"/>
+                <a:gd name="csY6" fmla="*/ 1745693 h 1979327"/>
+                <a:gd name="csX7" fmla="*/ 1620982 w 3678382"/>
+                <a:gd name="csY7" fmla="*/ 1719717 h 1979327"/>
+                <a:gd name="csX8" fmla="*/ 1771650 w 3678382"/>
+                <a:gd name="csY8" fmla="*/ 31193 h 1979327"/>
+                <a:gd name="csX9" fmla="*/ 1963882 w 3678382"/>
+                <a:gd name="csY9" fmla="*/ 1724912 h 1979327"/>
+                <a:gd name="csX10" fmla="*/ 2732809 w 3678382"/>
+                <a:gd name="csY10" fmla="*/ 1787257 h 1979327"/>
+                <a:gd name="csX11" fmla="*/ 2852304 w 3678382"/>
+                <a:gd name="csY11" fmla="*/ 21 h 1979327"/>
+                <a:gd name="csX12" fmla="*/ 3070514 w 3678382"/>
+                <a:gd name="csY12" fmla="*/ 1839212 h 1979327"/>
+                <a:gd name="csX13" fmla="*/ 3678382 w 3678382"/>
+                <a:gd name="csY13" fmla="*/ 1865189 h 1979327"/>
+                <a:gd name="csX0" fmla="*/ 0 w 3678382"/>
+                <a:gd name="csY0" fmla="*/ 1943121 h 1979327"/>
+                <a:gd name="csX1" fmla="*/ 311727 w 3678382"/>
+                <a:gd name="csY1" fmla="*/ 1776866 h 1979327"/>
+                <a:gd name="csX2" fmla="*/ 368877 w 3678382"/>
+                <a:gd name="csY2" fmla="*/ 114321 h 1979327"/>
+                <a:gd name="csX3" fmla="*/ 472786 w 3678382"/>
+                <a:gd name="csY3" fmla="*/ 1698934 h 1979327"/>
+                <a:gd name="csX4" fmla="*/ 722168 w 3678382"/>
+                <a:gd name="csY4" fmla="*/ 1828821 h 1979327"/>
+                <a:gd name="csX5" fmla="*/ 779318 w 3678382"/>
+                <a:gd name="csY5" fmla="*/ 649453 h 1979327"/>
+                <a:gd name="csX6" fmla="*/ 888422 w 3678382"/>
+                <a:gd name="csY6" fmla="*/ 1745693 h 1979327"/>
+                <a:gd name="csX7" fmla="*/ 1620982 w 3678382"/>
+                <a:gd name="csY7" fmla="*/ 1719717 h 1979327"/>
+                <a:gd name="csX8" fmla="*/ 1771650 w 3678382"/>
+                <a:gd name="csY8" fmla="*/ 31193 h 1979327"/>
+                <a:gd name="csX9" fmla="*/ 1963882 w 3678382"/>
+                <a:gd name="csY9" fmla="*/ 1724912 h 1979327"/>
+                <a:gd name="csX10" fmla="*/ 2732809 w 3678382"/>
+                <a:gd name="csY10" fmla="*/ 1787257 h 1979327"/>
+                <a:gd name="csX11" fmla="*/ 2852304 w 3678382"/>
+                <a:gd name="csY11" fmla="*/ 21 h 1979327"/>
+                <a:gd name="csX12" fmla="*/ 3070514 w 3678382"/>
+                <a:gd name="csY12" fmla="*/ 1839212 h 1979327"/>
+                <a:gd name="csX13" fmla="*/ 3678382 w 3678382"/>
+                <a:gd name="csY13" fmla="*/ 1865189 h 1979327"/>
+                <a:gd name="csX0" fmla="*/ 0 w 3678382"/>
+                <a:gd name="csY0" fmla="*/ 1943121 h 1979327"/>
+                <a:gd name="csX1" fmla="*/ 311727 w 3678382"/>
+                <a:gd name="csY1" fmla="*/ 1776866 h 1979327"/>
+                <a:gd name="csX2" fmla="*/ 368877 w 3678382"/>
+                <a:gd name="csY2" fmla="*/ 114321 h 1979327"/>
+                <a:gd name="csX3" fmla="*/ 472786 w 3678382"/>
+                <a:gd name="csY3" fmla="*/ 1698934 h 1979327"/>
+                <a:gd name="csX4" fmla="*/ 722168 w 3678382"/>
+                <a:gd name="csY4" fmla="*/ 1828821 h 1979327"/>
+                <a:gd name="csX5" fmla="*/ 779318 w 3678382"/>
+                <a:gd name="csY5" fmla="*/ 649453 h 1979327"/>
+                <a:gd name="csX6" fmla="*/ 888422 w 3678382"/>
+                <a:gd name="csY6" fmla="*/ 1745693 h 1979327"/>
+                <a:gd name="csX7" fmla="*/ 1620982 w 3678382"/>
+                <a:gd name="csY7" fmla="*/ 1719717 h 1979327"/>
+                <a:gd name="csX8" fmla="*/ 1771650 w 3678382"/>
+                <a:gd name="csY8" fmla="*/ 31193 h 1979327"/>
+                <a:gd name="csX9" fmla="*/ 1963882 w 3678382"/>
+                <a:gd name="csY9" fmla="*/ 1724912 h 1979327"/>
+                <a:gd name="csX10" fmla="*/ 2732809 w 3678382"/>
+                <a:gd name="csY10" fmla="*/ 1787257 h 1979327"/>
+                <a:gd name="csX11" fmla="*/ 2852304 w 3678382"/>
+                <a:gd name="csY11" fmla="*/ 21 h 1979327"/>
+                <a:gd name="csX12" fmla="*/ 3070514 w 3678382"/>
+                <a:gd name="csY12" fmla="*/ 1839212 h 1979327"/>
+                <a:gd name="csX13" fmla="*/ 3678382 w 3678382"/>
+                <a:gd name="csY13" fmla="*/ 1865189 h 1979327"/>
+                <a:gd name="csX0" fmla="*/ 0 w 3678382"/>
+                <a:gd name="csY0" fmla="*/ 1943121 h 1979327"/>
+                <a:gd name="csX1" fmla="*/ 311727 w 3678382"/>
+                <a:gd name="csY1" fmla="*/ 1776866 h 1979327"/>
+                <a:gd name="csX2" fmla="*/ 368877 w 3678382"/>
+                <a:gd name="csY2" fmla="*/ 114321 h 1979327"/>
+                <a:gd name="csX3" fmla="*/ 472786 w 3678382"/>
+                <a:gd name="csY3" fmla="*/ 1698934 h 1979327"/>
+                <a:gd name="csX4" fmla="*/ 722168 w 3678382"/>
+                <a:gd name="csY4" fmla="*/ 1828821 h 1979327"/>
+                <a:gd name="csX5" fmla="*/ 779318 w 3678382"/>
+                <a:gd name="csY5" fmla="*/ 649453 h 1979327"/>
+                <a:gd name="csX6" fmla="*/ 888422 w 3678382"/>
+                <a:gd name="csY6" fmla="*/ 1745693 h 1979327"/>
+                <a:gd name="csX7" fmla="*/ 1620982 w 3678382"/>
+                <a:gd name="csY7" fmla="*/ 1719717 h 1979327"/>
+                <a:gd name="csX8" fmla="*/ 1771650 w 3678382"/>
+                <a:gd name="csY8" fmla="*/ 31193 h 1979327"/>
+                <a:gd name="csX9" fmla="*/ 1963882 w 3678382"/>
+                <a:gd name="csY9" fmla="*/ 1724912 h 1979327"/>
+                <a:gd name="csX10" fmla="*/ 2732809 w 3678382"/>
+                <a:gd name="csY10" fmla="*/ 1787257 h 1979327"/>
+                <a:gd name="csX11" fmla="*/ 2852304 w 3678382"/>
+                <a:gd name="csY11" fmla="*/ 21 h 1979327"/>
+                <a:gd name="csX12" fmla="*/ 3070514 w 3678382"/>
+                <a:gd name="csY12" fmla="*/ 1839212 h 1979327"/>
+                <a:gd name="csX13" fmla="*/ 3678382 w 3678382"/>
+                <a:gd name="csY13" fmla="*/ 1865189 h 1979327"/>
+                <a:gd name="csX0" fmla="*/ 0 w 3678382"/>
+                <a:gd name="csY0" fmla="*/ 1943121 h 1979327"/>
+                <a:gd name="csX1" fmla="*/ 311727 w 3678382"/>
+                <a:gd name="csY1" fmla="*/ 1776866 h 1979327"/>
+                <a:gd name="csX2" fmla="*/ 368877 w 3678382"/>
+                <a:gd name="csY2" fmla="*/ 114321 h 1979327"/>
+                <a:gd name="csX3" fmla="*/ 472786 w 3678382"/>
+                <a:gd name="csY3" fmla="*/ 1698934 h 1979327"/>
+                <a:gd name="csX4" fmla="*/ 722168 w 3678382"/>
+                <a:gd name="csY4" fmla="*/ 1828821 h 1979327"/>
+                <a:gd name="csX5" fmla="*/ 779318 w 3678382"/>
+                <a:gd name="csY5" fmla="*/ 649453 h 1979327"/>
+                <a:gd name="csX6" fmla="*/ 888422 w 3678382"/>
+                <a:gd name="csY6" fmla="*/ 1745693 h 1979327"/>
+                <a:gd name="csX7" fmla="*/ 1620982 w 3678382"/>
+                <a:gd name="csY7" fmla="*/ 1719717 h 1979327"/>
+                <a:gd name="csX8" fmla="*/ 1771650 w 3678382"/>
+                <a:gd name="csY8" fmla="*/ 31193 h 1979327"/>
+                <a:gd name="csX9" fmla="*/ 1963882 w 3678382"/>
+                <a:gd name="csY9" fmla="*/ 1724912 h 1979327"/>
+                <a:gd name="csX10" fmla="*/ 2732809 w 3678382"/>
+                <a:gd name="csY10" fmla="*/ 1787257 h 1979327"/>
+                <a:gd name="csX11" fmla="*/ 2852304 w 3678382"/>
+                <a:gd name="csY11" fmla="*/ 21 h 1979327"/>
+                <a:gd name="csX12" fmla="*/ 3070514 w 3678382"/>
+                <a:gd name="csY12" fmla="*/ 1839212 h 1979327"/>
+                <a:gd name="csX13" fmla="*/ 3678382 w 3678382"/>
+                <a:gd name="csY13" fmla="*/ 1865189 h 1979327"/>
+                <a:gd name="csX0" fmla="*/ 0 w 3678382"/>
+                <a:gd name="csY0" fmla="*/ 1943121 h 1959302"/>
+                <a:gd name="csX1" fmla="*/ 311727 w 3678382"/>
+                <a:gd name="csY1" fmla="*/ 1776866 h 1959302"/>
+                <a:gd name="csX2" fmla="*/ 368877 w 3678382"/>
+                <a:gd name="csY2" fmla="*/ 114321 h 1959302"/>
+                <a:gd name="csX3" fmla="*/ 472786 w 3678382"/>
+                <a:gd name="csY3" fmla="*/ 1698934 h 1959302"/>
+                <a:gd name="csX4" fmla="*/ 722168 w 3678382"/>
+                <a:gd name="csY4" fmla="*/ 1828821 h 1959302"/>
+                <a:gd name="csX5" fmla="*/ 779318 w 3678382"/>
+                <a:gd name="csY5" fmla="*/ 649453 h 1959302"/>
+                <a:gd name="csX6" fmla="*/ 888422 w 3678382"/>
+                <a:gd name="csY6" fmla="*/ 1745693 h 1959302"/>
+                <a:gd name="csX7" fmla="*/ 1620982 w 3678382"/>
+                <a:gd name="csY7" fmla="*/ 1719717 h 1959302"/>
+                <a:gd name="csX8" fmla="*/ 1771650 w 3678382"/>
+                <a:gd name="csY8" fmla="*/ 31193 h 1959302"/>
+                <a:gd name="csX9" fmla="*/ 1963882 w 3678382"/>
+                <a:gd name="csY9" fmla="*/ 1724912 h 1959302"/>
+                <a:gd name="csX10" fmla="*/ 2732809 w 3678382"/>
+                <a:gd name="csY10" fmla="*/ 1787257 h 1959302"/>
+                <a:gd name="csX11" fmla="*/ 2852304 w 3678382"/>
+                <a:gd name="csY11" fmla="*/ 21 h 1959302"/>
+                <a:gd name="csX12" fmla="*/ 3070514 w 3678382"/>
+                <a:gd name="csY12" fmla="*/ 1839212 h 1959302"/>
+                <a:gd name="csX13" fmla="*/ 3678382 w 3678382"/>
+                <a:gd name="csY13" fmla="*/ 1865189 h 1959302"/>
+              </a:gdLst>
+              <a:ahLst/>
+              <a:cxnLst>
+                <a:cxn ang="0">
+                  <a:pos x="csX0" y="csY0"/>
+                </a:cxn>
+                <a:cxn ang="0">
+                  <a:pos x="csX1" y="csY1"/>
+                </a:cxn>
+                <a:cxn ang="0">
+                  <a:pos x="csX2" y="csY2"/>
+                </a:cxn>
+                <a:cxn ang="0">
+                  <a:pos x="csX3" y="csY3"/>
+                </a:cxn>
+                <a:cxn ang="0">
+                  <a:pos x="csX4" y="csY4"/>
+                </a:cxn>
+                <a:cxn ang="0">
+                  <a:pos x="csX5" y="csY5"/>
+                </a:cxn>
+                <a:cxn ang="0">
+                  <a:pos x="csX6" y="csY6"/>
+                </a:cxn>
+                <a:cxn ang="0">
+                  <a:pos x="csX7" y="csY7"/>
+                </a:cxn>
+                <a:cxn ang="0">
+                  <a:pos x="csX8" y="csY8"/>
+                </a:cxn>
+                <a:cxn ang="0">
+                  <a:pos x="csX9" y="csY9"/>
+                </a:cxn>
+                <a:cxn ang="0">
+                  <a:pos x="csX10" y="csY10"/>
+                </a:cxn>
+                <a:cxn ang="0">
+                  <a:pos x="csX11" y="csY11"/>
+                </a:cxn>
+                <a:cxn ang="0">
+                  <a:pos x="csX12" y="csY12"/>
+                </a:cxn>
+                <a:cxn ang="0">
+                  <a:pos x="csX13" y="csY13"/>
+                </a:cxn>
+              </a:cxnLst>
+              <a:rect l="l" t="t" r="r" b="b"/>
+              <a:pathLst>
+                <a:path w="3678382" h="1959302">
+                  <a:moveTo>
+                    <a:pt x="0" y="1943121"/>
+                  </a:moveTo>
+                  <a:cubicBezTo>
+                    <a:pt x="171883" y="1955243"/>
+                    <a:pt x="297006" y="1951779"/>
+                    <a:pt x="311727" y="1776866"/>
+                  </a:cubicBezTo>
+                  <a:cubicBezTo>
+                    <a:pt x="337804" y="1467023"/>
+                    <a:pt x="238125" y="85746"/>
+                    <a:pt x="368877" y="114321"/>
+                  </a:cubicBezTo>
+                  <a:cubicBezTo>
+                    <a:pt x="499629" y="142896"/>
+                    <a:pt x="413904" y="1413184"/>
+                    <a:pt x="472786" y="1698934"/>
+                  </a:cubicBezTo>
+                  <a:cubicBezTo>
+                    <a:pt x="531668" y="1984684"/>
+                    <a:pt x="671079" y="2003734"/>
+                    <a:pt x="722168" y="1828821"/>
+                  </a:cubicBezTo>
+                  <a:cubicBezTo>
+                    <a:pt x="773257" y="1653908"/>
+                    <a:pt x="748347" y="648733"/>
+                    <a:pt x="779318" y="649453"/>
+                  </a:cubicBezTo>
+                  <a:cubicBezTo>
+                    <a:pt x="853786" y="651184"/>
+                    <a:pt x="800100" y="1614075"/>
+                    <a:pt x="888422" y="1745693"/>
+                  </a:cubicBezTo>
+                  <a:cubicBezTo>
+                    <a:pt x="976744" y="1877311"/>
+                    <a:pt x="1473777" y="2005467"/>
+                    <a:pt x="1620982" y="1719717"/>
+                  </a:cubicBezTo>
+                  <a:cubicBezTo>
+                    <a:pt x="1768187" y="1433967"/>
+                    <a:pt x="1652155" y="19936"/>
+                    <a:pt x="1771650" y="31193"/>
+                  </a:cubicBezTo>
+                  <a:cubicBezTo>
+                    <a:pt x="1891145" y="42450"/>
+                    <a:pt x="1814080" y="1624467"/>
+                    <a:pt x="1963882" y="1724912"/>
+                  </a:cubicBezTo>
+                  <a:cubicBezTo>
+                    <a:pt x="2199464" y="1882874"/>
+                    <a:pt x="2582946" y="1907652"/>
+                    <a:pt x="2732809" y="1787257"/>
+                  </a:cubicBezTo>
+                  <a:cubicBezTo>
+                    <a:pt x="2839962" y="1701174"/>
+                    <a:pt x="2754456" y="6949"/>
+                    <a:pt x="2852304" y="21"/>
+                  </a:cubicBezTo>
+                  <a:cubicBezTo>
+                    <a:pt x="2950152" y="-6907"/>
+                    <a:pt x="2938030" y="1762146"/>
+                    <a:pt x="3070514" y="1839212"/>
+                  </a:cubicBezTo>
+                  <a:cubicBezTo>
+                    <a:pt x="3202998" y="1916278"/>
+                    <a:pt x="3388735" y="2051792"/>
+                    <a:pt x="3678382" y="1865189"/>
+                  </a:cubicBezTo>
+                </a:path>
+              </a:pathLst>
+            </a:custGeom>
+            <a:noFill/>
+            <a:ln w="28575">
+              <a:solidFill>
+                <a:srgbClr val="0070C0"/>
+              </a:solidFill>
+              <a:prstDash val="solid"/>
+            </a:ln>
+          </p:spPr>
+          <p:style>
+            <a:lnRef idx="2">
+              <a:schemeClr val="accent1">
+                <a:shade val="15000"/>
+              </a:schemeClr>
+            </a:lnRef>
+            <a:fillRef idx="1">
+              <a:schemeClr val="accent1"/>
+            </a:fillRef>
+            <a:effectRef idx="0">
+              <a:schemeClr val="accent1"/>
+            </a:effectRef>
+            <a:fontRef idx="minor">
+              <a:schemeClr val="lt1"/>
+            </a:fontRef>
+          </p:style>
+          <p:txBody>
+            <a:bodyPr rtlCol="0" anchor="ctr"/>
+            <a:lstStyle/>
+            <a:p>
+              <a:pPr algn="ctr"/>
+              <a:endParaRPr lang="en-US" sz="1400"/>
+            </a:p>
+          </p:txBody>
+        </p:sp>
+        <p:cxnSp>
+          <p:nvCxnSpPr>
+            <p:cNvPr id="87" name="Straight Arrow Connector 86">
+              <a:extLst>
+                <a:ext uri="{FF2B5EF4-FFF2-40B4-BE49-F238E27FC236}">
+                  <a16:creationId xmlns:a16="http://schemas.microsoft.com/office/drawing/2014/main" id="{F1EBA3BC-752D-7B47-26B5-1F09A1205E92}"/>
+                </a:ext>
+              </a:extLst>
+            </p:cNvPr>
+            <p:cNvCxnSpPr/>
+            <p:nvPr/>
+          </p:nvCxnSpPr>
+          <p:spPr>
+            <a:xfrm flipV="1">
+              <a:off x="5070674" y="3698785"/>
+              <a:ext cx="0" cy="2171700"/>
+            </a:xfrm>
+            <a:prstGeom prst="straightConnector1">
+              <a:avLst/>
+            </a:prstGeom>
+            <a:ln>
+              <a:solidFill>
+                <a:schemeClr val="tx1"/>
+              </a:solidFill>
+              <a:tailEnd type="triangle"/>
+            </a:ln>
+          </p:spPr>
+          <p:style>
+            <a:lnRef idx="2">
+              <a:schemeClr val="accent1"/>
+            </a:lnRef>
+            <a:fillRef idx="0">
+              <a:schemeClr val="accent1"/>
+            </a:fillRef>
+            <a:effectRef idx="1">
+              <a:schemeClr val="accent1"/>
+            </a:effectRef>
+            <a:fontRef idx="minor">
+              <a:schemeClr val="tx1"/>
+            </a:fontRef>
+          </p:style>
+        </p:cxnSp>
+      </p:grpSp>
+      <p:grpSp>
+        <p:nvGrpSpPr>
+          <p:cNvPr id="70" name="Group 69">
+            <a:extLst>
+              <a:ext uri="{FF2B5EF4-FFF2-40B4-BE49-F238E27FC236}">
+                <a16:creationId xmlns:a16="http://schemas.microsoft.com/office/drawing/2014/main" id="{F0BE583E-4EA3-4794-0198-FA1F9D32D59A}"/>
+              </a:ext>
+            </a:extLst>
+          </p:cNvPr>
+          <p:cNvGrpSpPr/>
+          <p:nvPr/>
+        </p:nvGrpSpPr>
+        <p:grpSpPr>
+          <a:xfrm>
+            <a:off x="6334376" y="528035"/>
+            <a:ext cx="3132870" cy="1902900"/>
+            <a:chOff x="545719" y="3395735"/>
+            <a:chExt cx="4198916" cy="2550415"/>
+          </a:xfrm>
+        </p:grpSpPr>
+        <p:sp>
+          <p:nvSpPr>
+            <p:cNvPr id="52" name="Freeform: Shape 51">
+              <a:extLst>
+                <a:ext uri="{FF2B5EF4-FFF2-40B4-BE49-F238E27FC236}">
+                  <a16:creationId xmlns:a16="http://schemas.microsoft.com/office/drawing/2014/main" id="{5DE3B166-9BAE-2394-273C-0A73370F92C6}"/>
+                </a:ext>
+              </a:extLst>
+            </p:cNvPr>
+            <p:cNvSpPr/>
+            <p:nvPr/>
+          </p:nvSpPr>
+          <p:spPr>
+            <a:xfrm>
+              <a:off x="576982" y="3903722"/>
+              <a:ext cx="3678382" cy="1959302"/>
+            </a:xfrm>
+            <a:custGeom>
+              <a:avLst/>
+              <a:gdLst>
+                <a:gd name="csX0" fmla="*/ 0 w 3678382"/>
+                <a:gd name="csY0" fmla="*/ 1943151 h 2111162"/>
+                <a:gd name="csX1" fmla="*/ 280554 w 3678382"/>
+                <a:gd name="csY1" fmla="*/ 1932760 h 2111162"/>
+                <a:gd name="csX2" fmla="*/ 368877 w 3678382"/>
+                <a:gd name="csY2" fmla="*/ 114351 h 2111162"/>
+                <a:gd name="csX3" fmla="*/ 472786 w 3678382"/>
+                <a:gd name="csY3" fmla="*/ 1698964 h 2111162"/>
+                <a:gd name="csX4" fmla="*/ 722168 w 3678382"/>
+                <a:gd name="csY4" fmla="*/ 1828851 h 2111162"/>
+                <a:gd name="csX5" fmla="*/ 779318 w 3678382"/>
+                <a:gd name="csY5" fmla="*/ 649483 h 2111162"/>
+                <a:gd name="csX6" fmla="*/ 852054 w 3678382"/>
+                <a:gd name="csY6" fmla="*/ 1750919 h 2111162"/>
+                <a:gd name="csX7" fmla="*/ 1589809 w 3678382"/>
+                <a:gd name="csY7" fmla="*/ 1854828 h 2111162"/>
+                <a:gd name="csX8" fmla="*/ 1771650 w 3678382"/>
+                <a:gd name="csY8" fmla="*/ 31223 h 2111162"/>
+                <a:gd name="csX9" fmla="*/ 1854777 w 3678382"/>
+                <a:gd name="csY9" fmla="*/ 1771701 h 2111162"/>
+                <a:gd name="csX10" fmla="*/ 2748395 w 3678382"/>
+                <a:gd name="csY10" fmla="*/ 1865219 h 2111162"/>
+                <a:gd name="csX11" fmla="*/ 2852304 w 3678382"/>
+                <a:gd name="csY11" fmla="*/ 51 h 2111162"/>
+                <a:gd name="csX12" fmla="*/ 2961409 w 3678382"/>
+                <a:gd name="csY12" fmla="*/ 1927564 h 2111162"/>
+                <a:gd name="csX13" fmla="*/ 3678382 w 3678382"/>
+                <a:gd name="csY13" fmla="*/ 1865219 h 2111162"/>
+                <a:gd name="csX0" fmla="*/ 0 w 3678382"/>
+                <a:gd name="csY0" fmla="*/ 1943527 h 2111538"/>
+                <a:gd name="csX1" fmla="*/ 280554 w 3678382"/>
+                <a:gd name="csY1" fmla="*/ 1933136 h 2111538"/>
+                <a:gd name="csX2" fmla="*/ 368877 w 3678382"/>
+                <a:gd name="csY2" fmla="*/ 114727 h 2111538"/>
+                <a:gd name="csX3" fmla="*/ 472786 w 3678382"/>
+                <a:gd name="csY3" fmla="*/ 1699340 h 2111538"/>
+                <a:gd name="csX4" fmla="*/ 722168 w 3678382"/>
+                <a:gd name="csY4" fmla="*/ 1829227 h 2111538"/>
+                <a:gd name="csX5" fmla="*/ 779318 w 3678382"/>
+                <a:gd name="csY5" fmla="*/ 649859 h 2111538"/>
+                <a:gd name="csX6" fmla="*/ 852054 w 3678382"/>
+                <a:gd name="csY6" fmla="*/ 1751295 h 2111538"/>
+                <a:gd name="csX7" fmla="*/ 1589809 w 3678382"/>
+                <a:gd name="csY7" fmla="*/ 1855204 h 2111538"/>
+                <a:gd name="csX8" fmla="*/ 1771650 w 3678382"/>
+                <a:gd name="csY8" fmla="*/ 31599 h 2111538"/>
+                <a:gd name="csX9" fmla="*/ 1854777 w 3678382"/>
+                <a:gd name="csY9" fmla="*/ 1772077 h 2111538"/>
+                <a:gd name="csX10" fmla="*/ 2748395 w 3678382"/>
+                <a:gd name="csY10" fmla="*/ 1865595 h 2111538"/>
+                <a:gd name="csX11" fmla="*/ 2852304 w 3678382"/>
+                <a:gd name="csY11" fmla="*/ 427 h 2111538"/>
+                <a:gd name="csX12" fmla="*/ 2961409 w 3678382"/>
+                <a:gd name="csY12" fmla="*/ 1694145 h 2111538"/>
+                <a:gd name="csX13" fmla="*/ 3678382 w 3678382"/>
+                <a:gd name="csY13" fmla="*/ 1865595 h 2111538"/>
+                <a:gd name="csX0" fmla="*/ 0 w 3678382"/>
+                <a:gd name="csY0" fmla="*/ 1943115 h 2111126"/>
+                <a:gd name="csX1" fmla="*/ 280554 w 3678382"/>
+                <a:gd name="csY1" fmla="*/ 1932724 h 2111126"/>
+                <a:gd name="csX2" fmla="*/ 368877 w 3678382"/>
+                <a:gd name="csY2" fmla="*/ 114315 h 2111126"/>
+                <a:gd name="csX3" fmla="*/ 472786 w 3678382"/>
+                <a:gd name="csY3" fmla="*/ 1698928 h 2111126"/>
+                <a:gd name="csX4" fmla="*/ 722168 w 3678382"/>
+                <a:gd name="csY4" fmla="*/ 1828815 h 2111126"/>
+                <a:gd name="csX5" fmla="*/ 779318 w 3678382"/>
+                <a:gd name="csY5" fmla="*/ 649447 h 2111126"/>
+                <a:gd name="csX6" fmla="*/ 852054 w 3678382"/>
+                <a:gd name="csY6" fmla="*/ 1750883 h 2111126"/>
+                <a:gd name="csX7" fmla="*/ 1589809 w 3678382"/>
+                <a:gd name="csY7" fmla="*/ 1854792 h 2111126"/>
+                <a:gd name="csX8" fmla="*/ 1771650 w 3678382"/>
+                <a:gd name="csY8" fmla="*/ 31187 h 2111126"/>
+                <a:gd name="csX9" fmla="*/ 1854777 w 3678382"/>
+                <a:gd name="csY9" fmla="*/ 1771665 h 2111126"/>
+                <a:gd name="csX10" fmla="*/ 2738004 w 3678382"/>
+                <a:gd name="csY10" fmla="*/ 1662560 h 2111126"/>
+                <a:gd name="csX11" fmla="*/ 2852304 w 3678382"/>
+                <a:gd name="csY11" fmla="*/ 15 h 2111126"/>
+                <a:gd name="csX12" fmla="*/ 2961409 w 3678382"/>
+                <a:gd name="csY12" fmla="*/ 1693733 h 2111126"/>
+                <a:gd name="csX13" fmla="*/ 3678382 w 3678382"/>
+                <a:gd name="csY13" fmla="*/ 1865183 h 2111126"/>
+                <a:gd name="csX0" fmla="*/ 0 w 3678382"/>
+                <a:gd name="csY0" fmla="*/ 1943115 h 2111126"/>
+                <a:gd name="csX1" fmla="*/ 280554 w 3678382"/>
+                <a:gd name="csY1" fmla="*/ 1932724 h 2111126"/>
+                <a:gd name="csX2" fmla="*/ 368877 w 3678382"/>
+                <a:gd name="csY2" fmla="*/ 114315 h 2111126"/>
+                <a:gd name="csX3" fmla="*/ 472786 w 3678382"/>
+                <a:gd name="csY3" fmla="*/ 1698928 h 2111126"/>
+                <a:gd name="csX4" fmla="*/ 722168 w 3678382"/>
+                <a:gd name="csY4" fmla="*/ 1828815 h 2111126"/>
+                <a:gd name="csX5" fmla="*/ 779318 w 3678382"/>
+                <a:gd name="csY5" fmla="*/ 649447 h 2111126"/>
+                <a:gd name="csX6" fmla="*/ 852054 w 3678382"/>
+                <a:gd name="csY6" fmla="*/ 1750883 h 2111126"/>
+                <a:gd name="csX7" fmla="*/ 1620982 w 3678382"/>
+                <a:gd name="csY7" fmla="*/ 1719711 h 2111126"/>
+                <a:gd name="csX8" fmla="*/ 1771650 w 3678382"/>
+                <a:gd name="csY8" fmla="*/ 31187 h 2111126"/>
+                <a:gd name="csX9" fmla="*/ 1854777 w 3678382"/>
+                <a:gd name="csY9" fmla="*/ 1771665 h 2111126"/>
+                <a:gd name="csX10" fmla="*/ 2738004 w 3678382"/>
+                <a:gd name="csY10" fmla="*/ 1662560 h 2111126"/>
+                <a:gd name="csX11" fmla="*/ 2852304 w 3678382"/>
+                <a:gd name="csY11" fmla="*/ 15 h 2111126"/>
+                <a:gd name="csX12" fmla="*/ 2961409 w 3678382"/>
+                <a:gd name="csY12" fmla="*/ 1693733 h 2111126"/>
+                <a:gd name="csX13" fmla="*/ 3678382 w 3678382"/>
+                <a:gd name="csY13" fmla="*/ 1865183 h 2111126"/>
+                <a:gd name="csX0" fmla="*/ 0 w 3678382"/>
+                <a:gd name="csY0" fmla="*/ 1943115 h 2035967"/>
+                <a:gd name="csX1" fmla="*/ 311727 w 3678382"/>
+                <a:gd name="csY1" fmla="*/ 1776860 h 2035967"/>
+                <a:gd name="csX2" fmla="*/ 368877 w 3678382"/>
+                <a:gd name="csY2" fmla="*/ 114315 h 2035967"/>
+                <a:gd name="csX3" fmla="*/ 472786 w 3678382"/>
+                <a:gd name="csY3" fmla="*/ 1698928 h 2035967"/>
+                <a:gd name="csX4" fmla="*/ 722168 w 3678382"/>
+                <a:gd name="csY4" fmla="*/ 1828815 h 2035967"/>
+                <a:gd name="csX5" fmla="*/ 779318 w 3678382"/>
+                <a:gd name="csY5" fmla="*/ 649447 h 2035967"/>
+                <a:gd name="csX6" fmla="*/ 852054 w 3678382"/>
+                <a:gd name="csY6" fmla="*/ 1750883 h 2035967"/>
+                <a:gd name="csX7" fmla="*/ 1620982 w 3678382"/>
+                <a:gd name="csY7" fmla="*/ 1719711 h 2035967"/>
+                <a:gd name="csX8" fmla="*/ 1771650 w 3678382"/>
+                <a:gd name="csY8" fmla="*/ 31187 h 2035967"/>
+                <a:gd name="csX9" fmla="*/ 1854777 w 3678382"/>
+                <a:gd name="csY9" fmla="*/ 1771665 h 2035967"/>
+                <a:gd name="csX10" fmla="*/ 2738004 w 3678382"/>
+                <a:gd name="csY10" fmla="*/ 1662560 h 2035967"/>
+                <a:gd name="csX11" fmla="*/ 2852304 w 3678382"/>
+                <a:gd name="csY11" fmla="*/ 15 h 2035967"/>
+                <a:gd name="csX12" fmla="*/ 2961409 w 3678382"/>
+                <a:gd name="csY12" fmla="*/ 1693733 h 2035967"/>
+                <a:gd name="csX13" fmla="*/ 3678382 w 3678382"/>
+                <a:gd name="csY13" fmla="*/ 1865183 h 2035967"/>
+                <a:gd name="csX0" fmla="*/ 0 w 3678382"/>
+                <a:gd name="csY0" fmla="*/ 1943115 h 1979321"/>
+                <a:gd name="csX1" fmla="*/ 311727 w 3678382"/>
+                <a:gd name="csY1" fmla="*/ 1776860 h 1979321"/>
+                <a:gd name="csX2" fmla="*/ 368877 w 3678382"/>
+                <a:gd name="csY2" fmla="*/ 114315 h 1979321"/>
+                <a:gd name="csX3" fmla="*/ 472786 w 3678382"/>
+                <a:gd name="csY3" fmla="*/ 1698928 h 1979321"/>
+                <a:gd name="csX4" fmla="*/ 722168 w 3678382"/>
+                <a:gd name="csY4" fmla="*/ 1828815 h 1979321"/>
+                <a:gd name="csX5" fmla="*/ 779318 w 3678382"/>
+                <a:gd name="csY5" fmla="*/ 649447 h 1979321"/>
+                <a:gd name="csX6" fmla="*/ 852054 w 3678382"/>
+                <a:gd name="csY6" fmla="*/ 1750883 h 1979321"/>
+                <a:gd name="csX7" fmla="*/ 1620982 w 3678382"/>
+                <a:gd name="csY7" fmla="*/ 1719711 h 1979321"/>
+                <a:gd name="csX8" fmla="*/ 1771650 w 3678382"/>
+                <a:gd name="csY8" fmla="*/ 31187 h 1979321"/>
+                <a:gd name="csX9" fmla="*/ 1854777 w 3678382"/>
+                <a:gd name="csY9" fmla="*/ 1771665 h 1979321"/>
+                <a:gd name="csX10" fmla="*/ 2738004 w 3678382"/>
+                <a:gd name="csY10" fmla="*/ 1662560 h 1979321"/>
+                <a:gd name="csX11" fmla="*/ 2852304 w 3678382"/>
+                <a:gd name="csY11" fmla="*/ 15 h 1979321"/>
+                <a:gd name="csX12" fmla="*/ 2961409 w 3678382"/>
+                <a:gd name="csY12" fmla="*/ 1693733 h 1979321"/>
+                <a:gd name="csX13" fmla="*/ 3678382 w 3678382"/>
+                <a:gd name="csY13" fmla="*/ 1865183 h 1979321"/>
+                <a:gd name="csX0" fmla="*/ 0 w 3678382"/>
+                <a:gd name="csY0" fmla="*/ 1943115 h 1979321"/>
+                <a:gd name="csX1" fmla="*/ 311727 w 3678382"/>
+                <a:gd name="csY1" fmla="*/ 1776860 h 1979321"/>
+                <a:gd name="csX2" fmla="*/ 368877 w 3678382"/>
+                <a:gd name="csY2" fmla="*/ 114315 h 1979321"/>
+                <a:gd name="csX3" fmla="*/ 472786 w 3678382"/>
+                <a:gd name="csY3" fmla="*/ 1698928 h 1979321"/>
+                <a:gd name="csX4" fmla="*/ 722168 w 3678382"/>
+                <a:gd name="csY4" fmla="*/ 1828815 h 1979321"/>
+                <a:gd name="csX5" fmla="*/ 779318 w 3678382"/>
+                <a:gd name="csY5" fmla="*/ 649447 h 1979321"/>
+                <a:gd name="csX6" fmla="*/ 852054 w 3678382"/>
+                <a:gd name="csY6" fmla="*/ 1750883 h 1979321"/>
+                <a:gd name="csX7" fmla="*/ 1620982 w 3678382"/>
+                <a:gd name="csY7" fmla="*/ 1719711 h 1979321"/>
+                <a:gd name="csX8" fmla="*/ 1771650 w 3678382"/>
+                <a:gd name="csY8" fmla="*/ 31187 h 1979321"/>
+                <a:gd name="csX9" fmla="*/ 1854777 w 3678382"/>
+                <a:gd name="csY9" fmla="*/ 1771665 h 1979321"/>
+                <a:gd name="csX10" fmla="*/ 2738004 w 3678382"/>
+                <a:gd name="csY10" fmla="*/ 1662560 h 1979321"/>
+                <a:gd name="csX11" fmla="*/ 2852304 w 3678382"/>
+                <a:gd name="csY11" fmla="*/ 15 h 1979321"/>
+                <a:gd name="csX12" fmla="*/ 2961409 w 3678382"/>
+                <a:gd name="csY12" fmla="*/ 1693733 h 1979321"/>
+                <a:gd name="csX13" fmla="*/ 3678382 w 3678382"/>
+                <a:gd name="csY13" fmla="*/ 1865183 h 1979321"/>
+                <a:gd name="csX0" fmla="*/ 0 w 3678382"/>
+                <a:gd name="csY0" fmla="*/ 1943115 h 1979321"/>
+                <a:gd name="csX1" fmla="*/ 311727 w 3678382"/>
+                <a:gd name="csY1" fmla="*/ 1776860 h 1979321"/>
+                <a:gd name="csX2" fmla="*/ 368877 w 3678382"/>
+                <a:gd name="csY2" fmla="*/ 114315 h 1979321"/>
+                <a:gd name="csX3" fmla="*/ 472786 w 3678382"/>
+                <a:gd name="csY3" fmla="*/ 1698928 h 1979321"/>
+                <a:gd name="csX4" fmla="*/ 722168 w 3678382"/>
+                <a:gd name="csY4" fmla="*/ 1828815 h 1979321"/>
+                <a:gd name="csX5" fmla="*/ 779318 w 3678382"/>
+                <a:gd name="csY5" fmla="*/ 649447 h 1979321"/>
+                <a:gd name="csX6" fmla="*/ 852054 w 3678382"/>
+                <a:gd name="csY6" fmla="*/ 1750883 h 1979321"/>
+                <a:gd name="csX7" fmla="*/ 1620982 w 3678382"/>
+                <a:gd name="csY7" fmla="*/ 1719711 h 1979321"/>
+                <a:gd name="csX8" fmla="*/ 1771650 w 3678382"/>
+                <a:gd name="csY8" fmla="*/ 31187 h 1979321"/>
+                <a:gd name="csX9" fmla="*/ 1854777 w 3678382"/>
+                <a:gd name="csY9" fmla="*/ 1771665 h 1979321"/>
+                <a:gd name="csX10" fmla="*/ 2738004 w 3678382"/>
+                <a:gd name="csY10" fmla="*/ 1662560 h 1979321"/>
+                <a:gd name="csX11" fmla="*/ 2852304 w 3678382"/>
+                <a:gd name="csY11" fmla="*/ 15 h 1979321"/>
+                <a:gd name="csX12" fmla="*/ 2961409 w 3678382"/>
+                <a:gd name="csY12" fmla="*/ 1693733 h 1979321"/>
+                <a:gd name="csX13" fmla="*/ 3678382 w 3678382"/>
+                <a:gd name="csY13" fmla="*/ 1865183 h 1979321"/>
+                <a:gd name="csX0" fmla="*/ 0 w 3678382"/>
+                <a:gd name="csY0" fmla="*/ 1943115 h 1979321"/>
+                <a:gd name="csX1" fmla="*/ 311727 w 3678382"/>
+                <a:gd name="csY1" fmla="*/ 1776860 h 1979321"/>
+                <a:gd name="csX2" fmla="*/ 368877 w 3678382"/>
+                <a:gd name="csY2" fmla="*/ 114315 h 1979321"/>
+                <a:gd name="csX3" fmla="*/ 472786 w 3678382"/>
+                <a:gd name="csY3" fmla="*/ 1698928 h 1979321"/>
+                <a:gd name="csX4" fmla="*/ 722168 w 3678382"/>
+                <a:gd name="csY4" fmla="*/ 1828815 h 1979321"/>
+                <a:gd name="csX5" fmla="*/ 779318 w 3678382"/>
+                <a:gd name="csY5" fmla="*/ 649447 h 1979321"/>
+                <a:gd name="csX6" fmla="*/ 852054 w 3678382"/>
+                <a:gd name="csY6" fmla="*/ 1750883 h 1979321"/>
+                <a:gd name="csX7" fmla="*/ 1620982 w 3678382"/>
+                <a:gd name="csY7" fmla="*/ 1719711 h 1979321"/>
+                <a:gd name="csX8" fmla="*/ 1771650 w 3678382"/>
+                <a:gd name="csY8" fmla="*/ 31187 h 1979321"/>
+                <a:gd name="csX9" fmla="*/ 1854777 w 3678382"/>
+                <a:gd name="csY9" fmla="*/ 1771665 h 1979321"/>
+                <a:gd name="csX10" fmla="*/ 2738004 w 3678382"/>
+                <a:gd name="csY10" fmla="*/ 1662560 h 1979321"/>
+                <a:gd name="csX11" fmla="*/ 2852304 w 3678382"/>
+                <a:gd name="csY11" fmla="*/ 15 h 1979321"/>
+                <a:gd name="csX12" fmla="*/ 2961409 w 3678382"/>
+                <a:gd name="csY12" fmla="*/ 1693733 h 1979321"/>
+                <a:gd name="csX13" fmla="*/ 3678382 w 3678382"/>
+                <a:gd name="csY13" fmla="*/ 1865183 h 1979321"/>
+                <a:gd name="csX0" fmla="*/ 0 w 3678382"/>
+                <a:gd name="csY0" fmla="*/ 1943115 h 1979321"/>
+                <a:gd name="csX1" fmla="*/ 311727 w 3678382"/>
+                <a:gd name="csY1" fmla="*/ 1776860 h 1979321"/>
+                <a:gd name="csX2" fmla="*/ 368877 w 3678382"/>
+                <a:gd name="csY2" fmla="*/ 114315 h 1979321"/>
+                <a:gd name="csX3" fmla="*/ 472786 w 3678382"/>
+                <a:gd name="csY3" fmla="*/ 1698928 h 1979321"/>
+                <a:gd name="csX4" fmla="*/ 722168 w 3678382"/>
+                <a:gd name="csY4" fmla="*/ 1828815 h 1979321"/>
+                <a:gd name="csX5" fmla="*/ 779318 w 3678382"/>
+                <a:gd name="csY5" fmla="*/ 649447 h 1979321"/>
+                <a:gd name="csX6" fmla="*/ 852054 w 3678382"/>
+                <a:gd name="csY6" fmla="*/ 1750883 h 1979321"/>
+                <a:gd name="csX7" fmla="*/ 1620982 w 3678382"/>
+                <a:gd name="csY7" fmla="*/ 1719711 h 1979321"/>
+                <a:gd name="csX8" fmla="*/ 1771650 w 3678382"/>
+                <a:gd name="csY8" fmla="*/ 31187 h 1979321"/>
+                <a:gd name="csX9" fmla="*/ 1854777 w 3678382"/>
+                <a:gd name="csY9" fmla="*/ 1771665 h 1979321"/>
+                <a:gd name="csX10" fmla="*/ 2738004 w 3678382"/>
+                <a:gd name="csY10" fmla="*/ 1662560 h 1979321"/>
+                <a:gd name="csX11" fmla="*/ 2852304 w 3678382"/>
+                <a:gd name="csY11" fmla="*/ 15 h 1979321"/>
+                <a:gd name="csX12" fmla="*/ 2961409 w 3678382"/>
+                <a:gd name="csY12" fmla="*/ 1693733 h 1979321"/>
+                <a:gd name="csX13" fmla="*/ 3678382 w 3678382"/>
+                <a:gd name="csY13" fmla="*/ 1865183 h 1979321"/>
+                <a:gd name="csX0" fmla="*/ 0 w 3678382"/>
+                <a:gd name="csY0" fmla="*/ 1943558 h 2040156"/>
+                <a:gd name="csX1" fmla="*/ 311727 w 3678382"/>
+                <a:gd name="csY1" fmla="*/ 1777303 h 2040156"/>
+                <a:gd name="csX2" fmla="*/ 368877 w 3678382"/>
+                <a:gd name="csY2" fmla="*/ 114758 h 2040156"/>
+                <a:gd name="csX3" fmla="*/ 472786 w 3678382"/>
+                <a:gd name="csY3" fmla="*/ 1699371 h 2040156"/>
+                <a:gd name="csX4" fmla="*/ 722168 w 3678382"/>
+                <a:gd name="csY4" fmla="*/ 1829258 h 2040156"/>
+                <a:gd name="csX5" fmla="*/ 779318 w 3678382"/>
+                <a:gd name="csY5" fmla="*/ 649890 h 2040156"/>
+                <a:gd name="csX6" fmla="*/ 852054 w 3678382"/>
+                <a:gd name="csY6" fmla="*/ 1751326 h 2040156"/>
+                <a:gd name="csX7" fmla="*/ 1620982 w 3678382"/>
+                <a:gd name="csY7" fmla="*/ 1720154 h 2040156"/>
+                <a:gd name="csX8" fmla="*/ 1771650 w 3678382"/>
+                <a:gd name="csY8" fmla="*/ 31630 h 2040156"/>
+                <a:gd name="csX9" fmla="*/ 1854777 w 3678382"/>
+                <a:gd name="csY9" fmla="*/ 1772108 h 2040156"/>
+                <a:gd name="csX10" fmla="*/ 2738004 w 3678382"/>
+                <a:gd name="csY10" fmla="*/ 1663003 h 2040156"/>
+                <a:gd name="csX11" fmla="*/ 2852304 w 3678382"/>
+                <a:gd name="csY11" fmla="*/ 458 h 2040156"/>
+                <a:gd name="csX12" fmla="*/ 3070514 w 3678382"/>
+                <a:gd name="csY12" fmla="*/ 1839649 h 2040156"/>
+                <a:gd name="csX13" fmla="*/ 3678382 w 3678382"/>
+                <a:gd name="csY13" fmla="*/ 1865626 h 2040156"/>
+                <a:gd name="csX0" fmla="*/ 0 w 3678382"/>
+                <a:gd name="csY0" fmla="*/ 1943558 h 1979764"/>
+                <a:gd name="csX1" fmla="*/ 311727 w 3678382"/>
+                <a:gd name="csY1" fmla="*/ 1777303 h 1979764"/>
+                <a:gd name="csX2" fmla="*/ 368877 w 3678382"/>
+                <a:gd name="csY2" fmla="*/ 114758 h 1979764"/>
+                <a:gd name="csX3" fmla="*/ 472786 w 3678382"/>
+                <a:gd name="csY3" fmla="*/ 1699371 h 1979764"/>
+                <a:gd name="csX4" fmla="*/ 722168 w 3678382"/>
+                <a:gd name="csY4" fmla="*/ 1829258 h 1979764"/>
+                <a:gd name="csX5" fmla="*/ 779318 w 3678382"/>
+                <a:gd name="csY5" fmla="*/ 649890 h 1979764"/>
+                <a:gd name="csX6" fmla="*/ 852054 w 3678382"/>
+                <a:gd name="csY6" fmla="*/ 1751326 h 1979764"/>
+                <a:gd name="csX7" fmla="*/ 1620982 w 3678382"/>
+                <a:gd name="csY7" fmla="*/ 1720154 h 1979764"/>
+                <a:gd name="csX8" fmla="*/ 1771650 w 3678382"/>
+                <a:gd name="csY8" fmla="*/ 31630 h 1979764"/>
+                <a:gd name="csX9" fmla="*/ 1854777 w 3678382"/>
+                <a:gd name="csY9" fmla="*/ 1772108 h 1979764"/>
+                <a:gd name="csX10" fmla="*/ 2738004 w 3678382"/>
+                <a:gd name="csY10" fmla="*/ 1663003 h 1979764"/>
+                <a:gd name="csX11" fmla="*/ 2852304 w 3678382"/>
+                <a:gd name="csY11" fmla="*/ 458 h 1979764"/>
+                <a:gd name="csX12" fmla="*/ 3070514 w 3678382"/>
+                <a:gd name="csY12" fmla="*/ 1839649 h 1979764"/>
+                <a:gd name="csX13" fmla="*/ 3678382 w 3678382"/>
+                <a:gd name="csY13" fmla="*/ 1865626 h 1979764"/>
+                <a:gd name="csX0" fmla="*/ 0 w 3678382"/>
+                <a:gd name="csY0" fmla="*/ 1943558 h 1979764"/>
+                <a:gd name="csX1" fmla="*/ 311727 w 3678382"/>
+                <a:gd name="csY1" fmla="*/ 1777303 h 1979764"/>
+                <a:gd name="csX2" fmla="*/ 368877 w 3678382"/>
+                <a:gd name="csY2" fmla="*/ 114758 h 1979764"/>
+                <a:gd name="csX3" fmla="*/ 472786 w 3678382"/>
+                <a:gd name="csY3" fmla="*/ 1699371 h 1979764"/>
+                <a:gd name="csX4" fmla="*/ 722168 w 3678382"/>
+                <a:gd name="csY4" fmla="*/ 1829258 h 1979764"/>
+                <a:gd name="csX5" fmla="*/ 779318 w 3678382"/>
+                <a:gd name="csY5" fmla="*/ 649890 h 1979764"/>
+                <a:gd name="csX6" fmla="*/ 852054 w 3678382"/>
+                <a:gd name="csY6" fmla="*/ 1751326 h 1979764"/>
+                <a:gd name="csX7" fmla="*/ 1620982 w 3678382"/>
+                <a:gd name="csY7" fmla="*/ 1720154 h 1979764"/>
+                <a:gd name="csX8" fmla="*/ 1771650 w 3678382"/>
+                <a:gd name="csY8" fmla="*/ 31630 h 1979764"/>
+                <a:gd name="csX9" fmla="*/ 1854777 w 3678382"/>
+                <a:gd name="csY9" fmla="*/ 1772108 h 1979764"/>
+                <a:gd name="csX10" fmla="*/ 2738004 w 3678382"/>
+                <a:gd name="csY10" fmla="*/ 1663003 h 1979764"/>
+                <a:gd name="csX11" fmla="*/ 2852304 w 3678382"/>
+                <a:gd name="csY11" fmla="*/ 458 h 1979764"/>
+                <a:gd name="csX12" fmla="*/ 3070514 w 3678382"/>
+                <a:gd name="csY12" fmla="*/ 1839649 h 1979764"/>
+                <a:gd name="csX13" fmla="*/ 3678382 w 3678382"/>
+                <a:gd name="csY13" fmla="*/ 1865626 h 1979764"/>
+                <a:gd name="csX0" fmla="*/ 0 w 3678382"/>
+                <a:gd name="csY0" fmla="*/ 1943102 h 2025202"/>
+                <a:gd name="csX1" fmla="*/ 311727 w 3678382"/>
+                <a:gd name="csY1" fmla="*/ 1776847 h 2025202"/>
+                <a:gd name="csX2" fmla="*/ 368877 w 3678382"/>
+                <a:gd name="csY2" fmla="*/ 114302 h 2025202"/>
+                <a:gd name="csX3" fmla="*/ 472786 w 3678382"/>
+                <a:gd name="csY3" fmla="*/ 1698915 h 2025202"/>
+                <a:gd name="csX4" fmla="*/ 722168 w 3678382"/>
+                <a:gd name="csY4" fmla="*/ 1828802 h 2025202"/>
+                <a:gd name="csX5" fmla="*/ 779318 w 3678382"/>
+                <a:gd name="csY5" fmla="*/ 649434 h 2025202"/>
+                <a:gd name="csX6" fmla="*/ 852054 w 3678382"/>
+                <a:gd name="csY6" fmla="*/ 1750870 h 2025202"/>
+                <a:gd name="csX7" fmla="*/ 1620982 w 3678382"/>
+                <a:gd name="csY7" fmla="*/ 1719698 h 2025202"/>
+                <a:gd name="csX8" fmla="*/ 1771650 w 3678382"/>
+                <a:gd name="csY8" fmla="*/ 31174 h 2025202"/>
+                <a:gd name="csX9" fmla="*/ 1854777 w 3678382"/>
+                <a:gd name="csY9" fmla="*/ 1771652 h 2025202"/>
+                <a:gd name="csX10" fmla="*/ 2753590 w 3678382"/>
+                <a:gd name="csY10" fmla="*/ 1828802 h 2025202"/>
+                <a:gd name="csX11" fmla="*/ 2852304 w 3678382"/>
+                <a:gd name="csY11" fmla="*/ 2 h 2025202"/>
+                <a:gd name="csX12" fmla="*/ 3070514 w 3678382"/>
+                <a:gd name="csY12" fmla="*/ 1839193 h 2025202"/>
+                <a:gd name="csX13" fmla="*/ 3678382 w 3678382"/>
+                <a:gd name="csY13" fmla="*/ 1865170 h 2025202"/>
+                <a:gd name="csX0" fmla="*/ 0 w 3678382"/>
+                <a:gd name="csY0" fmla="*/ 1943102 h 2025202"/>
+                <a:gd name="csX1" fmla="*/ 311727 w 3678382"/>
+                <a:gd name="csY1" fmla="*/ 1776847 h 2025202"/>
+                <a:gd name="csX2" fmla="*/ 368877 w 3678382"/>
+                <a:gd name="csY2" fmla="*/ 114302 h 2025202"/>
+                <a:gd name="csX3" fmla="*/ 472786 w 3678382"/>
+                <a:gd name="csY3" fmla="*/ 1698915 h 2025202"/>
+                <a:gd name="csX4" fmla="*/ 722168 w 3678382"/>
+                <a:gd name="csY4" fmla="*/ 1828802 h 2025202"/>
+                <a:gd name="csX5" fmla="*/ 779318 w 3678382"/>
+                <a:gd name="csY5" fmla="*/ 649434 h 2025202"/>
+                <a:gd name="csX6" fmla="*/ 852054 w 3678382"/>
+                <a:gd name="csY6" fmla="*/ 1750870 h 2025202"/>
+                <a:gd name="csX7" fmla="*/ 1620982 w 3678382"/>
+                <a:gd name="csY7" fmla="*/ 1719698 h 2025202"/>
+                <a:gd name="csX8" fmla="*/ 1771650 w 3678382"/>
+                <a:gd name="csY8" fmla="*/ 31174 h 2025202"/>
+                <a:gd name="csX9" fmla="*/ 1854777 w 3678382"/>
+                <a:gd name="csY9" fmla="*/ 1771652 h 2025202"/>
+                <a:gd name="csX10" fmla="*/ 2753590 w 3678382"/>
+                <a:gd name="csY10" fmla="*/ 1828802 h 2025202"/>
+                <a:gd name="csX11" fmla="*/ 2852304 w 3678382"/>
+                <a:gd name="csY11" fmla="*/ 2 h 2025202"/>
+                <a:gd name="csX12" fmla="*/ 3070514 w 3678382"/>
+                <a:gd name="csY12" fmla="*/ 1839193 h 2025202"/>
+                <a:gd name="csX13" fmla="*/ 3678382 w 3678382"/>
+                <a:gd name="csY13" fmla="*/ 1865170 h 2025202"/>
+                <a:gd name="csX0" fmla="*/ 0 w 3678382"/>
+                <a:gd name="csY0" fmla="*/ 1943102 h 1979308"/>
+                <a:gd name="csX1" fmla="*/ 311727 w 3678382"/>
+                <a:gd name="csY1" fmla="*/ 1776847 h 1979308"/>
+                <a:gd name="csX2" fmla="*/ 368877 w 3678382"/>
+                <a:gd name="csY2" fmla="*/ 114302 h 1979308"/>
+                <a:gd name="csX3" fmla="*/ 472786 w 3678382"/>
+                <a:gd name="csY3" fmla="*/ 1698915 h 1979308"/>
+                <a:gd name="csX4" fmla="*/ 722168 w 3678382"/>
+                <a:gd name="csY4" fmla="*/ 1828802 h 1979308"/>
+                <a:gd name="csX5" fmla="*/ 779318 w 3678382"/>
+                <a:gd name="csY5" fmla="*/ 649434 h 1979308"/>
+                <a:gd name="csX6" fmla="*/ 852054 w 3678382"/>
+                <a:gd name="csY6" fmla="*/ 1750870 h 1979308"/>
+                <a:gd name="csX7" fmla="*/ 1620982 w 3678382"/>
+                <a:gd name="csY7" fmla="*/ 1719698 h 1979308"/>
+                <a:gd name="csX8" fmla="*/ 1771650 w 3678382"/>
+                <a:gd name="csY8" fmla="*/ 31174 h 1979308"/>
+                <a:gd name="csX9" fmla="*/ 1854777 w 3678382"/>
+                <a:gd name="csY9" fmla="*/ 1771652 h 1979308"/>
+                <a:gd name="csX10" fmla="*/ 2753590 w 3678382"/>
+                <a:gd name="csY10" fmla="*/ 1828802 h 1979308"/>
+                <a:gd name="csX11" fmla="*/ 2852304 w 3678382"/>
+                <a:gd name="csY11" fmla="*/ 2 h 1979308"/>
+                <a:gd name="csX12" fmla="*/ 3070514 w 3678382"/>
+                <a:gd name="csY12" fmla="*/ 1839193 h 1979308"/>
+                <a:gd name="csX13" fmla="*/ 3678382 w 3678382"/>
+                <a:gd name="csY13" fmla="*/ 1865170 h 1979308"/>
+                <a:gd name="csX0" fmla="*/ 0 w 3678382"/>
+                <a:gd name="csY0" fmla="*/ 1943102 h 2025202"/>
+                <a:gd name="csX1" fmla="*/ 311727 w 3678382"/>
+                <a:gd name="csY1" fmla="*/ 1776847 h 2025202"/>
+                <a:gd name="csX2" fmla="*/ 368877 w 3678382"/>
+                <a:gd name="csY2" fmla="*/ 114302 h 2025202"/>
+                <a:gd name="csX3" fmla="*/ 472786 w 3678382"/>
+                <a:gd name="csY3" fmla="*/ 1698915 h 2025202"/>
+                <a:gd name="csX4" fmla="*/ 722168 w 3678382"/>
+                <a:gd name="csY4" fmla="*/ 1828802 h 2025202"/>
+                <a:gd name="csX5" fmla="*/ 779318 w 3678382"/>
+                <a:gd name="csY5" fmla="*/ 649434 h 2025202"/>
+                <a:gd name="csX6" fmla="*/ 852054 w 3678382"/>
+                <a:gd name="csY6" fmla="*/ 1750870 h 2025202"/>
+                <a:gd name="csX7" fmla="*/ 1620982 w 3678382"/>
+                <a:gd name="csY7" fmla="*/ 1719698 h 2025202"/>
+                <a:gd name="csX8" fmla="*/ 1771650 w 3678382"/>
+                <a:gd name="csY8" fmla="*/ 31174 h 2025202"/>
+                <a:gd name="csX9" fmla="*/ 1828800 w 3678382"/>
+                <a:gd name="csY9" fmla="*/ 1771652 h 2025202"/>
+                <a:gd name="csX10" fmla="*/ 2753590 w 3678382"/>
+                <a:gd name="csY10" fmla="*/ 1828802 h 2025202"/>
+                <a:gd name="csX11" fmla="*/ 2852304 w 3678382"/>
+                <a:gd name="csY11" fmla="*/ 2 h 2025202"/>
+                <a:gd name="csX12" fmla="*/ 3070514 w 3678382"/>
+                <a:gd name="csY12" fmla="*/ 1839193 h 2025202"/>
+                <a:gd name="csX13" fmla="*/ 3678382 w 3678382"/>
+                <a:gd name="csY13" fmla="*/ 1865170 h 2025202"/>
+                <a:gd name="csX0" fmla="*/ 0 w 3678382"/>
+                <a:gd name="csY0" fmla="*/ 1943102 h 2025202"/>
+                <a:gd name="csX1" fmla="*/ 311727 w 3678382"/>
+                <a:gd name="csY1" fmla="*/ 1776847 h 2025202"/>
+                <a:gd name="csX2" fmla="*/ 368877 w 3678382"/>
+                <a:gd name="csY2" fmla="*/ 114302 h 2025202"/>
+                <a:gd name="csX3" fmla="*/ 472786 w 3678382"/>
+                <a:gd name="csY3" fmla="*/ 1698915 h 2025202"/>
+                <a:gd name="csX4" fmla="*/ 722168 w 3678382"/>
+                <a:gd name="csY4" fmla="*/ 1828802 h 2025202"/>
+                <a:gd name="csX5" fmla="*/ 779318 w 3678382"/>
+                <a:gd name="csY5" fmla="*/ 649434 h 2025202"/>
+                <a:gd name="csX6" fmla="*/ 852054 w 3678382"/>
+                <a:gd name="csY6" fmla="*/ 1750870 h 2025202"/>
+                <a:gd name="csX7" fmla="*/ 1620982 w 3678382"/>
+                <a:gd name="csY7" fmla="*/ 1719698 h 2025202"/>
+                <a:gd name="csX8" fmla="*/ 1771650 w 3678382"/>
+                <a:gd name="csY8" fmla="*/ 31174 h 2025202"/>
+                <a:gd name="csX9" fmla="*/ 1828800 w 3678382"/>
+                <a:gd name="csY9" fmla="*/ 1771652 h 2025202"/>
+                <a:gd name="csX10" fmla="*/ 2753590 w 3678382"/>
+                <a:gd name="csY10" fmla="*/ 1828802 h 2025202"/>
+                <a:gd name="csX11" fmla="*/ 2852304 w 3678382"/>
+                <a:gd name="csY11" fmla="*/ 2 h 2025202"/>
+                <a:gd name="csX12" fmla="*/ 3070514 w 3678382"/>
+                <a:gd name="csY12" fmla="*/ 1839193 h 2025202"/>
+                <a:gd name="csX13" fmla="*/ 3678382 w 3678382"/>
+                <a:gd name="csY13" fmla="*/ 1865170 h 2025202"/>
+                <a:gd name="csX0" fmla="*/ 0 w 3678382"/>
+                <a:gd name="csY0" fmla="*/ 1943102 h 1979308"/>
+                <a:gd name="csX1" fmla="*/ 311727 w 3678382"/>
+                <a:gd name="csY1" fmla="*/ 1776847 h 1979308"/>
+                <a:gd name="csX2" fmla="*/ 368877 w 3678382"/>
+                <a:gd name="csY2" fmla="*/ 114302 h 1979308"/>
+                <a:gd name="csX3" fmla="*/ 472786 w 3678382"/>
+                <a:gd name="csY3" fmla="*/ 1698915 h 1979308"/>
+                <a:gd name="csX4" fmla="*/ 722168 w 3678382"/>
+                <a:gd name="csY4" fmla="*/ 1828802 h 1979308"/>
+                <a:gd name="csX5" fmla="*/ 779318 w 3678382"/>
+                <a:gd name="csY5" fmla="*/ 649434 h 1979308"/>
+                <a:gd name="csX6" fmla="*/ 852054 w 3678382"/>
+                <a:gd name="csY6" fmla="*/ 1750870 h 1979308"/>
+                <a:gd name="csX7" fmla="*/ 1620982 w 3678382"/>
+                <a:gd name="csY7" fmla="*/ 1719698 h 1979308"/>
+                <a:gd name="csX8" fmla="*/ 1771650 w 3678382"/>
+                <a:gd name="csY8" fmla="*/ 31174 h 1979308"/>
+                <a:gd name="csX9" fmla="*/ 1828800 w 3678382"/>
+                <a:gd name="csY9" fmla="*/ 1771652 h 1979308"/>
+                <a:gd name="csX10" fmla="*/ 2753590 w 3678382"/>
+                <a:gd name="csY10" fmla="*/ 1828802 h 1979308"/>
+                <a:gd name="csX11" fmla="*/ 2852304 w 3678382"/>
+                <a:gd name="csY11" fmla="*/ 2 h 1979308"/>
+                <a:gd name="csX12" fmla="*/ 3070514 w 3678382"/>
+                <a:gd name="csY12" fmla="*/ 1839193 h 1979308"/>
+                <a:gd name="csX13" fmla="*/ 3678382 w 3678382"/>
+                <a:gd name="csY13" fmla="*/ 1865170 h 1979308"/>
+                <a:gd name="csX0" fmla="*/ 0 w 3678382"/>
+                <a:gd name="csY0" fmla="*/ 1943102 h 1979308"/>
+                <a:gd name="csX1" fmla="*/ 311727 w 3678382"/>
+                <a:gd name="csY1" fmla="*/ 1776847 h 1979308"/>
+                <a:gd name="csX2" fmla="*/ 368877 w 3678382"/>
+                <a:gd name="csY2" fmla="*/ 114302 h 1979308"/>
+                <a:gd name="csX3" fmla="*/ 472786 w 3678382"/>
+                <a:gd name="csY3" fmla="*/ 1698915 h 1979308"/>
+                <a:gd name="csX4" fmla="*/ 722168 w 3678382"/>
+                <a:gd name="csY4" fmla="*/ 1828802 h 1979308"/>
+                <a:gd name="csX5" fmla="*/ 779318 w 3678382"/>
+                <a:gd name="csY5" fmla="*/ 649434 h 1979308"/>
+                <a:gd name="csX6" fmla="*/ 852054 w 3678382"/>
+                <a:gd name="csY6" fmla="*/ 1750870 h 1979308"/>
+                <a:gd name="csX7" fmla="*/ 1620982 w 3678382"/>
+                <a:gd name="csY7" fmla="*/ 1719698 h 1979308"/>
+                <a:gd name="csX8" fmla="*/ 1771650 w 3678382"/>
+                <a:gd name="csY8" fmla="*/ 31174 h 1979308"/>
+                <a:gd name="csX9" fmla="*/ 1963882 w 3678382"/>
+                <a:gd name="csY9" fmla="*/ 1724893 h 1979308"/>
+                <a:gd name="csX10" fmla="*/ 2753590 w 3678382"/>
+                <a:gd name="csY10" fmla="*/ 1828802 h 1979308"/>
+                <a:gd name="csX11" fmla="*/ 2852304 w 3678382"/>
+                <a:gd name="csY11" fmla="*/ 2 h 1979308"/>
+                <a:gd name="csX12" fmla="*/ 3070514 w 3678382"/>
+                <a:gd name="csY12" fmla="*/ 1839193 h 1979308"/>
+                <a:gd name="csX13" fmla="*/ 3678382 w 3678382"/>
+                <a:gd name="csY13" fmla="*/ 1865170 h 1979308"/>
+                <a:gd name="csX0" fmla="*/ 0 w 3678382"/>
+                <a:gd name="csY0" fmla="*/ 1943137 h 1979343"/>
+                <a:gd name="csX1" fmla="*/ 311727 w 3678382"/>
+                <a:gd name="csY1" fmla="*/ 1776882 h 1979343"/>
+                <a:gd name="csX2" fmla="*/ 368877 w 3678382"/>
+                <a:gd name="csY2" fmla="*/ 114337 h 1979343"/>
+                <a:gd name="csX3" fmla="*/ 472786 w 3678382"/>
+                <a:gd name="csY3" fmla="*/ 1698950 h 1979343"/>
+                <a:gd name="csX4" fmla="*/ 722168 w 3678382"/>
+                <a:gd name="csY4" fmla="*/ 1828837 h 1979343"/>
+                <a:gd name="csX5" fmla="*/ 779318 w 3678382"/>
+                <a:gd name="csY5" fmla="*/ 649469 h 1979343"/>
+                <a:gd name="csX6" fmla="*/ 852054 w 3678382"/>
+                <a:gd name="csY6" fmla="*/ 1750905 h 1979343"/>
+                <a:gd name="csX7" fmla="*/ 1620982 w 3678382"/>
+                <a:gd name="csY7" fmla="*/ 1719733 h 1979343"/>
+                <a:gd name="csX8" fmla="*/ 1771650 w 3678382"/>
+                <a:gd name="csY8" fmla="*/ 31209 h 1979343"/>
+                <a:gd name="csX9" fmla="*/ 1963882 w 3678382"/>
+                <a:gd name="csY9" fmla="*/ 1724928 h 1979343"/>
+                <a:gd name="csX10" fmla="*/ 2732809 w 3678382"/>
+                <a:gd name="csY10" fmla="*/ 1787273 h 1979343"/>
+                <a:gd name="csX11" fmla="*/ 2852304 w 3678382"/>
+                <a:gd name="csY11" fmla="*/ 37 h 1979343"/>
+                <a:gd name="csX12" fmla="*/ 3070514 w 3678382"/>
+                <a:gd name="csY12" fmla="*/ 1839228 h 1979343"/>
+                <a:gd name="csX13" fmla="*/ 3678382 w 3678382"/>
+                <a:gd name="csY13" fmla="*/ 1865205 h 1979343"/>
+                <a:gd name="csX0" fmla="*/ 0 w 3678382"/>
+                <a:gd name="csY0" fmla="*/ 1943137 h 1979343"/>
+                <a:gd name="csX1" fmla="*/ 311727 w 3678382"/>
+                <a:gd name="csY1" fmla="*/ 1776882 h 1979343"/>
+                <a:gd name="csX2" fmla="*/ 368877 w 3678382"/>
+                <a:gd name="csY2" fmla="*/ 114337 h 1979343"/>
+                <a:gd name="csX3" fmla="*/ 472786 w 3678382"/>
+                <a:gd name="csY3" fmla="*/ 1698950 h 1979343"/>
+                <a:gd name="csX4" fmla="*/ 722168 w 3678382"/>
+                <a:gd name="csY4" fmla="*/ 1828837 h 1979343"/>
+                <a:gd name="csX5" fmla="*/ 779318 w 3678382"/>
+                <a:gd name="csY5" fmla="*/ 649469 h 1979343"/>
+                <a:gd name="csX6" fmla="*/ 852054 w 3678382"/>
+                <a:gd name="csY6" fmla="*/ 1750905 h 1979343"/>
+                <a:gd name="csX7" fmla="*/ 1620982 w 3678382"/>
+                <a:gd name="csY7" fmla="*/ 1719733 h 1979343"/>
+                <a:gd name="csX8" fmla="*/ 1771650 w 3678382"/>
+                <a:gd name="csY8" fmla="*/ 31209 h 1979343"/>
+                <a:gd name="csX9" fmla="*/ 1963882 w 3678382"/>
+                <a:gd name="csY9" fmla="*/ 1724928 h 1979343"/>
+                <a:gd name="csX10" fmla="*/ 2732809 w 3678382"/>
+                <a:gd name="csY10" fmla="*/ 1787273 h 1979343"/>
+                <a:gd name="csX11" fmla="*/ 2852304 w 3678382"/>
+                <a:gd name="csY11" fmla="*/ 37 h 1979343"/>
+                <a:gd name="csX12" fmla="*/ 3070514 w 3678382"/>
+                <a:gd name="csY12" fmla="*/ 1839228 h 1979343"/>
+                <a:gd name="csX13" fmla="*/ 3678382 w 3678382"/>
+                <a:gd name="csY13" fmla="*/ 1865205 h 1979343"/>
+                <a:gd name="csX0" fmla="*/ 0 w 3678382"/>
+                <a:gd name="csY0" fmla="*/ 1943136 h 1979342"/>
+                <a:gd name="csX1" fmla="*/ 311727 w 3678382"/>
+                <a:gd name="csY1" fmla="*/ 1776881 h 1979342"/>
+                <a:gd name="csX2" fmla="*/ 368877 w 3678382"/>
+                <a:gd name="csY2" fmla="*/ 114336 h 1979342"/>
+                <a:gd name="csX3" fmla="*/ 472786 w 3678382"/>
+                <a:gd name="csY3" fmla="*/ 1698949 h 1979342"/>
+                <a:gd name="csX4" fmla="*/ 722168 w 3678382"/>
+                <a:gd name="csY4" fmla="*/ 1828836 h 1979342"/>
+                <a:gd name="csX5" fmla="*/ 779318 w 3678382"/>
+                <a:gd name="csY5" fmla="*/ 649468 h 1979342"/>
+                <a:gd name="csX6" fmla="*/ 852054 w 3678382"/>
+                <a:gd name="csY6" fmla="*/ 1750904 h 1979342"/>
+                <a:gd name="csX7" fmla="*/ 1620982 w 3678382"/>
+                <a:gd name="csY7" fmla="*/ 1719732 h 1979342"/>
+                <a:gd name="csX8" fmla="*/ 1771650 w 3678382"/>
+                <a:gd name="csY8" fmla="*/ 31208 h 1979342"/>
+                <a:gd name="csX9" fmla="*/ 1963882 w 3678382"/>
+                <a:gd name="csY9" fmla="*/ 1724927 h 1979342"/>
+                <a:gd name="csX10" fmla="*/ 2732809 w 3678382"/>
+                <a:gd name="csY10" fmla="*/ 1787272 h 1979342"/>
+                <a:gd name="csX11" fmla="*/ 2852304 w 3678382"/>
+                <a:gd name="csY11" fmla="*/ 36 h 1979342"/>
+                <a:gd name="csX12" fmla="*/ 3070514 w 3678382"/>
+                <a:gd name="csY12" fmla="*/ 1839227 h 1979342"/>
+                <a:gd name="csX13" fmla="*/ 3678382 w 3678382"/>
+                <a:gd name="csY13" fmla="*/ 1865204 h 1979342"/>
+                <a:gd name="csX0" fmla="*/ 0 w 3678382"/>
+                <a:gd name="csY0" fmla="*/ 1943133 h 1979339"/>
+                <a:gd name="csX1" fmla="*/ 311727 w 3678382"/>
+                <a:gd name="csY1" fmla="*/ 1776878 h 1979339"/>
+                <a:gd name="csX2" fmla="*/ 368877 w 3678382"/>
+                <a:gd name="csY2" fmla="*/ 114333 h 1979339"/>
+                <a:gd name="csX3" fmla="*/ 472786 w 3678382"/>
+                <a:gd name="csY3" fmla="*/ 1698946 h 1979339"/>
+                <a:gd name="csX4" fmla="*/ 722168 w 3678382"/>
+                <a:gd name="csY4" fmla="*/ 1828833 h 1979339"/>
+                <a:gd name="csX5" fmla="*/ 779318 w 3678382"/>
+                <a:gd name="csY5" fmla="*/ 649465 h 1979339"/>
+                <a:gd name="csX6" fmla="*/ 852054 w 3678382"/>
+                <a:gd name="csY6" fmla="*/ 1750901 h 1979339"/>
+                <a:gd name="csX7" fmla="*/ 1620982 w 3678382"/>
+                <a:gd name="csY7" fmla="*/ 1719729 h 1979339"/>
+                <a:gd name="csX8" fmla="*/ 1771650 w 3678382"/>
+                <a:gd name="csY8" fmla="*/ 31205 h 1979339"/>
+                <a:gd name="csX9" fmla="*/ 1963882 w 3678382"/>
+                <a:gd name="csY9" fmla="*/ 1724924 h 1979339"/>
+                <a:gd name="csX10" fmla="*/ 2732809 w 3678382"/>
+                <a:gd name="csY10" fmla="*/ 1787269 h 1979339"/>
+                <a:gd name="csX11" fmla="*/ 2852304 w 3678382"/>
+                <a:gd name="csY11" fmla="*/ 33 h 1979339"/>
+                <a:gd name="csX12" fmla="*/ 3070514 w 3678382"/>
+                <a:gd name="csY12" fmla="*/ 1839224 h 1979339"/>
+                <a:gd name="csX13" fmla="*/ 3678382 w 3678382"/>
+                <a:gd name="csY13" fmla="*/ 1865201 h 1979339"/>
+                <a:gd name="csX0" fmla="*/ 0 w 3678382"/>
+                <a:gd name="csY0" fmla="*/ 1943133 h 1979339"/>
+                <a:gd name="csX1" fmla="*/ 311727 w 3678382"/>
+                <a:gd name="csY1" fmla="*/ 1776878 h 1979339"/>
+                <a:gd name="csX2" fmla="*/ 368877 w 3678382"/>
+                <a:gd name="csY2" fmla="*/ 114333 h 1979339"/>
+                <a:gd name="csX3" fmla="*/ 472786 w 3678382"/>
+                <a:gd name="csY3" fmla="*/ 1698946 h 1979339"/>
+                <a:gd name="csX4" fmla="*/ 722168 w 3678382"/>
+                <a:gd name="csY4" fmla="*/ 1828833 h 1979339"/>
+                <a:gd name="csX5" fmla="*/ 779318 w 3678382"/>
+                <a:gd name="csY5" fmla="*/ 649465 h 1979339"/>
+                <a:gd name="csX6" fmla="*/ 852054 w 3678382"/>
+                <a:gd name="csY6" fmla="*/ 1750901 h 1979339"/>
+                <a:gd name="csX7" fmla="*/ 1620982 w 3678382"/>
+                <a:gd name="csY7" fmla="*/ 1719729 h 1979339"/>
+                <a:gd name="csX8" fmla="*/ 1771650 w 3678382"/>
+                <a:gd name="csY8" fmla="*/ 31205 h 1979339"/>
+                <a:gd name="csX9" fmla="*/ 1963882 w 3678382"/>
+                <a:gd name="csY9" fmla="*/ 1724924 h 1979339"/>
+                <a:gd name="csX10" fmla="*/ 2732809 w 3678382"/>
+                <a:gd name="csY10" fmla="*/ 1787269 h 1979339"/>
+                <a:gd name="csX11" fmla="*/ 2852304 w 3678382"/>
+                <a:gd name="csY11" fmla="*/ 33 h 1979339"/>
+                <a:gd name="csX12" fmla="*/ 3070514 w 3678382"/>
+                <a:gd name="csY12" fmla="*/ 1839224 h 1979339"/>
+                <a:gd name="csX13" fmla="*/ 3678382 w 3678382"/>
+                <a:gd name="csY13" fmla="*/ 1865201 h 1979339"/>
+                <a:gd name="csX0" fmla="*/ 0 w 3678382"/>
+                <a:gd name="csY0" fmla="*/ 1943133 h 1979339"/>
+                <a:gd name="csX1" fmla="*/ 311727 w 3678382"/>
+                <a:gd name="csY1" fmla="*/ 1776878 h 1979339"/>
+                <a:gd name="csX2" fmla="*/ 368877 w 3678382"/>
+                <a:gd name="csY2" fmla="*/ 114333 h 1979339"/>
+                <a:gd name="csX3" fmla="*/ 472786 w 3678382"/>
+                <a:gd name="csY3" fmla="*/ 1698946 h 1979339"/>
+                <a:gd name="csX4" fmla="*/ 722168 w 3678382"/>
+                <a:gd name="csY4" fmla="*/ 1828833 h 1979339"/>
+                <a:gd name="csX5" fmla="*/ 779318 w 3678382"/>
+                <a:gd name="csY5" fmla="*/ 649465 h 1979339"/>
+                <a:gd name="csX6" fmla="*/ 852054 w 3678382"/>
+                <a:gd name="csY6" fmla="*/ 1750901 h 1979339"/>
+                <a:gd name="csX7" fmla="*/ 1620982 w 3678382"/>
+                <a:gd name="csY7" fmla="*/ 1719729 h 1979339"/>
+                <a:gd name="csX8" fmla="*/ 1771650 w 3678382"/>
+                <a:gd name="csY8" fmla="*/ 31205 h 1979339"/>
+                <a:gd name="csX9" fmla="*/ 1963882 w 3678382"/>
+                <a:gd name="csY9" fmla="*/ 1724924 h 1979339"/>
+                <a:gd name="csX10" fmla="*/ 2732809 w 3678382"/>
+                <a:gd name="csY10" fmla="*/ 1787269 h 1979339"/>
+                <a:gd name="csX11" fmla="*/ 2852304 w 3678382"/>
+                <a:gd name="csY11" fmla="*/ 33 h 1979339"/>
+                <a:gd name="csX12" fmla="*/ 3070514 w 3678382"/>
+                <a:gd name="csY12" fmla="*/ 1839224 h 1979339"/>
+                <a:gd name="csX13" fmla="*/ 3678382 w 3678382"/>
+                <a:gd name="csY13" fmla="*/ 1865201 h 1979339"/>
+                <a:gd name="csX0" fmla="*/ 0 w 3678382"/>
+                <a:gd name="csY0" fmla="*/ 1943133 h 1979339"/>
+                <a:gd name="csX1" fmla="*/ 311727 w 3678382"/>
+                <a:gd name="csY1" fmla="*/ 1776878 h 1979339"/>
+                <a:gd name="csX2" fmla="*/ 368877 w 3678382"/>
+                <a:gd name="csY2" fmla="*/ 114333 h 1979339"/>
+                <a:gd name="csX3" fmla="*/ 472786 w 3678382"/>
+                <a:gd name="csY3" fmla="*/ 1698946 h 1979339"/>
+                <a:gd name="csX4" fmla="*/ 722168 w 3678382"/>
+                <a:gd name="csY4" fmla="*/ 1828833 h 1979339"/>
+                <a:gd name="csX5" fmla="*/ 779318 w 3678382"/>
+                <a:gd name="csY5" fmla="*/ 649465 h 1979339"/>
+                <a:gd name="csX6" fmla="*/ 852054 w 3678382"/>
+                <a:gd name="csY6" fmla="*/ 1750901 h 1979339"/>
+                <a:gd name="csX7" fmla="*/ 1620982 w 3678382"/>
+                <a:gd name="csY7" fmla="*/ 1719729 h 1979339"/>
+                <a:gd name="csX8" fmla="*/ 1771650 w 3678382"/>
+                <a:gd name="csY8" fmla="*/ 31205 h 1979339"/>
+                <a:gd name="csX9" fmla="*/ 1963882 w 3678382"/>
+                <a:gd name="csY9" fmla="*/ 1724924 h 1979339"/>
+                <a:gd name="csX10" fmla="*/ 2732809 w 3678382"/>
+                <a:gd name="csY10" fmla="*/ 1787269 h 1979339"/>
+                <a:gd name="csX11" fmla="*/ 2852304 w 3678382"/>
+                <a:gd name="csY11" fmla="*/ 33 h 1979339"/>
+                <a:gd name="csX12" fmla="*/ 3070514 w 3678382"/>
+                <a:gd name="csY12" fmla="*/ 1839224 h 1979339"/>
+                <a:gd name="csX13" fmla="*/ 3678382 w 3678382"/>
+                <a:gd name="csY13" fmla="*/ 1865201 h 1979339"/>
+                <a:gd name="csX0" fmla="*/ 0 w 3678382"/>
+                <a:gd name="csY0" fmla="*/ 1943133 h 1979339"/>
+                <a:gd name="csX1" fmla="*/ 311727 w 3678382"/>
+                <a:gd name="csY1" fmla="*/ 1776878 h 1979339"/>
+                <a:gd name="csX2" fmla="*/ 368877 w 3678382"/>
+                <a:gd name="csY2" fmla="*/ 114333 h 1979339"/>
+                <a:gd name="csX3" fmla="*/ 472786 w 3678382"/>
+                <a:gd name="csY3" fmla="*/ 1698946 h 1979339"/>
+                <a:gd name="csX4" fmla="*/ 722168 w 3678382"/>
+                <a:gd name="csY4" fmla="*/ 1828833 h 1979339"/>
+                <a:gd name="csX5" fmla="*/ 779318 w 3678382"/>
+                <a:gd name="csY5" fmla="*/ 649465 h 1979339"/>
+                <a:gd name="csX6" fmla="*/ 852054 w 3678382"/>
+                <a:gd name="csY6" fmla="*/ 1750901 h 1979339"/>
+                <a:gd name="csX7" fmla="*/ 1620982 w 3678382"/>
+                <a:gd name="csY7" fmla="*/ 1719729 h 1979339"/>
+                <a:gd name="csX8" fmla="*/ 1771650 w 3678382"/>
+                <a:gd name="csY8" fmla="*/ 31205 h 1979339"/>
+                <a:gd name="csX9" fmla="*/ 1963882 w 3678382"/>
+                <a:gd name="csY9" fmla="*/ 1724924 h 1979339"/>
+                <a:gd name="csX10" fmla="*/ 2732809 w 3678382"/>
+                <a:gd name="csY10" fmla="*/ 1787269 h 1979339"/>
+                <a:gd name="csX11" fmla="*/ 2852304 w 3678382"/>
+                <a:gd name="csY11" fmla="*/ 33 h 1979339"/>
+                <a:gd name="csX12" fmla="*/ 3070514 w 3678382"/>
+                <a:gd name="csY12" fmla="*/ 1839224 h 1979339"/>
+                <a:gd name="csX13" fmla="*/ 3678382 w 3678382"/>
+                <a:gd name="csY13" fmla="*/ 1865201 h 1979339"/>
+                <a:gd name="csX0" fmla="*/ 0 w 3678382"/>
+                <a:gd name="csY0" fmla="*/ 1943121 h 1979327"/>
+                <a:gd name="csX1" fmla="*/ 311727 w 3678382"/>
+                <a:gd name="csY1" fmla="*/ 1776866 h 1979327"/>
+                <a:gd name="csX2" fmla="*/ 368877 w 3678382"/>
+                <a:gd name="csY2" fmla="*/ 114321 h 1979327"/>
+                <a:gd name="csX3" fmla="*/ 472786 w 3678382"/>
+                <a:gd name="csY3" fmla="*/ 1698934 h 1979327"/>
+                <a:gd name="csX4" fmla="*/ 722168 w 3678382"/>
+                <a:gd name="csY4" fmla="*/ 1828821 h 1979327"/>
+                <a:gd name="csX5" fmla="*/ 779318 w 3678382"/>
+                <a:gd name="csY5" fmla="*/ 649453 h 1979327"/>
+                <a:gd name="csX6" fmla="*/ 852054 w 3678382"/>
+                <a:gd name="csY6" fmla="*/ 1750889 h 1979327"/>
+                <a:gd name="csX7" fmla="*/ 1620982 w 3678382"/>
+                <a:gd name="csY7" fmla="*/ 1719717 h 1979327"/>
+                <a:gd name="csX8" fmla="*/ 1771650 w 3678382"/>
+                <a:gd name="csY8" fmla="*/ 31193 h 1979327"/>
+                <a:gd name="csX9" fmla="*/ 1963882 w 3678382"/>
+                <a:gd name="csY9" fmla="*/ 1724912 h 1979327"/>
+                <a:gd name="csX10" fmla="*/ 2732809 w 3678382"/>
+                <a:gd name="csY10" fmla="*/ 1787257 h 1979327"/>
+                <a:gd name="csX11" fmla="*/ 2852304 w 3678382"/>
+                <a:gd name="csY11" fmla="*/ 21 h 1979327"/>
+                <a:gd name="csX12" fmla="*/ 3070514 w 3678382"/>
+                <a:gd name="csY12" fmla="*/ 1839212 h 1979327"/>
+                <a:gd name="csX13" fmla="*/ 3678382 w 3678382"/>
+                <a:gd name="csY13" fmla="*/ 1865189 h 1979327"/>
+                <a:gd name="csX0" fmla="*/ 0 w 3678382"/>
+                <a:gd name="csY0" fmla="*/ 1943121 h 1979327"/>
+                <a:gd name="csX1" fmla="*/ 311727 w 3678382"/>
+                <a:gd name="csY1" fmla="*/ 1776866 h 1979327"/>
+                <a:gd name="csX2" fmla="*/ 368877 w 3678382"/>
+                <a:gd name="csY2" fmla="*/ 114321 h 1979327"/>
+                <a:gd name="csX3" fmla="*/ 472786 w 3678382"/>
+                <a:gd name="csY3" fmla="*/ 1698934 h 1979327"/>
+                <a:gd name="csX4" fmla="*/ 722168 w 3678382"/>
+                <a:gd name="csY4" fmla="*/ 1828821 h 1979327"/>
+                <a:gd name="csX5" fmla="*/ 779318 w 3678382"/>
+                <a:gd name="csY5" fmla="*/ 649453 h 1979327"/>
+                <a:gd name="csX6" fmla="*/ 888422 w 3678382"/>
+                <a:gd name="csY6" fmla="*/ 1745693 h 1979327"/>
+                <a:gd name="csX7" fmla="*/ 1620982 w 3678382"/>
+                <a:gd name="csY7" fmla="*/ 1719717 h 1979327"/>
+                <a:gd name="csX8" fmla="*/ 1771650 w 3678382"/>
+                <a:gd name="csY8" fmla="*/ 31193 h 1979327"/>
+                <a:gd name="csX9" fmla="*/ 1963882 w 3678382"/>
+                <a:gd name="csY9" fmla="*/ 1724912 h 1979327"/>
+                <a:gd name="csX10" fmla="*/ 2732809 w 3678382"/>
+                <a:gd name="csY10" fmla="*/ 1787257 h 1979327"/>
+                <a:gd name="csX11" fmla="*/ 2852304 w 3678382"/>
+                <a:gd name="csY11" fmla="*/ 21 h 1979327"/>
+                <a:gd name="csX12" fmla="*/ 3070514 w 3678382"/>
+                <a:gd name="csY12" fmla="*/ 1839212 h 1979327"/>
+                <a:gd name="csX13" fmla="*/ 3678382 w 3678382"/>
+                <a:gd name="csY13" fmla="*/ 1865189 h 1979327"/>
+                <a:gd name="csX0" fmla="*/ 0 w 3678382"/>
+                <a:gd name="csY0" fmla="*/ 1943121 h 1979327"/>
+                <a:gd name="csX1" fmla="*/ 311727 w 3678382"/>
+                <a:gd name="csY1" fmla="*/ 1776866 h 1979327"/>
+                <a:gd name="csX2" fmla="*/ 368877 w 3678382"/>
+                <a:gd name="csY2" fmla="*/ 114321 h 1979327"/>
+                <a:gd name="csX3" fmla="*/ 472786 w 3678382"/>
+                <a:gd name="csY3" fmla="*/ 1698934 h 1979327"/>
+                <a:gd name="csX4" fmla="*/ 722168 w 3678382"/>
+                <a:gd name="csY4" fmla="*/ 1828821 h 1979327"/>
+                <a:gd name="csX5" fmla="*/ 779318 w 3678382"/>
+                <a:gd name="csY5" fmla="*/ 649453 h 1979327"/>
+                <a:gd name="csX6" fmla="*/ 888422 w 3678382"/>
+                <a:gd name="csY6" fmla="*/ 1745693 h 1979327"/>
+                <a:gd name="csX7" fmla="*/ 1620982 w 3678382"/>
+                <a:gd name="csY7" fmla="*/ 1719717 h 1979327"/>
+                <a:gd name="csX8" fmla="*/ 1771650 w 3678382"/>
+                <a:gd name="csY8" fmla="*/ 31193 h 1979327"/>
+                <a:gd name="csX9" fmla="*/ 1963882 w 3678382"/>
+                <a:gd name="csY9" fmla="*/ 1724912 h 1979327"/>
+                <a:gd name="csX10" fmla="*/ 2732809 w 3678382"/>
+                <a:gd name="csY10" fmla="*/ 1787257 h 1979327"/>
+                <a:gd name="csX11" fmla="*/ 2852304 w 3678382"/>
+                <a:gd name="csY11" fmla="*/ 21 h 1979327"/>
+                <a:gd name="csX12" fmla="*/ 3070514 w 3678382"/>
+                <a:gd name="csY12" fmla="*/ 1839212 h 1979327"/>
+                <a:gd name="csX13" fmla="*/ 3678382 w 3678382"/>
+                <a:gd name="csY13" fmla="*/ 1865189 h 1979327"/>
+                <a:gd name="csX0" fmla="*/ 0 w 3678382"/>
+                <a:gd name="csY0" fmla="*/ 1943121 h 1979327"/>
+                <a:gd name="csX1" fmla="*/ 311727 w 3678382"/>
+                <a:gd name="csY1" fmla="*/ 1776866 h 1979327"/>
+                <a:gd name="csX2" fmla="*/ 368877 w 3678382"/>
+                <a:gd name="csY2" fmla="*/ 114321 h 1979327"/>
+                <a:gd name="csX3" fmla="*/ 472786 w 3678382"/>
+                <a:gd name="csY3" fmla="*/ 1698934 h 1979327"/>
+                <a:gd name="csX4" fmla="*/ 722168 w 3678382"/>
+                <a:gd name="csY4" fmla="*/ 1828821 h 1979327"/>
+                <a:gd name="csX5" fmla="*/ 779318 w 3678382"/>
+                <a:gd name="csY5" fmla="*/ 649453 h 1979327"/>
+                <a:gd name="csX6" fmla="*/ 888422 w 3678382"/>
+                <a:gd name="csY6" fmla="*/ 1745693 h 1979327"/>
+                <a:gd name="csX7" fmla="*/ 1620982 w 3678382"/>
+                <a:gd name="csY7" fmla="*/ 1719717 h 1979327"/>
+                <a:gd name="csX8" fmla="*/ 1771650 w 3678382"/>
+                <a:gd name="csY8" fmla="*/ 31193 h 1979327"/>
+                <a:gd name="csX9" fmla="*/ 1963882 w 3678382"/>
+                <a:gd name="csY9" fmla="*/ 1724912 h 1979327"/>
+                <a:gd name="csX10" fmla="*/ 2732809 w 3678382"/>
+                <a:gd name="csY10" fmla="*/ 1787257 h 1979327"/>
+                <a:gd name="csX11" fmla="*/ 2852304 w 3678382"/>
+                <a:gd name="csY11" fmla="*/ 21 h 1979327"/>
+                <a:gd name="csX12" fmla="*/ 3070514 w 3678382"/>
+                <a:gd name="csY12" fmla="*/ 1839212 h 1979327"/>
+                <a:gd name="csX13" fmla="*/ 3678382 w 3678382"/>
+                <a:gd name="csY13" fmla="*/ 1865189 h 1979327"/>
+                <a:gd name="csX0" fmla="*/ 0 w 3678382"/>
+                <a:gd name="csY0" fmla="*/ 1943121 h 1979327"/>
+                <a:gd name="csX1" fmla="*/ 311727 w 3678382"/>
+                <a:gd name="csY1" fmla="*/ 1776866 h 1979327"/>
+                <a:gd name="csX2" fmla="*/ 368877 w 3678382"/>
+                <a:gd name="csY2" fmla="*/ 114321 h 1979327"/>
+                <a:gd name="csX3" fmla="*/ 472786 w 3678382"/>
+                <a:gd name="csY3" fmla="*/ 1698934 h 1979327"/>
+                <a:gd name="csX4" fmla="*/ 722168 w 3678382"/>
+                <a:gd name="csY4" fmla="*/ 1828821 h 1979327"/>
+                <a:gd name="csX5" fmla="*/ 779318 w 3678382"/>
+                <a:gd name="csY5" fmla="*/ 649453 h 1979327"/>
+                <a:gd name="csX6" fmla="*/ 888422 w 3678382"/>
+                <a:gd name="csY6" fmla="*/ 1745693 h 1979327"/>
+                <a:gd name="csX7" fmla="*/ 1620982 w 3678382"/>
+                <a:gd name="csY7" fmla="*/ 1719717 h 1979327"/>
+                <a:gd name="csX8" fmla="*/ 1771650 w 3678382"/>
+                <a:gd name="csY8" fmla="*/ 31193 h 1979327"/>
+                <a:gd name="csX9" fmla="*/ 1963882 w 3678382"/>
+                <a:gd name="csY9" fmla="*/ 1724912 h 1979327"/>
+                <a:gd name="csX10" fmla="*/ 2732809 w 3678382"/>
+                <a:gd name="csY10" fmla="*/ 1787257 h 1979327"/>
+                <a:gd name="csX11" fmla="*/ 2852304 w 3678382"/>
+                <a:gd name="csY11" fmla="*/ 21 h 1979327"/>
+                <a:gd name="csX12" fmla="*/ 3070514 w 3678382"/>
+                <a:gd name="csY12" fmla="*/ 1839212 h 1979327"/>
+                <a:gd name="csX13" fmla="*/ 3678382 w 3678382"/>
+                <a:gd name="csY13" fmla="*/ 1865189 h 1979327"/>
+                <a:gd name="csX0" fmla="*/ 0 w 3678382"/>
+                <a:gd name="csY0" fmla="*/ 1943121 h 1979327"/>
+                <a:gd name="csX1" fmla="*/ 311727 w 3678382"/>
+                <a:gd name="csY1" fmla="*/ 1776866 h 1979327"/>
+                <a:gd name="csX2" fmla="*/ 368877 w 3678382"/>
+                <a:gd name="csY2" fmla="*/ 114321 h 1979327"/>
+                <a:gd name="csX3" fmla="*/ 472786 w 3678382"/>
+                <a:gd name="csY3" fmla="*/ 1698934 h 1979327"/>
+                <a:gd name="csX4" fmla="*/ 722168 w 3678382"/>
+                <a:gd name="csY4" fmla="*/ 1828821 h 1979327"/>
+                <a:gd name="csX5" fmla="*/ 779318 w 3678382"/>
+                <a:gd name="csY5" fmla="*/ 649453 h 1979327"/>
+                <a:gd name="csX6" fmla="*/ 888422 w 3678382"/>
+                <a:gd name="csY6" fmla="*/ 1745693 h 1979327"/>
+                <a:gd name="csX7" fmla="*/ 1620982 w 3678382"/>
+                <a:gd name="csY7" fmla="*/ 1719717 h 1979327"/>
+                <a:gd name="csX8" fmla="*/ 1771650 w 3678382"/>
+                <a:gd name="csY8" fmla="*/ 31193 h 1979327"/>
+                <a:gd name="csX9" fmla="*/ 1963882 w 3678382"/>
+                <a:gd name="csY9" fmla="*/ 1724912 h 1979327"/>
+                <a:gd name="csX10" fmla="*/ 2732809 w 3678382"/>
+                <a:gd name="csY10" fmla="*/ 1787257 h 1979327"/>
+                <a:gd name="csX11" fmla="*/ 2852304 w 3678382"/>
+                <a:gd name="csY11" fmla="*/ 21 h 1979327"/>
+                <a:gd name="csX12" fmla="*/ 3070514 w 3678382"/>
+                <a:gd name="csY12" fmla="*/ 1839212 h 1979327"/>
+                <a:gd name="csX13" fmla="*/ 3678382 w 3678382"/>
+                <a:gd name="csY13" fmla="*/ 1865189 h 1979327"/>
+                <a:gd name="csX0" fmla="*/ 0 w 3678382"/>
+                <a:gd name="csY0" fmla="*/ 1943121 h 1979327"/>
+                <a:gd name="csX1" fmla="*/ 311727 w 3678382"/>
+                <a:gd name="csY1" fmla="*/ 1776866 h 1979327"/>
+                <a:gd name="csX2" fmla="*/ 368877 w 3678382"/>
+                <a:gd name="csY2" fmla="*/ 114321 h 1979327"/>
+                <a:gd name="csX3" fmla="*/ 472786 w 3678382"/>
+                <a:gd name="csY3" fmla="*/ 1698934 h 1979327"/>
+                <a:gd name="csX4" fmla="*/ 722168 w 3678382"/>
+                <a:gd name="csY4" fmla="*/ 1828821 h 1979327"/>
+                <a:gd name="csX5" fmla="*/ 779318 w 3678382"/>
+                <a:gd name="csY5" fmla="*/ 649453 h 1979327"/>
+                <a:gd name="csX6" fmla="*/ 888422 w 3678382"/>
+                <a:gd name="csY6" fmla="*/ 1745693 h 1979327"/>
+                <a:gd name="csX7" fmla="*/ 1620982 w 3678382"/>
+                <a:gd name="csY7" fmla="*/ 1719717 h 1979327"/>
+                <a:gd name="csX8" fmla="*/ 1771650 w 3678382"/>
+                <a:gd name="csY8" fmla="*/ 31193 h 1979327"/>
+                <a:gd name="csX9" fmla="*/ 1963882 w 3678382"/>
+                <a:gd name="csY9" fmla="*/ 1724912 h 1979327"/>
+                <a:gd name="csX10" fmla="*/ 2732809 w 3678382"/>
+                <a:gd name="csY10" fmla="*/ 1787257 h 1979327"/>
+                <a:gd name="csX11" fmla="*/ 2852304 w 3678382"/>
+                <a:gd name="csY11" fmla="*/ 21 h 1979327"/>
+                <a:gd name="csX12" fmla="*/ 3070514 w 3678382"/>
+                <a:gd name="csY12" fmla="*/ 1839212 h 1979327"/>
+                <a:gd name="csX13" fmla="*/ 3678382 w 3678382"/>
+                <a:gd name="csY13" fmla="*/ 1865189 h 1979327"/>
+                <a:gd name="csX0" fmla="*/ 0 w 3678382"/>
+                <a:gd name="csY0" fmla="*/ 1943121 h 1959302"/>
+                <a:gd name="csX1" fmla="*/ 311727 w 3678382"/>
+                <a:gd name="csY1" fmla="*/ 1776866 h 1959302"/>
+                <a:gd name="csX2" fmla="*/ 368877 w 3678382"/>
+                <a:gd name="csY2" fmla="*/ 114321 h 1959302"/>
+                <a:gd name="csX3" fmla="*/ 472786 w 3678382"/>
+                <a:gd name="csY3" fmla="*/ 1698934 h 1959302"/>
+                <a:gd name="csX4" fmla="*/ 722168 w 3678382"/>
+                <a:gd name="csY4" fmla="*/ 1828821 h 1959302"/>
+                <a:gd name="csX5" fmla="*/ 779318 w 3678382"/>
+                <a:gd name="csY5" fmla="*/ 649453 h 1959302"/>
+                <a:gd name="csX6" fmla="*/ 888422 w 3678382"/>
+                <a:gd name="csY6" fmla="*/ 1745693 h 1959302"/>
+                <a:gd name="csX7" fmla="*/ 1620982 w 3678382"/>
+                <a:gd name="csY7" fmla="*/ 1719717 h 1959302"/>
+                <a:gd name="csX8" fmla="*/ 1771650 w 3678382"/>
+                <a:gd name="csY8" fmla="*/ 31193 h 1959302"/>
+                <a:gd name="csX9" fmla="*/ 1963882 w 3678382"/>
+                <a:gd name="csY9" fmla="*/ 1724912 h 1959302"/>
+                <a:gd name="csX10" fmla="*/ 2732809 w 3678382"/>
+                <a:gd name="csY10" fmla="*/ 1787257 h 1959302"/>
+                <a:gd name="csX11" fmla="*/ 2852304 w 3678382"/>
+                <a:gd name="csY11" fmla="*/ 21 h 1959302"/>
+                <a:gd name="csX12" fmla="*/ 3070514 w 3678382"/>
+                <a:gd name="csY12" fmla="*/ 1839212 h 1959302"/>
+                <a:gd name="csX13" fmla="*/ 3678382 w 3678382"/>
+                <a:gd name="csY13" fmla="*/ 1865189 h 1959302"/>
+              </a:gdLst>
+              <a:ahLst/>
+              <a:cxnLst>
+                <a:cxn ang="0">
+                  <a:pos x="csX0" y="csY0"/>
+                </a:cxn>
+                <a:cxn ang="0">
+                  <a:pos x="csX1" y="csY1"/>
+                </a:cxn>
+                <a:cxn ang="0">
+                  <a:pos x="csX2" y="csY2"/>
+                </a:cxn>
+                <a:cxn ang="0">
+                  <a:pos x="csX3" y="csY3"/>
+                </a:cxn>
+                <a:cxn ang="0">
+                  <a:pos x="csX4" y="csY4"/>
+                </a:cxn>
+                <a:cxn ang="0">
+                  <a:pos x="csX5" y="csY5"/>
+                </a:cxn>
+                <a:cxn ang="0">
+                  <a:pos x="csX6" y="csY6"/>
+                </a:cxn>
+                <a:cxn ang="0">
+                  <a:pos x="csX7" y="csY7"/>
+                </a:cxn>
+                <a:cxn ang="0">
+                  <a:pos x="csX8" y="csY8"/>
+                </a:cxn>
+                <a:cxn ang="0">
+                  <a:pos x="csX9" y="csY9"/>
+                </a:cxn>
+                <a:cxn ang="0">
+                  <a:pos x="csX10" y="csY10"/>
+                </a:cxn>
+                <a:cxn ang="0">
+                  <a:pos x="csX11" y="csY11"/>
+                </a:cxn>
+                <a:cxn ang="0">
+                  <a:pos x="csX12" y="csY12"/>
+                </a:cxn>
+                <a:cxn ang="0">
+                  <a:pos x="csX13" y="csY13"/>
+                </a:cxn>
+              </a:cxnLst>
+              <a:rect l="l" t="t" r="r" b="b"/>
+              <a:pathLst>
+                <a:path w="3678382" h="1959302">
+                  <a:moveTo>
+                    <a:pt x="0" y="1943121"/>
+                  </a:moveTo>
+                  <a:cubicBezTo>
+                    <a:pt x="171883" y="1955243"/>
+                    <a:pt x="297006" y="1951779"/>
+                    <a:pt x="311727" y="1776866"/>
+                  </a:cubicBezTo>
+                  <a:cubicBezTo>
+                    <a:pt x="337804" y="1467023"/>
+                    <a:pt x="238125" y="85746"/>
+                    <a:pt x="368877" y="114321"/>
+                  </a:cubicBezTo>
+                  <a:cubicBezTo>
+                    <a:pt x="499629" y="142896"/>
+                    <a:pt x="413904" y="1413184"/>
+                    <a:pt x="472786" y="1698934"/>
+                  </a:cubicBezTo>
+                  <a:cubicBezTo>
+                    <a:pt x="531668" y="1984684"/>
+                    <a:pt x="671079" y="2003734"/>
+                    <a:pt x="722168" y="1828821"/>
+                  </a:cubicBezTo>
+                  <a:cubicBezTo>
+                    <a:pt x="773257" y="1653908"/>
+                    <a:pt x="748347" y="648733"/>
+                    <a:pt x="779318" y="649453"/>
+                  </a:cubicBezTo>
+                  <a:cubicBezTo>
+                    <a:pt x="853786" y="651184"/>
+                    <a:pt x="800100" y="1614075"/>
+                    <a:pt x="888422" y="1745693"/>
+                  </a:cubicBezTo>
+                  <a:cubicBezTo>
+                    <a:pt x="976744" y="1877311"/>
+                    <a:pt x="1473777" y="2005467"/>
+                    <a:pt x="1620982" y="1719717"/>
+                  </a:cubicBezTo>
+                  <a:cubicBezTo>
+                    <a:pt x="1768187" y="1433967"/>
+                    <a:pt x="1652155" y="19936"/>
+                    <a:pt x="1771650" y="31193"/>
+                  </a:cubicBezTo>
+                  <a:cubicBezTo>
+                    <a:pt x="1891145" y="42450"/>
+                    <a:pt x="1814080" y="1624467"/>
+                    <a:pt x="1963882" y="1724912"/>
+                  </a:cubicBezTo>
+                  <a:cubicBezTo>
+                    <a:pt x="2199464" y="1882874"/>
+                    <a:pt x="2582946" y="1907652"/>
+                    <a:pt x="2732809" y="1787257"/>
+                  </a:cubicBezTo>
+                  <a:cubicBezTo>
+                    <a:pt x="2839962" y="1701174"/>
+                    <a:pt x="2754456" y="6949"/>
+                    <a:pt x="2852304" y="21"/>
+                  </a:cubicBezTo>
+                  <a:cubicBezTo>
+                    <a:pt x="2950152" y="-6907"/>
+                    <a:pt x="2938030" y="1762146"/>
+                    <a:pt x="3070514" y="1839212"/>
+                  </a:cubicBezTo>
+                  <a:cubicBezTo>
+                    <a:pt x="3202998" y="1916278"/>
+                    <a:pt x="3388735" y="2051792"/>
+                    <a:pt x="3678382" y="1865189"/>
+                  </a:cubicBezTo>
+                </a:path>
+              </a:pathLst>
+            </a:custGeom>
+            <a:noFill/>
+            <a:ln w="12700">
+              <a:solidFill>
+                <a:srgbClr val="0070C0"/>
+              </a:solidFill>
+              <a:prstDash val="dash"/>
+            </a:ln>
+          </p:spPr>
+          <p:style>
+            <a:lnRef idx="2">
+              <a:schemeClr val="accent1">
+                <a:shade val="15000"/>
+              </a:schemeClr>
+            </a:lnRef>
+            <a:fillRef idx="1">
+              <a:schemeClr val="accent1"/>
+            </a:fillRef>
+            <a:effectRef idx="0">
+              <a:schemeClr val="accent1"/>
+            </a:effectRef>
+            <a:fontRef idx="minor">
+              <a:schemeClr val="lt1"/>
+            </a:fontRef>
+          </p:style>
+          <p:txBody>
+            <a:bodyPr rtlCol="0" anchor="ctr"/>
+            <a:lstStyle/>
+            <a:p>
+              <a:pPr algn="ctr"/>
+              <a:endParaRPr lang="en-US" sz="1400" dirty="0"/>
+            </a:p>
+          </p:txBody>
+        </p:sp>
+        <p:cxnSp>
+          <p:nvCxnSpPr>
+            <p:cNvPr id="53" name="Straight Arrow Connector 52">
+              <a:extLst>
+                <a:ext uri="{FF2B5EF4-FFF2-40B4-BE49-F238E27FC236}">
+                  <a16:creationId xmlns:a16="http://schemas.microsoft.com/office/drawing/2014/main" id="{41920E2E-259E-795F-CE7C-27B790DFBB62}"/>
+                </a:ext>
+              </a:extLst>
+            </p:cNvPr>
+            <p:cNvCxnSpPr/>
+            <p:nvPr/>
+          </p:nvCxnSpPr>
+          <p:spPr>
+            <a:xfrm flipV="1">
+              <a:off x="561108" y="3698785"/>
+              <a:ext cx="0" cy="2171700"/>
+            </a:xfrm>
+            <a:prstGeom prst="straightConnector1">
+              <a:avLst/>
+            </a:prstGeom>
+            <a:ln>
+              <a:solidFill>
+                <a:schemeClr val="tx1"/>
+              </a:solidFill>
+              <a:tailEnd type="triangle"/>
+            </a:ln>
+          </p:spPr>
+          <p:style>
+            <a:lnRef idx="2">
+              <a:schemeClr val="accent1"/>
+            </a:lnRef>
+            <a:fillRef idx="0">
+              <a:schemeClr val="accent1"/>
+            </a:fillRef>
+            <a:effectRef idx="1">
+              <a:schemeClr val="accent1"/>
+            </a:effectRef>
+            <a:fontRef idx="minor">
+              <a:schemeClr val="tx1"/>
+            </a:fontRef>
+          </p:style>
+        </p:cxnSp>
+        <p:cxnSp>
+          <p:nvCxnSpPr>
+            <p:cNvPr id="55" name="Straight Connector 54">
+              <a:extLst>
+                <a:ext uri="{FF2B5EF4-FFF2-40B4-BE49-F238E27FC236}">
+                  <a16:creationId xmlns:a16="http://schemas.microsoft.com/office/drawing/2014/main" id="{B1C63FF2-F768-CE9A-4FB1-D75B1A012E4E}"/>
+                </a:ext>
+              </a:extLst>
+            </p:cNvPr>
+            <p:cNvCxnSpPr/>
+            <p:nvPr/>
+          </p:nvCxnSpPr>
+          <p:spPr>
+            <a:xfrm>
+              <a:off x="545719" y="5870485"/>
+              <a:ext cx="3704162" cy="0"/>
+            </a:xfrm>
+            <a:prstGeom prst="line">
+              <a:avLst/>
+            </a:prstGeom>
+            <a:ln>
+              <a:solidFill>
+                <a:schemeClr val="tx1"/>
+              </a:solidFill>
+            </a:ln>
+          </p:spPr>
+          <p:style>
+            <a:lnRef idx="2">
+              <a:schemeClr val="accent1"/>
+            </a:lnRef>
+            <a:fillRef idx="0">
+              <a:schemeClr val="accent1"/>
+            </a:fillRef>
+            <a:effectRef idx="1">
+              <a:schemeClr val="accent1"/>
+            </a:effectRef>
+            <a:fontRef idx="minor">
+              <a:schemeClr val="tx1"/>
+            </a:fontRef>
+          </p:style>
+        </p:cxnSp>
+        <p:cxnSp>
+          <p:nvCxnSpPr>
+            <p:cNvPr id="59" name="Straight Connector 58">
+              <a:extLst>
+                <a:ext uri="{FF2B5EF4-FFF2-40B4-BE49-F238E27FC236}">
+                  <a16:creationId xmlns:a16="http://schemas.microsoft.com/office/drawing/2014/main" id="{FD7C5921-DFDA-47AA-9549-D4A615CD17F6}"/>
+                </a:ext>
+              </a:extLst>
+            </p:cNvPr>
+            <p:cNvCxnSpPr>
+              <a:cxnSpLocks/>
+            </p:cNvCxnSpPr>
+            <p:nvPr/>
+          </p:nvCxnSpPr>
+          <p:spPr>
+            <a:xfrm>
+              <a:off x="1756063" y="5802944"/>
+              <a:ext cx="0" cy="124691"/>
+            </a:xfrm>
+            <a:prstGeom prst="line">
+              <a:avLst/>
+            </a:prstGeom>
+            <a:ln>
+              <a:solidFill>
+                <a:schemeClr val="tx1"/>
+              </a:solidFill>
+            </a:ln>
+          </p:spPr>
+          <p:style>
+            <a:lnRef idx="2">
+              <a:schemeClr val="accent1"/>
+            </a:lnRef>
+            <a:fillRef idx="0">
+              <a:schemeClr val="accent1"/>
+            </a:fillRef>
+            <a:effectRef idx="1">
+              <a:schemeClr val="accent1"/>
+            </a:effectRef>
+            <a:fontRef idx="minor">
+              <a:schemeClr val="tx1"/>
+            </a:fontRef>
+          </p:style>
+        </p:cxnSp>
+        <p:cxnSp>
+          <p:nvCxnSpPr>
+            <p:cNvPr id="60" name="Straight Connector 59">
+              <a:extLst>
+                <a:ext uri="{FF2B5EF4-FFF2-40B4-BE49-F238E27FC236}">
+                  <a16:creationId xmlns:a16="http://schemas.microsoft.com/office/drawing/2014/main" id="{889A05B7-16AE-D306-18ED-3427EB083C88}"/>
+                </a:ext>
+              </a:extLst>
+            </p:cNvPr>
+            <p:cNvCxnSpPr>
+              <a:cxnSpLocks/>
+            </p:cNvCxnSpPr>
+            <p:nvPr/>
+          </p:nvCxnSpPr>
+          <p:spPr>
+            <a:xfrm>
+              <a:off x="3060122" y="5802944"/>
+              <a:ext cx="0" cy="124691"/>
+            </a:xfrm>
+            <a:prstGeom prst="line">
+              <a:avLst/>
+            </a:prstGeom>
+            <a:ln>
+              <a:solidFill>
+                <a:schemeClr val="tx1"/>
+              </a:solidFill>
+            </a:ln>
+          </p:spPr>
+          <p:style>
+            <a:lnRef idx="2">
+              <a:schemeClr val="accent1"/>
+            </a:lnRef>
+            <a:fillRef idx="0">
+              <a:schemeClr val="accent1"/>
+            </a:fillRef>
+            <a:effectRef idx="1">
+              <a:schemeClr val="accent1"/>
+            </a:effectRef>
+            <a:fontRef idx="minor">
+              <a:schemeClr val="tx1"/>
+            </a:fontRef>
+          </p:style>
+        </p:cxnSp>
+        <p:cxnSp>
+          <p:nvCxnSpPr>
+            <p:cNvPr id="61" name="Straight Connector 60">
+              <a:extLst>
+                <a:ext uri="{FF2B5EF4-FFF2-40B4-BE49-F238E27FC236}">
+                  <a16:creationId xmlns:a16="http://schemas.microsoft.com/office/drawing/2014/main" id="{744F9605-6B2B-E7DE-04ED-3C1B76DA82E7}"/>
+                </a:ext>
+              </a:extLst>
+            </p:cNvPr>
+            <p:cNvCxnSpPr>
+              <a:cxnSpLocks/>
+            </p:cNvCxnSpPr>
+            <p:nvPr/>
+          </p:nvCxnSpPr>
+          <p:spPr>
+            <a:xfrm>
+              <a:off x="4249881" y="5802944"/>
+              <a:ext cx="0" cy="124691"/>
+            </a:xfrm>
+            <a:prstGeom prst="line">
+              <a:avLst/>
+            </a:prstGeom>
+            <a:ln>
+              <a:solidFill>
+                <a:schemeClr val="tx1"/>
+              </a:solidFill>
+            </a:ln>
+          </p:spPr>
+          <p:style>
+            <a:lnRef idx="2">
+              <a:schemeClr val="accent1"/>
+            </a:lnRef>
+            <a:fillRef idx="0">
+              <a:schemeClr val="accent1"/>
+            </a:fillRef>
+            <a:effectRef idx="1">
+              <a:schemeClr val="accent1"/>
+            </a:effectRef>
+            <a:fontRef idx="minor">
+              <a:schemeClr val="tx1"/>
+            </a:fontRef>
+          </p:style>
+        </p:cxnSp>
+        <p:sp>
+          <p:nvSpPr>
+            <p:cNvPr id="63" name="TextBox 62">
+              <a:extLst>
+                <a:ext uri="{FF2B5EF4-FFF2-40B4-BE49-F238E27FC236}">
+                  <a16:creationId xmlns:a16="http://schemas.microsoft.com/office/drawing/2014/main" id="{ABCC398E-95FA-4630-D529-47084AB872BF}"/>
+                </a:ext>
+              </a:extLst>
+            </p:cNvPr>
+            <p:cNvSpPr txBox="1"/>
+            <p:nvPr/>
+          </p:nvSpPr>
+          <p:spPr>
+            <a:xfrm>
+              <a:off x="3432554" y="3453728"/>
+              <a:ext cx="1312081" cy="312225"/>
+            </a:xfrm>
+            <a:prstGeom prst="rect">
+              <a:avLst/>
+            </a:prstGeom>
+            <a:noFill/>
+          </p:spPr>
+          <p:txBody>
+            <a:bodyPr wrap="square" rtlCol="0">
+              <a:spAutoFit/>
+            </a:bodyPr>
+            <a:lstStyle/>
+            <a:p>
+              <a:pPr algn="ctr"/>
+              <a:r>
+                <a:rPr lang="en-US" sz="1100" dirty="0">
+                  <a:solidFill>
+                    <a:srgbClr val="FF0000"/>
+                  </a:solidFill>
+                  <a:latin typeface="Times New Roman" panose="02020603050405020304" pitchFamily="18" charset="0"/>
+                  <a:cs typeface="Times New Roman" panose="02020603050405020304" pitchFamily="18" charset="0"/>
+                </a:rPr>
+                <a:t>B</a:t>
+              </a:r>
+            </a:p>
+          </p:txBody>
+        </p:sp>
+        <p:cxnSp>
+          <p:nvCxnSpPr>
+            <p:cNvPr id="64" name="Straight Connector 63">
+              <a:extLst>
+                <a:ext uri="{FF2B5EF4-FFF2-40B4-BE49-F238E27FC236}">
+                  <a16:creationId xmlns:a16="http://schemas.microsoft.com/office/drawing/2014/main" id="{19B7B513-BB63-560D-8F06-0183CF04388F}"/>
+                </a:ext>
+              </a:extLst>
+            </p:cNvPr>
+            <p:cNvCxnSpPr/>
+            <p:nvPr/>
+          </p:nvCxnSpPr>
+          <p:spPr>
+            <a:xfrm>
+              <a:off x="576982" y="4280675"/>
+              <a:ext cx="3662793" cy="0"/>
+            </a:xfrm>
+            <a:prstGeom prst="line">
+              <a:avLst/>
+            </a:prstGeom>
+            <a:noFill/>
+            <a:ln w="12700">
+              <a:solidFill>
+                <a:srgbClr val="00B050"/>
+              </a:solidFill>
+              <a:prstDash val="dash"/>
+            </a:ln>
+          </p:spPr>
+          <p:style>
+            <a:lnRef idx="2">
+              <a:schemeClr val="accent1">
+                <a:shade val="15000"/>
+              </a:schemeClr>
+            </a:lnRef>
+            <a:fillRef idx="1">
+              <a:schemeClr val="accent1"/>
+            </a:fillRef>
+            <a:effectRef idx="0">
+              <a:schemeClr val="accent1"/>
+            </a:effectRef>
+            <a:fontRef idx="minor">
+              <a:schemeClr val="lt1"/>
+            </a:fontRef>
+          </p:style>
+        </p:cxnSp>
+        <p:sp>
+          <p:nvSpPr>
+            <p:cNvPr id="65" name="TextBox 64">
+              <a:extLst>
+                <a:ext uri="{FF2B5EF4-FFF2-40B4-BE49-F238E27FC236}">
+                  <a16:creationId xmlns:a16="http://schemas.microsoft.com/office/drawing/2014/main" id="{E26F9689-CFAF-A406-EF2A-B11FD3663DBB}"/>
+                </a:ext>
+              </a:extLst>
+            </p:cNvPr>
+            <p:cNvSpPr txBox="1"/>
+            <p:nvPr/>
+          </p:nvSpPr>
+          <p:spPr>
+            <a:xfrm>
+              <a:off x="3432554" y="4267295"/>
+              <a:ext cx="1312081" cy="312225"/>
+            </a:xfrm>
+            <a:prstGeom prst="rect">
+              <a:avLst/>
+            </a:prstGeom>
+            <a:noFill/>
+          </p:spPr>
+          <p:txBody>
+            <a:bodyPr wrap="square" rtlCol="0">
+              <a:spAutoFit/>
+            </a:bodyPr>
+            <a:lstStyle/>
+            <a:p>
+              <a:pPr algn="ctr"/>
+              <a:r>
+                <a:rPr lang="en-US" sz="1100" dirty="0">
+                  <a:solidFill>
+                    <a:srgbClr val="00B050"/>
+                  </a:solidFill>
+                  <a:latin typeface="Times New Roman" panose="02020603050405020304" pitchFamily="18" charset="0"/>
+                  <a:cs typeface="Times New Roman" panose="02020603050405020304" pitchFamily="18" charset="0"/>
+                </a:rPr>
+                <a:t>A</a:t>
+              </a:r>
+            </a:p>
+          </p:txBody>
+        </p:sp>
+        <p:sp>
+          <p:nvSpPr>
+            <p:cNvPr id="66" name="TextBox 65">
+              <a:extLst>
+                <a:ext uri="{FF2B5EF4-FFF2-40B4-BE49-F238E27FC236}">
+                  <a16:creationId xmlns:a16="http://schemas.microsoft.com/office/drawing/2014/main" id="{5FB05498-6E8D-FCA4-E46E-3B5664D5C07C}"/>
+                </a:ext>
+              </a:extLst>
+            </p:cNvPr>
+            <p:cNvSpPr txBox="1"/>
+            <p:nvPr/>
+          </p:nvSpPr>
+          <p:spPr>
+            <a:xfrm>
+              <a:off x="3432554" y="5472742"/>
+              <a:ext cx="1312081" cy="312225"/>
+            </a:xfrm>
+            <a:prstGeom prst="rect">
+              <a:avLst/>
+            </a:prstGeom>
+            <a:noFill/>
+          </p:spPr>
+          <p:txBody>
+            <a:bodyPr wrap="square" rtlCol="0">
+              <a:spAutoFit/>
+            </a:bodyPr>
+            <a:lstStyle/>
+            <a:p>
+              <a:pPr algn="ctr"/>
+              <a:r>
+                <a:rPr lang="en-US" sz="1100" dirty="0">
+                  <a:solidFill>
+                    <a:srgbClr val="0070C0"/>
+                  </a:solidFill>
+                  <a:latin typeface="Times New Roman" panose="02020603050405020304" pitchFamily="18" charset="0"/>
+                  <a:cs typeface="Times New Roman" panose="02020603050405020304" pitchFamily="18" charset="0"/>
+                </a:rPr>
+                <a:t>C</a:t>
+              </a:r>
+            </a:p>
+          </p:txBody>
+        </p:sp>
+        <p:sp>
+          <p:nvSpPr>
+            <p:cNvPr id="80" name="Oval 79">
+              <a:extLst>
+                <a:ext uri="{FF2B5EF4-FFF2-40B4-BE49-F238E27FC236}">
+                  <a16:creationId xmlns:a16="http://schemas.microsoft.com/office/drawing/2014/main" id="{F79FA9F6-F7B9-4F8F-1515-1B5981B14B6E}"/>
+                </a:ext>
+              </a:extLst>
+            </p:cNvPr>
+            <p:cNvSpPr/>
+            <p:nvPr/>
+          </p:nvSpPr>
+          <p:spPr>
+            <a:xfrm>
+              <a:off x="3244333" y="5821460"/>
+              <a:ext cx="124690" cy="124690"/>
+            </a:xfrm>
+            <a:prstGeom prst="ellipse">
+              <a:avLst/>
+            </a:prstGeom>
+          </p:spPr>
+          <p:style>
+            <a:lnRef idx="2">
+              <a:schemeClr val="dk1">
+                <a:shade val="15000"/>
+              </a:schemeClr>
+            </a:lnRef>
+            <a:fillRef idx="1">
+              <a:schemeClr val="dk1"/>
+            </a:fillRef>
+            <a:effectRef idx="0">
+              <a:schemeClr val="dk1"/>
+            </a:effectRef>
+            <a:fontRef idx="minor">
+              <a:schemeClr val="lt1"/>
+            </a:fontRef>
+          </p:style>
+          <p:txBody>
+            <a:bodyPr rtlCol="0" anchor="ctr"/>
+            <a:lstStyle/>
+            <a:p>
+              <a:pPr algn="ctr"/>
+              <a:endParaRPr lang="en-US" sz="1400"/>
+            </a:p>
+          </p:txBody>
+        </p:sp>
+        <p:sp>
+          <p:nvSpPr>
+            <p:cNvPr id="81" name="Oval 80">
+              <a:extLst>
+                <a:ext uri="{FF2B5EF4-FFF2-40B4-BE49-F238E27FC236}">
+                  <a16:creationId xmlns:a16="http://schemas.microsoft.com/office/drawing/2014/main" id="{D7616EE1-A66A-473F-ED5D-438E4C31639E}"/>
+                </a:ext>
+              </a:extLst>
+            </p:cNvPr>
+            <p:cNvSpPr/>
+            <p:nvPr/>
+          </p:nvSpPr>
+          <p:spPr>
+            <a:xfrm>
+              <a:off x="3448598" y="5821460"/>
+              <a:ext cx="124690" cy="124690"/>
+            </a:xfrm>
+            <a:prstGeom prst="ellipse">
+              <a:avLst/>
+            </a:prstGeom>
+          </p:spPr>
+          <p:style>
+            <a:lnRef idx="2">
+              <a:schemeClr val="dk1">
+                <a:shade val="15000"/>
+              </a:schemeClr>
+            </a:lnRef>
+            <a:fillRef idx="1">
+              <a:schemeClr val="dk1"/>
+            </a:fillRef>
+            <a:effectRef idx="0">
+              <a:schemeClr val="dk1"/>
+            </a:effectRef>
+            <a:fontRef idx="minor">
+              <a:schemeClr val="lt1"/>
+            </a:fontRef>
+          </p:style>
+          <p:txBody>
+            <a:bodyPr rtlCol="0" anchor="ctr"/>
+            <a:lstStyle/>
+            <a:p>
+              <a:pPr algn="ctr"/>
+              <a:endParaRPr lang="en-US" sz="1400"/>
+            </a:p>
+          </p:txBody>
+        </p:sp>
+        <p:sp>
+          <p:nvSpPr>
+            <p:cNvPr id="82" name="Oval 81">
+              <a:extLst>
+                <a:ext uri="{FF2B5EF4-FFF2-40B4-BE49-F238E27FC236}">
+                  <a16:creationId xmlns:a16="http://schemas.microsoft.com/office/drawing/2014/main" id="{14DEBF5A-D0A0-9DDE-21FF-50061D9856F8}"/>
+                </a:ext>
+              </a:extLst>
+            </p:cNvPr>
+            <p:cNvSpPr/>
+            <p:nvPr/>
+          </p:nvSpPr>
+          <p:spPr>
+            <a:xfrm>
+              <a:off x="3644801" y="5821460"/>
+              <a:ext cx="124690" cy="124690"/>
+            </a:xfrm>
+            <a:prstGeom prst="ellipse">
+              <a:avLst/>
+            </a:prstGeom>
+          </p:spPr>
+          <p:style>
+            <a:lnRef idx="2">
+              <a:schemeClr val="dk1">
+                <a:shade val="15000"/>
+              </a:schemeClr>
+            </a:lnRef>
+            <a:fillRef idx="1">
+              <a:schemeClr val="dk1"/>
+            </a:fillRef>
+            <a:effectRef idx="0">
+              <a:schemeClr val="dk1"/>
+            </a:effectRef>
+            <a:fontRef idx="minor">
+              <a:schemeClr val="lt1"/>
+            </a:fontRef>
+          </p:style>
+          <p:txBody>
+            <a:bodyPr rtlCol="0" anchor="ctr"/>
+            <a:lstStyle/>
+            <a:p>
+              <a:pPr algn="ctr"/>
+              <a:endParaRPr lang="en-US" sz="1400"/>
+            </a:p>
+          </p:txBody>
+        </p:sp>
+        <p:sp>
+          <p:nvSpPr>
+            <p:cNvPr id="83" name="Oval 82">
+              <a:extLst>
+                <a:ext uri="{FF2B5EF4-FFF2-40B4-BE49-F238E27FC236}">
+                  <a16:creationId xmlns:a16="http://schemas.microsoft.com/office/drawing/2014/main" id="{D65D1964-5ABF-E6B7-62AF-FBEFC7E5F42A}"/>
+                </a:ext>
+              </a:extLst>
+            </p:cNvPr>
+            <p:cNvSpPr/>
+            <p:nvPr/>
+          </p:nvSpPr>
+          <p:spPr>
+            <a:xfrm>
+              <a:off x="3855073" y="5821460"/>
+              <a:ext cx="124690" cy="124690"/>
+            </a:xfrm>
+            <a:prstGeom prst="ellipse">
+              <a:avLst/>
+            </a:prstGeom>
+          </p:spPr>
+          <p:style>
+            <a:lnRef idx="2">
+              <a:schemeClr val="dk1">
+                <a:shade val="15000"/>
+              </a:schemeClr>
+            </a:lnRef>
+            <a:fillRef idx="1">
+              <a:schemeClr val="dk1"/>
+            </a:fillRef>
+            <a:effectRef idx="0">
+              <a:schemeClr val="dk1"/>
+            </a:effectRef>
+            <a:fontRef idx="minor">
+              <a:schemeClr val="lt1"/>
+            </a:fontRef>
+          </p:style>
+          <p:txBody>
+            <a:bodyPr rtlCol="0" anchor="ctr"/>
+            <a:lstStyle/>
+            <a:p>
+              <a:pPr algn="ctr"/>
+              <a:endParaRPr lang="en-US" sz="1400"/>
+            </a:p>
+          </p:txBody>
+        </p:sp>
+        <p:sp>
+          <p:nvSpPr>
+            <p:cNvPr id="84" name="Oval 83">
+              <a:extLst>
+                <a:ext uri="{FF2B5EF4-FFF2-40B4-BE49-F238E27FC236}">
+                  <a16:creationId xmlns:a16="http://schemas.microsoft.com/office/drawing/2014/main" id="{CB3A851C-729E-FA38-4325-71C2C5557954}"/>
+                </a:ext>
+              </a:extLst>
+            </p:cNvPr>
+            <p:cNvSpPr/>
+            <p:nvPr/>
+          </p:nvSpPr>
+          <p:spPr>
+            <a:xfrm>
+              <a:off x="4059338" y="5821460"/>
+              <a:ext cx="124690" cy="124690"/>
+            </a:xfrm>
+            <a:prstGeom prst="ellipse">
+              <a:avLst/>
+            </a:prstGeom>
+          </p:spPr>
+          <p:style>
+            <a:lnRef idx="2">
+              <a:schemeClr val="dk1">
+                <a:shade val="15000"/>
+              </a:schemeClr>
+            </a:lnRef>
+            <a:fillRef idx="1">
+              <a:schemeClr val="dk1"/>
+            </a:fillRef>
+            <a:effectRef idx="0">
+              <a:schemeClr val="dk1"/>
+            </a:effectRef>
+            <a:fontRef idx="minor">
+              <a:schemeClr val="lt1"/>
+            </a:fontRef>
+          </p:style>
+          <p:txBody>
+            <a:bodyPr rtlCol="0" anchor="ctr"/>
+            <a:lstStyle/>
+            <a:p>
+              <a:pPr algn="ctr"/>
+              <a:endParaRPr lang="en-US" sz="1400"/>
+            </a:p>
+          </p:txBody>
+        </p:sp>
+        <p:sp>
+          <p:nvSpPr>
+            <p:cNvPr id="85" name="TextBox 84">
+              <a:extLst>
+                <a:ext uri="{FF2B5EF4-FFF2-40B4-BE49-F238E27FC236}">
+                  <a16:creationId xmlns:a16="http://schemas.microsoft.com/office/drawing/2014/main" id="{80929DBF-1568-7CF8-CEFF-D2402ABCAD9C}"/>
+                </a:ext>
+              </a:extLst>
+            </p:cNvPr>
+            <p:cNvSpPr txBox="1"/>
+            <p:nvPr/>
+          </p:nvSpPr>
+          <p:spPr>
+            <a:xfrm>
+              <a:off x="1293037" y="3410391"/>
+              <a:ext cx="2209525" cy="276999"/>
+            </a:xfrm>
+            <a:prstGeom prst="rect">
+              <a:avLst/>
+            </a:prstGeom>
+            <a:noFill/>
+          </p:spPr>
+          <p:txBody>
+            <a:bodyPr wrap="square" rtlCol="0">
+              <a:spAutoFit/>
+            </a:bodyPr>
+            <a:lstStyle/>
+            <a:p>
+              <a:pPr algn="ctr"/>
+              <a:r>
+                <a:rPr lang="en-US" sz="1200" b="1" dirty="0">
+                  <a:latin typeface="Times New Roman" panose="02020603050405020304" pitchFamily="18" charset="0"/>
+                  <a:cs typeface="Times New Roman" panose="02020603050405020304" pitchFamily="18" charset="0"/>
+                </a:rPr>
+                <a:t>Narrow domain</a:t>
+              </a:r>
+            </a:p>
+          </p:txBody>
+        </p:sp>
+        <p:sp>
+          <p:nvSpPr>
+            <p:cNvPr id="120" name="TextBox 119">
+              <a:extLst>
+                <a:ext uri="{FF2B5EF4-FFF2-40B4-BE49-F238E27FC236}">
+                  <a16:creationId xmlns:a16="http://schemas.microsoft.com/office/drawing/2014/main" id="{1803694D-173A-725F-21A0-DA872DB928E7}"/>
+                </a:ext>
+              </a:extLst>
+            </p:cNvPr>
+            <p:cNvSpPr txBox="1"/>
+            <p:nvPr/>
+          </p:nvSpPr>
+          <p:spPr>
+            <a:xfrm>
+              <a:off x="3627652" y="3395735"/>
+              <a:ext cx="426356" cy="338554"/>
+            </a:xfrm>
+            <a:prstGeom prst="rect">
+              <a:avLst/>
+            </a:prstGeom>
+            <a:noFill/>
+          </p:spPr>
+          <p:txBody>
+            <a:bodyPr wrap="square" rtlCol="0">
+              <a:spAutoFit/>
+            </a:bodyPr>
+            <a:lstStyle/>
+            <a:p>
+              <a:pPr algn="ctr"/>
+              <a:r>
+                <a:rPr lang="en-US" sz="1600" dirty="0">
+                  <a:latin typeface="Times New Roman" panose="02020603050405020304" pitchFamily="18" charset="0"/>
+                  <a:cs typeface="Times New Roman" panose="02020603050405020304" pitchFamily="18" charset="0"/>
+                </a:rPr>
+                <a:t>✔</a:t>
+              </a:r>
+              <a:endParaRPr lang="en-US" sz="1600" dirty="0">
+                <a:solidFill>
+                  <a:srgbClr val="00B050"/>
+                </a:solidFill>
+                <a:latin typeface="Times New Roman" panose="02020603050405020304" pitchFamily="18" charset="0"/>
+                <a:cs typeface="Times New Roman" panose="02020603050405020304" pitchFamily="18" charset="0"/>
+              </a:endParaRPr>
+            </a:p>
+          </p:txBody>
+        </p:sp>
+        <p:sp>
+          <p:nvSpPr>
+            <p:cNvPr id="62" name="Freeform: Shape 61">
+              <a:extLst>
+                <a:ext uri="{FF2B5EF4-FFF2-40B4-BE49-F238E27FC236}">
+                  <a16:creationId xmlns:a16="http://schemas.microsoft.com/office/drawing/2014/main" id="{70083B0B-0A1D-E9CA-23B8-5AF9E1EE56D3}"/>
+                </a:ext>
+              </a:extLst>
+            </p:cNvPr>
+            <p:cNvSpPr/>
+            <p:nvPr/>
+          </p:nvSpPr>
+          <p:spPr>
+            <a:xfrm>
+              <a:off x="576982" y="3796574"/>
+              <a:ext cx="3636818" cy="1684251"/>
+            </a:xfrm>
+            <a:custGeom>
+              <a:avLst/>
+              <a:gdLst>
+                <a:gd name="csX0" fmla="*/ 0 w 3636818"/>
+                <a:gd name="csY0" fmla="*/ 1675981 h 1675981"/>
+                <a:gd name="csX1" fmla="*/ 1137804 w 3636818"/>
+                <a:gd name="csY1" fmla="*/ 1514922 h 1675981"/>
+                <a:gd name="csX2" fmla="*/ 1413163 w 3636818"/>
+                <a:gd name="csY2" fmla="*/ 761581 h 1675981"/>
+                <a:gd name="csX3" fmla="*/ 2436668 w 3636818"/>
+                <a:gd name="csY3" fmla="*/ 673258 h 1675981"/>
+                <a:gd name="csX4" fmla="*/ 3091295 w 3636818"/>
+                <a:gd name="csY4" fmla="*/ 101758 h 1675981"/>
+                <a:gd name="csX5" fmla="*/ 3636818 w 3636818"/>
+                <a:gd name="csY5" fmla="*/ 3044 h 1675981"/>
+                <a:gd name="csX0" fmla="*/ 0 w 3636818"/>
+                <a:gd name="csY0" fmla="*/ 1676802 h 1676802"/>
+                <a:gd name="csX1" fmla="*/ 1137804 w 3636818"/>
+                <a:gd name="csY1" fmla="*/ 1515743 h 1676802"/>
+                <a:gd name="csX2" fmla="*/ 1413163 w 3636818"/>
+                <a:gd name="csY2" fmla="*/ 762402 h 1676802"/>
+                <a:gd name="csX3" fmla="*/ 2436668 w 3636818"/>
+                <a:gd name="csY3" fmla="*/ 674079 h 1676802"/>
+                <a:gd name="csX4" fmla="*/ 2836717 w 3636818"/>
+                <a:gd name="csY4" fmla="*/ 97384 h 1676802"/>
+                <a:gd name="csX5" fmla="*/ 3636818 w 3636818"/>
+                <a:gd name="csY5" fmla="*/ 3865 h 1676802"/>
+                <a:gd name="csX0" fmla="*/ 0 w 3636818"/>
+                <a:gd name="csY0" fmla="*/ 1684251 h 1684251"/>
+                <a:gd name="csX1" fmla="*/ 1137804 w 3636818"/>
+                <a:gd name="csY1" fmla="*/ 1523192 h 1684251"/>
+                <a:gd name="csX2" fmla="*/ 1413163 w 3636818"/>
+                <a:gd name="csY2" fmla="*/ 769851 h 1684251"/>
+                <a:gd name="csX3" fmla="*/ 2436668 w 3636818"/>
+                <a:gd name="csY3" fmla="*/ 681528 h 1684251"/>
+                <a:gd name="csX4" fmla="*/ 2763980 w 3636818"/>
+                <a:gd name="csY4" fmla="*/ 78855 h 1684251"/>
+                <a:gd name="csX5" fmla="*/ 3636818 w 3636818"/>
+                <a:gd name="csY5" fmla="*/ 11314 h 1684251"/>
+              </a:gdLst>
+              <a:ahLst/>
+              <a:cxnLst>
+                <a:cxn ang="0">
+                  <a:pos x="csX0" y="csY0"/>
+                </a:cxn>
+                <a:cxn ang="0">
+                  <a:pos x="csX1" y="csY1"/>
+                </a:cxn>
+                <a:cxn ang="0">
+                  <a:pos x="csX2" y="csY2"/>
+                </a:cxn>
+                <a:cxn ang="0">
+                  <a:pos x="csX3" y="csY3"/>
+                </a:cxn>
+                <a:cxn ang="0">
+                  <a:pos x="csX4" y="csY4"/>
+                </a:cxn>
+                <a:cxn ang="0">
+                  <a:pos x="csX5" y="csY5"/>
+                </a:cxn>
+              </a:cxnLst>
+              <a:rect l="l" t="t" r="r" b="b"/>
+              <a:pathLst>
+                <a:path w="3636818" h="1684251">
+                  <a:moveTo>
+                    <a:pt x="0" y="1684251"/>
+                  </a:moveTo>
+                  <a:cubicBezTo>
+                    <a:pt x="451138" y="1679921"/>
+                    <a:pt x="902277" y="1675592"/>
+                    <a:pt x="1137804" y="1523192"/>
+                  </a:cubicBezTo>
+                  <a:cubicBezTo>
+                    <a:pt x="1373331" y="1370792"/>
+                    <a:pt x="1196686" y="910128"/>
+                    <a:pt x="1413163" y="769851"/>
+                  </a:cubicBezTo>
+                  <a:cubicBezTo>
+                    <a:pt x="1629640" y="629574"/>
+                    <a:pt x="2211532" y="796694"/>
+                    <a:pt x="2436668" y="681528"/>
+                  </a:cubicBezTo>
+                  <a:cubicBezTo>
+                    <a:pt x="2661804" y="566362"/>
+                    <a:pt x="2563955" y="190557"/>
+                    <a:pt x="2763980" y="78855"/>
+                  </a:cubicBezTo>
+                  <a:cubicBezTo>
+                    <a:pt x="2964005" y="-32847"/>
+                    <a:pt x="3464069" y="4820"/>
+                    <a:pt x="3636818" y="11314"/>
+                  </a:cubicBezTo>
+                </a:path>
+              </a:pathLst>
+            </a:custGeom>
+            <a:noFill/>
+            <a:ln w="28575">
+              <a:solidFill>
+                <a:srgbClr val="FF0000"/>
+              </a:solidFill>
+              <a:prstDash val="solid"/>
+            </a:ln>
+          </p:spPr>
+          <p:style>
+            <a:lnRef idx="2">
+              <a:schemeClr val="accent1">
+                <a:shade val="15000"/>
+              </a:schemeClr>
+            </a:lnRef>
+            <a:fillRef idx="1">
+              <a:schemeClr val="accent1"/>
+            </a:fillRef>
+            <a:effectRef idx="0">
+              <a:schemeClr val="accent1"/>
+            </a:effectRef>
+            <a:fontRef idx="minor">
+              <a:schemeClr val="lt1"/>
+            </a:fontRef>
+          </p:style>
+          <p:txBody>
+            <a:bodyPr rtlCol="0" anchor="ctr"/>
+            <a:lstStyle/>
+            <a:p>
+              <a:pPr algn="ctr"/>
+              <a:endParaRPr lang="en-US" sz="1400"/>
+            </a:p>
+          </p:txBody>
+        </p:sp>
+      </p:grpSp>
+      <p:grpSp>
+        <p:nvGrpSpPr>
+          <p:cNvPr id="72" name="Group 71">
+            <a:extLst>
+              <a:ext uri="{FF2B5EF4-FFF2-40B4-BE49-F238E27FC236}">
+                <a16:creationId xmlns:a16="http://schemas.microsoft.com/office/drawing/2014/main" id="{47DC6608-621E-E903-E2F8-A4BE4404DE2E}"/>
+              </a:ext>
+            </a:extLst>
+          </p:cNvPr>
+          <p:cNvGrpSpPr/>
+          <p:nvPr/>
+        </p:nvGrpSpPr>
+        <p:grpSpPr>
+          <a:xfrm>
+            <a:off x="68120" y="537683"/>
+            <a:ext cx="3362506" cy="2051557"/>
+            <a:chOff x="237943" y="537683"/>
+            <a:chExt cx="4506693" cy="2749657"/>
+          </a:xfrm>
+        </p:grpSpPr>
+        <p:sp>
+          <p:nvSpPr>
+            <p:cNvPr id="22" name="TextBox 21">
+              <a:extLst>
+                <a:ext uri="{FF2B5EF4-FFF2-40B4-BE49-F238E27FC236}">
+                  <a16:creationId xmlns:a16="http://schemas.microsoft.com/office/drawing/2014/main" id="{6A0355BC-12DD-06DA-1A70-1F8B1B616837}"/>
+                </a:ext>
+              </a:extLst>
+            </p:cNvPr>
+            <p:cNvSpPr txBox="1"/>
+            <p:nvPr/>
+          </p:nvSpPr>
+          <p:spPr>
+            <a:xfrm>
+              <a:off x="3432555" y="581020"/>
+              <a:ext cx="1312081" cy="261610"/>
+            </a:xfrm>
+            <a:prstGeom prst="rect">
+              <a:avLst/>
+            </a:prstGeom>
+            <a:noFill/>
+          </p:spPr>
+          <p:txBody>
+            <a:bodyPr wrap="square" rtlCol="0">
+              <a:spAutoFit/>
+            </a:bodyPr>
+            <a:lstStyle/>
+            <a:p>
+              <a:pPr algn="ctr"/>
+              <a:r>
+                <a:rPr lang="en-US" sz="1100" dirty="0">
+                  <a:solidFill>
+                    <a:srgbClr val="FF0000"/>
+                  </a:solidFill>
+                  <a:latin typeface="Times New Roman" panose="02020603050405020304" pitchFamily="18" charset="0"/>
+                  <a:cs typeface="Times New Roman" panose="02020603050405020304" pitchFamily="18" charset="0"/>
+                </a:rPr>
+                <a:t>Design B</a:t>
+              </a:r>
+            </a:p>
+          </p:txBody>
+        </p:sp>
+        <p:sp>
+          <p:nvSpPr>
+            <p:cNvPr id="27" name="TextBox 26">
+              <a:extLst>
+                <a:ext uri="{FF2B5EF4-FFF2-40B4-BE49-F238E27FC236}">
+                  <a16:creationId xmlns:a16="http://schemas.microsoft.com/office/drawing/2014/main" id="{D2C12A87-0775-B439-BD84-4727ED73798D}"/>
+                </a:ext>
+              </a:extLst>
+            </p:cNvPr>
+            <p:cNvSpPr txBox="1"/>
+            <p:nvPr/>
+          </p:nvSpPr>
+          <p:spPr>
+            <a:xfrm>
+              <a:off x="3432555" y="1394587"/>
+              <a:ext cx="1312081" cy="261610"/>
+            </a:xfrm>
+            <a:prstGeom prst="rect">
+              <a:avLst/>
+            </a:prstGeom>
+            <a:noFill/>
+          </p:spPr>
+          <p:txBody>
+            <a:bodyPr wrap="square" rtlCol="0">
+              <a:spAutoFit/>
+            </a:bodyPr>
+            <a:lstStyle/>
+            <a:p>
+              <a:pPr algn="ctr"/>
+              <a:r>
+                <a:rPr lang="en-US" sz="1100" dirty="0">
+                  <a:solidFill>
+                    <a:srgbClr val="00B050"/>
+                  </a:solidFill>
+                  <a:latin typeface="Times New Roman" panose="02020603050405020304" pitchFamily="18" charset="0"/>
+                  <a:cs typeface="Times New Roman" panose="02020603050405020304" pitchFamily="18" charset="0"/>
+                </a:rPr>
+                <a:t>Design A</a:t>
+              </a:r>
+            </a:p>
+          </p:txBody>
+        </p:sp>
+        <p:sp>
+          <p:nvSpPr>
+            <p:cNvPr id="28" name="TextBox 27">
+              <a:extLst>
+                <a:ext uri="{FF2B5EF4-FFF2-40B4-BE49-F238E27FC236}">
+                  <a16:creationId xmlns:a16="http://schemas.microsoft.com/office/drawing/2014/main" id="{E2B0FCC5-AF2B-6239-F205-4E074E9F178F}"/>
+                </a:ext>
+              </a:extLst>
+            </p:cNvPr>
+            <p:cNvSpPr txBox="1"/>
+            <p:nvPr/>
+          </p:nvSpPr>
+          <p:spPr>
+            <a:xfrm>
+              <a:off x="3432555" y="2600034"/>
+              <a:ext cx="1312081" cy="261610"/>
+            </a:xfrm>
+            <a:prstGeom prst="rect">
+              <a:avLst/>
+            </a:prstGeom>
+            <a:noFill/>
+          </p:spPr>
+          <p:txBody>
+            <a:bodyPr wrap="square" rtlCol="0">
+              <a:spAutoFit/>
+            </a:bodyPr>
+            <a:lstStyle/>
+            <a:p>
+              <a:pPr algn="ctr"/>
+              <a:r>
+                <a:rPr lang="en-US" sz="1100" dirty="0">
+                  <a:solidFill>
+                    <a:srgbClr val="0070C0"/>
+                  </a:solidFill>
+                  <a:latin typeface="Times New Roman" panose="02020603050405020304" pitchFamily="18" charset="0"/>
+                  <a:cs typeface="Times New Roman" panose="02020603050405020304" pitchFamily="18" charset="0"/>
+                </a:rPr>
+                <a:t>Design C</a:t>
+              </a:r>
+            </a:p>
+          </p:txBody>
+        </p:sp>
+        <p:sp>
+          <p:nvSpPr>
+            <p:cNvPr id="23" name="Freeform: Shape 22">
+              <a:extLst>
+                <a:ext uri="{FF2B5EF4-FFF2-40B4-BE49-F238E27FC236}">
+                  <a16:creationId xmlns:a16="http://schemas.microsoft.com/office/drawing/2014/main" id="{0AA600FE-ED6C-C6DA-9ACC-FFA3DC9D6249}"/>
+                </a:ext>
+              </a:extLst>
+            </p:cNvPr>
+            <p:cNvSpPr/>
+            <p:nvPr/>
+          </p:nvSpPr>
+          <p:spPr>
+            <a:xfrm>
+              <a:off x="576983" y="1031014"/>
+              <a:ext cx="3678382" cy="1959302"/>
+            </a:xfrm>
+            <a:custGeom>
+              <a:avLst/>
+              <a:gdLst>
+                <a:gd name="csX0" fmla="*/ 0 w 3678382"/>
+                <a:gd name="csY0" fmla="*/ 1943151 h 2111162"/>
+                <a:gd name="csX1" fmla="*/ 280554 w 3678382"/>
+                <a:gd name="csY1" fmla="*/ 1932760 h 2111162"/>
+                <a:gd name="csX2" fmla="*/ 368877 w 3678382"/>
+                <a:gd name="csY2" fmla="*/ 114351 h 2111162"/>
+                <a:gd name="csX3" fmla="*/ 472786 w 3678382"/>
+                <a:gd name="csY3" fmla="*/ 1698964 h 2111162"/>
+                <a:gd name="csX4" fmla="*/ 722168 w 3678382"/>
+                <a:gd name="csY4" fmla="*/ 1828851 h 2111162"/>
+                <a:gd name="csX5" fmla="*/ 779318 w 3678382"/>
+                <a:gd name="csY5" fmla="*/ 649483 h 2111162"/>
+                <a:gd name="csX6" fmla="*/ 852054 w 3678382"/>
+                <a:gd name="csY6" fmla="*/ 1750919 h 2111162"/>
+                <a:gd name="csX7" fmla="*/ 1589809 w 3678382"/>
+                <a:gd name="csY7" fmla="*/ 1854828 h 2111162"/>
+                <a:gd name="csX8" fmla="*/ 1771650 w 3678382"/>
+                <a:gd name="csY8" fmla="*/ 31223 h 2111162"/>
+                <a:gd name="csX9" fmla="*/ 1854777 w 3678382"/>
+                <a:gd name="csY9" fmla="*/ 1771701 h 2111162"/>
+                <a:gd name="csX10" fmla="*/ 2748395 w 3678382"/>
+                <a:gd name="csY10" fmla="*/ 1865219 h 2111162"/>
+                <a:gd name="csX11" fmla="*/ 2852304 w 3678382"/>
+                <a:gd name="csY11" fmla="*/ 51 h 2111162"/>
+                <a:gd name="csX12" fmla="*/ 2961409 w 3678382"/>
+                <a:gd name="csY12" fmla="*/ 1927564 h 2111162"/>
+                <a:gd name="csX13" fmla="*/ 3678382 w 3678382"/>
+                <a:gd name="csY13" fmla="*/ 1865219 h 2111162"/>
+                <a:gd name="csX0" fmla="*/ 0 w 3678382"/>
+                <a:gd name="csY0" fmla="*/ 1943527 h 2111538"/>
+                <a:gd name="csX1" fmla="*/ 280554 w 3678382"/>
+                <a:gd name="csY1" fmla="*/ 1933136 h 2111538"/>
+                <a:gd name="csX2" fmla="*/ 368877 w 3678382"/>
+                <a:gd name="csY2" fmla="*/ 114727 h 2111538"/>
+                <a:gd name="csX3" fmla="*/ 472786 w 3678382"/>
+                <a:gd name="csY3" fmla="*/ 1699340 h 2111538"/>
+                <a:gd name="csX4" fmla="*/ 722168 w 3678382"/>
+                <a:gd name="csY4" fmla="*/ 1829227 h 2111538"/>
+                <a:gd name="csX5" fmla="*/ 779318 w 3678382"/>
+                <a:gd name="csY5" fmla="*/ 649859 h 2111538"/>
+                <a:gd name="csX6" fmla="*/ 852054 w 3678382"/>
+                <a:gd name="csY6" fmla="*/ 1751295 h 2111538"/>
+                <a:gd name="csX7" fmla="*/ 1589809 w 3678382"/>
+                <a:gd name="csY7" fmla="*/ 1855204 h 2111538"/>
+                <a:gd name="csX8" fmla="*/ 1771650 w 3678382"/>
+                <a:gd name="csY8" fmla="*/ 31599 h 2111538"/>
+                <a:gd name="csX9" fmla="*/ 1854777 w 3678382"/>
+                <a:gd name="csY9" fmla="*/ 1772077 h 2111538"/>
+                <a:gd name="csX10" fmla="*/ 2748395 w 3678382"/>
+                <a:gd name="csY10" fmla="*/ 1865595 h 2111538"/>
+                <a:gd name="csX11" fmla="*/ 2852304 w 3678382"/>
+                <a:gd name="csY11" fmla="*/ 427 h 2111538"/>
+                <a:gd name="csX12" fmla="*/ 2961409 w 3678382"/>
+                <a:gd name="csY12" fmla="*/ 1694145 h 2111538"/>
+                <a:gd name="csX13" fmla="*/ 3678382 w 3678382"/>
+                <a:gd name="csY13" fmla="*/ 1865595 h 2111538"/>
+                <a:gd name="csX0" fmla="*/ 0 w 3678382"/>
+                <a:gd name="csY0" fmla="*/ 1943115 h 2111126"/>
+                <a:gd name="csX1" fmla="*/ 280554 w 3678382"/>
+                <a:gd name="csY1" fmla="*/ 1932724 h 2111126"/>
+                <a:gd name="csX2" fmla="*/ 368877 w 3678382"/>
+                <a:gd name="csY2" fmla="*/ 114315 h 2111126"/>
+                <a:gd name="csX3" fmla="*/ 472786 w 3678382"/>
+                <a:gd name="csY3" fmla="*/ 1698928 h 2111126"/>
+                <a:gd name="csX4" fmla="*/ 722168 w 3678382"/>
+                <a:gd name="csY4" fmla="*/ 1828815 h 2111126"/>
+                <a:gd name="csX5" fmla="*/ 779318 w 3678382"/>
+                <a:gd name="csY5" fmla="*/ 649447 h 2111126"/>
+                <a:gd name="csX6" fmla="*/ 852054 w 3678382"/>
+                <a:gd name="csY6" fmla="*/ 1750883 h 2111126"/>
+                <a:gd name="csX7" fmla="*/ 1589809 w 3678382"/>
+                <a:gd name="csY7" fmla="*/ 1854792 h 2111126"/>
+                <a:gd name="csX8" fmla="*/ 1771650 w 3678382"/>
+                <a:gd name="csY8" fmla="*/ 31187 h 2111126"/>
+                <a:gd name="csX9" fmla="*/ 1854777 w 3678382"/>
+                <a:gd name="csY9" fmla="*/ 1771665 h 2111126"/>
+                <a:gd name="csX10" fmla="*/ 2738004 w 3678382"/>
+                <a:gd name="csY10" fmla="*/ 1662560 h 2111126"/>
+                <a:gd name="csX11" fmla="*/ 2852304 w 3678382"/>
+                <a:gd name="csY11" fmla="*/ 15 h 2111126"/>
+                <a:gd name="csX12" fmla="*/ 2961409 w 3678382"/>
+                <a:gd name="csY12" fmla="*/ 1693733 h 2111126"/>
+                <a:gd name="csX13" fmla="*/ 3678382 w 3678382"/>
+                <a:gd name="csY13" fmla="*/ 1865183 h 2111126"/>
+                <a:gd name="csX0" fmla="*/ 0 w 3678382"/>
+                <a:gd name="csY0" fmla="*/ 1943115 h 2111126"/>
+                <a:gd name="csX1" fmla="*/ 280554 w 3678382"/>
+                <a:gd name="csY1" fmla="*/ 1932724 h 2111126"/>
+                <a:gd name="csX2" fmla="*/ 368877 w 3678382"/>
+                <a:gd name="csY2" fmla="*/ 114315 h 2111126"/>
+                <a:gd name="csX3" fmla="*/ 472786 w 3678382"/>
+                <a:gd name="csY3" fmla="*/ 1698928 h 2111126"/>
+                <a:gd name="csX4" fmla="*/ 722168 w 3678382"/>
+                <a:gd name="csY4" fmla="*/ 1828815 h 2111126"/>
+                <a:gd name="csX5" fmla="*/ 779318 w 3678382"/>
+                <a:gd name="csY5" fmla="*/ 649447 h 2111126"/>
+                <a:gd name="csX6" fmla="*/ 852054 w 3678382"/>
+                <a:gd name="csY6" fmla="*/ 1750883 h 2111126"/>
+                <a:gd name="csX7" fmla="*/ 1620982 w 3678382"/>
+                <a:gd name="csY7" fmla="*/ 1719711 h 2111126"/>
+                <a:gd name="csX8" fmla="*/ 1771650 w 3678382"/>
+                <a:gd name="csY8" fmla="*/ 31187 h 2111126"/>
+                <a:gd name="csX9" fmla="*/ 1854777 w 3678382"/>
+                <a:gd name="csY9" fmla="*/ 1771665 h 2111126"/>
+                <a:gd name="csX10" fmla="*/ 2738004 w 3678382"/>
+                <a:gd name="csY10" fmla="*/ 1662560 h 2111126"/>
+                <a:gd name="csX11" fmla="*/ 2852304 w 3678382"/>
+                <a:gd name="csY11" fmla="*/ 15 h 2111126"/>
+                <a:gd name="csX12" fmla="*/ 2961409 w 3678382"/>
+                <a:gd name="csY12" fmla="*/ 1693733 h 2111126"/>
+                <a:gd name="csX13" fmla="*/ 3678382 w 3678382"/>
+                <a:gd name="csY13" fmla="*/ 1865183 h 2111126"/>
+                <a:gd name="csX0" fmla="*/ 0 w 3678382"/>
+                <a:gd name="csY0" fmla="*/ 1943115 h 2035967"/>
+                <a:gd name="csX1" fmla="*/ 311727 w 3678382"/>
+                <a:gd name="csY1" fmla="*/ 1776860 h 2035967"/>
+                <a:gd name="csX2" fmla="*/ 368877 w 3678382"/>
+                <a:gd name="csY2" fmla="*/ 114315 h 2035967"/>
+                <a:gd name="csX3" fmla="*/ 472786 w 3678382"/>
+                <a:gd name="csY3" fmla="*/ 1698928 h 2035967"/>
+                <a:gd name="csX4" fmla="*/ 722168 w 3678382"/>
+                <a:gd name="csY4" fmla="*/ 1828815 h 2035967"/>
+                <a:gd name="csX5" fmla="*/ 779318 w 3678382"/>
+                <a:gd name="csY5" fmla="*/ 649447 h 2035967"/>
+                <a:gd name="csX6" fmla="*/ 852054 w 3678382"/>
+                <a:gd name="csY6" fmla="*/ 1750883 h 2035967"/>
+                <a:gd name="csX7" fmla="*/ 1620982 w 3678382"/>
+                <a:gd name="csY7" fmla="*/ 1719711 h 2035967"/>
+                <a:gd name="csX8" fmla="*/ 1771650 w 3678382"/>
+                <a:gd name="csY8" fmla="*/ 31187 h 2035967"/>
+                <a:gd name="csX9" fmla="*/ 1854777 w 3678382"/>
+                <a:gd name="csY9" fmla="*/ 1771665 h 2035967"/>
+                <a:gd name="csX10" fmla="*/ 2738004 w 3678382"/>
+                <a:gd name="csY10" fmla="*/ 1662560 h 2035967"/>
+                <a:gd name="csX11" fmla="*/ 2852304 w 3678382"/>
+                <a:gd name="csY11" fmla="*/ 15 h 2035967"/>
+                <a:gd name="csX12" fmla="*/ 2961409 w 3678382"/>
+                <a:gd name="csY12" fmla="*/ 1693733 h 2035967"/>
+                <a:gd name="csX13" fmla="*/ 3678382 w 3678382"/>
+                <a:gd name="csY13" fmla="*/ 1865183 h 2035967"/>
+                <a:gd name="csX0" fmla="*/ 0 w 3678382"/>
+                <a:gd name="csY0" fmla="*/ 1943115 h 1979321"/>
+                <a:gd name="csX1" fmla="*/ 311727 w 3678382"/>
+                <a:gd name="csY1" fmla="*/ 1776860 h 1979321"/>
+                <a:gd name="csX2" fmla="*/ 368877 w 3678382"/>
+                <a:gd name="csY2" fmla="*/ 114315 h 1979321"/>
+                <a:gd name="csX3" fmla="*/ 472786 w 3678382"/>
+                <a:gd name="csY3" fmla="*/ 1698928 h 1979321"/>
+                <a:gd name="csX4" fmla="*/ 722168 w 3678382"/>
+                <a:gd name="csY4" fmla="*/ 1828815 h 1979321"/>
+                <a:gd name="csX5" fmla="*/ 779318 w 3678382"/>
+                <a:gd name="csY5" fmla="*/ 649447 h 1979321"/>
+                <a:gd name="csX6" fmla="*/ 852054 w 3678382"/>
+                <a:gd name="csY6" fmla="*/ 1750883 h 1979321"/>
+                <a:gd name="csX7" fmla="*/ 1620982 w 3678382"/>
+                <a:gd name="csY7" fmla="*/ 1719711 h 1979321"/>
+                <a:gd name="csX8" fmla="*/ 1771650 w 3678382"/>
+                <a:gd name="csY8" fmla="*/ 31187 h 1979321"/>
+                <a:gd name="csX9" fmla="*/ 1854777 w 3678382"/>
+                <a:gd name="csY9" fmla="*/ 1771665 h 1979321"/>
+                <a:gd name="csX10" fmla="*/ 2738004 w 3678382"/>
+                <a:gd name="csY10" fmla="*/ 1662560 h 1979321"/>
+                <a:gd name="csX11" fmla="*/ 2852304 w 3678382"/>
+                <a:gd name="csY11" fmla="*/ 15 h 1979321"/>
+                <a:gd name="csX12" fmla="*/ 2961409 w 3678382"/>
+                <a:gd name="csY12" fmla="*/ 1693733 h 1979321"/>
+                <a:gd name="csX13" fmla="*/ 3678382 w 3678382"/>
+                <a:gd name="csY13" fmla="*/ 1865183 h 1979321"/>
+                <a:gd name="csX0" fmla="*/ 0 w 3678382"/>
+                <a:gd name="csY0" fmla="*/ 1943115 h 1979321"/>
+                <a:gd name="csX1" fmla="*/ 311727 w 3678382"/>
+                <a:gd name="csY1" fmla="*/ 1776860 h 1979321"/>
+                <a:gd name="csX2" fmla="*/ 368877 w 3678382"/>
+                <a:gd name="csY2" fmla="*/ 114315 h 1979321"/>
+                <a:gd name="csX3" fmla="*/ 472786 w 3678382"/>
+                <a:gd name="csY3" fmla="*/ 1698928 h 1979321"/>
+                <a:gd name="csX4" fmla="*/ 722168 w 3678382"/>
+                <a:gd name="csY4" fmla="*/ 1828815 h 1979321"/>
+                <a:gd name="csX5" fmla="*/ 779318 w 3678382"/>
+                <a:gd name="csY5" fmla="*/ 649447 h 1979321"/>
+                <a:gd name="csX6" fmla="*/ 852054 w 3678382"/>
+                <a:gd name="csY6" fmla="*/ 1750883 h 1979321"/>
+                <a:gd name="csX7" fmla="*/ 1620982 w 3678382"/>
+                <a:gd name="csY7" fmla="*/ 1719711 h 1979321"/>
+                <a:gd name="csX8" fmla="*/ 1771650 w 3678382"/>
+                <a:gd name="csY8" fmla="*/ 31187 h 1979321"/>
+                <a:gd name="csX9" fmla="*/ 1854777 w 3678382"/>
+                <a:gd name="csY9" fmla="*/ 1771665 h 1979321"/>
+                <a:gd name="csX10" fmla="*/ 2738004 w 3678382"/>
+                <a:gd name="csY10" fmla="*/ 1662560 h 1979321"/>
+                <a:gd name="csX11" fmla="*/ 2852304 w 3678382"/>
+                <a:gd name="csY11" fmla="*/ 15 h 1979321"/>
+                <a:gd name="csX12" fmla="*/ 2961409 w 3678382"/>
+                <a:gd name="csY12" fmla="*/ 1693733 h 1979321"/>
+                <a:gd name="csX13" fmla="*/ 3678382 w 3678382"/>
+                <a:gd name="csY13" fmla="*/ 1865183 h 1979321"/>
+                <a:gd name="csX0" fmla="*/ 0 w 3678382"/>
+                <a:gd name="csY0" fmla="*/ 1943115 h 1979321"/>
+                <a:gd name="csX1" fmla="*/ 311727 w 3678382"/>
+                <a:gd name="csY1" fmla="*/ 1776860 h 1979321"/>
+                <a:gd name="csX2" fmla="*/ 368877 w 3678382"/>
+                <a:gd name="csY2" fmla="*/ 114315 h 1979321"/>
+                <a:gd name="csX3" fmla="*/ 472786 w 3678382"/>
+                <a:gd name="csY3" fmla="*/ 1698928 h 1979321"/>
+                <a:gd name="csX4" fmla="*/ 722168 w 3678382"/>
+                <a:gd name="csY4" fmla="*/ 1828815 h 1979321"/>
+                <a:gd name="csX5" fmla="*/ 779318 w 3678382"/>
+                <a:gd name="csY5" fmla="*/ 649447 h 1979321"/>
+                <a:gd name="csX6" fmla="*/ 852054 w 3678382"/>
+                <a:gd name="csY6" fmla="*/ 1750883 h 1979321"/>
+                <a:gd name="csX7" fmla="*/ 1620982 w 3678382"/>
+                <a:gd name="csY7" fmla="*/ 1719711 h 1979321"/>
+                <a:gd name="csX8" fmla="*/ 1771650 w 3678382"/>
+                <a:gd name="csY8" fmla="*/ 31187 h 1979321"/>
+                <a:gd name="csX9" fmla="*/ 1854777 w 3678382"/>
+                <a:gd name="csY9" fmla="*/ 1771665 h 1979321"/>
+                <a:gd name="csX10" fmla="*/ 2738004 w 3678382"/>
+                <a:gd name="csY10" fmla="*/ 1662560 h 1979321"/>
+                <a:gd name="csX11" fmla="*/ 2852304 w 3678382"/>
+                <a:gd name="csY11" fmla="*/ 15 h 1979321"/>
+                <a:gd name="csX12" fmla="*/ 2961409 w 3678382"/>
+                <a:gd name="csY12" fmla="*/ 1693733 h 1979321"/>
+                <a:gd name="csX13" fmla="*/ 3678382 w 3678382"/>
+                <a:gd name="csY13" fmla="*/ 1865183 h 1979321"/>
+                <a:gd name="csX0" fmla="*/ 0 w 3678382"/>
+                <a:gd name="csY0" fmla="*/ 1943115 h 1979321"/>
+                <a:gd name="csX1" fmla="*/ 311727 w 3678382"/>
+                <a:gd name="csY1" fmla="*/ 1776860 h 1979321"/>
+                <a:gd name="csX2" fmla="*/ 368877 w 3678382"/>
+                <a:gd name="csY2" fmla="*/ 114315 h 1979321"/>
+                <a:gd name="csX3" fmla="*/ 472786 w 3678382"/>
+                <a:gd name="csY3" fmla="*/ 1698928 h 1979321"/>
+                <a:gd name="csX4" fmla="*/ 722168 w 3678382"/>
+                <a:gd name="csY4" fmla="*/ 1828815 h 1979321"/>
+                <a:gd name="csX5" fmla="*/ 779318 w 3678382"/>
+                <a:gd name="csY5" fmla="*/ 649447 h 1979321"/>
+                <a:gd name="csX6" fmla="*/ 852054 w 3678382"/>
+                <a:gd name="csY6" fmla="*/ 1750883 h 1979321"/>
+                <a:gd name="csX7" fmla="*/ 1620982 w 3678382"/>
+                <a:gd name="csY7" fmla="*/ 1719711 h 1979321"/>
+                <a:gd name="csX8" fmla="*/ 1771650 w 3678382"/>
+                <a:gd name="csY8" fmla="*/ 31187 h 1979321"/>
+                <a:gd name="csX9" fmla="*/ 1854777 w 3678382"/>
+                <a:gd name="csY9" fmla="*/ 1771665 h 1979321"/>
+                <a:gd name="csX10" fmla="*/ 2738004 w 3678382"/>
+                <a:gd name="csY10" fmla="*/ 1662560 h 1979321"/>
+                <a:gd name="csX11" fmla="*/ 2852304 w 3678382"/>
+                <a:gd name="csY11" fmla="*/ 15 h 1979321"/>
+                <a:gd name="csX12" fmla="*/ 2961409 w 3678382"/>
+                <a:gd name="csY12" fmla="*/ 1693733 h 1979321"/>
+                <a:gd name="csX13" fmla="*/ 3678382 w 3678382"/>
+                <a:gd name="csY13" fmla="*/ 1865183 h 1979321"/>
+                <a:gd name="csX0" fmla="*/ 0 w 3678382"/>
+                <a:gd name="csY0" fmla="*/ 1943115 h 1979321"/>
+                <a:gd name="csX1" fmla="*/ 311727 w 3678382"/>
+                <a:gd name="csY1" fmla="*/ 1776860 h 1979321"/>
+                <a:gd name="csX2" fmla="*/ 368877 w 3678382"/>
+                <a:gd name="csY2" fmla="*/ 114315 h 1979321"/>
+                <a:gd name="csX3" fmla="*/ 472786 w 3678382"/>
+                <a:gd name="csY3" fmla="*/ 1698928 h 1979321"/>
+                <a:gd name="csX4" fmla="*/ 722168 w 3678382"/>
+                <a:gd name="csY4" fmla="*/ 1828815 h 1979321"/>
+                <a:gd name="csX5" fmla="*/ 779318 w 3678382"/>
+                <a:gd name="csY5" fmla="*/ 649447 h 1979321"/>
+                <a:gd name="csX6" fmla="*/ 852054 w 3678382"/>
+                <a:gd name="csY6" fmla="*/ 1750883 h 1979321"/>
+                <a:gd name="csX7" fmla="*/ 1620982 w 3678382"/>
+                <a:gd name="csY7" fmla="*/ 1719711 h 1979321"/>
+                <a:gd name="csX8" fmla="*/ 1771650 w 3678382"/>
+                <a:gd name="csY8" fmla="*/ 31187 h 1979321"/>
+                <a:gd name="csX9" fmla="*/ 1854777 w 3678382"/>
+                <a:gd name="csY9" fmla="*/ 1771665 h 1979321"/>
+                <a:gd name="csX10" fmla="*/ 2738004 w 3678382"/>
+                <a:gd name="csY10" fmla="*/ 1662560 h 1979321"/>
+                <a:gd name="csX11" fmla="*/ 2852304 w 3678382"/>
+                <a:gd name="csY11" fmla="*/ 15 h 1979321"/>
+                <a:gd name="csX12" fmla="*/ 2961409 w 3678382"/>
+                <a:gd name="csY12" fmla="*/ 1693733 h 1979321"/>
+                <a:gd name="csX13" fmla="*/ 3678382 w 3678382"/>
+                <a:gd name="csY13" fmla="*/ 1865183 h 1979321"/>
+                <a:gd name="csX0" fmla="*/ 0 w 3678382"/>
+                <a:gd name="csY0" fmla="*/ 1943558 h 2040156"/>
+                <a:gd name="csX1" fmla="*/ 311727 w 3678382"/>
+                <a:gd name="csY1" fmla="*/ 1777303 h 2040156"/>
+                <a:gd name="csX2" fmla="*/ 368877 w 3678382"/>
+                <a:gd name="csY2" fmla="*/ 114758 h 2040156"/>
+                <a:gd name="csX3" fmla="*/ 472786 w 3678382"/>
+                <a:gd name="csY3" fmla="*/ 1699371 h 2040156"/>
+                <a:gd name="csX4" fmla="*/ 722168 w 3678382"/>
+                <a:gd name="csY4" fmla="*/ 1829258 h 2040156"/>
+                <a:gd name="csX5" fmla="*/ 779318 w 3678382"/>
+                <a:gd name="csY5" fmla="*/ 649890 h 2040156"/>
+                <a:gd name="csX6" fmla="*/ 852054 w 3678382"/>
+                <a:gd name="csY6" fmla="*/ 1751326 h 2040156"/>
+                <a:gd name="csX7" fmla="*/ 1620982 w 3678382"/>
+                <a:gd name="csY7" fmla="*/ 1720154 h 2040156"/>
+                <a:gd name="csX8" fmla="*/ 1771650 w 3678382"/>
+                <a:gd name="csY8" fmla="*/ 31630 h 2040156"/>
+                <a:gd name="csX9" fmla="*/ 1854777 w 3678382"/>
+                <a:gd name="csY9" fmla="*/ 1772108 h 2040156"/>
+                <a:gd name="csX10" fmla="*/ 2738004 w 3678382"/>
+                <a:gd name="csY10" fmla="*/ 1663003 h 2040156"/>
+                <a:gd name="csX11" fmla="*/ 2852304 w 3678382"/>
+                <a:gd name="csY11" fmla="*/ 458 h 2040156"/>
+                <a:gd name="csX12" fmla="*/ 3070514 w 3678382"/>
+                <a:gd name="csY12" fmla="*/ 1839649 h 2040156"/>
+                <a:gd name="csX13" fmla="*/ 3678382 w 3678382"/>
+                <a:gd name="csY13" fmla="*/ 1865626 h 2040156"/>
+                <a:gd name="csX0" fmla="*/ 0 w 3678382"/>
+                <a:gd name="csY0" fmla="*/ 1943558 h 1979764"/>
+                <a:gd name="csX1" fmla="*/ 311727 w 3678382"/>
+                <a:gd name="csY1" fmla="*/ 1777303 h 1979764"/>
+                <a:gd name="csX2" fmla="*/ 368877 w 3678382"/>
+                <a:gd name="csY2" fmla="*/ 114758 h 1979764"/>
+                <a:gd name="csX3" fmla="*/ 472786 w 3678382"/>
+                <a:gd name="csY3" fmla="*/ 1699371 h 1979764"/>
+                <a:gd name="csX4" fmla="*/ 722168 w 3678382"/>
+                <a:gd name="csY4" fmla="*/ 1829258 h 1979764"/>
+                <a:gd name="csX5" fmla="*/ 779318 w 3678382"/>
+                <a:gd name="csY5" fmla="*/ 649890 h 1979764"/>
+                <a:gd name="csX6" fmla="*/ 852054 w 3678382"/>
+                <a:gd name="csY6" fmla="*/ 1751326 h 1979764"/>
+                <a:gd name="csX7" fmla="*/ 1620982 w 3678382"/>
+                <a:gd name="csY7" fmla="*/ 1720154 h 1979764"/>
+                <a:gd name="csX8" fmla="*/ 1771650 w 3678382"/>
+                <a:gd name="csY8" fmla="*/ 31630 h 1979764"/>
+                <a:gd name="csX9" fmla="*/ 1854777 w 3678382"/>
+                <a:gd name="csY9" fmla="*/ 1772108 h 1979764"/>
+                <a:gd name="csX10" fmla="*/ 2738004 w 3678382"/>
+                <a:gd name="csY10" fmla="*/ 1663003 h 1979764"/>
+                <a:gd name="csX11" fmla="*/ 2852304 w 3678382"/>
+                <a:gd name="csY11" fmla="*/ 458 h 1979764"/>
+                <a:gd name="csX12" fmla="*/ 3070514 w 3678382"/>
+                <a:gd name="csY12" fmla="*/ 1839649 h 1979764"/>
+                <a:gd name="csX13" fmla="*/ 3678382 w 3678382"/>
+                <a:gd name="csY13" fmla="*/ 1865626 h 1979764"/>
+                <a:gd name="csX0" fmla="*/ 0 w 3678382"/>
+                <a:gd name="csY0" fmla="*/ 1943558 h 1979764"/>
+                <a:gd name="csX1" fmla="*/ 311727 w 3678382"/>
+                <a:gd name="csY1" fmla="*/ 1777303 h 1979764"/>
+                <a:gd name="csX2" fmla="*/ 368877 w 3678382"/>
+                <a:gd name="csY2" fmla="*/ 114758 h 1979764"/>
+                <a:gd name="csX3" fmla="*/ 472786 w 3678382"/>
+                <a:gd name="csY3" fmla="*/ 1699371 h 1979764"/>
+                <a:gd name="csX4" fmla="*/ 722168 w 3678382"/>
+                <a:gd name="csY4" fmla="*/ 1829258 h 1979764"/>
+                <a:gd name="csX5" fmla="*/ 779318 w 3678382"/>
+                <a:gd name="csY5" fmla="*/ 649890 h 1979764"/>
+                <a:gd name="csX6" fmla="*/ 852054 w 3678382"/>
+                <a:gd name="csY6" fmla="*/ 1751326 h 1979764"/>
+                <a:gd name="csX7" fmla="*/ 1620982 w 3678382"/>
+                <a:gd name="csY7" fmla="*/ 1720154 h 1979764"/>
+                <a:gd name="csX8" fmla="*/ 1771650 w 3678382"/>
+                <a:gd name="csY8" fmla="*/ 31630 h 1979764"/>
+                <a:gd name="csX9" fmla="*/ 1854777 w 3678382"/>
+                <a:gd name="csY9" fmla="*/ 1772108 h 1979764"/>
+                <a:gd name="csX10" fmla="*/ 2738004 w 3678382"/>
+                <a:gd name="csY10" fmla="*/ 1663003 h 1979764"/>
+                <a:gd name="csX11" fmla="*/ 2852304 w 3678382"/>
+                <a:gd name="csY11" fmla="*/ 458 h 1979764"/>
+                <a:gd name="csX12" fmla="*/ 3070514 w 3678382"/>
+                <a:gd name="csY12" fmla="*/ 1839649 h 1979764"/>
+                <a:gd name="csX13" fmla="*/ 3678382 w 3678382"/>
+                <a:gd name="csY13" fmla="*/ 1865626 h 1979764"/>
+                <a:gd name="csX0" fmla="*/ 0 w 3678382"/>
+                <a:gd name="csY0" fmla="*/ 1943102 h 2025202"/>
+                <a:gd name="csX1" fmla="*/ 311727 w 3678382"/>
+                <a:gd name="csY1" fmla="*/ 1776847 h 2025202"/>
+                <a:gd name="csX2" fmla="*/ 368877 w 3678382"/>
+                <a:gd name="csY2" fmla="*/ 114302 h 2025202"/>
+                <a:gd name="csX3" fmla="*/ 472786 w 3678382"/>
+                <a:gd name="csY3" fmla="*/ 1698915 h 2025202"/>
+                <a:gd name="csX4" fmla="*/ 722168 w 3678382"/>
+                <a:gd name="csY4" fmla="*/ 1828802 h 2025202"/>
+                <a:gd name="csX5" fmla="*/ 779318 w 3678382"/>
+                <a:gd name="csY5" fmla="*/ 649434 h 2025202"/>
+                <a:gd name="csX6" fmla="*/ 852054 w 3678382"/>
+                <a:gd name="csY6" fmla="*/ 1750870 h 2025202"/>
+                <a:gd name="csX7" fmla="*/ 1620982 w 3678382"/>
+                <a:gd name="csY7" fmla="*/ 1719698 h 2025202"/>
+                <a:gd name="csX8" fmla="*/ 1771650 w 3678382"/>
+                <a:gd name="csY8" fmla="*/ 31174 h 2025202"/>
+                <a:gd name="csX9" fmla="*/ 1854777 w 3678382"/>
+                <a:gd name="csY9" fmla="*/ 1771652 h 2025202"/>
+                <a:gd name="csX10" fmla="*/ 2753590 w 3678382"/>
+                <a:gd name="csY10" fmla="*/ 1828802 h 2025202"/>
+                <a:gd name="csX11" fmla="*/ 2852304 w 3678382"/>
+                <a:gd name="csY11" fmla="*/ 2 h 2025202"/>
+                <a:gd name="csX12" fmla="*/ 3070514 w 3678382"/>
+                <a:gd name="csY12" fmla="*/ 1839193 h 2025202"/>
+                <a:gd name="csX13" fmla="*/ 3678382 w 3678382"/>
+                <a:gd name="csY13" fmla="*/ 1865170 h 2025202"/>
+                <a:gd name="csX0" fmla="*/ 0 w 3678382"/>
+                <a:gd name="csY0" fmla="*/ 1943102 h 2025202"/>
+                <a:gd name="csX1" fmla="*/ 311727 w 3678382"/>
+                <a:gd name="csY1" fmla="*/ 1776847 h 2025202"/>
+                <a:gd name="csX2" fmla="*/ 368877 w 3678382"/>
+                <a:gd name="csY2" fmla="*/ 114302 h 2025202"/>
+                <a:gd name="csX3" fmla="*/ 472786 w 3678382"/>
+                <a:gd name="csY3" fmla="*/ 1698915 h 2025202"/>
+                <a:gd name="csX4" fmla="*/ 722168 w 3678382"/>
+                <a:gd name="csY4" fmla="*/ 1828802 h 2025202"/>
+                <a:gd name="csX5" fmla="*/ 779318 w 3678382"/>
+                <a:gd name="csY5" fmla="*/ 649434 h 2025202"/>
+                <a:gd name="csX6" fmla="*/ 852054 w 3678382"/>
+                <a:gd name="csY6" fmla="*/ 1750870 h 2025202"/>
+                <a:gd name="csX7" fmla="*/ 1620982 w 3678382"/>
+                <a:gd name="csY7" fmla="*/ 1719698 h 2025202"/>
+                <a:gd name="csX8" fmla="*/ 1771650 w 3678382"/>
+                <a:gd name="csY8" fmla="*/ 31174 h 2025202"/>
+                <a:gd name="csX9" fmla="*/ 1854777 w 3678382"/>
+                <a:gd name="csY9" fmla="*/ 1771652 h 2025202"/>
+                <a:gd name="csX10" fmla="*/ 2753590 w 3678382"/>
+                <a:gd name="csY10" fmla="*/ 1828802 h 2025202"/>
+                <a:gd name="csX11" fmla="*/ 2852304 w 3678382"/>
+                <a:gd name="csY11" fmla="*/ 2 h 2025202"/>
+                <a:gd name="csX12" fmla="*/ 3070514 w 3678382"/>
+                <a:gd name="csY12" fmla="*/ 1839193 h 2025202"/>
+                <a:gd name="csX13" fmla="*/ 3678382 w 3678382"/>
+                <a:gd name="csY13" fmla="*/ 1865170 h 2025202"/>
+                <a:gd name="csX0" fmla="*/ 0 w 3678382"/>
+                <a:gd name="csY0" fmla="*/ 1943102 h 1979308"/>
+                <a:gd name="csX1" fmla="*/ 311727 w 3678382"/>
+                <a:gd name="csY1" fmla="*/ 1776847 h 1979308"/>
+                <a:gd name="csX2" fmla="*/ 368877 w 3678382"/>
+                <a:gd name="csY2" fmla="*/ 114302 h 1979308"/>
+                <a:gd name="csX3" fmla="*/ 472786 w 3678382"/>
+                <a:gd name="csY3" fmla="*/ 1698915 h 1979308"/>
+                <a:gd name="csX4" fmla="*/ 722168 w 3678382"/>
+                <a:gd name="csY4" fmla="*/ 1828802 h 1979308"/>
+                <a:gd name="csX5" fmla="*/ 779318 w 3678382"/>
+                <a:gd name="csY5" fmla="*/ 649434 h 1979308"/>
+                <a:gd name="csX6" fmla="*/ 852054 w 3678382"/>
+                <a:gd name="csY6" fmla="*/ 1750870 h 1979308"/>
+                <a:gd name="csX7" fmla="*/ 1620982 w 3678382"/>
+                <a:gd name="csY7" fmla="*/ 1719698 h 1979308"/>
+                <a:gd name="csX8" fmla="*/ 1771650 w 3678382"/>
+                <a:gd name="csY8" fmla="*/ 31174 h 1979308"/>
+                <a:gd name="csX9" fmla="*/ 1854777 w 3678382"/>
+                <a:gd name="csY9" fmla="*/ 1771652 h 1979308"/>
+                <a:gd name="csX10" fmla="*/ 2753590 w 3678382"/>
+                <a:gd name="csY10" fmla="*/ 1828802 h 1979308"/>
+                <a:gd name="csX11" fmla="*/ 2852304 w 3678382"/>
+                <a:gd name="csY11" fmla="*/ 2 h 1979308"/>
+                <a:gd name="csX12" fmla="*/ 3070514 w 3678382"/>
+                <a:gd name="csY12" fmla="*/ 1839193 h 1979308"/>
+                <a:gd name="csX13" fmla="*/ 3678382 w 3678382"/>
+                <a:gd name="csY13" fmla="*/ 1865170 h 1979308"/>
+                <a:gd name="csX0" fmla="*/ 0 w 3678382"/>
+                <a:gd name="csY0" fmla="*/ 1943102 h 2025202"/>
+                <a:gd name="csX1" fmla="*/ 311727 w 3678382"/>
+                <a:gd name="csY1" fmla="*/ 1776847 h 2025202"/>
+                <a:gd name="csX2" fmla="*/ 368877 w 3678382"/>
+                <a:gd name="csY2" fmla="*/ 114302 h 2025202"/>
+                <a:gd name="csX3" fmla="*/ 472786 w 3678382"/>
+                <a:gd name="csY3" fmla="*/ 1698915 h 2025202"/>
+                <a:gd name="csX4" fmla="*/ 722168 w 3678382"/>
+                <a:gd name="csY4" fmla="*/ 1828802 h 2025202"/>
+                <a:gd name="csX5" fmla="*/ 779318 w 3678382"/>
+                <a:gd name="csY5" fmla="*/ 649434 h 2025202"/>
+                <a:gd name="csX6" fmla="*/ 852054 w 3678382"/>
+                <a:gd name="csY6" fmla="*/ 1750870 h 2025202"/>
+                <a:gd name="csX7" fmla="*/ 1620982 w 3678382"/>
+                <a:gd name="csY7" fmla="*/ 1719698 h 2025202"/>
+                <a:gd name="csX8" fmla="*/ 1771650 w 3678382"/>
+                <a:gd name="csY8" fmla="*/ 31174 h 2025202"/>
+                <a:gd name="csX9" fmla="*/ 1828800 w 3678382"/>
+                <a:gd name="csY9" fmla="*/ 1771652 h 2025202"/>
+                <a:gd name="csX10" fmla="*/ 2753590 w 3678382"/>
+                <a:gd name="csY10" fmla="*/ 1828802 h 2025202"/>
+                <a:gd name="csX11" fmla="*/ 2852304 w 3678382"/>
+                <a:gd name="csY11" fmla="*/ 2 h 2025202"/>
+                <a:gd name="csX12" fmla="*/ 3070514 w 3678382"/>
+                <a:gd name="csY12" fmla="*/ 1839193 h 2025202"/>
+                <a:gd name="csX13" fmla="*/ 3678382 w 3678382"/>
+                <a:gd name="csY13" fmla="*/ 1865170 h 2025202"/>
+                <a:gd name="csX0" fmla="*/ 0 w 3678382"/>
+                <a:gd name="csY0" fmla="*/ 1943102 h 2025202"/>
+                <a:gd name="csX1" fmla="*/ 311727 w 3678382"/>
+                <a:gd name="csY1" fmla="*/ 1776847 h 2025202"/>
+                <a:gd name="csX2" fmla="*/ 368877 w 3678382"/>
+                <a:gd name="csY2" fmla="*/ 114302 h 2025202"/>
+                <a:gd name="csX3" fmla="*/ 472786 w 3678382"/>
+                <a:gd name="csY3" fmla="*/ 1698915 h 2025202"/>
+                <a:gd name="csX4" fmla="*/ 722168 w 3678382"/>
+                <a:gd name="csY4" fmla="*/ 1828802 h 2025202"/>
+                <a:gd name="csX5" fmla="*/ 779318 w 3678382"/>
+                <a:gd name="csY5" fmla="*/ 649434 h 2025202"/>
+                <a:gd name="csX6" fmla="*/ 852054 w 3678382"/>
+                <a:gd name="csY6" fmla="*/ 1750870 h 2025202"/>
+                <a:gd name="csX7" fmla="*/ 1620982 w 3678382"/>
+                <a:gd name="csY7" fmla="*/ 1719698 h 2025202"/>
+                <a:gd name="csX8" fmla="*/ 1771650 w 3678382"/>
+                <a:gd name="csY8" fmla="*/ 31174 h 2025202"/>
+                <a:gd name="csX9" fmla="*/ 1828800 w 3678382"/>
+                <a:gd name="csY9" fmla="*/ 1771652 h 2025202"/>
+                <a:gd name="csX10" fmla="*/ 2753590 w 3678382"/>
+                <a:gd name="csY10" fmla="*/ 1828802 h 2025202"/>
+                <a:gd name="csX11" fmla="*/ 2852304 w 3678382"/>
+                <a:gd name="csY11" fmla="*/ 2 h 2025202"/>
+                <a:gd name="csX12" fmla="*/ 3070514 w 3678382"/>
+                <a:gd name="csY12" fmla="*/ 1839193 h 2025202"/>
+                <a:gd name="csX13" fmla="*/ 3678382 w 3678382"/>
+                <a:gd name="csY13" fmla="*/ 1865170 h 2025202"/>
+                <a:gd name="csX0" fmla="*/ 0 w 3678382"/>
+                <a:gd name="csY0" fmla="*/ 1943102 h 1979308"/>
+                <a:gd name="csX1" fmla="*/ 311727 w 3678382"/>
+                <a:gd name="csY1" fmla="*/ 1776847 h 1979308"/>
+                <a:gd name="csX2" fmla="*/ 368877 w 3678382"/>
+                <a:gd name="csY2" fmla="*/ 114302 h 1979308"/>
+                <a:gd name="csX3" fmla="*/ 472786 w 3678382"/>
+                <a:gd name="csY3" fmla="*/ 1698915 h 1979308"/>
+                <a:gd name="csX4" fmla="*/ 722168 w 3678382"/>
+                <a:gd name="csY4" fmla="*/ 1828802 h 1979308"/>
+                <a:gd name="csX5" fmla="*/ 779318 w 3678382"/>
+                <a:gd name="csY5" fmla="*/ 649434 h 1979308"/>
+                <a:gd name="csX6" fmla="*/ 852054 w 3678382"/>
+                <a:gd name="csY6" fmla="*/ 1750870 h 1979308"/>
+                <a:gd name="csX7" fmla="*/ 1620982 w 3678382"/>
+                <a:gd name="csY7" fmla="*/ 1719698 h 1979308"/>
+                <a:gd name="csX8" fmla="*/ 1771650 w 3678382"/>
+                <a:gd name="csY8" fmla="*/ 31174 h 1979308"/>
+                <a:gd name="csX9" fmla="*/ 1828800 w 3678382"/>
+                <a:gd name="csY9" fmla="*/ 1771652 h 1979308"/>
+                <a:gd name="csX10" fmla="*/ 2753590 w 3678382"/>
+                <a:gd name="csY10" fmla="*/ 1828802 h 1979308"/>
+                <a:gd name="csX11" fmla="*/ 2852304 w 3678382"/>
+                <a:gd name="csY11" fmla="*/ 2 h 1979308"/>
+                <a:gd name="csX12" fmla="*/ 3070514 w 3678382"/>
+                <a:gd name="csY12" fmla="*/ 1839193 h 1979308"/>
+                <a:gd name="csX13" fmla="*/ 3678382 w 3678382"/>
+                <a:gd name="csY13" fmla="*/ 1865170 h 1979308"/>
+                <a:gd name="csX0" fmla="*/ 0 w 3678382"/>
+                <a:gd name="csY0" fmla="*/ 1943102 h 1979308"/>
+                <a:gd name="csX1" fmla="*/ 311727 w 3678382"/>
+                <a:gd name="csY1" fmla="*/ 1776847 h 1979308"/>
+                <a:gd name="csX2" fmla="*/ 368877 w 3678382"/>
+                <a:gd name="csY2" fmla="*/ 114302 h 1979308"/>
+                <a:gd name="csX3" fmla="*/ 472786 w 3678382"/>
+                <a:gd name="csY3" fmla="*/ 1698915 h 1979308"/>
+                <a:gd name="csX4" fmla="*/ 722168 w 3678382"/>
+                <a:gd name="csY4" fmla="*/ 1828802 h 1979308"/>
+                <a:gd name="csX5" fmla="*/ 779318 w 3678382"/>
+                <a:gd name="csY5" fmla="*/ 649434 h 1979308"/>
+                <a:gd name="csX6" fmla="*/ 852054 w 3678382"/>
+                <a:gd name="csY6" fmla="*/ 1750870 h 1979308"/>
+                <a:gd name="csX7" fmla="*/ 1620982 w 3678382"/>
+                <a:gd name="csY7" fmla="*/ 1719698 h 1979308"/>
+                <a:gd name="csX8" fmla="*/ 1771650 w 3678382"/>
+                <a:gd name="csY8" fmla="*/ 31174 h 1979308"/>
+                <a:gd name="csX9" fmla="*/ 1963882 w 3678382"/>
+                <a:gd name="csY9" fmla="*/ 1724893 h 1979308"/>
+                <a:gd name="csX10" fmla="*/ 2753590 w 3678382"/>
+                <a:gd name="csY10" fmla="*/ 1828802 h 1979308"/>
+                <a:gd name="csX11" fmla="*/ 2852304 w 3678382"/>
+                <a:gd name="csY11" fmla="*/ 2 h 1979308"/>
+                <a:gd name="csX12" fmla="*/ 3070514 w 3678382"/>
+                <a:gd name="csY12" fmla="*/ 1839193 h 1979308"/>
+                <a:gd name="csX13" fmla="*/ 3678382 w 3678382"/>
+                <a:gd name="csY13" fmla="*/ 1865170 h 1979308"/>
+                <a:gd name="csX0" fmla="*/ 0 w 3678382"/>
+                <a:gd name="csY0" fmla="*/ 1943137 h 1979343"/>
+                <a:gd name="csX1" fmla="*/ 311727 w 3678382"/>
+                <a:gd name="csY1" fmla="*/ 1776882 h 1979343"/>
+                <a:gd name="csX2" fmla="*/ 368877 w 3678382"/>
+                <a:gd name="csY2" fmla="*/ 114337 h 1979343"/>
+                <a:gd name="csX3" fmla="*/ 472786 w 3678382"/>
+                <a:gd name="csY3" fmla="*/ 1698950 h 1979343"/>
+                <a:gd name="csX4" fmla="*/ 722168 w 3678382"/>
+                <a:gd name="csY4" fmla="*/ 1828837 h 1979343"/>
+                <a:gd name="csX5" fmla="*/ 779318 w 3678382"/>
+                <a:gd name="csY5" fmla="*/ 649469 h 1979343"/>
+                <a:gd name="csX6" fmla="*/ 852054 w 3678382"/>
+                <a:gd name="csY6" fmla="*/ 1750905 h 1979343"/>
+                <a:gd name="csX7" fmla="*/ 1620982 w 3678382"/>
+                <a:gd name="csY7" fmla="*/ 1719733 h 1979343"/>
+                <a:gd name="csX8" fmla="*/ 1771650 w 3678382"/>
+                <a:gd name="csY8" fmla="*/ 31209 h 1979343"/>
+                <a:gd name="csX9" fmla="*/ 1963882 w 3678382"/>
+                <a:gd name="csY9" fmla="*/ 1724928 h 1979343"/>
+                <a:gd name="csX10" fmla="*/ 2732809 w 3678382"/>
+                <a:gd name="csY10" fmla="*/ 1787273 h 1979343"/>
+                <a:gd name="csX11" fmla="*/ 2852304 w 3678382"/>
+                <a:gd name="csY11" fmla="*/ 37 h 1979343"/>
+                <a:gd name="csX12" fmla="*/ 3070514 w 3678382"/>
+                <a:gd name="csY12" fmla="*/ 1839228 h 1979343"/>
+                <a:gd name="csX13" fmla="*/ 3678382 w 3678382"/>
+                <a:gd name="csY13" fmla="*/ 1865205 h 1979343"/>
+                <a:gd name="csX0" fmla="*/ 0 w 3678382"/>
+                <a:gd name="csY0" fmla="*/ 1943137 h 1979343"/>
+                <a:gd name="csX1" fmla="*/ 311727 w 3678382"/>
+                <a:gd name="csY1" fmla="*/ 1776882 h 1979343"/>
+                <a:gd name="csX2" fmla="*/ 368877 w 3678382"/>
+                <a:gd name="csY2" fmla="*/ 114337 h 1979343"/>
+                <a:gd name="csX3" fmla="*/ 472786 w 3678382"/>
+                <a:gd name="csY3" fmla="*/ 1698950 h 1979343"/>
+                <a:gd name="csX4" fmla="*/ 722168 w 3678382"/>
+                <a:gd name="csY4" fmla="*/ 1828837 h 1979343"/>
+                <a:gd name="csX5" fmla="*/ 779318 w 3678382"/>
+                <a:gd name="csY5" fmla="*/ 649469 h 1979343"/>
+                <a:gd name="csX6" fmla="*/ 852054 w 3678382"/>
+                <a:gd name="csY6" fmla="*/ 1750905 h 1979343"/>
+                <a:gd name="csX7" fmla="*/ 1620982 w 3678382"/>
+                <a:gd name="csY7" fmla="*/ 1719733 h 1979343"/>
+                <a:gd name="csX8" fmla="*/ 1771650 w 3678382"/>
+                <a:gd name="csY8" fmla="*/ 31209 h 1979343"/>
+                <a:gd name="csX9" fmla="*/ 1963882 w 3678382"/>
+                <a:gd name="csY9" fmla="*/ 1724928 h 1979343"/>
+                <a:gd name="csX10" fmla="*/ 2732809 w 3678382"/>
+                <a:gd name="csY10" fmla="*/ 1787273 h 1979343"/>
+                <a:gd name="csX11" fmla="*/ 2852304 w 3678382"/>
+                <a:gd name="csY11" fmla="*/ 37 h 1979343"/>
+                <a:gd name="csX12" fmla="*/ 3070514 w 3678382"/>
+                <a:gd name="csY12" fmla="*/ 1839228 h 1979343"/>
+                <a:gd name="csX13" fmla="*/ 3678382 w 3678382"/>
+                <a:gd name="csY13" fmla="*/ 1865205 h 1979343"/>
+                <a:gd name="csX0" fmla="*/ 0 w 3678382"/>
+                <a:gd name="csY0" fmla="*/ 1943136 h 1979342"/>
+                <a:gd name="csX1" fmla="*/ 311727 w 3678382"/>
+                <a:gd name="csY1" fmla="*/ 1776881 h 1979342"/>
+                <a:gd name="csX2" fmla="*/ 368877 w 3678382"/>
+                <a:gd name="csY2" fmla="*/ 114336 h 1979342"/>
+                <a:gd name="csX3" fmla="*/ 472786 w 3678382"/>
+                <a:gd name="csY3" fmla="*/ 1698949 h 1979342"/>
+                <a:gd name="csX4" fmla="*/ 722168 w 3678382"/>
+                <a:gd name="csY4" fmla="*/ 1828836 h 1979342"/>
+                <a:gd name="csX5" fmla="*/ 779318 w 3678382"/>
+                <a:gd name="csY5" fmla="*/ 649468 h 1979342"/>
+                <a:gd name="csX6" fmla="*/ 852054 w 3678382"/>
+                <a:gd name="csY6" fmla="*/ 1750904 h 1979342"/>
+                <a:gd name="csX7" fmla="*/ 1620982 w 3678382"/>
+                <a:gd name="csY7" fmla="*/ 1719732 h 1979342"/>
+                <a:gd name="csX8" fmla="*/ 1771650 w 3678382"/>
+                <a:gd name="csY8" fmla="*/ 31208 h 1979342"/>
+                <a:gd name="csX9" fmla="*/ 1963882 w 3678382"/>
+                <a:gd name="csY9" fmla="*/ 1724927 h 1979342"/>
+                <a:gd name="csX10" fmla="*/ 2732809 w 3678382"/>
+                <a:gd name="csY10" fmla="*/ 1787272 h 1979342"/>
+                <a:gd name="csX11" fmla="*/ 2852304 w 3678382"/>
+                <a:gd name="csY11" fmla="*/ 36 h 1979342"/>
+                <a:gd name="csX12" fmla="*/ 3070514 w 3678382"/>
+                <a:gd name="csY12" fmla="*/ 1839227 h 1979342"/>
+                <a:gd name="csX13" fmla="*/ 3678382 w 3678382"/>
+                <a:gd name="csY13" fmla="*/ 1865204 h 1979342"/>
+                <a:gd name="csX0" fmla="*/ 0 w 3678382"/>
+                <a:gd name="csY0" fmla="*/ 1943133 h 1979339"/>
+                <a:gd name="csX1" fmla="*/ 311727 w 3678382"/>
+                <a:gd name="csY1" fmla="*/ 1776878 h 1979339"/>
+                <a:gd name="csX2" fmla="*/ 368877 w 3678382"/>
+                <a:gd name="csY2" fmla="*/ 114333 h 1979339"/>
+                <a:gd name="csX3" fmla="*/ 472786 w 3678382"/>
+                <a:gd name="csY3" fmla="*/ 1698946 h 1979339"/>
+                <a:gd name="csX4" fmla="*/ 722168 w 3678382"/>
+                <a:gd name="csY4" fmla="*/ 1828833 h 1979339"/>
+                <a:gd name="csX5" fmla="*/ 779318 w 3678382"/>
+                <a:gd name="csY5" fmla="*/ 649465 h 1979339"/>
+                <a:gd name="csX6" fmla="*/ 852054 w 3678382"/>
+                <a:gd name="csY6" fmla="*/ 1750901 h 1979339"/>
+                <a:gd name="csX7" fmla="*/ 1620982 w 3678382"/>
+                <a:gd name="csY7" fmla="*/ 1719729 h 1979339"/>
+                <a:gd name="csX8" fmla="*/ 1771650 w 3678382"/>
+                <a:gd name="csY8" fmla="*/ 31205 h 1979339"/>
+                <a:gd name="csX9" fmla="*/ 1963882 w 3678382"/>
+                <a:gd name="csY9" fmla="*/ 1724924 h 1979339"/>
+                <a:gd name="csX10" fmla="*/ 2732809 w 3678382"/>
+                <a:gd name="csY10" fmla="*/ 1787269 h 1979339"/>
+                <a:gd name="csX11" fmla="*/ 2852304 w 3678382"/>
+                <a:gd name="csY11" fmla="*/ 33 h 1979339"/>
+                <a:gd name="csX12" fmla="*/ 3070514 w 3678382"/>
+                <a:gd name="csY12" fmla="*/ 1839224 h 1979339"/>
+                <a:gd name="csX13" fmla="*/ 3678382 w 3678382"/>
+                <a:gd name="csY13" fmla="*/ 1865201 h 1979339"/>
+                <a:gd name="csX0" fmla="*/ 0 w 3678382"/>
+                <a:gd name="csY0" fmla="*/ 1943133 h 1979339"/>
+                <a:gd name="csX1" fmla="*/ 311727 w 3678382"/>
+                <a:gd name="csY1" fmla="*/ 1776878 h 1979339"/>
+                <a:gd name="csX2" fmla="*/ 368877 w 3678382"/>
+                <a:gd name="csY2" fmla="*/ 114333 h 1979339"/>
+                <a:gd name="csX3" fmla="*/ 472786 w 3678382"/>
+                <a:gd name="csY3" fmla="*/ 1698946 h 1979339"/>
+                <a:gd name="csX4" fmla="*/ 722168 w 3678382"/>
+                <a:gd name="csY4" fmla="*/ 1828833 h 1979339"/>
+                <a:gd name="csX5" fmla="*/ 779318 w 3678382"/>
+                <a:gd name="csY5" fmla="*/ 649465 h 1979339"/>
+                <a:gd name="csX6" fmla="*/ 852054 w 3678382"/>
+                <a:gd name="csY6" fmla="*/ 1750901 h 1979339"/>
+                <a:gd name="csX7" fmla="*/ 1620982 w 3678382"/>
+                <a:gd name="csY7" fmla="*/ 1719729 h 1979339"/>
+                <a:gd name="csX8" fmla="*/ 1771650 w 3678382"/>
+                <a:gd name="csY8" fmla="*/ 31205 h 1979339"/>
+                <a:gd name="csX9" fmla="*/ 1963882 w 3678382"/>
+                <a:gd name="csY9" fmla="*/ 1724924 h 1979339"/>
+                <a:gd name="csX10" fmla="*/ 2732809 w 3678382"/>
+                <a:gd name="csY10" fmla="*/ 1787269 h 1979339"/>
+                <a:gd name="csX11" fmla="*/ 2852304 w 3678382"/>
+                <a:gd name="csY11" fmla="*/ 33 h 1979339"/>
+                <a:gd name="csX12" fmla="*/ 3070514 w 3678382"/>
+                <a:gd name="csY12" fmla="*/ 1839224 h 1979339"/>
+                <a:gd name="csX13" fmla="*/ 3678382 w 3678382"/>
+                <a:gd name="csY13" fmla="*/ 1865201 h 1979339"/>
+                <a:gd name="csX0" fmla="*/ 0 w 3678382"/>
+                <a:gd name="csY0" fmla="*/ 1943133 h 1979339"/>
+                <a:gd name="csX1" fmla="*/ 311727 w 3678382"/>
+                <a:gd name="csY1" fmla="*/ 1776878 h 1979339"/>
+                <a:gd name="csX2" fmla="*/ 368877 w 3678382"/>
+                <a:gd name="csY2" fmla="*/ 114333 h 1979339"/>
+                <a:gd name="csX3" fmla="*/ 472786 w 3678382"/>
+                <a:gd name="csY3" fmla="*/ 1698946 h 1979339"/>
+                <a:gd name="csX4" fmla="*/ 722168 w 3678382"/>
+                <a:gd name="csY4" fmla="*/ 1828833 h 1979339"/>
+                <a:gd name="csX5" fmla="*/ 779318 w 3678382"/>
+                <a:gd name="csY5" fmla="*/ 649465 h 1979339"/>
+                <a:gd name="csX6" fmla="*/ 852054 w 3678382"/>
+                <a:gd name="csY6" fmla="*/ 1750901 h 1979339"/>
+                <a:gd name="csX7" fmla="*/ 1620982 w 3678382"/>
+                <a:gd name="csY7" fmla="*/ 1719729 h 1979339"/>
+                <a:gd name="csX8" fmla="*/ 1771650 w 3678382"/>
+                <a:gd name="csY8" fmla="*/ 31205 h 1979339"/>
+                <a:gd name="csX9" fmla="*/ 1963882 w 3678382"/>
+                <a:gd name="csY9" fmla="*/ 1724924 h 1979339"/>
+                <a:gd name="csX10" fmla="*/ 2732809 w 3678382"/>
+                <a:gd name="csY10" fmla="*/ 1787269 h 1979339"/>
+                <a:gd name="csX11" fmla="*/ 2852304 w 3678382"/>
+                <a:gd name="csY11" fmla="*/ 33 h 1979339"/>
+                <a:gd name="csX12" fmla="*/ 3070514 w 3678382"/>
+                <a:gd name="csY12" fmla="*/ 1839224 h 1979339"/>
+                <a:gd name="csX13" fmla="*/ 3678382 w 3678382"/>
+                <a:gd name="csY13" fmla="*/ 1865201 h 1979339"/>
+                <a:gd name="csX0" fmla="*/ 0 w 3678382"/>
+                <a:gd name="csY0" fmla="*/ 1943133 h 1979339"/>
+                <a:gd name="csX1" fmla="*/ 311727 w 3678382"/>
+                <a:gd name="csY1" fmla="*/ 1776878 h 1979339"/>
+                <a:gd name="csX2" fmla="*/ 368877 w 3678382"/>
+                <a:gd name="csY2" fmla="*/ 114333 h 1979339"/>
+                <a:gd name="csX3" fmla="*/ 472786 w 3678382"/>
+                <a:gd name="csY3" fmla="*/ 1698946 h 1979339"/>
+                <a:gd name="csX4" fmla="*/ 722168 w 3678382"/>
+                <a:gd name="csY4" fmla="*/ 1828833 h 1979339"/>
+                <a:gd name="csX5" fmla="*/ 779318 w 3678382"/>
+                <a:gd name="csY5" fmla="*/ 649465 h 1979339"/>
+                <a:gd name="csX6" fmla="*/ 852054 w 3678382"/>
+                <a:gd name="csY6" fmla="*/ 1750901 h 1979339"/>
+                <a:gd name="csX7" fmla="*/ 1620982 w 3678382"/>
+                <a:gd name="csY7" fmla="*/ 1719729 h 1979339"/>
+                <a:gd name="csX8" fmla="*/ 1771650 w 3678382"/>
+                <a:gd name="csY8" fmla="*/ 31205 h 1979339"/>
+                <a:gd name="csX9" fmla="*/ 1963882 w 3678382"/>
+                <a:gd name="csY9" fmla="*/ 1724924 h 1979339"/>
+                <a:gd name="csX10" fmla="*/ 2732809 w 3678382"/>
+                <a:gd name="csY10" fmla="*/ 1787269 h 1979339"/>
+                <a:gd name="csX11" fmla="*/ 2852304 w 3678382"/>
+                <a:gd name="csY11" fmla="*/ 33 h 1979339"/>
+                <a:gd name="csX12" fmla="*/ 3070514 w 3678382"/>
+                <a:gd name="csY12" fmla="*/ 1839224 h 1979339"/>
+                <a:gd name="csX13" fmla="*/ 3678382 w 3678382"/>
+                <a:gd name="csY13" fmla="*/ 1865201 h 1979339"/>
+                <a:gd name="csX0" fmla="*/ 0 w 3678382"/>
+                <a:gd name="csY0" fmla="*/ 1943133 h 1979339"/>
+                <a:gd name="csX1" fmla="*/ 311727 w 3678382"/>
+                <a:gd name="csY1" fmla="*/ 1776878 h 1979339"/>
+                <a:gd name="csX2" fmla="*/ 368877 w 3678382"/>
+                <a:gd name="csY2" fmla="*/ 114333 h 1979339"/>
+                <a:gd name="csX3" fmla="*/ 472786 w 3678382"/>
+                <a:gd name="csY3" fmla="*/ 1698946 h 1979339"/>
+                <a:gd name="csX4" fmla="*/ 722168 w 3678382"/>
+                <a:gd name="csY4" fmla="*/ 1828833 h 1979339"/>
+                <a:gd name="csX5" fmla="*/ 779318 w 3678382"/>
+                <a:gd name="csY5" fmla="*/ 649465 h 1979339"/>
+                <a:gd name="csX6" fmla="*/ 852054 w 3678382"/>
+                <a:gd name="csY6" fmla="*/ 1750901 h 1979339"/>
+                <a:gd name="csX7" fmla="*/ 1620982 w 3678382"/>
+                <a:gd name="csY7" fmla="*/ 1719729 h 1979339"/>
+                <a:gd name="csX8" fmla="*/ 1771650 w 3678382"/>
+                <a:gd name="csY8" fmla="*/ 31205 h 1979339"/>
+                <a:gd name="csX9" fmla="*/ 1963882 w 3678382"/>
+                <a:gd name="csY9" fmla="*/ 1724924 h 1979339"/>
+                <a:gd name="csX10" fmla="*/ 2732809 w 3678382"/>
+                <a:gd name="csY10" fmla="*/ 1787269 h 1979339"/>
+                <a:gd name="csX11" fmla="*/ 2852304 w 3678382"/>
+                <a:gd name="csY11" fmla="*/ 33 h 1979339"/>
+                <a:gd name="csX12" fmla="*/ 3070514 w 3678382"/>
+                <a:gd name="csY12" fmla="*/ 1839224 h 1979339"/>
+                <a:gd name="csX13" fmla="*/ 3678382 w 3678382"/>
+                <a:gd name="csY13" fmla="*/ 1865201 h 1979339"/>
+                <a:gd name="csX0" fmla="*/ 0 w 3678382"/>
+                <a:gd name="csY0" fmla="*/ 1943121 h 1979327"/>
+                <a:gd name="csX1" fmla="*/ 311727 w 3678382"/>
+                <a:gd name="csY1" fmla="*/ 1776866 h 1979327"/>
+                <a:gd name="csX2" fmla="*/ 368877 w 3678382"/>
+                <a:gd name="csY2" fmla="*/ 114321 h 1979327"/>
+                <a:gd name="csX3" fmla="*/ 472786 w 3678382"/>
+                <a:gd name="csY3" fmla="*/ 1698934 h 1979327"/>
+                <a:gd name="csX4" fmla="*/ 722168 w 3678382"/>
+                <a:gd name="csY4" fmla="*/ 1828821 h 1979327"/>
+                <a:gd name="csX5" fmla="*/ 779318 w 3678382"/>
+                <a:gd name="csY5" fmla="*/ 649453 h 1979327"/>
+                <a:gd name="csX6" fmla="*/ 852054 w 3678382"/>
+                <a:gd name="csY6" fmla="*/ 1750889 h 1979327"/>
+                <a:gd name="csX7" fmla="*/ 1620982 w 3678382"/>
+                <a:gd name="csY7" fmla="*/ 1719717 h 1979327"/>
+                <a:gd name="csX8" fmla="*/ 1771650 w 3678382"/>
+                <a:gd name="csY8" fmla="*/ 31193 h 1979327"/>
+                <a:gd name="csX9" fmla="*/ 1963882 w 3678382"/>
+                <a:gd name="csY9" fmla="*/ 1724912 h 1979327"/>
+                <a:gd name="csX10" fmla="*/ 2732809 w 3678382"/>
+                <a:gd name="csY10" fmla="*/ 1787257 h 1979327"/>
+                <a:gd name="csX11" fmla="*/ 2852304 w 3678382"/>
+                <a:gd name="csY11" fmla="*/ 21 h 1979327"/>
+                <a:gd name="csX12" fmla="*/ 3070514 w 3678382"/>
+                <a:gd name="csY12" fmla="*/ 1839212 h 1979327"/>
+                <a:gd name="csX13" fmla="*/ 3678382 w 3678382"/>
+                <a:gd name="csY13" fmla="*/ 1865189 h 1979327"/>
+                <a:gd name="csX0" fmla="*/ 0 w 3678382"/>
+                <a:gd name="csY0" fmla="*/ 1943121 h 1979327"/>
+                <a:gd name="csX1" fmla="*/ 311727 w 3678382"/>
+                <a:gd name="csY1" fmla="*/ 1776866 h 1979327"/>
+                <a:gd name="csX2" fmla="*/ 368877 w 3678382"/>
+                <a:gd name="csY2" fmla="*/ 114321 h 1979327"/>
+                <a:gd name="csX3" fmla="*/ 472786 w 3678382"/>
+                <a:gd name="csY3" fmla="*/ 1698934 h 1979327"/>
+                <a:gd name="csX4" fmla="*/ 722168 w 3678382"/>
+                <a:gd name="csY4" fmla="*/ 1828821 h 1979327"/>
+                <a:gd name="csX5" fmla="*/ 779318 w 3678382"/>
+                <a:gd name="csY5" fmla="*/ 649453 h 1979327"/>
+                <a:gd name="csX6" fmla="*/ 888422 w 3678382"/>
+                <a:gd name="csY6" fmla="*/ 1745693 h 1979327"/>
+                <a:gd name="csX7" fmla="*/ 1620982 w 3678382"/>
+                <a:gd name="csY7" fmla="*/ 1719717 h 1979327"/>
+                <a:gd name="csX8" fmla="*/ 1771650 w 3678382"/>
+                <a:gd name="csY8" fmla="*/ 31193 h 1979327"/>
+                <a:gd name="csX9" fmla="*/ 1963882 w 3678382"/>
+                <a:gd name="csY9" fmla="*/ 1724912 h 1979327"/>
+                <a:gd name="csX10" fmla="*/ 2732809 w 3678382"/>
+                <a:gd name="csY10" fmla="*/ 1787257 h 1979327"/>
+                <a:gd name="csX11" fmla="*/ 2852304 w 3678382"/>
+                <a:gd name="csY11" fmla="*/ 21 h 1979327"/>
+                <a:gd name="csX12" fmla="*/ 3070514 w 3678382"/>
+                <a:gd name="csY12" fmla="*/ 1839212 h 1979327"/>
+                <a:gd name="csX13" fmla="*/ 3678382 w 3678382"/>
+                <a:gd name="csY13" fmla="*/ 1865189 h 1979327"/>
+                <a:gd name="csX0" fmla="*/ 0 w 3678382"/>
+                <a:gd name="csY0" fmla="*/ 1943121 h 1979327"/>
+                <a:gd name="csX1" fmla="*/ 311727 w 3678382"/>
+                <a:gd name="csY1" fmla="*/ 1776866 h 1979327"/>
+                <a:gd name="csX2" fmla="*/ 368877 w 3678382"/>
+                <a:gd name="csY2" fmla="*/ 114321 h 1979327"/>
+                <a:gd name="csX3" fmla="*/ 472786 w 3678382"/>
+                <a:gd name="csY3" fmla="*/ 1698934 h 1979327"/>
+                <a:gd name="csX4" fmla="*/ 722168 w 3678382"/>
+                <a:gd name="csY4" fmla="*/ 1828821 h 1979327"/>
+                <a:gd name="csX5" fmla="*/ 779318 w 3678382"/>
+                <a:gd name="csY5" fmla="*/ 649453 h 1979327"/>
+                <a:gd name="csX6" fmla="*/ 888422 w 3678382"/>
+                <a:gd name="csY6" fmla="*/ 1745693 h 1979327"/>
+                <a:gd name="csX7" fmla="*/ 1620982 w 3678382"/>
+                <a:gd name="csY7" fmla="*/ 1719717 h 1979327"/>
+                <a:gd name="csX8" fmla="*/ 1771650 w 3678382"/>
+                <a:gd name="csY8" fmla="*/ 31193 h 1979327"/>
+                <a:gd name="csX9" fmla="*/ 1963882 w 3678382"/>
+                <a:gd name="csY9" fmla="*/ 1724912 h 1979327"/>
+                <a:gd name="csX10" fmla="*/ 2732809 w 3678382"/>
+                <a:gd name="csY10" fmla="*/ 1787257 h 1979327"/>
+                <a:gd name="csX11" fmla="*/ 2852304 w 3678382"/>
+                <a:gd name="csY11" fmla="*/ 21 h 1979327"/>
+                <a:gd name="csX12" fmla="*/ 3070514 w 3678382"/>
+                <a:gd name="csY12" fmla="*/ 1839212 h 1979327"/>
+                <a:gd name="csX13" fmla="*/ 3678382 w 3678382"/>
+                <a:gd name="csY13" fmla="*/ 1865189 h 1979327"/>
+                <a:gd name="csX0" fmla="*/ 0 w 3678382"/>
+                <a:gd name="csY0" fmla="*/ 1943121 h 1979327"/>
+                <a:gd name="csX1" fmla="*/ 311727 w 3678382"/>
+                <a:gd name="csY1" fmla="*/ 1776866 h 1979327"/>
+                <a:gd name="csX2" fmla="*/ 368877 w 3678382"/>
+                <a:gd name="csY2" fmla="*/ 114321 h 1979327"/>
+                <a:gd name="csX3" fmla="*/ 472786 w 3678382"/>
+                <a:gd name="csY3" fmla="*/ 1698934 h 1979327"/>
+                <a:gd name="csX4" fmla="*/ 722168 w 3678382"/>
+                <a:gd name="csY4" fmla="*/ 1828821 h 1979327"/>
+                <a:gd name="csX5" fmla="*/ 779318 w 3678382"/>
+                <a:gd name="csY5" fmla="*/ 649453 h 1979327"/>
+                <a:gd name="csX6" fmla="*/ 888422 w 3678382"/>
+                <a:gd name="csY6" fmla="*/ 1745693 h 1979327"/>
+                <a:gd name="csX7" fmla="*/ 1620982 w 3678382"/>
+                <a:gd name="csY7" fmla="*/ 1719717 h 1979327"/>
+                <a:gd name="csX8" fmla="*/ 1771650 w 3678382"/>
+                <a:gd name="csY8" fmla="*/ 31193 h 1979327"/>
+                <a:gd name="csX9" fmla="*/ 1963882 w 3678382"/>
+                <a:gd name="csY9" fmla="*/ 1724912 h 1979327"/>
+                <a:gd name="csX10" fmla="*/ 2732809 w 3678382"/>
+                <a:gd name="csY10" fmla="*/ 1787257 h 1979327"/>
+                <a:gd name="csX11" fmla="*/ 2852304 w 3678382"/>
+                <a:gd name="csY11" fmla="*/ 21 h 1979327"/>
+                <a:gd name="csX12" fmla="*/ 3070514 w 3678382"/>
+                <a:gd name="csY12" fmla="*/ 1839212 h 1979327"/>
+                <a:gd name="csX13" fmla="*/ 3678382 w 3678382"/>
+                <a:gd name="csY13" fmla="*/ 1865189 h 1979327"/>
+                <a:gd name="csX0" fmla="*/ 0 w 3678382"/>
+                <a:gd name="csY0" fmla="*/ 1943121 h 1979327"/>
+                <a:gd name="csX1" fmla="*/ 311727 w 3678382"/>
+                <a:gd name="csY1" fmla="*/ 1776866 h 1979327"/>
+                <a:gd name="csX2" fmla="*/ 368877 w 3678382"/>
+                <a:gd name="csY2" fmla="*/ 114321 h 1979327"/>
+                <a:gd name="csX3" fmla="*/ 472786 w 3678382"/>
+                <a:gd name="csY3" fmla="*/ 1698934 h 1979327"/>
+                <a:gd name="csX4" fmla="*/ 722168 w 3678382"/>
+                <a:gd name="csY4" fmla="*/ 1828821 h 1979327"/>
+                <a:gd name="csX5" fmla="*/ 779318 w 3678382"/>
+                <a:gd name="csY5" fmla="*/ 649453 h 1979327"/>
+                <a:gd name="csX6" fmla="*/ 888422 w 3678382"/>
+                <a:gd name="csY6" fmla="*/ 1745693 h 1979327"/>
+                <a:gd name="csX7" fmla="*/ 1620982 w 3678382"/>
+                <a:gd name="csY7" fmla="*/ 1719717 h 1979327"/>
+                <a:gd name="csX8" fmla="*/ 1771650 w 3678382"/>
+                <a:gd name="csY8" fmla="*/ 31193 h 1979327"/>
+                <a:gd name="csX9" fmla="*/ 1963882 w 3678382"/>
+                <a:gd name="csY9" fmla="*/ 1724912 h 1979327"/>
+                <a:gd name="csX10" fmla="*/ 2732809 w 3678382"/>
+                <a:gd name="csY10" fmla="*/ 1787257 h 1979327"/>
+                <a:gd name="csX11" fmla="*/ 2852304 w 3678382"/>
+                <a:gd name="csY11" fmla="*/ 21 h 1979327"/>
+                <a:gd name="csX12" fmla="*/ 3070514 w 3678382"/>
+                <a:gd name="csY12" fmla="*/ 1839212 h 1979327"/>
+                <a:gd name="csX13" fmla="*/ 3678382 w 3678382"/>
+                <a:gd name="csY13" fmla="*/ 1865189 h 1979327"/>
+                <a:gd name="csX0" fmla="*/ 0 w 3678382"/>
+                <a:gd name="csY0" fmla="*/ 1943121 h 1979327"/>
+                <a:gd name="csX1" fmla="*/ 311727 w 3678382"/>
+                <a:gd name="csY1" fmla="*/ 1776866 h 1979327"/>
+                <a:gd name="csX2" fmla="*/ 368877 w 3678382"/>
+                <a:gd name="csY2" fmla="*/ 114321 h 1979327"/>
+                <a:gd name="csX3" fmla="*/ 472786 w 3678382"/>
+                <a:gd name="csY3" fmla="*/ 1698934 h 1979327"/>
+                <a:gd name="csX4" fmla="*/ 722168 w 3678382"/>
+                <a:gd name="csY4" fmla="*/ 1828821 h 1979327"/>
+                <a:gd name="csX5" fmla="*/ 779318 w 3678382"/>
+                <a:gd name="csY5" fmla="*/ 649453 h 1979327"/>
+                <a:gd name="csX6" fmla="*/ 888422 w 3678382"/>
+                <a:gd name="csY6" fmla="*/ 1745693 h 1979327"/>
+                <a:gd name="csX7" fmla="*/ 1620982 w 3678382"/>
+                <a:gd name="csY7" fmla="*/ 1719717 h 1979327"/>
+                <a:gd name="csX8" fmla="*/ 1771650 w 3678382"/>
+                <a:gd name="csY8" fmla="*/ 31193 h 1979327"/>
+                <a:gd name="csX9" fmla="*/ 1963882 w 3678382"/>
+                <a:gd name="csY9" fmla="*/ 1724912 h 1979327"/>
+                <a:gd name="csX10" fmla="*/ 2732809 w 3678382"/>
+                <a:gd name="csY10" fmla="*/ 1787257 h 1979327"/>
+                <a:gd name="csX11" fmla="*/ 2852304 w 3678382"/>
+                <a:gd name="csY11" fmla="*/ 21 h 1979327"/>
+                <a:gd name="csX12" fmla="*/ 3070514 w 3678382"/>
+                <a:gd name="csY12" fmla="*/ 1839212 h 1979327"/>
+                <a:gd name="csX13" fmla="*/ 3678382 w 3678382"/>
+                <a:gd name="csY13" fmla="*/ 1865189 h 1979327"/>
+                <a:gd name="csX0" fmla="*/ 0 w 3678382"/>
+                <a:gd name="csY0" fmla="*/ 1943121 h 1979327"/>
+                <a:gd name="csX1" fmla="*/ 311727 w 3678382"/>
+                <a:gd name="csY1" fmla="*/ 1776866 h 1979327"/>
+                <a:gd name="csX2" fmla="*/ 368877 w 3678382"/>
+                <a:gd name="csY2" fmla="*/ 114321 h 1979327"/>
+                <a:gd name="csX3" fmla="*/ 472786 w 3678382"/>
+                <a:gd name="csY3" fmla="*/ 1698934 h 1979327"/>
+                <a:gd name="csX4" fmla="*/ 722168 w 3678382"/>
+                <a:gd name="csY4" fmla="*/ 1828821 h 1979327"/>
+                <a:gd name="csX5" fmla="*/ 779318 w 3678382"/>
+                <a:gd name="csY5" fmla="*/ 649453 h 1979327"/>
+                <a:gd name="csX6" fmla="*/ 888422 w 3678382"/>
+                <a:gd name="csY6" fmla="*/ 1745693 h 1979327"/>
+                <a:gd name="csX7" fmla="*/ 1620982 w 3678382"/>
+                <a:gd name="csY7" fmla="*/ 1719717 h 1979327"/>
+                <a:gd name="csX8" fmla="*/ 1771650 w 3678382"/>
+                <a:gd name="csY8" fmla="*/ 31193 h 1979327"/>
+                <a:gd name="csX9" fmla="*/ 1963882 w 3678382"/>
+                <a:gd name="csY9" fmla="*/ 1724912 h 1979327"/>
+                <a:gd name="csX10" fmla="*/ 2732809 w 3678382"/>
+                <a:gd name="csY10" fmla="*/ 1787257 h 1979327"/>
+                <a:gd name="csX11" fmla="*/ 2852304 w 3678382"/>
+                <a:gd name="csY11" fmla="*/ 21 h 1979327"/>
+                <a:gd name="csX12" fmla="*/ 3070514 w 3678382"/>
+                <a:gd name="csY12" fmla="*/ 1839212 h 1979327"/>
+                <a:gd name="csX13" fmla="*/ 3678382 w 3678382"/>
+                <a:gd name="csY13" fmla="*/ 1865189 h 1979327"/>
+                <a:gd name="csX0" fmla="*/ 0 w 3678382"/>
+                <a:gd name="csY0" fmla="*/ 1943121 h 1959302"/>
+                <a:gd name="csX1" fmla="*/ 311727 w 3678382"/>
+                <a:gd name="csY1" fmla="*/ 1776866 h 1959302"/>
+                <a:gd name="csX2" fmla="*/ 368877 w 3678382"/>
+                <a:gd name="csY2" fmla="*/ 114321 h 1959302"/>
+                <a:gd name="csX3" fmla="*/ 472786 w 3678382"/>
+                <a:gd name="csY3" fmla="*/ 1698934 h 1959302"/>
+                <a:gd name="csX4" fmla="*/ 722168 w 3678382"/>
+                <a:gd name="csY4" fmla="*/ 1828821 h 1959302"/>
+                <a:gd name="csX5" fmla="*/ 779318 w 3678382"/>
+                <a:gd name="csY5" fmla="*/ 649453 h 1959302"/>
+                <a:gd name="csX6" fmla="*/ 888422 w 3678382"/>
+                <a:gd name="csY6" fmla="*/ 1745693 h 1959302"/>
+                <a:gd name="csX7" fmla="*/ 1620982 w 3678382"/>
+                <a:gd name="csY7" fmla="*/ 1719717 h 1959302"/>
+                <a:gd name="csX8" fmla="*/ 1771650 w 3678382"/>
+                <a:gd name="csY8" fmla="*/ 31193 h 1959302"/>
+                <a:gd name="csX9" fmla="*/ 1963882 w 3678382"/>
+                <a:gd name="csY9" fmla="*/ 1724912 h 1959302"/>
+                <a:gd name="csX10" fmla="*/ 2732809 w 3678382"/>
+                <a:gd name="csY10" fmla="*/ 1787257 h 1959302"/>
+                <a:gd name="csX11" fmla="*/ 2852304 w 3678382"/>
+                <a:gd name="csY11" fmla="*/ 21 h 1959302"/>
+                <a:gd name="csX12" fmla="*/ 3070514 w 3678382"/>
+                <a:gd name="csY12" fmla="*/ 1839212 h 1959302"/>
+                <a:gd name="csX13" fmla="*/ 3678382 w 3678382"/>
+                <a:gd name="csY13" fmla="*/ 1865189 h 1959302"/>
+              </a:gdLst>
+              <a:ahLst/>
+              <a:cxnLst>
+                <a:cxn ang="0">
+                  <a:pos x="csX0" y="csY0"/>
+                </a:cxn>
+                <a:cxn ang="0">
+                  <a:pos x="csX1" y="csY1"/>
+                </a:cxn>
+                <a:cxn ang="0">
+                  <a:pos x="csX2" y="csY2"/>
+                </a:cxn>
+                <a:cxn ang="0">
+                  <a:pos x="csX3" y="csY3"/>
+                </a:cxn>
+                <a:cxn ang="0">
+                  <a:pos x="csX4" y="csY4"/>
+                </a:cxn>
+                <a:cxn ang="0">
+                  <a:pos x="csX5" y="csY5"/>
+                </a:cxn>
+                <a:cxn ang="0">
+                  <a:pos x="csX6" y="csY6"/>
+                </a:cxn>
+                <a:cxn ang="0">
+                  <a:pos x="csX7" y="csY7"/>
+                </a:cxn>
+                <a:cxn ang="0">
+                  <a:pos x="csX8" y="csY8"/>
+                </a:cxn>
+                <a:cxn ang="0">
+                  <a:pos x="csX9" y="csY9"/>
+                </a:cxn>
+                <a:cxn ang="0">
+                  <a:pos x="csX10" y="csY10"/>
+                </a:cxn>
+                <a:cxn ang="0">
+                  <a:pos x="csX11" y="csY11"/>
+                </a:cxn>
+                <a:cxn ang="0">
+                  <a:pos x="csX12" y="csY12"/>
+                </a:cxn>
+                <a:cxn ang="0">
+                  <a:pos x="csX13" y="csY13"/>
+                </a:cxn>
+              </a:cxnLst>
+              <a:rect l="l" t="t" r="r" b="b"/>
+              <a:pathLst>
+                <a:path w="3678382" h="1959302">
+                  <a:moveTo>
+                    <a:pt x="0" y="1943121"/>
+                  </a:moveTo>
+                  <a:cubicBezTo>
+                    <a:pt x="171883" y="1955243"/>
+                    <a:pt x="297006" y="1951779"/>
+                    <a:pt x="311727" y="1776866"/>
+                  </a:cubicBezTo>
+                  <a:cubicBezTo>
+                    <a:pt x="337804" y="1467023"/>
+                    <a:pt x="238125" y="85746"/>
+                    <a:pt x="368877" y="114321"/>
+                  </a:cubicBezTo>
+                  <a:cubicBezTo>
+                    <a:pt x="499629" y="142896"/>
+                    <a:pt x="413904" y="1413184"/>
+                    <a:pt x="472786" y="1698934"/>
+                  </a:cubicBezTo>
+                  <a:cubicBezTo>
+                    <a:pt x="531668" y="1984684"/>
+                    <a:pt x="671079" y="2003734"/>
+                    <a:pt x="722168" y="1828821"/>
+                  </a:cubicBezTo>
+                  <a:cubicBezTo>
+                    <a:pt x="773257" y="1653908"/>
+                    <a:pt x="748347" y="648733"/>
+                    <a:pt x="779318" y="649453"/>
+                  </a:cubicBezTo>
+                  <a:cubicBezTo>
+                    <a:pt x="853786" y="651184"/>
+                    <a:pt x="800100" y="1614075"/>
+                    <a:pt x="888422" y="1745693"/>
+                  </a:cubicBezTo>
+                  <a:cubicBezTo>
+                    <a:pt x="976744" y="1877311"/>
+                    <a:pt x="1473777" y="2005467"/>
+                    <a:pt x="1620982" y="1719717"/>
+                  </a:cubicBezTo>
+                  <a:cubicBezTo>
+                    <a:pt x="1768187" y="1433967"/>
+                    <a:pt x="1652155" y="19936"/>
+                    <a:pt x="1771650" y="31193"/>
+                  </a:cubicBezTo>
+                  <a:cubicBezTo>
+                    <a:pt x="1891145" y="42450"/>
+                    <a:pt x="1814080" y="1624467"/>
+                    <a:pt x="1963882" y="1724912"/>
+                  </a:cubicBezTo>
+                  <a:cubicBezTo>
+                    <a:pt x="2199464" y="1882874"/>
+                    <a:pt x="2582946" y="1907652"/>
+                    <a:pt x="2732809" y="1787257"/>
+                  </a:cubicBezTo>
+                  <a:cubicBezTo>
+                    <a:pt x="2839962" y="1701174"/>
+                    <a:pt x="2754456" y="6949"/>
+                    <a:pt x="2852304" y="21"/>
+                  </a:cubicBezTo>
+                  <a:cubicBezTo>
+                    <a:pt x="2950152" y="-6907"/>
+                    <a:pt x="2938030" y="1762146"/>
+                    <a:pt x="3070514" y="1839212"/>
+                  </a:cubicBezTo>
+                  <a:cubicBezTo>
+                    <a:pt x="3202998" y="1916278"/>
+                    <a:pt x="3388735" y="2051792"/>
+                    <a:pt x="3678382" y="1865189"/>
+                  </a:cubicBezTo>
+                </a:path>
+              </a:pathLst>
+            </a:custGeom>
+            <a:noFill/>
+            <a:ln w="19050">
+              <a:solidFill>
+                <a:srgbClr val="0070C0"/>
+              </a:solidFill>
+            </a:ln>
+          </p:spPr>
+          <p:style>
+            <a:lnRef idx="2">
+              <a:schemeClr val="accent1">
+                <a:shade val="15000"/>
+              </a:schemeClr>
+            </a:lnRef>
+            <a:fillRef idx="1">
+              <a:schemeClr val="accent1"/>
+            </a:fillRef>
+            <a:effectRef idx="0">
+              <a:schemeClr val="accent1"/>
+            </a:effectRef>
+            <a:fontRef idx="minor">
+              <a:schemeClr val="lt1"/>
+            </a:fontRef>
+          </p:style>
+          <p:txBody>
+            <a:bodyPr rtlCol="0" anchor="ctr"/>
+            <a:lstStyle/>
+            <a:p>
+              <a:pPr algn="ctr"/>
+              <a:endParaRPr lang="en-US" sz="1400" dirty="0"/>
+            </a:p>
+          </p:txBody>
+        </p:sp>
+        <p:cxnSp>
+          <p:nvCxnSpPr>
+            <p:cNvPr id="7" name="Straight Arrow Connector 6">
+              <a:extLst>
+                <a:ext uri="{FF2B5EF4-FFF2-40B4-BE49-F238E27FC236}">
+                  <a16:creationId xmlns:a16="http://schemas.microsoft.com/office/drawing/2014/main" id="{2F128789-90F8-0521-D157-125A8339D8D6}"/>
+                </a:ext>
+              </a:extLst>
+            </p:cNvPr>
+            <p:cNvCxnSpPr/>
+            <p:nvPr/>
+          </p:nvCxnSpPr>
+          <p:spPr>
+            <a:xfrm flipV="1">
+              <a:off x="561109" y="826077"/>
+              <a:ext cx="0" cy="2171700"/>
+            </a:xfrm>
+            <a:prstGeom prst="straightConnector1">
+              <a:avLst/>
+            </a:prstGeom>
+            <a:ln>
+              <a:solidFill>
+                <a:schemeClr val="tx1"/>
+              </a:solidFill>
+              <a:tailEnd type="triangle"/>
+            </a:ln>
+          </p:spPr>
+          <p:style>
+            <a:lnRef idx="2">
+              <a:schemeClr val="accent1"/>
+            </a:lnRef>
+            <a:fillRef idx="0">
+              <a:schemeClr val="accent1"/>
+            </a:fillRef>
+            <a:effectRef idx="1">
+              <a:schemeClr val="accent1"/>
+            </a:effectRef>
+            <a:fontRef idx="minor">
+              <a:schemeClr val="tx1"/>
+            </a:fontRef>
+          </p:style>
+        </p:cxnSp>
+        <p:sp>
+          <p:nvSpPr>
+            <p:cNvPr id="8" name="TextBox 7">
+              <a:extLst>
+                <a:ext uri="{FF2B5EF4-FFF2-40B4-BE49-F238E27FC236}">
+                  <a16:creationId xmlns:a16="http://schemas.microsoft.com/office/drawing/2014/main" id="{3EFD3C52-E95C-10B7-D8EF-DF8FEA676450}"/>
+                </a:ext>
+              </a:extLst>
+            </p:cNvPr>
+            <p:cNvSpPr txBox="1"/>
+            <p:nvPr/>
+          </p:nvSpPr>
+          <p:spPr>
+            <a:xfrm rot="16200000">
+              <a:off x="-527452" y="1716391"/>
+              <a:ext cx="1807790" cy="276999"/>
+            </a:xfrm>
+            <a:prstGeom prst="rect">
+              <a:avLst/>
+            </a:prstGeom>
+            <a:noFill/>
+          </p:spPr>
+          <p:txBody>
+            <a:bodyPr wrap="square" rtlCol="0">
+              <a:spAutoFit/>
+            </a:bodyPr>
+            <a:lstStyle/>
+            <a:p>
+              <a:pPr algn="ctr"/>
+              <a:r>
+                <a:rPr lang="en-US" sz="1200" dirty="0">
+                  <a:latin typeface="Times New Roman" panose="02020603050405020304" pitchFamily="18" charset="0"/>
+                  <a:cs typeface="Times New Roman" panose="02020603050405020304" pitchFamily="18" charset="0"/>
+                </a:rPr>
+                <a:t>Performance</a:t>
+              </a:r>
+            </a:p>
+          </p:txBody>
+        </p:sp>
+        <p:cxnSp>
+          <p:nvCxnSpPr>
+            <p:cNvPr id="10" name="Straight Connector 9">
+              <a:extLst>
+                <a:ext uri="{FF2B5EF4-FFF2-40B4-BE49-F238E27FC236}">
+                  <a16:creationId xmlns:a16="http://schemas.microsoft.com/office/drawing/2014/main" id="{DCCD45D2-72E6-A94C-3E4B-8913023476F7}"/>
+                </a:ext>
+              </a:extLst>
+            </p:cNvPr>
+            <p:cNvCxnSpPr/>
+            <p:nvPr/>
+          </p:nvCxnSpPr>
+          <p:spPr>
+            <a:xfrm>
+              <a:off x="545720" y="2997777"/>
+              <a:ext cx="3704162" cy="0"/>
+            </a:xfrm>
+            <a:prstGeom prst="line">
+              <a:avLst/>
+            </a:prstGeom>
+            <a:ln>
+              <a:solidFill>
+                <a:schemeClr val="tx1"/>
+              </a:solidFill>
+            </a:ln>
+          </p:spPr>
+          <p:style>
+            <a:lnRef idx="2">
+              <a:schemeClr val="accent1"/>
+            </a:lnRef>
+            <a:fillRef idx="0">
+              <a:schemeClr val="accent1"/>
+            </a:fillRef>
+            <a:effectRef idx="1">
+              <a:schemeClr val="accent1"/>
+            </a:effectRef>
+            <a:fontRef idx="minor">
+              <a:schemeClr val="tx1"/>
+            </a:fontRef>
+          </p:style>
+        </p:cxnSp>
+        <p:sp>
+          <p:nvSpPr>
+            <p:cNvPr id="11" name="TextBox 10">
+              <a:extLst>
+                <a:ext uri="{FF2B5EF4-FFF2-40B4-BE49-F238E27FC236}">
+                  <a16:creationId xmlns:a16="http://schemas.microsoft.com/office/drawing/2014/main" id="{34DBCD74-5E78-F415-DFE0-BB9EDFAE8854}"/>
+                </a:ext>
+              </a:extLst>
+            </p:cNvPr>
+            <p:cNvSpPr txBox="1"/>
+            <p:nvPr/>
+          </p:nvSpPr>
+          <p:spPr>
+            <a:xfrm>
+              <a:off x="497123" y="3010341"/>
+              <a:ext cx="1312081" cy="276999"/>
+            </a:xfrm>
+            <a:prstGeom prst="rect">
+              <a:avLst/>
+            </a:prstGeom>
+            <a:noFill/>
+          </p:spPr>
+          <p:txBody>
+            <a:bodyPr wrap="square" rtlCol="0">
+              <a:spAutoFit/>
+            </a:bodyPr>
+            <a:lstStyle/>
+            <a:p>
+              <a:pPr algn="ctr"/>
+              <a:r>
+                <a:rPr lang="en-US" sz="1200" dirty="0">
+                  <a:latin typeface="Times New Roman" panose="02020603050405020304" pitchFamily="18" charset="0"/>
+                  <a:cs typeface="Times New Roman" panose="02020603050405020304" pitchFamily="18" charset="0"/>
+                </a:rPr>
+                <a:t>Urban</a:t>
+              </a:r>
+            </a:p>
+          </p:txBody>
+        </p:sp>
+        <p:sp>
+          <p:nvSpPr>
+            <p:cNvPr id="12" name="TextBox 11">
+              <a:extLst>
+                <a:ext uri="{FF2B5EF4-FFF2-40B4-BE49-F238E27FC236}">
+                  <a16:creationId xmlns:a16="http://schemas.microsoft.com/office/drawing/2014/main" id="{FA1125C4-22EA-431D-9FCA-5B75E8895512}"/>
+                </a:ext>
+              </a:extLst>
+            </p:cNvPr>
+            <p:cNvSpPr txBox="1"/>
+            <p:nvPr/>
+          </p:nvSpPr>
+          <p:spPr>
+            <a:xfrm>
+              <a:off x="1717461" y="3010341"/>
+              <a:ext cx="1312081" cy="276999"/>
+            </a:xfrm>
+            <a:prstGeom prst="rect">
+              <a:avLst/>
+            </a:prstGeom>
+            <a:noFill/>
+          </p:spPr>
+          <p:txBody>
+            <a:bodyPr wrap="square" rtlCol="0">
+              <a:spAutoFit/>
+            </a:bodyPr>
+            <a:lstStyle/>
+            <a:p>
+              <a:pPr algn="ctr"/>
+              <a:r>
+                <a:rPr lang="en-US" sz="1200" dirty="0">
+                  <a:latin typeface="Times New Roman" panose="02020603050405020304" pitchFamily="18" charset="0"/>
+                  <a:cs typeface="Times New Roman" panose="02020603050405020304" pitchFamily="18" charset="0"/>
+                </a:rPr>
+                <a:t>Rural</a:t>
+              </a:r>
+            </a:p>
+          </p:txBody>
+        </p:sp>
+        <p:sp>
+          <p:nvSpPr>
+            <p:cNvPr id="13" name="TextBox 12">
+              <a:extLst>
+                <a:ext uri="{FF2B5EF4-FFF2-40B4-BE49-F238E27FC236}">
+                  <a16:creationId xmlns:a16="http://schemas.microsoft.com/office/drawing/2014/main" id="{E7806D22-1B36-C91D-75C2-87E9339BB81D}"/>
+                </a:ext>
+              </a:extLst>
+            </p:cNvPr>
+            <p:cNvSpPr txBox="1"/>
+            <p:nvPr/>
+          </p:nvSpPr>
+          <p:spPr>
+            <a:xfrm>
+              <a:off x="2937799" y="3010341"/>
+              <a:ext cx="1312081" cy="276999"/>
+            </a:xfrm>
+            <a:prstGeom prst="rect">
+              <a:avLst/>
+            </a:prstGeom>
+            <a:noFill/>
+          </p:spPr>
+          <p:txBody>
+            <a:bodyPr wrap="square" rtlCol="0">
+              <a:spAutoFit/>
+            </a:bodyPr>
+            <a:lstStyle/>
+            <a:p>
+              <a:pPr algn="ctr"/>
+              <a:r>
+                <a:rPr lang="en-US" sz="1200" dirty="0">
+                  <a:latin typeface="Times New Roman" panose="02020603050405020304" pitchFamily="18" charset="0"/>
+                  <a:cs typeface="Times New Roman" panose="02020603050405020304" pitchFamily="18" charset="0"/>
+                </a:rPr>
+                <a:t>Highway</a:t>
+              </a:r>
+            </a:p>
+          </p:txBody>
+        </p:sp>
+        <p:cxnSp>
+          <p:nvCxnSpPr>
+            <p:cNvPr id="15" name="Straight Connector 14">
+              <a:extLst>
+                <a:ext uri="{FF2B5EF4-FFF2-40B4-BE49-F238E27FC236}">
+                  <a16:creationId xmlns:a16="http://schemas.microsoft.com/office/drawing/2014/main" id="{39492852-C859-F8C0-3B6C-C9649ED3109A}"/>
+                </a:ext>
+              </a:extLst>
+            </p:cNvPr>
+            <p:cNvCxnSpPr>
+              <a:cxnSpLocks/>
+            </p:cNvCxnSpPr>
+            <p:nvPr/>
+          </p:nvCxnSpPr>
+          <p:spPr>
+            <a:xfrm>
+              <a:off x="1756064" y="2930236"/>
+              <a:ext cx="0" cy="124691"/>
+            </a:xfrm>
+            <a:prstGeom prst="line">
+              <a:avLst/>
+            </a:prstGeom>
+            <a:ln>
+              <a:solidFill>
+                <a:schemeClr val="tx1"/>
+              </a:solidFill>
+            </a:ln>
+          </p:spPr>
+          <p:style>
+            <a:lnRef idx="2">
+              <a:schemeClr val="accent1"/>
+            </a:lnRef>
+            <a:fillRef idx="0">
+              <a:schemeClr val="accent1"/>
+            </a:fillRef>
+            <a:effectRef idx="1">
+              <a:schemeClr val="accent1"/>
+            </a:effectRef>
+            <a:fontRef idx="minor">
+              <a:schemeClr val="tx1"/>
+            </a:fontRef>
+          </p:style>
+        </p:cxnSp>
+        <p:cxnSp>
+          <p:nvCxnSpPr>
+            <p:cNvPr id="17" name="Straight Connector 16">
+              <a:extLst>
+                <a:ext uri="{FF2B5EF4-FFF2-40B4-BE49-F238E27FC236}">
+                  <a16:creationId xmlns:a16="http://schemas.microsoft.com/office/drawing/2014/main" id="{7354DB14-CC9D-B105-92A8-BA0A1A682DA2}"/>
+                </a:ext>
+              </a:extLst>
+            </p:cNvPr>
+            <p:cNvCxnSpPr>
+              <a:cxnSpLocks/>
+            </p:cNvCxnSpPr>
+            <p:nvPr/>
+          </p:nvCxnSpPr>
+          <p:spPr>
+            <a:xfrm>
+              <a:off x="3060123" y="2930236"/>
+              <a:ext cx="0" cy="124691"/>
+            </a:xfrm>
+            <a:prstGeom prst="line">
+              <a:avLst/>
+            </a:prstGeom>
+            <a:ln>
+              <a:solidFill>
+                <a:schemeClr val="tx1"/>
+              </a:solidFill>
+            </a:ln>
+          </p:spPr>
+          <p:style>
+            <a:lnRef idx="2">
+              <a:schemeClr val="accent1"/>
+            </a:lnRef>
+            <a:fillRef idx="0">
+              <a:schemeClr val="accent1"/>
+            </a:fillRef>
+            <a:effectRef idx="1">
+              <a:schemeClr val="accent1"/>
+            </a:effectRef>
+            <a:fontRef idx="minor">
+              <a:schemeClr val="tx1"/>
+            </a:fontRef>
+          </p:style>
+        </p:cxnSp>
+        <p:cxnSp>
+          <p:nvCxnSpPr>
+            <p:cNvPr id="19" name="Straight Connector 18">
+              <a:extLst>
+                <a:ext uri="{FF2B5EF4-FFF2-40B4-BE49-F238E27FC236}">
+                  <a16:creationId xmlns:a16="http://schemas.microsoft.com/office/drawing/2014/main" id="{D86554C4-E379-7B14-A21A-C114F48C4EEE}"/>
+                </a:ext>
+              </a:extLst>
+            </p:cNvPr>
+            <p:cNvCxnSpPr>
+              <a:cxnSpLocks/>
+            </p:cNvCxnSpPr>
+            <p:nvPr/>
+          </p:nvCxnSpPr>
+          <p:spPr>
+            <a:xfrm>
+              <a:off x="4249882" y="2930236"/>
+              <a:ext cx="0" cy="124691"/>
+            </a:xfrm>
+            <a:prstGeom prst="line">
+              <a:avLst/>
+            </a:prstGeom>
+            <a:ln>
+              <a:solidFill>
+                <a:schemeClr val="tx1"/>
+              </a:solidFill>
+            </a:ln>
+          </p:spPr>
+          <p:style>
+            <a:lnRef idx="2">
+              <a:schemeClr val="accent1"/>
+            </a:lnRef>
+            <a:fillRef idx="0">
+              <a:schemeClr val="accent1"/>
+            </a:fillRef>
+            <a:effectRef idx="1">
+              <a:schemeClr val="accent1"/>
+            </a:effectRef>
+            <a:fontRef idx="minor">
+              <a:schemeClr val="tx1"/>
+            </a:fontRef>
+          </p:style>
+        </p:cxnSp>
+        <p:sp>
+          <p:nvSpPr>
+            <p:cNvPr id="21" name="Freeform: Shape 20">
+              <a:extLst>
+                <a:ext uri="{FF2B5EF4-FFF2-40B4-BE49-F238E27FC236}">
+                  <a16:creationId xmlns:a16="http://schemas.microsoft.com/office/drawing/2014/main" id="{69585974-611E-C7F2-AC62-57E23A1666F8}"/>
+                </a:ext>
+              </a:extLst>
+            </p:cNvPr>
+            <p:cNvSpPr/>
+            <p:nvPr/>
+          </p:nvSpPr>
+          <p:spPr>
+            <a:xfrm>
+              <a:off x="576983" y="923866"/>
+              <a:ext cx="3636818" cy="1684251"/>
+            </a:xfrm>
+            <a:custGeom>
+              <a:avLst/>
+              <a:gdLst>
+                <a:gd name="csX0" fmla="*/ 0 w 3636818"/>
+                <a:gd name="csY0" fmla="*/ 1675981 h 1675981"/>
+                <a:gd name="csX1" fmla="*/ 1137804 w 3636818"/>
+                <a:gd name="csY1" fmla="*/ 1514922 h 1675981"/>
+                <a:gd name="csX2" fmla="*/ 1413163 w 3636818"/>
+                <a:gd name="csY2" fmla="*/ 761581 h 1675981"/>
+                <a:gd name="csX3" fmla="*/ 2436668 w 3636818"/>
+                <a:gd name="csY3" fmla="*/ 673258 h 1675981"/>
+                <a:gd name="csX4" fmla="*/ 3091295 w 3636818"/>
+                <a:gd name="csY4" fmla="*/ 101758 h 1675981"/>
+                <a:gd name="csX5" fmla="*/ 3636818 w 3636818"/>
+                <a:gd name="csY5" fmla="*/ 3044 h 1675981"/>
+                <a:gd name="csX0" fmla="*/ 0 w 3636818"/>
+                <a:gd name="csY0" fmla="*/ 1676802 h 1676802"/>
+                <a:gd name="csX1" fmla="*/ 1137804 w 3636818"/>
+                <a:gd name="csY1" fmla="*/ 1515743 h 1676802"/>
+                <a:gd name="csX2" fmla="*/ 1413163 w 3636818"/>
+                <a:gd name="csY2" fmla="*/ 762402 h 1676802"/>
+                <a:gd name="csX3" fmla="*/ 2436668 w 3636818"/>
+                <a:gd name="csY3" fmla="*/ 674079 h 1676802"/>
+                <a:gd name="csX4" fmla="*/ 2836717 w 3636818"/>
+                <a:gd name="csY4" fmla="*/ 97384 h 1676802"/>
+                <a:gd name="csX5" fmla="*/ 3636818 w 3636818"/>
+                <a:gd name="csY5" fmla="*/ 3865 h 1676802"/>
+                <a:gd name="csX0" fmla="*/ 0 w 3636818"/>
+                <a:gd name="csY0" fmla="*/ 1684251 h 1684251"/>
+                <a:gd name="csX1" fmla="*/ 1137804 w 3636818"/>
+                <a:gd name="csY1" fmla="*/ 1523192 h 1684251"/>
+                <a:gd name="csX2" fmla="*/ 1413163 w 3636818"/>
+                <a:gd name="csY2" fmla="*/ 769851 h 1684251"/>
+                <a:gd name="csX3" fmla="*/ 2436668 w 3636818"/>
+                <a:gd name="csY3" fmla="*/ 681528 h 1684251"/>
+                <a:gd name="csX4" fmla="*/ 2763980 w 3636818"/>
+                <a:gd name="csY4" fmla="*/ 78855 h 1684251"/>
+                <a:gd name="csX5" fmla="*/ 3636818 w 3636818"/>
+                <a:gd name="csY5" fmla="*/ 11314 h 1684251"/>
+              </a:gdLst>
+              <a:ahLst/>
+              <a:cxnLst>
+                <a:cxn ang="0">
+                  <a:pos x="csX0" y="csY0"/>
+                </a:cxn>
+                <a:cxn ang="0">
+                  <a:pos x="csX1" y="csY1"/>
+                </a:cxn>
+                <a:cxn ang="0">
+                  <a:pos x="csX2" y="csY2"/>
+                </a:cxn>
+                <a:cxn ang="0">
+                  <a:pos x="csX3" y="csY3"/>
+                </a:cxn>
+                <a:cxn ang="0">
+                  <a:pos x="csX4" y="csY4"/>
+                </a:cxn>
+                <a:cxn ang="0">
+                  <a:pos x="csX5" y="csY5"/>
+                </a:cxn>
+              </a:cxnLst>
+              <a:rect l="l" t="t" r="r" b="b"/>
+              <a:pathLst>
+                <a:path w="3636818" h="1684251">
+                  <a:moveTo>
+                    <a:pt x="0" y="1684251"/>
+                  </a:moveTo>
+                  <a:cubicBezTo>
+                    <a:pt x="451138" y="1679921"/>
+                    <a:pt x="902277" y="1675592"/>
+                    <a:pt x="1137804" y="1523192"/>
+                  </a:cubicBezTo>
+                  <a:cubicBezTo>
+                    <a:pt x="1373331" y="1370792"/>
+                    <a:pt x="1196686" y="910128"/>
+                    <a:pt x="1413163" y="769851"/>
+                  </a:cubicBezTo>
+                  <a:cubicBezTo>
+                    <a:pt x="1629640" y="629574"/>
+                    <a:pt x="2211532" y="796694"/>
+                    <a:pt x="2436668" y="681528"/>
+                  </a:cubicBezTo>
+                  <a:cubicBezTo>
+                    <a:pt x="2661804" y="566362"/>
+                    <a:pt x="2563955" y="190557"/>
+                    <a:pt x="2763980" y="78855"/>
+                  </a:cubicBezTo>
+                  <a:cubicBezTo>
+                    <a:pt x="2964005" y="-32847"/>
+                    <a:pt x="3464069" y="4820"/>
+                    <a:pt x="3636818" y="11314"/>
+                  </a:cubicBezTo>
+                </a:path>
+              </a:pathLst>
+            </a:custGeom>
+            <a:noFill/>
+            <a:ln w="19050">
+              <a:solidFill>
+                <a:srgbClr val="FF0000"/>
+              </a:solidFill>
+            </a:ln>
+          </p:spPr>
+          <p:style>
+            <a:lnRef idx="2">
+              <a:schemeClr val="accent1">
+                <a:shade val="15000"/>
+              </a:schemeClr>
+            </a:lnRef>
+            <a:fillRef idx="1">
+              <a:schemeClr val="accent1"/>
+            </a:fillRef>
+            <a:effectRef idx="0">
+              <a:schemeClr val="accent1"/>
+            </a:effectRef>
+            <a:fontRef idx="minor">
+              <a:schemeClr val="lt1"/>
+            </a:fontRef>
+          </p:style>
+          <p:txBody>
+            <a:bodyPr rtlCol="0" anchor="ctr"/>
+            <a:lstStyle/>
+            <a:p>
+              <a:pPr algn="ctr"/>
+              <a:endParaRPr lang="en-US" sz="1400"/>
+            </a:p>
+          </p:txBody>
+        </p:sp>
+        <p:cxnSp>
+          <p:nvCxnSpPr>
+            <p:cNvPr id="26" name="Straight Connector 25">
+              <a:extLst>
+                <a:ext uri="{FF2B5EF4-FFF2-40B4-BE49-F238E27FC236}">
+                  <a16:creationId xmlns:a16="http://schemas.microsoft.com/office/drawing/2014/main" id="{0736EF7A-4A13-6ECD-230F-BEFF0B22207F}"/>
+                </a:ext>
+              </a:extLst>
+            </p:cNvPr>
+            <p:cNvCxnSpPr/>
+            <p:nvPr/>
+          </p:nvCxnSpPr>
+          <p:spPr>
+            <a:xfrm>
+              <a:off x="576983" y="1407967"/>
+              <a:ext cx="3662793" cy="0"/>
+            </a:xfrm>
+            <a:prstGeom prst="line">
+              <a:avLst/>
+            </a:prstGeom>
+            <a:noFill/>
+            <a:ln w="19050">
+              <a:solidFill>
+                <a:srgbClr val="00B050"/>
+              </a:solidFill>
+            </a:ln>
+          </p:spPr>
+          <p:style>
+            <a:lnRef idx="2">
+              <a:schemeClr val="accent1">
+                <a:shade val="15000"/>
+              </a:schemeClr>
+            </a:lnRef>
+            <a:fillRef idx="1">
+              <a:schemeClr val="accent1"/>
+            </a:fillRef>
+            <a:effectRef idx="0">
+              <a:schemeClr val="accent1"/>
+            </a:effectRef>
+            <a:fontRef idx="minor">
+              <a:schemeClr val="lt1"/>
+            </a:fontRef>
+          </p:style>
+        </p:cxnSp>
+        <p:sp>
+          <p:nvSpPr>
+            <p:cNvPr id="6" name="TextBox 5">
+              <a:extLst>
+                <a:ext uri="{FF2B5EF4-FFF2-40B4-BE49-F238E27FC236}">
+                  <a16:creationId xmlns:a16="http://schemas.microsoft.com/office/drawing/2014/main" id="{95ACEE0C-CD77-97C5-DD42-A3E45B072160}"/>
+                </a:ext>
+              </a:extLst>
+            </p:cNvPr>
+            <p:cNvSpPr txBox="1"/>
+            <p:nvPr/>
+          </p:nvSpPr>
+          <p:spPr>
+            <a:xfrm>
+              <a:off x="1278215" y="537683"/>
+              <a:ext cx="2209525" cy="276999"/>
+            </a:xfrm>
+            <a:prstGeom prst="rect">
+              <a:avLst/>
+            </a:prstGeom>
+            <a:noFill/>
+          </p:spPr>
+          <p:txBody>
+            <a:bodyPr wrap="square" rtlCol="0">
+              <a:spAutoFit/>
+            </a:bodyPr>
+            <a:lstStyle/>
+            <a:p>
+              <a:pPr algn="ctr"/>
+              <a:r>
+                <a:rPr lang="en-US" sz="1200" b="1" dirty="0">
+                  <a:latin typeface="Times New Roman" panose="02020603050405020304" pitchFamily="18" charset="0"/>
+                  <a:cs typeface="Times New Roman" panose="02020603050405020304" pitchFamily="18" charset="0"/>
+                </a:rPr>
+                <a:t>Ground Truth</a:t>
+              </a:r>
+            </a:p>
+          </p:txBody>
+        </p:sp>
+      </p:grpSp>
+    </p:spTree>
+    <p:extLst>
+      <p:ext uri="{BB962C8B-B14F-4D97-AF65-F5344CB8AC3E}">
+        <p14:creationId xmlns:p14="http://schemas.microsoft.com/office/powerpoint/2010/main" val="2851927980"/>
+      </p:ext>
+    </p:extLst>
+  </p:cSld>
+  <p:clrMapOvr>
+    <a:masterClrMapping/>
+  </p:clrMapOvr>
+</p:sld>
+</file>
+
 <file path=ppt/theme/theme1.xml><?xml version="1.0" encoding="utf-8"?>
 <a:theme xmlns:a="http://schemas.openxmlformats.org/drawingml/2006/main" name="Office Theme">
   <a:themeElements>
